--- a/docs/Progress_Reports/NostraDomicile (6).pptx
+++ b/docs/Progress_Reports/NostraDomicile (6).pptx
@@ -2,64 +2,65 @@
 <file path=ppt/presentation.xml><?xml version="1.0" encoding="utf-8"?>
 <p:presentation xmlns:a="http://schemas.openxmlformats.org/drawingml/2006/main" xmlns:r="http://schemas.openxmlformats.org/officeDocument/2006/relationships" xmlns:mc="http://schemas.openxmlformats.org/markup-compatibility/2006" xmlns:mv="urn:schemas-microsoft-com:mac:vml" xmlns:p="http://schemas.openxmlformats.org/presentationml/2006/main" xmlns:c="http://schemas.openxmlformats.org/drawingml/2006/chart" xmlns:dgm="http://schemas.openxmlformats.org/drawingml/2006/diagram" xmlns:o="urn:schemas-microsoft-com:office:office" xmlns:v="urn:schemas-microsoft-com:vml" xmlns:pvml="urn:schemas-microsoft-com:office:powerpoint" xmlns:com="http://schemas.openxmlformats.org/drawingml/2006/compatibility" xmlns:p14="http://schemas.microsoft.com/office/powerpoint/2010/main" autoCompressPictures="0" strictFirstAndLastChars="0" saveSubsetFonts="1">
   <p:sldMasterIdLst>
-    <p:sldMasterId id="2147483659" r:id="rId4"/>
+    <p:sldMasterId id="2147483659" r:id="rId5"/>
   </p:sldMasterIdLst>
   <p:notesMasterIdLst>
-    <p:notesMasterId r:id="rId5"/>
+    <p:notesMasterId r:id="rId6"/>
   </p:notesMasterIdLst>
   <p:sldIdLst>
-    <p:sldId id="256" r:id="rId6"/>
-    <p:sldId id="257" r:id="rId7"/>
-    <p:sldId id="258" r:id="rId8"/>
-    <p:sldId id="259" r:id="rId9"/>
-    <p:sldId id="260" r:id="rId10"/>
-    <p:sldId id="261" r:id="rId11"/>
-    <p:sldId id="262" r:id="rId12"/>
-    <p:sldId id="263" r:id="rId13"/>
-    <p:sldId id="264" r:id="rId14"/>
-    <p:sldId id="265" r:id="rId15"/>
-    <p:sldId id="266" r:id="rId16"/>
-    <p:sldId id="267" r:id="rId17"/>
-    <p:sldId id="268" r:id="rId18"/>
-    <p:sldId id="269" r:id="rId19"/>
-    <p:sldId id="270" r:id="rId20"/>
-    <p:sldId id="271" r:id="rId21"/>
-    <p:sldId id="272" r:id="rId22"/>
-    <p:sldId id="273" r:id="rId23"/>
-    <p:sldId id="274" r:id="rId24"/>
-    <p:sldId id="275" r:id="rId25"/>
-    <p:sldId id="276" r:id="rId26"/>
-    <p:sldId id="277" r:id="rId27"/>
-    <p:sldId id="278" r:id="rId28"/>
-    <p:sldId id="279" r:id="rId29"/>
-    <p:sldId id="280" r:id="rId30"/>
-    <p:sldId id="281" r:id="rId31"/>
-    <p:sldId id="282" r:id="rId32"/>
-    <p:sldId id="283" r:id="rId33"/>
-    <p:sldId id="284" r:id="rId34"/>
-    <p:sldId id="285" r:id="rId35"/>
-    <p:sldId id="286" r:id="rId36"/>
-    <p:sldId id="287" r:id="rId37"/>
-    <p:sldId id="288" r:id="rId38"/>
-    <p:sldId id="289" r:id="rId39"/>
-    <p:sldId id="290" r:id="rId40"/>
-    <p:sldId id="291" r:id="rId41"/>
-    <p:sldId id="292" r:id="rId42"/>
-    <p:sldId id="293" r:id="rId43"/>
-    <p:sldId id="294" r:id="rId44"/>
-    <p:sldId id="295" r:id="rId45"/>
-    <p:sldId id="296" r:id="rId46"/>
-    <p:sldId id="297" r:id="rId47"/>
-    <p:sldId id="298" r:id="rId48"/>
-    <p:sldId id="299" r:id="rId49"/>
-    <p:sldId id="300" r:id="rId50"/>
-    <p:sldId id="301" r:id="rId51"/>
-    <p:sldId id="302" r:id="rId52"/>
-    <p:sldId id="303" r:id="rId53"/>
-    <p:sldId id="304" r:id="rId54"/>
-    <p:sldId id="305" r:id="rId55"/>
-    <p:sldId id="306" r:id="rId56"/>
-    <p:sldId id="307" r:id="rId57"/>
+    <p:sldId id="256" r:id="rId7"/>
+    <p:sldId id="257" r:id="rId8"/>
+    <p:sldId id="258" r:id="rId9"/>
+    <p:sldId id="259" r:id="rId10"/>
+    <p:sldId id="260" r:id="rId11"/>
+    <p:sldId id="261" r:id="rId12"/>
+    <p:sldId id="262" r:id="rId13"/>
+    <p:sldId id="263" r:id="rId14"/>
+    <p:sldId id="264" r:id="rId15"/>
+    <p:sldId id="265" r:id="rId16"/>
+    <p:sldId id="266" r:id="rId17"/>
+    <p:sldId id="267" r:id="rId18"/>
+    <p:sldId id="268" r:id="rId19"/>
+    <p:sldId id="269" r:id="rId20"/>
+    <p:sldId id="270" r:id="rId21"/>
+    <p:sldId id="271" r:id="rId22"/>
+    <p:sldId id="272" r:id="rId23"/>
+    <p:sldId id="273" r:id="rId24"/>
+    <p:sldId id="274" r:id="rId25"/>
+    <p:sldId id="275" r:id="rId26"/>
+    <p:sldId id="276" r:id="rId27"/>
+    <p:sldId id="277" r:id="rId28"/>
+    <p:sldId id="278" r:id="rId29"/>
+    <p:sldId id="279" r:id="rId30"/>
+    <p:sldId id="280" r:id="rId31"/>
+    <p:sldId id="281" r:id="rId32"/>
+    <p:sldId id="282" r:id="rId33"/>
+    <p:sldId id="283" r:id="rId34"/>
+    <p:sldId id="284" r:id="rId35"/>
+    <p:sldId id="285" r:id="rId36"/>
+    <p:sldId id="286" r:id="rId37"/>
+    <p:sldId id="287" r:id="rId38"/>
+    <p:sldId id="288" r:id="rId39"/>
+    <p:sldId id="289" r:id="rId40"/>
+    <p:sldId id="290" r:id="rId41"/>
+    <p:sldId id="291" r:id="rId42"/>
+    <p:sldId id="292" r:id="rId43"/>
+    <p:sldId id="293" r:id="rId44"/>
+    <p:sldId id="294" r:id="rId45"/>
+    <p:sldId id="295" r:id="rId46"/>
+    <p:sldId id="296" r:id="rId47"/>
+    <p:sldId id="297" r:id="rId48"/>
+    <p:sldId id="298" r:id="rId49"/>
+    <p:sldId id="299" r:id="rId50"/>
+    <p:sldId id="300" r:id="rId51"/>
+    <p:sldId id="301" r:id="rId52"/>
+    <p:sldId id="302" r:id="rId53"/>
+    <p:sldId id="303" r:id="rId54"/>
+    <p:sldId id="304" r:id="rId55"/>
+    <p:sldId id="305" r:id="rId56"/>
+    <p:sldId id="306" r:id="rId57"/>
+    <p:sldId id="307" r:id="rId58"/>
+    <p:sldId id="308" r:id="rId59"/>
   </p:sldIdLst>
   <p:sldSz cy="5143500" cx="9144000"/>
   <p:notesSz cx="6858000" cy="9144000"/>
@@ -270,34 +271,15 @@
 
 <file path=ppt/commentAuthors.xml><?xml version="1.0" encoding="utf-8"?>
 <p:cmAuthorLst xmlns:a="http://schemas.openxmlformats.org/drawingml/2006/main" xmlns:r="http://schemas.openxmlformats.org/officeDocument/2006/relationships" xmlns:mc="http://schemas.openxmlformats.org/markup-compatibility/2006" xmlns:mv="urn:schemas-microsoft-com:mac:vml" xmlns:p="http://schemas.openxmlformats.org/presentationml/2006/main" xmlns:c="http://schemas.openxmlformats.org/drawingml/2006/chart" xmlns:dgm="http://schemas.openxmlformats.org/drawingml/2006/diagram" xmlns:o="urn:schemas-microsoft-com:office:office" xmlns:v="urn:schemas-microsoft-com:vml" xmlns:pvml="urn:schemas-microsoft-com:office:powerpoint" xmlns:com="http://schemas.openxmlformats.org/drawingml/2006/compatibility" xmlns:p14="http://schemas.microsoft.com/office/powerpoint/2010/main">
-  <p:cmAuthor clrIdx="0" id="0" initials="" lastIdx="2" name="Ochaun Marshall"/>
-  <p:cmAuthor clrIdx="1" id="1" initials="" lastIdx="1" name="Richard Andrews"/>
+  <p:cmAuthor clrIdx="0" id="0" initials="" lastIdx="1" name="Richard Andrews"/>
 </p:cmAuthorLst>
 </file>
 
 <file path=ppt/comments/comment1.xml><?xml version="1.0" encoding="utf-8"?>
 <p:cmLst xmlns:a="http://schemas.openxmlformats.org/drawingml/2006/main" xmlns:r="http://schemas.openxmlformats.org/officeDocument/2006/relationships" xmlns:mc="http://schemas.openxmlformats.org/markup-compatibility/2006" xmlns:mv="urn:schemas-microsoft-com:mac:vml" xmlns:p="http://schemas.openxmlformats.org/presentationml/2006/main" xmlns:c="http://schemas.openxmlformats.org/drawingml/2006/chart" xmlns:dgm="http://schemas.openxmlformats.org/drawingml/2006/diagram" xmlns:o="urn:schemas-microsoft-com:office:office" xmlns:v="urn:schemas-microsoft-com:vml" xmlns:pvml="urn:schemas-microsoft-com:office:powerpoint" xmlns:com="http://schemas.openxmlformats.org/drawingml/2006/compatibility" xmlns:p14="http://schemas.microsoft.com/office/powerpoint/2010/main">
-  <p:cm authorId="0" idx="1" dt="2017-02-07T17:19:33.179">
+  <p:cm authorId="0" idx="1" dt="2017-03-30T00:46:29.076">
     <p:pos x="6000" y="0"/>
-    <p:text>He mentioned Categories for Requirement Specification</p:text>
-  </p:cm>
-</p:cmLst>
-</file>
-
-<file path=ppt/comments/comment2.xml><?xml version="1.0" encoding="utf-8"?>
-<p:cmLst xmlns:a="http://schemas.openxmlformats.org/drawingml/2006/main" xmlns:r="http://schemas.openxmlformats.org/officeDocument/2006/relationships" xmlns:mc="http://schemas.openxmlformats.org/markup-compatibility/2006" xmlns:mv="urn:schemas-microsoft-com:mac:vml" xmlns:p="http://schemas.openxmlformats.org/presentationml/2006/main" xmlns:c="http://schemas.openxmlformats.org/drawingml/2006/chart" xmlns:dgm="http://schemas.openxmlformats.org/drawingml/2006/diagram" xmlns:o="urn:schemas-microsoft-com:office:office" xmlns:v="urn:schemas-microsoft-com:vml" xmlns:pvml="urn:schemas-microsoft-com:office:powerpoint" xmlns:com="http://schemas.openxmlformats.org/drawingml/2006/compatibility" xmlns:p14="http://schemas.microsoft.com/office/powerpoint/2010/main">
-  <p:cm authorId="0" idx="2" dt="2017-02-08T02:31:28.995">
-    <p:pos x="6000" y="0"/>
-    <p:text>Replace this with Ghant Chart</p:text>
-  </p:cm>
-</p:cmLst>
-</file>
-
-<file path=ppt/comments/comment3.xml><?xml version="1.0" encoding="utf-8"?>
-<p:cmLst xmlns:a="http://schemas.openxmlformats.org/drawingml/2006/main" xmlns:r="http://schemas.openxmlformats.org/officeDocument/2006/relationships" xmlns:mc="http://schemas.openxmlformats.org/markup-compatibility/2006" xmlns:mv="urn:schemas-microsoft-com:mac:vml" xmlns:p="http://schemas.openxmlformats.org/presentationml/2006/main" xmlns:c="http://schemas.openxmlformats.org/drawingml/2006/chart" xmlns:dgm="http://schemas.openxmlformats.org/drawingml/2006/diagram" xmlns:o="urn:schemas-microsoft-com:office:office" xmlns:v="urn:schemas-microsoft-com:vml" xmlns:pvml="urn:schemas-microsoft-com:office:powerpoint" xmlns:com="http://schemas.openxmlformats.org/drawingml/2006/compatibility" xmlns:p14="http://schemas.microsoft.com/office/powerpoint/2010/main">
-  <p:cm authorId="1" idx="1" dt="2017-03-28T06:20:40.738">
-    <p:pos x="6000" y="0"/>
-    <p:text>Presentation start</p:text>
+    <p:text>Starting slide for presentation on 3/30</p:text>
   </p:cm>
 </p:cmLst>
 </file>
@@ -3090,7 +3072,7 @@
           </a:bodyPr>
           <a:lstStyle/>
           <a:p>
-            <a:pPr lvl="0">
+            <a:pPr lvl="0" rtl="0">
               <a:spcBef>
                 <a:spcPts val="0"/>
               </a:spcBef>
@@ -3116,7 +3098,7 @@
   <p:cSld>
     <p:spTree>
       <p:nvGrpSpPr>
-        <p:cNvPr id="261" name="Shape 261"/>
+        <p:cNvPr id="264" name="Shape 264"/>
         <p:cNvGrpSpPr/>
         <p:nvPr/>
       </p:nvGrpSpPr>
@@ -3130,7 +3112,7 @@
       </p:grpSpPr>
       <p:sp>
         <p:nvSpPr>
-          <p:cNvPr id="262" name="Shape 262"/>
+          <p:cNvPr id="265" name="Shape 265"/>
           <p:cNvSpPr/>
           <p:nvPr>
             <p:ph idx="2" type="sldImg"/>
@@ -3164,7 +3146,7 @@
       </p:sp>
       <p:sp>
         <p:nvSpPr>
-          <p:cNvPr id="263" name="Shape 263"/>
+          <p:cNvPr id="266" name="Shape 266"/>
           <p:cNvSpPr txBox="1"/>
           <p:nvPr>
             <p:ph idx="1" type="body"/>
@@ -3211,7 +3193,7 @@
   <p:cSld>
     <p:spTree>
       <p:nvGrpSpPr>
-        <p:cNvPr id="267" name="Shape 267"/>
+        <p:cNvPr id="270" name="Shape 270"/>
         <p:cNvGrpSpPr/>
         <p:nvPr/>
       </p:nvGrpSpPr>
@@ -3225,7 +3207,7 @@
       </p:grpSpPr>
       <p:sp>
         <p:nvSpPr>
-          <p:cNvPr id="268" name="Shape 268"/>
+          <p:cNvPr id="271" name="Shape 271"/>
           <p:cNvSpPr/>
           <p:nvPr>
             <p:ph idx="2" type="sldImg"/>
@@ -3259,7 +3241,7 @@
       </p:sp>
       <p:sp>
         <p:nvSpPr>
-          <p:cNvPr id="269" name="Shape 269"/>
+          <p:cNvPr id="272" name="Shape 272"/>
           <p:cNvSpPr txBox="1"/>
           <p:nvPr>
             <p:ph idx="1" type="body"/>
@@ -3306,7 +3288,7 @@
   <p:cSld>
     <p:spTree>
       <p:nvGrpSpPr>
-        <p:cNvPr id="273" name="Shape 273"/>
+        <p:cNvPr id="276" name="Shape 276"/>
         <p:cNvGrpSpPr/>
         <p:nvPr/>
       </p:nvGrpSpPr>
@@ -3320,7 +3302,7 @@
       </p:grpSpPr>
       <p:sp>
         <p:nvSpPr>
-          <p:cNvPr id="274" name="Shape 274"/>
+          <p:cNvPr id="277" name="Shape 277"/>
           <p:cNvSpPr/>
           <p:nvPr>
             <p:ph idx="2" type="sldImg"/>
@@ -3354,7 +3336,7 @@
       </p:sp>
       <p:sp>
         <p:nvSpPr>
-          <p:cNvPr id="275" name="Shape 275"/>
+          <p:cNvPr id="278" name="Shape 278"/>
           <p:cNvSpPr txBox="1"/>
           <p:nvPr>
             <p:ph idx="1" type="body"/>
@@ -3401,7 +3383,7 @@
   <p:cSld>
     <p:spTree>
       <p:nvGrpSpPr>
-        <p:cNvPr id="279" name="Shape 279"/>
+        <p:cNvPr id="282" name="Shape 282"/>
         <p:cNvGrpSpPr/>
         <p:nvPr/>
       </p:nvGrpSpPr>
@@ -3415,7 +3397,7 @@
       </p:grpSpPr>
       <p:sp>
         <p:nvSpPr>
-          <p:cNvPr id="280" name="Shape 280"/>
+          <p:cNvPr id="283" name="Shape 283"/>
           <p:cNvSpPr/>
           <p:nvPr>
             <p:ph idx="2" type="sldImg"/>
@@ -3449,7 +3431,7 @@
       </p:sp>
       <p:sp>
         <p:nvSpPr>
-          <p:cNvPr id="281" name="Shape 281"/>
+          <p:cNvPr id="284" name="Shape 284"/>
           <p:cNvSpPr txBox="1"/>
           <p:nvPr>
             <p:ph idx="1" type="body"/>
@@ -3496,7 +3478,7 @@
   <p:cSld>
     <p:spTree>
       <p:nvGrpSpPr>
-        <p:cNvPr id="285" name="Shape 285"/>
+        <p:cNvPr id="288" name="Shape 288"/>
         <p:cNvGrpSpPr/>
         <p:nvPr/>
       </p:nvGrpSpPr>
@@ -3510,7 +3492,7 @@
       </p:grpSpPr>
       <p:sp>
         <p:nvSpPr>
-          <p:cNvPr id="286" name="Shape 286"/>
+          <p:cNvPr id="289" name="Shape 289"/>
           <p:cNvSpPr/>
           <p:nvPr>
             <p:ph idx="2" type="sldImg"/>
@@ -3544,7 +3526,7 @@
       </p:sp>
       <p:sp>
         <p:nvSpPr>
-          <p:cNvPr id="287" name="Shape 287"/>
+          <p:cNvPr id="290" name="Shape 290"/>
           <p:cNvSpPr txBox="1"/>
           <p:nvPr>
             <p:ph idx="1" type="body"/>
@@ -3565,7 +3547,7 @@
           </a:bodyPr>
           <a:lstStyle/>
           <a:p>
-            <a:pPr lvl="0">
+            <a:pPr lvl="0" rtl="0">
               <a:spcBef>
                 <a:spcPts val="0"/>
               </a:spcBef>
@@ -3686,7 +3668,7 @@
   <p:cSld>
     <p:spTree>
       <p:nvGrpSpPr>
-        <p:cNvPr id="291" name="Shape 291"/>
+        <p:cNvPr id="294" name="Shape 294"/>
         <p:cNvGrpSpPr/>
         <p:nvPr/>
       </p:nvGrpSpPr>
@@ -3700,7 +3682,7 @@
       </p:grpSpPr>
       <p:sp>
         <p:nvSpPr>
-          <p:cNvPr id="292" name="Shape 292"/>
+          <p:cNvPr id="295" name="Shape 295"/>
           <p:cNvSpPr/>
           <p:nvPr>
             <p:ph idx="2" type="sldImg"/>
@@ -3734,7 +3716,7 @@
       </p:sp>
       <p:sp>
         <p:nvSpPr>
-          <p:cNvPr id="293" name="Shape 293"/>
+          <p:cNvPr id="296" name="Shape 296"/>
           <p:cNvSpPr txBox="1"/>
           <p:nvPr>
             <p:ph idx="1" type="body"/>
@@ -3755,7 +3737,7 @@
           </a:bodyPr>
           <a:lstStyle/>
           <a:p>
-            <a:pPr lvl="0">
+            <a:pPr lvl="0" rtl="0">
               <a:spcBef>
                 <a:spcPts val="0"/>
               </a:spcBef>
@@ -3781,7 +3763,7 @@
   <p:cSld>
     <p:spTree>
       <p:nvGrpSpPr>
-        <p:cNvPr id="297" name="Shape 297"/>
+        <p:cNvPr id="300" name="Shape 300"/>
         <p:cNvGrpSpPr/>
         <p:nvPr/>
       </p:nvGrpSpPr>
@@ -3795,7 +3777,7 @@
       </p:grpSpPr>
       <p:sp>
         <p:nvSpPr>
-          <p:cNvPr id="298" name="Shape 298"/>
+          <p:cNvPr id="301" name="Shape 301"/>
           <p:cNvSpPr/>
           <p:nvPr>
             <p:ph idx="2" type="sldImg"/>
@@ -3829,7 +3811,7 @@
       </p:sp>
       <p:sp>
         <p:nvSpPr>
-          <p:cNvPr id="299" name="Shape 299"/>
+          <p:cNvPr id="302" name="Shape 302"/>
           <p:cNvSpPr txBox="1"/>
           <p:nvPr>
             <p:ph idx="1" type="body"/>
@@ -3850,7 +3832,7 @@
           </a:bodyPr>
           <a:lstStyle/>
           <a:p>
-            <a:pPr lvl="0">
+            <a:pPr lvl="0" rtl="0">
               <a:spcBef>
                 <a:spcPts val="0"/>
               </a:spcBef>
@@ -3876,7 +3858,7 @@
   <p:cSld>
     <p:spTree>
       <p:nvGrpSpPr>
-        <p:cNvPr id="303" name="Shape 303"/>
+        <p:cNvPr id="306" name="Shape 306"/>
         <p:cNvGrpSpPr/>
         <p:nvPr/>
       </p:nvGrpSpPr>
@@ -3890,7 +3872,7 @@
       </p:grpSpPr>
       <p:sp>
         <p:nvSpPr>
-          <p:cNvPr id="304" name="Shape 304"/>
+          <p:cNvPr id="307" name="Shape 307"/>
           <p:cNvSpPr/>
           <p:nvPr>
             <p:ph idx="2" type="sldImg"/>
@@ -3924,7 +3906,7 @@
       </p:sp>
       <p:sp>
         <p:nvSpPr>
-          <p:cNvPr id="305" name="Shape 305"/>
+          <p:cNvPr id="308" name="Shape 308"/>
           <p:cNvSpPr txBox="1"/>
           <p:nvPr>
             <p:ph idx="1" type="body"/>
@@ -3945,7 +3927,7 @@
           </a:bodyPr>
           <a:lstStyle/>
           <a:p>
-            <a:pPr lvl="0">
+            <a:pPr lvl="0" rtl="0">
               <a:spcBef>
                 <a:spcPts val="0"/>
               </a:spcBef>
@@ -3971,7 +3953,7 @@
   <p:cSld>
     <p:spTree>
       <p:nvGrpSpPr>
-        <p:cNvPr id="309" name="Shape 309"/>
+        <p:cNvPr id="312" name="Shape 312"/>
         <p:cNvGrpSpPr/>
         <p:nvPr/>
       </p:nvGrpSpPr>
@@ -3985,7 +3967,7 @@
       </p:grpSpPr>
       <p:sp>
         <p:nvSpPr>
-          <p:cNvPr id="310" name="Shape 310"/>
+          <p:cNvPr id="313" name="Shape 313"/>
           <p:cNvSpPr/>
           <p:nvPr>
             <p:ph idx="2" type="sldImg"/>
@@ -4019,7 +4001,7 @@
       </p:sp>
       <p:sp>
         <p:nvSpPr>
-          <p:cNvPr id="311" name="Shape 311"/>
+          <p:cNvPr id="314" name="Shape 314"/>
           <p:cNvSpPr txBox="1"/>
           <p:nvPr>
             <p:ph idx="1" type="body"/>
@@ -4040,7 +4022,7 @@
           </a:bodyPr>
           <a:lstStyle/>
           <a:p>
-            <a:pPr lvl="0" rtl="0">
+            <a:pPr lvl="0">
               <a:spcBef>
                 <a:spcPts val="0"/>
               </a:spcBef>
@@ -4066,7 +4048,7 @@
   <p:cSld>
     <p:spTree>
       <p:nvGrpSpPr>
-        <p:cNvPr id="315" name="Shape 315"/>
+        <p:cNvPr id="318" name="Shape 318"/>
         <p:cNvGrpSpPr/>
         <p:nvPr/>
       </p:nvGrpSpPr>
@@ -4080,7 +4062,7 @@
       </p:grpSpPr>
       <p:sp>
         <p:nvSpPr>
-          <p:cNvPr id="316" name="Shape 316"/>
+          <p:cNvPr id="319" name="Shape 319"/>
           <p:cNvSpPr/>
           <p:nvPr>
             <p:ph idx="2" type="sldImg"/>
@@ -4114,7 +4096,7 @@
       </p:sp>
       <p:sp>
         <p:nvSpPr>
-          <p:cNvPr id="317" name="Shape 317"/>
+          <p:cNvPr id="320" name="Shape 320"/>
           <p:cNvSpPr txBox="1"/>
           <p:nvPr>
             <p:ph idx="1" type="body"/>
@@ -4161,7 +4143,7 @@
   <p:cSld>
     <p:spTree>
       <p:nvGrpSpPr>
-        <p:cNvPr id="321" name="Shape 321"/>
+        <p:cNvPr id="324" name="Shape 324"/>
         <p:cNvGrpSpPr/>
         <p:nvPr/>
       </p:nvGrpSpPr>
@@ -4175,7 +4157,7 @@
       </p:grpSpPr>
       <p:sp>
         <p:nvSpPr>
-          <p:cNvPr id="322" name="Shape 322"/>
+          <p:cNvPr id="325" name="Shape 325"/>
           <p:cNvSpPr/>
           <p:nvPr>
             <p:ph idx="2" type="sldImg"/>
@@ -4209,7 +4191,7 @@
       </p:sp>
       <p:sp>
         <p:nvSpPr>
-          <p:cNvPr id="323" name="Shape 323"/>
+          <p:cNvPr id="326" name="Shape 326"/>
           <p:cNvSpPr txBox="1"/>
           <p:nvPr>
             <p:ph idx="1" type="body"/>
@@ -4230,7 +4212,7 @@
           </a:bodyPr>
           <a:lstStyle/>
           <a:p>
-            <a:pPr lvl="0" rtl="0">
+            <a:pPr lvl="0">
               <a:spcBef>
                 <a:spcPts val="0"/>
               </a:spcBef>
@@ -4256,7 +4238,7 @@
   <p:cSld>
     <p:spTree>
       <p:nvGrpSpPr>
-        <p:cNvPr id="327" name="Shape 327"/>
+        <p:cNvPr id="330" name="Shape 330"/>
         <p:cNvGrpSpPr/>
         <p:nvPr/>
       </p:nvGrpSpPr>
@@ -4270,7 +4252,7 @@
       </p:grpSpPr>
       <p:sp>
         <p:nvSpPr>
-          <p:cNvPr id="328" name="Shape 328"/>
+          <p:cNvPr id="331" name="Shape 331"/>
           <p:cNvSpPr/>
           <p:nvPr>
             <p:ph idx="2" type="sldImg"/>
@@ -4304,7 +4286,7 @@
       </p:sp>
       <p:sp>
         <p:nvSpPr>
-          <p:cNvPr id="329" name="Shape 329"/>
+          <p:cNvPr id="332" name="Shape 332"/>
           <p:cNvSpPr txBox="1"/>
           <p:nvPr>
             <p:ph idx="1" type="body"/>
@@ -4351,7 +4333,7 @@
   <p:cSld>
     <p:spTree>
       <p:nvGrpSpPr>
-        <p:cNvPr id="333" name="Shape 333"/>
+        <p:cNvPr id="336" name="Shape 336"/>
         <p:cNvGrpSpPr/>
         <p:nvPr/>
       </p:nvGrpSpPr>
@@ -4365,7 +4347,7 @@
       </p:grpSpPr>
       <p:sp>
         <p:nvSpPr>
-          <p:cNvPr id="334" name="Shape 334"/>
+          <p:cNvPr id="337" name="Shape 337"/>
           <p:cNvSpPr/>
           <p:nvPr>
             <p:ph idx="2" type="sldImg"/>
@@ -4399,7 +4381,7 @@
       </p:sp>
       <p:sp>
         <p:nvSpPr>
-          <p:cNvPr id="335" name="Shape 335"/>
+          <p:cNvPr id="338" name="Shape 338"/>
           <p:cNvSpPr txBox="1"/>
           <p:nvPr>
             <p:ph idx="1" type="body"/>
@@ -4420,7 +4402,7 @@
           </a:bodyPr>
           <a:lstStyle/>
           <a:p>
-            <a:pPr lvl="0" rtl="0">
+            <a:pPr lvl="0">
               <a:spcBef>
                 <a:spcPts val="0"/>
               </a:spcBef>
@@ -4446,7 +4428,7 @@
   <p:cSld>
     <p:spTree>
       <p:nvGrpSpPr>
-        <p:cNvPr id="339" name="Shape 339"/>
+        <p:cNvPr id="342" name="Shape 342"/>
         <p:cNvGrpSpPr/>
         <p:nvPr/>
       </p:nvGrpSpPr>
@@ -4460,7 +4442,7 @@
       </p:grpSpPr>
       <p:sp>
         <p:nvSpPr>
-          <p:cNvPr id="340" name="Shape 340"/>
+          <p:cNvPr id="343" name="Shape 343"/>
           <p:cNvSpPr/>
           <p:nvPr>
             <p:ph idx="2" type="sldImg"/>
@@ -4494,7 +4476,7 @@
       </p:sp>
       <p:sp>
         <p:nvSpPr>
-          <p:cNvPr id="341" name="Shape 341"/>
+          <p:cNvPr id="344" name="Shape 344"/>
           <p:cNvSpPr txBox="1"/>
           <p:nvPr>
             <p:ph idx="1" type="body"/>
@@ -4541,7 +4523,7 @@
   <p:cSld>
     <p:spTree>
       <p:nvGrpSpPr>
-        <p:cNvPr id="345" name="Shape 345"/>
+        <p:cNvPr id="348" name="Shape 348"/>
         <p:cNvGrpSpPr/>
         <p:nvPr/>
       </p:nvGrpSpPr>
@@ -4555,7 +4537,7 @@
       </p:grpSpPr>
       <p:sp>
         <p:nvSpPr>
-          <p:cNvPr id="346" name="Shape 346"/>
+          <p:cNvPr id="349" name="Shape 349"/>
           <p:cNvSpPr/>
           <p:nvPr>
             <p:ph idx="2" type="sldImg"/>
@@ -4589,7 +4571,7 @@
       </p:sp>
       <p:sp>
         <p:nvSpPr>
-          <p:cNvPr id="347" name="Shape 347"/>
+          <p:cNvPr id="350" name="Shape 350"/>
           <p:cNvSpPr txBox="1"/>
           <p:nvPr>
             <p:ph idx="1" type="body"/>
@@ -4731,7 +4713,7 @@
   <p:cSld>
     <p:spTree>
       <p:nvGrpSpPr>
-        <p:cNvPr id="351" name="Shape 351"/>
+        <p:cNvPr id="354" name="Shape 354"/>
         <p:cNvGrpSpPr/>
         <p:nvPr/>
       </p:nvGrpSpPr>
@@ -4745,7 +4727,7 @@
       </p:grpSpPr>
       <p:sp>
         <p:nvSpPr>
-          <p:cNvPr id="352" name="Shape 352"/>
+          <p:cNvPr id="355" name="Shape 355"/>
           <p:cNvSpPr/>
           <p:nvPr>
             <p:ph idx="2" type="sldImg"/>
@@ -4779,7 +4761,7 @@
       </p:sp>
       <p:sp>
         <p:nvSpPr>
-          <p:cNvPr id="353" name="Shape 353"/>
+          <p:cNvPr id="356" name="Shape 356"/>
           <p:cNvSpPr txBox="1"/>
           <p:nvPr>
             <p:ph idx="1" type="body"/>
@@ -4800,7 +4782,7 @@
           </a:bodyPr>
           <a:lstStyle/>
           <a:p>
-            <a:pPr lvl="0" rtl="0">
+            <a:pPr lvl="0">
               <a:spcBef>
                 <a:spcPts val="0"/>
               </a:spcBef>
@@ -4826,7 +4808,7 @@
   <p:cSld>
     <p:spTree>
       <p:nvGrpSpPr>
-        <p:cNvPr id="357" name="Shape 357"/>
+        <p:cNvPr id="360" name="Shape 360"/>
         <p:cNvGrpSpPr/>
         <p:nvPr/>
       </p:nvGrpSpPr>
@@ -4840,7 +4822,7 @@
       </p:grpSpPr>
       <p:sp>
         <p:nvSpPr>
-          <p:cNvPr id="358" name="Shape 358"/>
+          <p:cNvPr id="361" name="Shape 361"/>
           <p:cNvSpPr/>
           <p:nvPr>
             <p:ph idx="2" type="sldImg"/>
@@ -4874,7 +4856,7 @@
       </p:sp>
       <p:sp>
         <p:nvSpPr>
-          <p:cNvPr id="359" name="Shape 359"/>
+          <p:cNvPr id="362" name="Shape 362"/>
           <p:cNvSpPr txBox="1"/>
           <p:nvPr>
             <p:ph idx="1" type="body"/>
@@ -4895,7 +4877,7 @@
           </a:bodyPr>
           <a:lstStyle/>
           <a:p>
-            <a:pPr lvl="0">
+            <a:pPr lvl="0" rtl="0">
               <a:spcBef>
                 <a:spcPts val="0"/>
               </a:spcBef>
@@ -4921,7 +4903,7 @@
   <p:cSld>
     <p:spTree>
       <p:nvGrpSpPr>
-        <p:cNvPr id="363" name="Shape 363"/>
+        <p:cNvPr id="366" name="Shape 366"/>
         <p:cNvGrpSpPr/>
         <p:nvPr/>
       </p:nvGrpSpPr>
@@ -4935,7 +4917,7 @@
       </p:grpSpPr>
       <p:sp>
         <p:nvSpPr>
-          <p:cNvPr id="364" name="Shape 364"/>
+          <p:cNvPr id="367" name="Shape 367"/>
           <p:cNvSpPr/>
           <p:nvPr>
             <p:ph idx="2" type="sldImg"/>
@@ -4969,7 +4951,7 @@
       </p:sp>
       <p:sp>
         <p:nvSpPr>
-          <p:cNvPr id="365" name="Shape 365"/>
+          <p:cNvPr id="368" name="Shape 368"/>
           <p:cNvSpPr txBox="1"/>
           <p:nvPr>
             <p:ph idx="1" type="body"/>
@@ -4991,6 +4973,101 @@
           <a:lstStyle/>
           <a:p>
             <a:pPr lvl="0">
+              <a:spcBef>
+                <a:spcPts val="0"/>
+              </a:spcBef>
+              <a:buNone/>
+            </a:pPr>
+            <a:r>
+              <a:t/>
+            </a:r>
+            <a:endParaRPr/>
+          </a:p>
+        </p:txBody>
+      </p:sp>
+    </p:spTree>
+  </p:cSld>
+  <p:clrMapOvr>
+    <a:masterClrMapping/>
+  </p:clrMapOvr>
+</p:notes>
+</file>
+
+<file path=ppt/notesSlides/notesSlide53.xml><?xml version="1.0" encoding="utf-8"?>
+<p:notes xmlns:a="http://schemas.openxmlformats.org/drawingml/2006/main" xmlns:r="http://schemas.openxmlformats.org/officeDocument/2006/relationships" xmlns:mc="http://schemas.openxmlformats.org/markup-compatibility/2006" xmlns:mv="urn:schemas-microsoft-com:mac:vml" xmlns:p="http://schemas.openxmlformats.org/presentationml/2006/main" xmlns:c="http://schemas.openxmlformats.org/drawingml/2006/chart" xmlns:dgm="http://schemas.openxmlformats.org/drawingml/2006/diagram" xmlns:o="urn:schemas-microsoft-com:office:office" xmlns:v="urn:schemas-microsoft-com:vml" xmlns:pvml="urn:schemas-microsoft-com:office:powerpoint" xmlns:com="http://schemas.openxmlformats.org/drawingml/2006/compatibility" xmlns:p14="http://schemas.microsoft.com/office/powerpoint/2010/main" showMasterPhAnim="0" showMasterSp="0">
+  <p:cSld>
+    <p:spTree>
+      <p:nvGrpSpPr>
+        <p:cNvPr id="372" name="Shape 372"/>
+        <p:cNvGrpSpPr/>
+        <p:nvPr/>
+      </p:nvGrpSpPr>
+      <p:grpSpPr>
+        <a:xfrm>
+          <a:off x="0" y="0"/>
+          <a:ext cx="0" cy="0"/>
+          <a:chOff x="0" y="0"/>
+          <a:chExt cx="0" cy="0"/>
+        </a:xfrm>
+      </p:grpSpPr>
+      <p:sp>
+        <p:nvSpPr>
+          <p:cNvPr id="373" name="Shape 373"/>
+          <p:cNvSpPr/>
+          <p:nvPr>
+            <p:ph idx="2" type="sldImg"/>
+          </p:nvPr>
+        </p:nvSpPr>
+        <p:spPr>
+          <a:xfrm>
+            <a:off x="381300" y="685800"/>
+            <a:ext cx="6096000" cy="3429000"/>
+          </a:xfrm>
+          <a:custGeom>
+            <a:pathLst>
+              <a:path extrusionOk="0" h="120000" w="120000">
+                <a:moveTo>
+                  <a:pt x="0" y="0"/>
+                </a:moveTo>
+                <a:lnTo>
+                  <a:pt x="120000" y="0"/>
+                </a:lnTo>
+                <a:lnTo>
+                  <a:pt x="120000" y="120000"/>
+                </a:lnTo>
+                <a:lnTo>
+                  <a:pt x="0" y="120000"/>
+                </a:lnTo>
+                <a:close/>
+              </a:path>
+            </a:pathLst>
+          </a:custGeom>
+        </p:spPr>
+      </p:sp>
+      <p:sp>
+        <p:nvSpPr>
+          <p:cNvPr id="374" name="Shape 374"/>
+          <p:cNvSpPr txBox="1"/>
+          <p:nvPr>
+            <p:ph idx="1" type="body"/>
+          </p:nvPr>
+        </p:nvSpPr>
+        <p:spPr>
+          <a:xfrm>
+            <a:off x="685800" y="4343400"/>
+            <a:ext cx="5486400" cy="4114800"/>
+          </a:xfrm>
+          <a:prstGeom prst="rect">
+            <a:avLst/>
+          </a:prstGeom>
+        </p:spPr>
+        <p:txBody>
+          <a:bodyPr anchorCtr="0" anchor="t" bIns="91425" lIns="91425" rIns="91425" tIns="91425">
+            <a:noAutofit/>
+          </a:bodyPr>
+          <a:lstStyle/>
+          <a:p>
+            <a:pPr lvl="0" rtl="0">
               <a:spcBef>
                 <a:spcPts val="0"/>
               </a:spcBef>
@@ -9911,7 +9988,7 @@
           <p:nvPr/>
         </p:nvPicPr>
         <p:blipFill>
-          <a:blip r:embed="rId4">
+          <a:blip r:embed="rId3">
             <a:alphaModFix/>
           </a:blip>
           <a:stretch>
@@ -14790,6 +14867,13 @@
 <file path=ppt/slides/slide34.xml><?xml version="1.0" encoding="utf-8"?>
 <p:sld xmlns:a="http://schemas.openxmlformats.org/drawingml/2006/main" xmlns:r="http://schemas.openxmlformats.org/officeDocument/2006/relationships" xmlns:mc="http://schemas.openxmlformats.org/markup-compatibility/2006" xmlns:mv="urn:schemas-microsoft-com:mac:vml" xmlns:p="http://schemas.openxmlformats.org/presentationml/2006/main" xmlns:c="http://schemas.openxmlformats.org/drawingml/2006/chart" xmlns:dgm="http://schemas.openxmlformats.org/drawingml/2006/diagram" xmlns:o="urn:schemas-microsoft-com:office:office" xmlns:v="urn:schemas-microsoft-com:vml" xmlns:pvml="urn:schemas-microsoft-com:office:powerpoint" xmlns:com="http://schemas.openxmlformats.org/drawingml/2006/compatibility" xmlns:p14="http://schemas.microsoft.com/office/powerpoint/2010/main">
   <p:cSld>
+    <p:bg>
+      <p:bgPr>
+        <a:solidFill>
+          <a:srgbClr val="000000"/>
+        </a:solidFill>
+      </p:bgPr>
+    </p:bg>
     <p:spTree>
       <p:nvGrpSpPr>
         <p:cNvPr id="258" name="Shape 258"/>
@@ -14809,25 +14893,25 @@
           <p:cNvPr id="259" name="Shape 259"/>
           <p:cNvSpPr txBox="1"/>
           <p:nvPr>
-            <p:ph type="title"/>
+            <p:ph type="ctrTitle"/>
           </p:nvPr>
         </p:nvSpPr>
         <p:spPr>
           <a:xfrm>
-            <a:off x="311700" y="445025"/>
-            <a:ext cx="8520600" cy="572700"/>
+            <a:off x="1282499" y="720301"/>
+            <a:ext cx="6579000" cy="1584900"/>
           </a:xfrm>
           <a:prstGeom prst="rect">
             <a:avLst/>
           </a:prstGeom>
         </p:spPr>
         <p:txBody>
-          <a:bodyPr anchorCtr="0" anchor="t" bIns="91425" lIns="91425" rIns="91425" tIns="91425">
+          <a:bodyPr anchorCtr="0" anchor="b" bIns="91425" lIns="91425" rIns="91425" tIns="91425">
             <a:noAutofit/>
           </a:bodyPr>
           <a:lstStyle/>
           <a:p>
-            <a:pPr lvl="0" algn="ctr">
+            <a:pPr lvl="0" rtl="0">
               <a:spcBef>
                 <a:spcPts val="0"/>
               </a:spcBef>
@@ -14835,7 +14919,7 @@
             </a:pPr>
             <a:r>
               <a:rPr lang="en"/>
-              <a:t>Approaches towards coding</a:t>
+              <a:t>Nostradomocile</a:t>
             </a:r>
           </a:p>
         </p:txBody>
@@ -14845,13 +14929,13 @@
           <p:cNvPr id="260" name="Shape 260"/>
           <p:cNvSpPr txBox="1"/>
           <p:nvPr>
-            <p:ph idx="1" type="body"/>
+            <p:ph idx="1" type="subTitle"/>
           </p:nvPr>
         </p:nvSpPr>
         <p:spPr>
           <a:xfrm>
-            <a:off x="640500" y="1152475"/>
-            <a:ext cx="7831800" cy="3416400"/>
+            <a:off x="460950" y="2789118"/>
+            <a:ext cx="8222100" cy="998700"/>
           </a:xfrm>
           <a:prstGeom prst="rect">
             <a:avLst/>
@@ -14863,25 +14947,153 @@
           </a:bodyPr>
           <a:lstStyle/>
           <a:p>
-            <a:pPr indent="-228600" lvl="0" marL="457200" rtl="0">
-              <a:spcBef>
-                <a:spcPts val="0"/>
-              </a:spcBef>
-              <a:buClr>
-                <a:srgbClr val="FFFFFF"/>
-              </a:buClr>
-            </a:pPr>
-            <a:r>
-              <a:rPr lang="en">
-                <a:solidFill>
-                  <a:srgbClr val="FFFFFF"/>
-                </a:solidFill>
-              </a:rPr>
-              <a:t>Our approach towards coding has been to work on our submodules individually as far as we can, and then work together on connecting them. This way one submodule doesn’t get held up by any other submodule.</a:t>
+            <a:pPr lvl="0" rtl="0" algn="ctr">
+              <a:spcBef>
+                <a:spcPts val="0"/>
+              </a:spcBef>
+              <a:buNone/>
+            </a:pPr>
+            <a:r>
+              <a:rPr lang="en" sz="1800">
+                <a:solidFill>
+                  <a:srgbClr val="FFFFFF"/>
+                </a:solidFill>
+              </a:rPr>
+              <a:t>By:</a:t>
+            </a:r>
+          </a:p>
+          <a:p>
+            <a:pPr lvl="0" rtl="0" algn="ctr">
+              <a:spcBef>
+                <a:spcPts val="0"/>
+              </a:spcBef>
+              <a:buNone/>
+            </a:pPr>
+            <a:r>
+              <a:rPr lang="en" sz="1800">
+                <a:solidFill>
+                  <a:srgbClr val="FFFFFF"/>
+                </a:solidFill>
+              </a:rPr>
+              <a:t>Ochaun Marshall, Christian Simaan</a:t>
+            </a:r>
+          </a:p>
+          <a:p>
+            <a:pPr lvl="0" rtl="0" algn="ctr">
+              <a:spcBef>
+                <a:spcPts val="0"/>
+              </a:spcBef>
+              <a:buNone/>
+            </a:pPr>
+            <a:r>
+              <a:rPr lang="en" sz="1800">
+                <a:solidFill>
+                  <a:srgbClr val="FFFFFF"/>
+                </a:solidFill>
+              </a:rPr>
+              <a:t> Jeremy Hutton, Richard Andrews</a:t>
             </a:r>
           </a:p>
         </p:txBody>
       </p:sp>
+      <p:sp>
+        <p:nvSpPr>
+          <p:cNvPr id="261" name="Shape 261"/>
+          <p:cNvSpPr txBox="1"/>
+          <p:nvPr/>
+        </p:nvSpPr>
+        <p:spPr>
+          <a:xfrm>
+            <a:off x="1362750" y="2256025"/>
+            <a:ext cx="6418500" cy="533100"/>
+          </a:xfrm>
+          <a:prstGeom prst="rect">
+            <a:avLst/>
+          </a:prstGeom>
+          <a:noFill/>
+          <a:ln>
+            <a:noFill/>
+          </a:ln>
+        </p:spPr>
+        <p:txBody>
+          <a:bodyPr anchorCtr="0" anchor="t" bIns="91425" lIns="91425" rIns="91425" tIns="91425">
+            <a:noAutofit/>
+          </a:bodyPr>
+          <a:lstStyle/>
+          <a:p>
+            <a:pPr lvl="0" rtl="0" algn="ctr">
+              <a:spcBef>
+                <a:spcPts val="0"/>
+              </a:spcBef>
+              <a:buNone/>
+            </a:pPr>
+            <a:r>
+              <a:rPr b="1" lang="en" sz="2000">
+                <a:solidFill>
+                  <a:srgbClr val="FFFFFF"/>
+                </a:solidFill>
+              </a:rPr>
+              <a:t>Plan and Testing</a:t>
+            </a:r>
+          </a:p>
+        </p:txBody>
+      </p:sp>
+      <p:pic>
+        <p:nvPicPr>
+          <p:cNvPr descr="Nostradomicile_logo_invert.png" id="262" name="Shape 262"/>
+          <p:cNvPicPr preferRelativeResize="0"/>
+          <p:nvPr/>
+        </p:nvPicPr>
+        <p:blipFill>
+          <a:blip r:embed="rId4">
+            <a:alphaModFix/>
+          </a:blip>
+          <a:stretch>
+            <a:fillRect/>
+          </a:stretch>
+        </p:blipFill>
+        <p:spPr>
+          <a:xfrm>
+            <a:off x="8017525" y="3989775"/>
+            <a:ext cx="1126475" cy="1126475"/>
+          </a:xfrm>
+          <a:prstGeom prst="rect">
+            <a:avLst/>
+          </a:prstGeom>
+          <a:noFill/>
+          <a:ln>
+            <a:noFill/>
+          </a:ln>
+        </p:spPr>
+      </p:pic>
+      <p:pic>
+        <p:nvPicPr>
+          <p:cNvPr id="263" name="Shape 263"/>
+          <p:cNvPicPr preferRelativeResize="0"/>
+          <p:nvPr/>
+        </p:nvPicPr>
+        <p:blipFill>
+          <a:blip r:embed="rId5">
+            <a:alphaModFix/>
+          </a:blip>
+          <a:stretch>
+            <a:fillRect/>
+          </a:stretch>
+        </p:blipFill>
+        <p:spPr>
+          <a:xfrm>
+            <a:off x="0" y="3989774"/>
+            <a:ext cx="915349" cy="1153725"/>
+          </a:xfrm>
+          <a:prstGeom prst="rect">
+            <a:avLst/>
+          </a:prstGeom>
+          <a:noFill/>
+          <a:ln>
+            <a:noFill/>
+          </a:ln>
+        </p:spPr>
+      </p:pic>
     </p:spTree>
   </p:cSld>
   <p:clrMapOvr>
@@ -14895,7 +15107,7 @@
   <p:cSld>
     <p:spTree>
       <p:nvGrpSpPr>
-        <p:cNvPr id="264" name="Shape 264"/>
+        <p:cNvPr id="267" name="Shape 267"/>
         <p:cNvGrpSpPr/>
         <p:nvPr/>
       </p:nvGrpSpPr>
@@ -14909,7 +15121,7 @@
       </p:grpSpPr>
       <p:sp>
         <p:nvSpPr>
-          <p:cNvPr id="265" name="Shape 265"/>
+          <p:cNvPr id="268" name="Shape 268"/>
           <p:cNvSpPr txBox="1"/>
           <p:nvPr>
             <p:ph type="title"/>
@@ -14917,8 +15129,8 @@
         </p:nvSpPr>
         <p:spPr>
           <a:xfrm>
-            <a:off x="515950" y="445025"/>
-            <a:ext cx="8110200" cy="572700"/>
+            <a:off x="311700" y="445025"/>
+            <a:ext cx="8520600" cy="572700"/>
           </a:xfrm>
           <a:prstGeom prst="rect">
             <a:avLst/>
@@ -14938,14 +15150,14 @@
             </a:pPr>
             <a:r>
               <a:rPr lang="en"/>
-              <a:t>Member Roles (who is doing what)</a:t>
+              <a:t>Approach towards coding</a:t>
             </a:r>
           </a:p>
         </p:txBody>
       </p:sp>
       <p:sp>
         <p:nvSpPr>
-          <p:cNvPr id="266" name="Shape 266"/>
+          <p:cNvPr id="269" name="Shape 269"/>
           <p:cNvSpPr txBox="1"/>
           <p:nvPr>
             <p:ph idx="1" type="body"/>
@@ -14953,8 +15165,8 @@
         </p:nvSpPr>
         <p:spPr>
           <a:xfrm>
-            <a:off x="515950" y="1152475"/>
-            <a:ext cx="8110200" cy="3416400"/>
+            <a:off x="640500" y="1152475"/>
+            <a:ext cx="7831800" cy="3416400"/>
           </a:xfrm>
           <a:prstGeom prst="rect">
             <a:avLst/>
@@ -14973,32 +15185,15 @@
               <a:buClr>
                 <a:srgbClr val="FFFFFF"/>
               </a:buClr>
-              <a:buChar char="●"/>
-            </a:pPr>
-            <a:r>
-              <a:rPr lang="en">
-                <a:solidFill>
-                  <a:srgbClr val="FFFFFF"/>
-                </a:solidFill>
-              </a:rPr>
-              <a:t>Christian/Richard - Server setup and deployment, database setup and population, backend processing (outside of machine learning). </a:t>
-            </a:r>
-          </a:p>
-          <a:p>
-            <a:pPr lvl="0" rtl="0">
-              <a:spcBef>
-                <a:spcPts val="0"/>
-              </a:spcBef>
-              <a:buNone/>
-            </a:pPr>
-            <a:r>
-              <a:t/>
-            </a:r>
-            <a:endParaRPr>
-              <a:solidFill>
-                <a:srgbClr val="FFFFFF"/>
-              </a:solidFill>
-            </a:endParaRPr>
+            </a:pPr>
+            <a:r>
+              <a:rPr lang="en">
+                <a:solidFill>
+                  <a:srgbClr val="FFFFFF"/>
+                </a:solidFill>
+              </a:rPr>
+              <a:t>Work individually on our separate subsystems.</a:t>
+            </a:r>
           </a:p>
           <a:p>
             <a:pPr indent="-228600" lvl="0" marL="457200" rtl="0">
@@ -15008,66 +15203,32 @@
               <a:buClr>
                 <a:srgbClr val="FFFFFF"/>
               </a:buClr>
-              <a:buChar char="●"/>
-            </a:pPr>
-            <a:r>
-              <a:rPr lang="en">
-                <a:solidFill>
-                  <a:srgbClr val="FFFFFF"/>
-                </a:solidFill>
-              </a:rPr>
-              <a:t>Jeremy - UI and site coding, </a:t>
-            </a:r>
-            <a:r>
-              <a:rPr lang="en">
-                <a:solidFill>
-                  <a:srgbClr val="FFFFFF"/>
-                </a:solidFill>
-              </a:rPr>
-              <a:t>create </a:t>
-            </a:r>
-            <a:r>
-              <a:rPr lang="en">
-                <a:solidFill>
-                  <a:srgbClr val="FFFFFF"/>
-                </a:solidFill>
-              </a:rPr>
-              <a:t>assets for site, assist with database population.</a:t>
-            </a:r>
-          </a:p>
-          <a:p>
-            <a:pPr lvl="0" rtl="0">
-              <a:spcBef>
-                <a:spcPts val="0"/>
-              </a:spcBef>
-              <a:buNone/>
-            </a:pPr>
-            <a:r>
-              <a:t/>
-            </a:r>
-            <a:endParaRPr>
-              <a:solidFill>
-                <a:srgbClr val="FFFFFF"/>
-              </a:solidFill>
-            </a:endParaRPr>
-          </a:p>
-          <a:p>
-            <a:pPr indent="-228600" lvl="0" marL="457200">
+            </a:pPr>
+            <a:r>
+              <a:rPr lang="en">
+                <a:solidFill>
+                  <a:srgbClr val="FFFFFF"/>
+                </a:solidFill>
+              </a:rPr>
+              <a:t>Connect our subsystems once progress has been made.</a:t>
+            </a:r>
+          </a:p>
+          <a:p>
+            <a:pPr indent="-228600" lvl="0" marL="457200" rtl="0">
               <a:spcBef>
                 <a:spcPts val="0"/>
               </a:spcBef>
               <a:buClr>
                 <a:srgbClr val="FFFFFF"/>
               </a:buClr>
-              <a:buChar char="●"/>
-            </a:pPr>
-            <a:r>
-              <a:rPr lang="en">
-                <a:solidFill>
-                  <a:srgbClr val="FFFFFF"/>
-                </a:solidFill>
-              </a:rPr>
-              <a:t>Ochaun - Machine learning algorithm setup.</a:t>
+            </a:pPr>
+            <a:r>
+              <a:rPr lang="en">
+                <a:solidFill>
+                  <a:srgbClr val="FFFFFF"/>
+                </a:solidFill>
+              </a:rPr>
+              <a:t>Prevents any subsystem from halting the entire system.</a:t>
             </a:r>
           </a:p>
         </p:txBody>
@@ -15085,7 +15246,7 @@
   <p:cSld>
     <p:spTree>
       <p:nvGrpSpPr>
-        <p:cNvPr id="270" name="Shape 270"/>
+        <p:cNvPr id="273" name="Shape 273"/>
         <p:cNvGrpSpPr/>
         <p:nvPr/>
       </p:nvGrpSpPr>
@@ -15099,7 +15260,7 @@
       </p:grpSpPr>
       <p:sp>
         <p:nvSpPr>
-          <p:cNvPr id="271" name="Shape 271"/>
+          <p:cNvPr id="274" name="Shape 274"/>
           <p:cNvSpPr txBox="1"/>
           <p:nvPr>
             <p:ph type="title"/>
@@ -15135,7 +15296,7 @@
       </p:sp>
       <p:sp>
         <p:nvSpPr>
-          <p:cNvPr id="272" name="Shape 272"/>
+          <p:cNvPr id="275" name="Shape 275"/>
           <p:cNvSpPr txBox="1"/>
           <p:nvPr>
             <p:ph idx="1" type="body"/>
@@ -15171,26 +15332,26 @@
                   <a:srgbClr val="FFFFFF"/>
                 </a:solidFill>
               </a:rPr>
-              <a:t>Django 1.9.2 - Framework written in Python</a:t>
-            </a:r>
-          </a:p>
-          <a:p>
-            <a:pPr indent="-228600" lvl="0" marL="457200" rtl="0">
+              <a:t>Python 2.7.4</a:t>
+            </a:r>
+          </a:p>
+          <a:p>
+            <a:pPr indent="-228600" lvl="1" marL="914400" rtl="0">
               <a:spcBef>
                 <a:spcPts val="0"/>
               </a:spcBef>
               <a:buClr>
                 <a:srgbClr val="FFFFFF"/>
               </a:buClr>
-              <a:buChar char="●"/>
-            </a:pPr>
-            <a:r>
-              <a:rPr lang="en">
-                <a:solidFill>
-                  <a:srgbClr val="FFFFFF"/>
-                </a:solidFill>
-              </a:rPr>
-              <a:t>Python 2.7.4</a:t>
+              <a:buChar char="○"/>
+            </a:pPr>
+            <a:r>
+              <a:rPr lang="en" sz="1800">
+                <a:solidFill>
+                  <a:schemeClr val="dk1"/>
+                </a:solidFill>
+              </a:rPr>
+              <a:t>Django 1.9.2</a:t>
             </a:r>
           </a:p>
           <a:p>
@@ -15303,7 +15464,7 @@
   <p:cSld>
     <p:spTree>
       <p:nvGrpSpPr>
-        <p:cNvPr id="276" name="Shape 276"/>
+        <p:cNvPr id="279" name="Shape 279"/>
         <p:cNvGrpSpPr/>
         <p:nvPr/>
       </p:nvGrpSpPr>
@@ -15317,7 +15478,7 @@
       </p:grpSpPr>
       <p:sp>
         <p:nvSpPr>
-          <p:cNvPr id="277" name="Shape 277"/>
+          <p:cNvPr id="280" name="Shape 280"/>
           <p:cNvSpPr txBox="1"/>
           <p:nvPr>
             <p:ph type="title"/>
@@ -15325,8 +15486,8 @@
         </p:nvSpPr>
         <p:spPr>
           <a:xfrm>
-            <a:off x="630800" y="445025"/>
-            <a:ext cx="7812300" cy="572700"/>
+            <a:off x="515950" y="445025"/>
+            <a:ext cx="8110200" cy="572700"/>
           </a:xfrm>
           <a:prstGeom prst="rect">
             <a:avLst/>
@@ -15346,14 +15507,14 @@
             </a:pPr>
             <a:r>
               <a:rPr lang="en"/>
-              <a:t>Sub-modules and their coding methods</a:t>
+              <a:t>Member Roles</a:t>
             </a:r>
           </a:p>
         </p:txBody>
       </p:sp>
       <p:sp>
         <p:nvSpPr>
-          <p:cNvPr id="278" name="Shape 278"/>
+          <p:cNvPr id="281" name="Shape 281"/>
           <p:cNvSpPr txBox="1"/>
           <p:nvPr>
             <p:ph idx="1" type="body"/>
@@ -15361,8 +15522,8 @@
         </p:nvSpPr>
         <p:spPr>
           <a:xfrm>
-            <a:off x="630800" y="1152475"/>
-            <a:ext cx="7763700" cy="3416400"/>
+            <a:off x="515950" y="1152475"/>
+            <a:ext cx="8110200" cy="3416400"/>
           </a:xfrm>
           <a:prstGeom prst="rect">
             <a:avLst/>
@@ -15374,19 +15535,203 @@
           </a:bodyPr>
           <a:lstStyle/>
           <a:p>
-            <a:pPr lvl="0">
-              <a:spcBef>
-                <a:spcPts val="0"/>
-              </a:spcBef>
-              <a:buNone/>
-            </a:pPr>
-            <a:r>
-              <a:rPr lang="en">
-                <a:solidFill>
-                  <a:srgbClr val="FFFFFF"/>
-                </a:solidFill>
-              </a:rPr>
-              <a:t>The next several slides will describe each sub-modules coding methods and the unit tests that will be used.</a:t>
+            <a:pPr indent="-228600" lvl="0" marL="457200" rtl="0">
+              <a:spcBef>
+                <a:spcPts val="0"/>
+              </a:spcBef>
+              <a:buClr>
+                <a:srgbClr val="FFFFFF"/>
+              </a:buClr>
+              <a:buChar char="●"/>
+            </a:pPr>
+            <a:r>
+              <a:rPr lang="en">
+                <a:solidFill>
+                  <a:srgbClr val="FFFFFF"/>
+                </a:solidFill>
+              </a:rPr>
+              <a:t>Front-end: Jeremy</a:t>
+            </a:r>
+          </a:p>
+          <a:p>
+            <a:pPr indent="-228600" lvl="1" marL="914400" rtl="0">
+              <a:spcBef>
+                <a:spcPts val="0"/>
+              </a:spcBef>
+              <a:buClr>
+                <a:srgbClr val="FFFFFF"/>
+              </a:buClr>
+              <a:buChar char="○"/>
+            </a:pPr>
+            <a:r>
+              <a:rPr lang="en">
+                <a:solidFill>
+                  <a:srgbClr val="FFFFFF"/>
+                </a:solidFill>
+              </a:rPr>
+              <a:t>Example tasks: UI and site coding, creating assets for site (Jeremy also assists with database population).</a:t>
+            </a:r>
+          </a:p>
+          <a:p>
+            <a:pPr indent="-228600" lvl="0" marL="457200" rtl="0">
+              <a:spcBef>
+                <a:spcPts val="0"/>
+              </a:spcBef>
+              <a:buClr>
+                <a:srgbClr val="FFFFFF"/>
+              </a:buClr>
+              <a:buChar char="●"/>
+            </a:pPr>
+            <a:r>
+              <a:rPr lang="en">
+                <a:solidFill>
+                  <a:srgbClr val="FFFFFF"/>
+                </a:solidFill>
+              </a:rPr>
+              <a:t>Back-end: Richard</a:t>
+            </a:r>
+          </a:p>
+          <a:p>
+            <a:pPr indent="-228600" lvl="1" marL="914400" rtl="0">
+              <a:spcBef>
+                <a:spcPts val="0"/>
+              </a:spcBef>
+              <a:buClr>
+                <a:srgbClr val="FFFFFF"/>
+              </a:buClr>
+              <a:buChar char="○"/>
+            </a:pPr>
+            <a:r>
+              <a:rPr lang="en">
+                <a:solidFill>
+                  <a:schemeClr val="dk1"/>
+                </a:solidFill>
+              </a:rPr>
+              <a:t>Example t</a:t>
+            </a:r>
+            <a:r>
+              <a:rPr lang="en">
+                <a:solidFill>
+                  <a:srgbClr val="FFFFFF"/>
+                </a:solidFill>
+              </a:rPr>
+              <a:t>asks:</a:t>
+            </a:r>
+            <a:r>
+              <a:rPr lang="en">
+                <a:solidFill>
+                  <a:srgbClr val="FFFFFF"/>
+                </a:solidFill>
+              </a:rPr>
+              <a:t> Server setup and deployment, </a:t>
+            </a:r>
+            <a:r>
+              <a:rPr lang="en">
+                <a:solidFill>
+                  <a:srgbClr val="FFFFFF"/>
+                </a:solidFill>
+              </a:rPr>
+              <a:t>backend</a:t>
+            </a:r>
+            <a:r>
+              <a:rPr lang="en">
+                <a:solidFill>
+                  <a:srgbClr val="FFFFFF"/>
+                </a:solidFill>
+              </a:rPr>
+              <a:t> processing (outside of machine learning). </a:t>
+            </a:r>
+          </a:p>
+          <a:p>
+            <a:pPr indent="-228600" lvl="0" marL="457200" rtl="0">
+              <a:spcBef>
+                <a:spcPts val="0"/>
+              </a:spcBef>
+              <a:buClr>
+                <a:srgbClr val="FFFFFF"/>
+              </a:buClr>
+              <a:buChar char="●"/>
+            </a:pPr>
+            <a:r>
+              <a:rPr lang="en">
+                <a:solidFill>
+                  <a:srgbClr val="FFFFFF"/>
+                </a:solidFill>
+              </a:rPr>
+              <a:t>Database: Christian</a:t>
+            </a:r>
+          </a:p>
+          <a:p>
+            <a:pPr indent="-228600" lvl="1" marL="914400" rtl="0">
+              <a:spcBef>
+                <a:spcPts val="0"/>
+              </a:spcBef>
+              <a:buClr>
+                <a:srgbClr val="FFFFFF"/>
+              </a:buClr>
+              <a:buChar char="○"/>
+            </a:pPr>
+            <a:r>
+              <a:rPr lang="en">
+                <a:solidFill>
+                  <a:schemeClr val="dk1"/>
+                </a:solidFill>
+              </a:rPr>
+              <a:t>Example t</a:t>
+            </a:r>
+            <a:r>
+              <a:rPr lang="en">
+                <a:solidFill>
+                  <a:srgbClr val="FFFFFF"/>
+                </a:solidFill>
+              </a:rPr>
+              <a:t>asks: Database setup and population (Christian also assists with back-end setup, deployment, etc).</a:t>
+            </a:r>
+          </a:p>
+          <a:p>
+            <a:pPr indent="-228600" lvl="0" marL="457200" rtl="0">
+              <a:spcBef>
+                <a:spcPts val="0"/>
+              </a:spcBef>
+              <a:buClr>
+                <a:srgbClr val="FFFFFF"/>
+              </a:buClr>
+              <a:buChar char="●"/>
+            </a:pPr>
+            <a:r>
+              <a:rPr lang="en">
+                <a:solidFill>
+                  <a:srgbClr val="FFFFFF"/>
+                </a:solidFill>
+              </a:rPr>
+              <a:t>Machine Learning: Ochaun</a:t>
+            </a:r>
+          </a:p>
+          <a:p>
+            <a:pPr indent="-228600" lvl="1" marL="914400">
+              <a:spcBef>
+                <a:spcPts val="0"/>
+              </a:spcBef>
+              <a:buClr>
+                <a:srgbClr val="FFFFFF"/>
+              </a:buClr>
+              <a:buChar char="○"/>
+            </a:pPr>
+            <a:r>
+              <a:rPr lang="en">
+                <a:solidFill>
+                  <a:schemeClr val="dk1"/>
+                </a:solidFill>
+              </a:rPr>
+              <a:t>Example t</a:t>
+            </a:r>
+            <a:r>
+              <a:rPr lang="en">
+                <a:solidFill>
+                  <a:srgbClr val="FFFFFF"/>
+                </a:solidFill>
+              </a:rPr>
+              <a:t>asks: Machine learning algorithm setup.</a:t>
             </a:r>
           </a:p>
         </p:txBody>
@@ -15404,7 +15749,7 @@
   <p:cSld>
     <p:spTree>
       <p:nvGrpSpPr>
-        <p:cNvPr id="282" name="Shape 282"/>
+        <p:cNvPr id="285" name="Shape 285"/>
         <p:cNvGrpSpPr/>
         <p:nvPr/>
       </p:nvGrpSpPr>
@@ -15418,7 +15763,7 @@
       </p:grpSpPr>
       <p:sp>
         <p:nvSpPr>
-          <p:cNvPr id="283" name="Shape 283"/>
+          <p:cNvPr id="286" name="Shape 286"/>
           <p:cNvSpPr txBox="1"/>
           <p:nvPr>
             <p:ph type="title"/>
@@ -15426,8 +15771,8 @@
         </p:nvSpPr>
         <p:spPr>
           <a:xfrm>
-            <a:off x="630800" y="445025"/>
-            <a:ext cx="7919100" cy="572700"/>
+            <a:off x="824900" y="445025"/>
+            <a:ext cx="7569600" cy="572700"/>
           </a:xfrm>
           <a:prstGeom prst="rect">
             <a:avLst/>
@@ -15439,7 +15784,7 @@
           </a:bodyPr>
           <a:lstStyle/>
           <a:p>
-            <a:pPr lvl="0" algn="ctr">
+            <a:pPr lvl="0" rtl="0" algn="ctr">
               <a:spcBef>
                 <a:spcPts val="0"/>
               </a:spcBef>
@@ -15447,105 +15792,1332 @@
             </a:pPr>
             <a:r>
               <a:rPr lang="en"/>
-              <a:t>Submodule - Front End</a:t>
+              <a:t>Completion status of code</a:t>
             </a:r>
           </a:p>
         </p:txBody>
       </p:sp>
-      <p:sp>
-        <p:nvSpPr>
-          <p:cNvPr id="284" name="Shape 284"/>
-          <p:cNvSpPr txBox="1"/>
-          <p:nvPr>
-            <p:ph idx="1" type="body"/>
-          </p:nvPr>
-        </p:nvSpPr>
-        <p:spPr>
-          <a:xfrm>
-            <a:off x="630800" y="1152475"/>
-            <a:ext cx="7919100" cy="3416400"/>
-          </a:xfrm>
-          <a:prstGeom prst="rect">
-            <a:avLst/>
-          </a:prstGeom>
-        </p:spPr>
-        <p:txBody>
-          <a:bodyPr anchorCtr="0" anchor="t" bIns="91425" lIns="91425" rIns="91425" tIns="91425">
-            <a:noAutofit/>
-          </a:bodyPr>
-          <a:lstStyle/>
-          <a:p>
-            <a:pPr lvl="0">
-              <a:spcBef>
-                <a:spcPts val="0"/>
-              </a:spcBef>
-              <a:buNone/>
-            </a:pPr>
-            <a:r>
-              <a:rPr lang="en">
-                <a:solidFill>
-                  <a:srgbClr val="FFFFFF"/>
-                </a:solidFill>
-              </a:rPr>
-              <a:t>Navigation Bar: Uses Angular routing to create section within single page web application.</a:t>
-            </a:r>
-          </a:p>
-          <a:p>
-            <a:pPr indent="-228600" lvl="0" marL="457200" rtl="0">
-              <a:spcBef>
-                <a:spcPts val="0"/>
-              </a:spcBef>
-              <a:buClr>
-                <a:srgbClr val="FFFFFF"/>
-              </a:buClr>
-            </a:pPr>
-            <a:r>
-              <a:rPr lang="en">
-                <a:solidFill>
-                  <a:srgbClr val="FFFFFF"/>
-                </a:solidFill>
-              </a:rPr>
-              <a:t>About Section: Uses Bootstrap text panel to describe goal of application</a:t>
-            </a:r>
-          </a:p>
-          <a:p>
-            <a:pPr indent="-228600" lvl="0" marL="457200" rtl="0">
-              <a:spcBef>
-                <a:spcPts val="0"/>
-              </a:spcBef>
-              <a:buClr>
-                <a:srgbClr val="FFFFFF"/>
-              </a:buClr>
-            </a:pPr>
-            <a:r>
-              <a:rPr lang="en">
-                <a:solidFill>
-                  <a:srgbClr val="FFFFFF"/>
-                </a:solidFill>
-              </a:rPr>
-              <a:t>Blog Section: Will route to specific blog entry(text panel) from list of blog entries in the section</a:t>
-            </a:r>
-          </a:p>
-          <a:p>
-            <a:pPr indent="-228600" lvl="0" marL="457200">
-              <a:spcBef>
-                <a:spcPts val="0"/>
-              </a:spcBef>
-              <a:buClr>
-                <a:srgbClr val="FFFFFF"/>
-              </a:buClr>
-            </a:pPr>
-            <a:r>
-              <a:rPr lang="en">
-                <a:solidFill>
-                  <a:srgbClr val="FFFFFF"/>
-                </a:solidFill>
-              </a:rPr>
-              <a:t>Contact Us Section: Uses Bootstrap Form to create Email form</a:t>
-            </a:r>
-          </a:p>
-        </p:txBody>
-      </p:sp>
+      <p:graphicFrame>
+        <p:nvGraphicFramePr>
+          <p:cNvPr id="287" name="Shape 287"/>
+          <p:cNvGraphicFramePr/>
+          <p:nvPr/>
+        </p:nvGraphicFramePr>
+        <p:xfrm>
+          <a:off x="738362" y="1086350"/>
+          <a:ext cx="3000000" cy="3000000"/>
+        </p:xfrm>
+        <a:graphic>
+          <a:graphicData uri="http://schemas.openxmlformats.org/drawingml/2006/table">
+            <a:tbl>
+              <a:tblPr>
+                <a:noFill/>
+                <a:tableStyleId>{6227683F-6615-4F6C-A2C1-3B111FABE345}</a:tableStyleId>
+              </a:tblPr>
+              <a:tblGrid>
+                <a:gridCol w="1014475"/>
+                <a:gridCol w="1490000"/>
+                <a:gridCol w="4046325"/>
+                <a:gridCol w="1107900"/>
+              </a:tblGrid>
+              <a:tr h="654175">
+                <a:tc>
+                  <a:txBody>
+                    <a:bodyPr>
+                      <a:noAutofit/>
+                    </a:bodyPr>
+                    <a:lstStyle/>
+                    <a:p>
+                      <a:pPr lvl="0" algn="ctr">
+                        <a:spcBef>
+                          <a:spcPts val="0"/>
+                        </a:spcBef>
+                        <a:buNone/>
+                      </a:pPr>
+                      <a:r>
+                        <a:rPr b="1" lang="en" sz="1800" u="sng">
+                          <a:solidFill>
+                            <a:srgbClr val="FFFFFF"/>
+                          </a:solidFill>
+                          <a:highlight>
+                            <a:srgbClr val="000000"/>
+                          </a:highlight>
+                        </a:rPr>
+                        <a:t>Role</a:t>
+                      </a:r>
+                    </a:p>
+                  </a:txBody>
+                  <a:tcPr marT="91425" marB="91425" marR="91425" marL="91425">
+                    <a:lnL cap="flat" cmpd="sng" w="9525">
+                      <a:solidFill>
+                        <a:srgbClr val="FFFFFF"/>
+                      </a:solidFill>
+                      <a:prstDash val="solid"/>
+                      <a:round/>
+                      <a:headEnd len="med" w="med" type="none"/>
+                      <a:tailEnd len="med" w="med" type="none"/>
+                    </a:lnL>
+                    <a:lnR cap="flat" cmpd="sng" w="9525">
+                      <a:solidFill>
+                        <a:srgbClr val="FFFFFF"/>
+                      </a:solidFill>
+                      <a:prstDash val="solid"/>
+                      <a:round/>
+                      <a:headEnd len="med" w="med" type="none"/>
+                      <a:tailEnd len="med" w="med" type="none"/>
+                    </a:lnR>
+                    <a:lnT cap="flat" cmpd="sng" w="9525">
+                      <a:solidFill>
+                        <a:srgbClr val="FFFFFF"/>
+                      </a:solidFill>
+                      <a:prstDash val="solid"/>
+                      <a:round/>
+                      <a:headEnd len="med" w="med" type="none"/>
+                      <a:tailEnd len="med" w="med" type="none"/>
+                    </a:lnT>
+                    <a:lnB cap="flat" cmpd="sng" w="9525">
+                      <a:solidFill>
+                        <a:srgbClr val="FFFFFF"/>
+                      </a:solidFill>
+                      <a:prstDash val="solid"/>
+                      <a:round/>
+                      <a:headEnd len="med" w="med" type="none"/>
+                      <a:tailEnd len="med" w="med" type="none"/>
+                    </a:lnB>
+                  </a:tcPr>
+                </a:tc>
+                <a:tc>
+                  <a:txBody>
+                    <a:bodyPr>
+                      <a:noAutofit/>
+                    </a:bodyPr>
+                    <a:lstStyle/>
+                    <a:p>
+                      <a:pPr lvl="0" rtl="0" algn="ctr">
+                        <a:spcBef>
+                          <a:spcPts val="0"/>
+                        </a:spcBef>
+                        <a:buNone/>
+                      </a:pPr>
+                      <a:r>
+                        <a:rPr b="1" lang="en" sz="1800" u="sng">
+                          <a:solidFill>
+                            <a:srgbClr val="FFFFFF"/>
+                          </a:solidFill>
+                          <a:highlight>
+                            <a:srgbClr val="000000"/>
+                          </a:highlight>
+                        </a:rPr>
+                        <a:t>Members</a:t>
+                      </a:r>
+                    </a:p>
+                  </a:txBody>
+                  <a:tcPr marT="91425" marB="91425" marR="91425" marL="91425">
+                    <a:lnL cap="flat" cmpd="sng" w="9525">
+                      <a:solidFill>
+                        <a:srgbClr val="FFFFFF"/>
+                      </a:solidFill>
+                      <a:prstDash val="solid"/>
+                      <a:round/>
+                      <a:headEnd len="med" w="med" type="none"/>
+                      <a:tailEnd len="med" w="med" type="none"/>
+                    </a:lnL>
+                    <a:lnR cap="flat" cmpd="sng" w="9525">
+                      <a:solidFill>
+                        <a:srgbClr val="FFFFFF"/>
+                      </a:solidFill>
+                      <a:prstDash val="solid"/>
+                      <a:round/>
+                      <a:headEnd len="med" w="med" type="none"/>
+                      <a:tailEnd len="med" w="med" type="none"/>
+                    </a:lnR>
+                    <a:lnT cap="flat" cmpd="sng" w="9525">
+                      <a:solidFill>
+                        <a:srgbClr val="FFFFFF"/>
+                      </a:solidFill>
+                      <a:prstDash val="solid"/>
+                      <a:round/>
+                      <a:headEnd len="med" w="med" type="none"/>
+                      <a:tailEnd len="med" w="med" type="none"/>
+                    </a:lnT>
+                    <a:lnB cap="flat" cmpd="sng" w="9525">
+                      <a:solidFill>
+                        <a:srgbClr val="FFFFFF"/>
+                      </a:solidFill>
+                      <a:prstDash val="solid"/>
+                      <a:round/>
+                      <a:headEnd len="med" w="med" type="none"/>
+                      <a:tailEnd len="med" w="med" type="none"/>
+                    </a:lnB>
+                  </a:tcPr>
+                </a:tc>
+                <a:tc>
+                  <a:txBody>
+                    <a:bodyPr>
+                      <a:noAutofit/>
+                    </a:bodyPr>
+                    <a:lstStyle/>
+                    <a:p>
+                      <a:pPr lvl="0" algn="ctr">
+                        <a:spcBef>
+                          <a:spcPts val="0"/>
+                        </a:spcBef>
+                        <a:buNone/>
+                      </a:pPr>
+                      <a:r>
+                        <a:rPr b="1" lang="en" sz="1800" u="sng">
+                          <a:solidFill>
+                            <a:srgbClr val="FFFFFF"/>
+                          </a:solidFill>
+                        </a:rPr>
+                        <a:t>Task</a:t>
+                      </a:r>
+                    </a:p>
+                  </a:txBody>
+                  <a:tcPr marT="91425" marB="91425" marR="91425" marL="91425">
+                    <a:lnL cap="flat" cmpd="sng" w="9525">
+                      <a:solidFill>
+                        <a:srgbClr val="FFFFFF"/>
+                      </a:solidFill>
+                      <a:prstDash val="solid"/>
+                      <a:round/>
+                      <a:headEnd len="med" w="med" type="none"/>
+                      <a:tailEnd len="med" w="med" type="none"/>
+                    </a:lnL>
+                    <a:lnR cap="flat" cmpd="sng" w="9525">
+                      <a:solidFill>
+                        <a:srgbClr val="FFFFFF"/>
+                      </a:solidFill>
+                      <a:prstDash val="solid"/>
+                      <a:round/>
+                      <a:headEnd len="med" w="med" type="none"/>
+                      <a:tailEnd len="med" w="med" type="none"/>
+                    </a:lnR>
+                    <a:lnT cap="flat" cmpd="sng" w="9525">
+                      <a:solidFill>
+                        <a:srgbClr val="FFFFFF"/>
+                      </a:solidFill>
+                      <a:prstDash val="solid"/>
+                      <a:round/>
+                      <a:headEnd len="med" w="med" type="none"/>
+                      <a:tailEnd len="med" w="med" type="none"/>
+                    </a:lnT>
+                    <a:lnB cap="flat" cmpd="sng" w="9525">
+                      <a:solidFill>
+                        <a:srgbClr val="FFFFFF"/>
+                      </a:solidFill>
+                      <a:prstDash val="solid"/>
+                      <a:round/>
+                      <a:headEnd len="med" w="med" type="none"/>
+                      <a:tailEnd len="med" w="med" type="none"/>
+                    </a:lnB>
+                  </a:tcPr>
+                </a:tc>
+                <a:tc>
+                  <a:txBody>
+                    <a:bodyPr>
+                      <a:noAutofit/>
+                    </a:bodyPr>
+                    <a:lstStyle/>
+                    <a:p>
+                      <a:pPr lvl="0" rtl="0" algn="ctr">
+                        <a:spcBef>
+                          <a:spcPts val="0"/>
+                        </a:spcBef>
+                        <a:buNone/>
+                      </a:pPr>
+                      <a:r>
+                        <a:rPr b="1" lang="en" sz="1800" u="sng">
+                          <a:solidFill>
+                            <a:srgbClr val="FFFFFF"/>
+                          </a:solidFill>
+                        </a:rPr>
+                        <a:t>Status</a:t>
+                      </a:r>
+                    </a:p>
+                  </a:txBody>
+                  <a:tcPr marT="91425" marB="91425" marR="91425" marL="91425">
+                    <a:lnL cap="flat" cmpd="sng" w="9525">
+                      <a:solidFill>
+                        <a:srgbClr val="FFFFFF"/>
+                      </a:solidFill>
+                      <a:prstDash val="solid"/>
+                      <a:round/>
+                      <a:headEnd len="med" w="med" type="none"/>
+                      <a:tailEnd len="med" w="med" type="none"/>
+                    </a:lnL>
+                    <a:lnR cap="flat" cmpd="sng" w="9525">
+                      <a:solidFill>
+                        <a:srgbClr val="FFFFFF"/>
+                      </a:solidFill>
+                      <a:prstDash val="solid"/>
+                      <a:round/>
+                      <a:headEnd len="med" w="med" type="none"/>
+                      <a:tailEnd len="med" w="med" type="none"/>
+                    </a:lnR>
+                    <a:lnT cap="flat" cmpd="sng" w="9525">
+                      <a:solidFill>
+                        <a:srgbClr val="FFFFFF"/>
+                      </a:solidFill>
+                      <a:prstDash val="solid"/>
+                      <a:round/>
+                      <a:headEnd len="med" w="med" type="none"/>
+                      <a:tailEnd len="med" w="med" type="none"/>
+                    </a:lnT>
+                    <a:lnB cap="flat" cmpd="sng" w="9525">
+                      <a:solidFill>
+                        <a:srgbClr val="FFFFFF"/>
+                      </a:solidFill>
+                      <a:prstDash val="solid"/>
+                      <a:round/>
+                      <a:headEnd len="med" w="med" type="none"/>
+                      <a:tailEnd len="med" w="med" type="none"/>
+                    </a:lnB>
+                  </a:tcPr>
+                </a:tc>
+              </a:tr>
+              <a:tr h="568450">
+                <a:tc>
+                  <a:txBody>
+                    <a:bodyPr>
+                      <a:noAutofit/>
+                    </a:bodyPr>
+                    <a:lstStyle/>
+                    <a:p>
+                      <a:pPr lvl="0">
+                        <a:spcBef>
+                          <a:spcPts val="0"/>
+                        </a:spcBef>
+                        <a:buNone/>
+                      </a:pPr>
+                      <a:r>
+                        <a:rPr lang="en">
+                          <a:solidFill>
+                            <a:srgbClr val="FFFFFF"/>
+                          </a:solidFill>
+                        </a:rPr>
+                        <a:t>Front-End</a:t>
+                      </a:r>
+                    </a:p>
+                  </a:txBody>
+                  <a:tcPr marT="91425" marB="91425" marR="91425" marL="91425">
+                    <a:lnL cap="flat" cmpd="sng" w="9525">
+                      <a:solidFill>
+                        <a:srgbClr val="FFFFFF"/>
+                      </a:solidFill>
+                      <a:prstDash val="solid"/>
+                      <a:round/>
+                      <a:headEnd len="med" w="med" type="none"/>
+                      <a:tailEnd len="med" w="med" type="none"/>
+                    </a:lnL>
+                    <a:lnR cap="flat" cmpd="sng" w="9525">
+                      <a:solidFill>
+                        <a:srgbClr val="FFFFFF"/>
+                      </a:solidFill>
+                      <a:prstDash val="solid"/>
+                      <a:round/>
+                      <a:headEnd len="med" w="med" type="none"/>
+                      <a:tailEnd len="med" w="med" type="none"/>
+                    </a:lnR>
+                    <a:lnT cap="flat" cmpd="sng" w="9525">
+                      <a:solidFill>
+                        <a:srgbClr val="FFFFFF"/>
+                      </a:solidFill>
+                      <a:prstDash val="solid"/>
+                      <a:round/>
+                      <a:headEnd len="med" w="med" type="none"/>
+                      <a:tailEnd len="med" w="med" type="none"/>
+                    </a:lnT>
+                    <a:lnB cap="flat" cmpd="sng" w="9525">
+                      <a:solidFill>
+                        <a:srgbClr val="FFFFFF"/>
+                      </a:solidFill>
+                      <a:prstDash val="solid"/>
+                      <a:round/>
+                      <a:headEnd len="med" w="med" type="none"/>
+                      <a:tailEnd len="med" w="med" type="none"/>
+                    </a:lnB>
+                  </a:tcPr>
+                </a:tc>
+                <a:tc>
+                  <a:txBody>
+                    <a:bodyPr>
+                      <a:noAutofit/>
+                    </a:bodyPr>
+                    <a:lstStyle/>
+                    <a:p>
+                      <a:pPr lvl="0" rtl="0">
+                        <a:spcBef>
+                          <a:spcPts val="0"/>
+                        </a:spcBef>
+                        <a:buNone/>
+                      </a:pPr>
+                      <a:r>
+                        <a:rPr lang="en">
+                          <a:solidFill>
+                            <a:srgbClr val="FFFFFF"/>
+                          </a:solidFill>
+                        </a:rPr>
+                        <a:t>Jeremy</a:t>
+                      </a:r>
+                    </a:p>
+                  </a:txBody>
+                  <a:tcPr marT="91425" marB="91425" marR="91425" marL="91425">
+                    <a:lnL cap="flat" cmpd="sng" w="9525">
+                      <a:solidFill>
+                        <a:srgbClr val="FFFFFF"/>
+                      </a:solidFill>
+                      <a:prstDash val="solid"/>
+                      <a:round/>
+                      <a:headEnd len="med" w="med" type="none"/>
+                      <a:tailEnd len="med" w="med" type="none"/>
+                    </a:lnL>
+                    <a:lnR cap="flat" cmpd="sng" w="9525">
+                      <a:solidFill>
+                        <a:srgbClr val="FFFFFF"/>
+                      </a:solidFill>
+                      <a:prstDash val="solid"/>
+                      <a:round/>
+                      <a:headEnd len="med" w="med" type="none"/>
+                      <a:tailEnd len="med" w="med" type="none"/>
+                    </a:lnR>
+                    <a:lnT cap="flat" cmpd="sng" w="9525">
+                      <a:solidFill>
+                        <a:srgbClr val="FFFFFF"/>
+                      </a:solidFill>
+                      <a:prstDash val="solid"/>
+                      <a:round/>
+                      <a:headEnd len="med" w="med" type="none"/>
+                      <a:tailEnd len="med" w="med" type="none"/>
+                    </a:lnT>
+                    <a:lnB cap="flat" cmpd="sng" w="9525">
+                      <a:solidFill>
+                        <a:srgbClr val="FFFFFF"/>
+                      </a:solidFill>
+                      <a:prstDash val="solid"/>
+                      <a:round/>
+                      <a:headEnd len="med" w="med" type="none"/>
+                      <a:tailEnd len="med" w="med" type="none"/>
+                    </a:lnB>
+                  </a:tcPr>
+                </a:tc>
+                <a:tc>
+                  <a:txBody>
+                    <a:bodyPr>
+                      <a:noAutofit/>
+                    </a:bodyPr>
+                    <a:lstStyle/>
+                    <a:p>
+                      <a:pPr indent="0" lvl="0" marL="0" rtl="0">
+                        <a:spcBef>
+                          <a:spcPts val="0"/>
+                        </a:spcBef>
+                        <a:buNone/>
+                      </a:pPr>
+                      <a:r>
+                        <a:rPr lang="en">
+                          <a:solidFill>
+                            <a:schemeClr val="dk1"/>
+                          </a:solidFill>
+                        </a:rPr>
+                        <a:t>Displaying static files and basic ui on the server.</a:t>
+                      </a:r>
+                    </a:p>
+                  </a:txBody>
+                  <a:tcPr marT="91425" marB="91425" marR="91425" marL="91425">
+                    <a:lnL cap="flat" cmpd="sng" w="9525">
+                      <a:solidFill>
+                        <a:srgbClr val="FFFFFF"/>
+                      </a:solidFill>
+                      <a:prstDash val="solid"/>
+                      <a:round/>
+                      <a:headEnd len="med" w="med" type="none"/>
+                      <a:tailEnd len="med" w="med" type="none"/>
+                    </a:lnL>
+                    <a:lnR cap="flat" cmpd="sng" w="9525">
+                      <a:solidFill>
+                        <a:srgbClr val="FFFFFF"/>
+                      </a:solidFill>
+                      <a:prstDash val="solid"/>
+                      <a:round/>
+                      <a:headEnd len="med" w="med" type="none"/>
+                      <a:tailEnd len="med" w="med" type="none"/>
+                    </a:lnR>
+                    <a:lnT cap="flat" cmpd="sng" w="9525">
+                      <a:solidFill>
+                        <a:srgbClr val="FFFFFF"/>
+                      </a:solidFill>
+                      <a:prstDash val="solid"/>
+                      <a:round/>
+                      <a:headEnd len="med" w="med" type="none"/>
+                      <a:tailEnd len="med" w="med" type="none"/>
+                    </a:lnT>
+                    <a:lnB cap="flat" cmpd="sng" w="9525">
+                      <a:solidFill>
+                        <a:srgbClr val="FFFFFF"/>
+                      </a:solidFill>
+                      <a:prstDash val="solid"/>
+                      <a:round/>
+                      <a:headEnd len="med" w="med" type="none"/>
+                      <a:tailEnd len="med" w="med" type="none"/>
+                    </a:lnB>
+                  </a:tcPr>
+                </a:tc>
+                <a:tc>
+                  <a:txBody>
+                    <a:bodyPr>
+                      <a:noAutofit/>
+                    </a:bodyPr>
+                    <a:lstStyle/>
+                    <a:p>
+                      <a:pPr lvl="0" rtl="0">
+                        <a:lnSpc>
+                          <a:spcPct val="115000"/>
+                        </a:lnSpc>
+                        <a:spcBef>
+                          <a:spcPts val="0"/>
+                        </a:spcBef>
+                        <a:spcAft>
+                          <a:spcPts val="1600"/>
+                        </a:spcAft>
+                        <a:buNone/>
+                      </a:pPr>
+                      <a:r>
+                        <a:rPr lang="en">
+                          <a:solidFill>
+                            <a:schemeClr val="dk1"/>
+                          </a:solidFill>
+                        </a:rPr>
+                        <a:t>Completed</a:t>
+                      </a:r>
+                    </a:p>
+                  </a:txBody>
+                  <a:tcPr marT="91425" marB="91425" marR="91425" marL="91425">
+                    <a:lnL cap="flat" cmpd="sng" w="9525">
+                      <a:solidFill>
+                        <a:srgbClr val="FFFFFF"/>
+                      </a:solidFill>
+                      <a:prstDash val="solid"/>
+                      <a:round/>
+                      <a:headEnd len="med" w="med" type="none"/>
+                      <a:tailEnd len="med" w="med" type="none"/>
+                    </a:lnL>
+                    <a:lnR cap="flat" cmpd="sng" w="9525">
+                      <a:solidFill>
+                        <a:srgbClr val="FFFFFF"/>
+                      </a:solidFill>
+                      <a:prstDash val="solid"/>
+                      <a:round/>
+                      <a:headEnd len="med" w="med" type="none"/>
+                      <a:tailEnd len="med" w="med" type="none"/>
+                    </a:lnR>
+                    <a:lnT cap="flat" cmpd="sng" w="9525">
+                      <a:solidFill>
+                        <a:srgbClr val="FFFFFF"/>
+                      </a:solidFill>
+                      <a:prstDash val="solid"/>
+                      <a:round/>
+                      <a:headEnd len="med" w="med" type="none"/>
+                      <a:tailEnd len="med" w="med" type="none"/>
+                    </a:lnT>
+                    <a:lnB cap="flat" cmpd="sng" w="9525">
+                      <a:solidFill>
+                        <a:srgbClr val="FFFFFF"/>
+                      </a:solidFill>
+                      <a:prstDash val="solid"/>
+                      <a:round/>
+                      <a:headEnd len="med" w="med" type="none"/>
+                      <a:tailEnd len="med" w="med" type="none"/>
+                    </a:lnB>
+                  </a:tcPr>
+                </a:tc>
+              </a:tr>
+              <a:tr h="635150">
+                <a:tc>
+                  <a:txBody>
+                    <a:bodyPr>
+                      <a:noAutofit/>
+                    </a:bodyPr>
+                    <a:lstStyle/>
+                    <a:p>
+                      <a:pPr lvl="0" rtl="0">
+                        <a:spcBef>
+                          <a:spcPts val="0"/>
+                        </a:spcBef>
+                        <a:buNone/>
+                      </a:pPr>
+                      <a:r>
+                        <a:rPr lang="en">
+                          <a:solidFill>
+                            <a:srgbClr val="FFFFFF"/>
+                          </a:solidFill>
+                        </a:rPr>
+                        <a:t>Front-End</a:t>
+                      </a:r>
+                    </a:p>
+                  </a:txBody>
+                  <a:tcPr marT="91425" marB="91425" marR="91425" marL="91425">
+                    <a:lnL cap="flat" cmpd="sng" w="9525">
+                      <a:solidFill>
+                        <a:srgbClr val="FFFFFF"/>
+                      </a:solidFill>
+                      <a:prstDash val="solid"/>
+                      <a:round/>
+                      <a:headEnd len="med" w="med" type="none"/>
+                      <a:tailEnd len="med" w="med" type="none"/>
+                    </a:lnL>
+                    <a:lnR cap="flat" cmpd="sng" w="9525">
+                      <a:solidFill>
+                        <a:srgbClr val="FFFFFF"/>
+                      </a:solidFill>
+                      <a:prstDash val="solid"/>
+                      <a:round/>
+                      <a:headEnd len="med" w="med" type="none"/>
+                      <a:tailEnd len="med" w="med" type="none"/>
+                    </a:lnR>
+                    <a:lnT cap="flat" cmpd="sng" w="9525">
+                      <a:solidFill>
+                        <a:srgbClr val="FFFFFF"/>
+                      </a:solidFill>
+                      <a:prstDash val="solid"/>
+                      <a:round/>
+                      <a:headEnd len="med" w="med" type="none"/>
+                      <a:tailEnd len="med" w="med" type="none"/>
+                    </a:lnT>
+                    <a:lnB cap="flat" cmpd="sng" w="9525">
+                      <a:solidFill>
+                        <a:srgbClr val="FFFFFF"/>
+                      </a:solidFill>
+                      <a:prstDash val="solid"/>
+                      <a:round/>
+                      <a:headEnd len="med" w="med" type="none"/>
+                      <a:tailEnd len="med" w="med" type="none"/>
+                    </a:lnB>
+                  </a:tcPr>
+                </a:tc>
+                <a:tc>
+                  <a:txBody>
+                    <a:bodyPr>
+                      <a:noAutofit/>
+                    </a:bodyPr>
+                    <a:lstStyle/>
+                    <a:p>
+                      <a:pPr lvl="0" rtl="0">
+                        <a:spcBef>
+                          <a:spcPts val="0"/>
+                        </a:spcBef>
+                        <a:buNone/>
+                      </a:pPr>
+                      <a:r>
+                        <a:rPr lang="en">
+                          <a:solidFill>
+                            <a:srgbClr val="FFFFFF"/>
+                          </a:solidFill>
+                        </a:rPr>
+                        <a:t>Jeremy, Richard</a:t>
+                      </a:r>
+                    </a:p>
+                  </a:txBody>
+                  <a:tcPr marT="91425" marB="91425" marR="91425" marL="91425">
+                    <a:lnL cap="flat" cmpd="sng" w="9525">
+                      <a:solidFill>
+                        <a:srgbClr val="FFFFFF"/>
+                      </a:solidFill>
+                      <a:prstDash val="solid"/>
+                      <a:round/>
+                      <a:headEnd len="med" w="med" type="none"/>
+                      <a:tailEnd len="med" w="med" type="none"/>
+                    </a:lnL>
+                    <a:lnR cap="flat" cmpd="sng" w="9525">
+                      <a:solidFill>
+                        <a:srgbClr val="FFFFFF"/>
+                      </a:solidFill>
+                      <a:prstDash val="solid"/>
+                      <a:round/>
+                      <a:headEnd len="med" w="med" type="none"/>
+                      <a:tailEnd len="med" w="med" type="none"/>
+                    </a:lnR>
+                    <a:lnT cap="flat" cmpd="sng" w="9525">
+                      <a:solidFill>
+                        <a:srgbClr val="FFFFFF"/>
+                      </a:solidFill>
+                      <a:prstDash val="solid"/>
+                      <a:round/>
+                      <a:headEnd len="med" w="med" type="none"/>
+                      <a:tailEnd len="med" w="med" type="none"/>
+                    </a:lnT>
+                    <a:lnB cap="flat" cmpd="sng" w="9525">
+                      <a:solidFill>
+                        <a:srgbClr val="FFFFFF"/>
+                      </a:solidFill>
+                      <a:prstDash val="solid"/>
+                      <a:round/>
+                      <a:headEnd len="med" w="med" type="none"/>
+                      <a:tailEnd len="med" w="med" type="none"/>
+                    </a:lnB>
+                  </a:tcPr>
+                </a:tc>
+                <a:tc>
+                  <a:txBody>
+                    <a:bodyPr>
+                      <a:noAutofit/>
+                    </a:bodyPr>
+                    <a:lstStyle/>
+                    <a:p>
+                      <a:pPr indent="0" lvl="0" marL="0" rtl="0">
+                        <a:spcBef>
+                          <a:spcPts val="0"/>
+                        </a:spcBef>
+                        <a:buNone/>
+                      </a:pPr>
+                      <a:r>
+                        <a:rPr lang="en">
+                          <a:solidFill>
+                            <a:schemeClr val="dk1"/>
+                          </a:solidFill>
+                        </a:rPr>
+                        <a:t>Submit form data to the back end for machine learning analyzing.</a:t>
+                      </a:r>
+                    </a:p>
+                  </a:txBody>
+                  <a:tcPr marT="91425" marB="91425" marR="91425" marL="91425">
+                    <a:lnL cap="flat" cmpd="sng" w="9525">
+                      <a:solidFill>
+                        <a:srgbClr val="FFFFFF"/>
+                      </a:solidFill>
+                      <a:prstDash val="solid"/>
+                      <a:round/>
+                      <a:headEnd len="med" w="med" type="none"/>
+                      <a:tailEnd len="med" w="med" type="none"/>
+                    </a:lnL>
+                    <a:lnR cap="flat" cmpd="sng" w="9525">
+                      <a:solidFill>
+                        <a:srgbClr val="FFFFFF"/>
+                      </a:solidFill>
+                      <a:prstDash val="solid"/>
+                      <a:round/>
+                      <a:headEnd len="med" w="med" type="none"/>
+                      <a:tailEnd len="med" w="med" type="none"/>
+                    </a:lnR>
+                    <a:lnT cap="flat" cmpd="sng" w="9525">
+                      <a:solidFill>
+                        <a:srgbClr val="FFFFFF"/>
+                      </a:solidFill>
+                      <a:prstDash val="solid"/>
+                      <a:round/>
+                      <a:headEnd len="med" w="med" type="none"/>
+                      <a:tailEnd len="med" w="med" type="none"/>
+                    </a:lnT>
+                    <a:lnB cap="flat" cmpd="sng" w="9525">
+                      <a:solidFill>
+                        <a:srgbClr val="FFFFFF"/>
+                      </a:solidFill>
+                      <a:prstDash val="solid"/>
+                      <a:round/>
+                      <a:headEnd len="med" w="med" type="none"/>
+                      <a:tailEnd len="med" w="med" type="none"/>
+                    </a:lnB>
+                  </a:tcPr>
+                </a:tc>
+                <a:tc>
+                  <a:txBody>
+                    <a:bodyPr>
+                      <a:noAutofit/>
+                    </a:bodyPr>
+                    <a:lstStyle/>
+                    <a:p>
+                      <a:pPr lvl="0" rtl="0">
+                        <a:spcBef>
+                          <a:spcPts val="0"/>
+                        </a:spcBef>
+                        <a:buNone/>
+                      </a:pPr>
+                      <a:r>
+                        <a:rPr lang="en">
+                          <a:solidFill>
+                            <a:srgbClr val="FFFFFF"/>
+                          </a:solidFill>
+                        </a:rPr>
+                        <a:t>In Progress</a:t>
+                      </a:r>
+                    </a:p>
+                  </a:txBody>
+                  <a:tcPr marT="91425" marB="91425" marR="91425" marL="91425">
+                    <a:lnL cap="flat" cmpd="sng" w="9525">
+                      <a:solidFill>
+                        <a:srgbClr val="FFFFFF"/>
+                      </a:solidFill>
+                      <a:prstDash val="solid"/>
+                      <a:round/>
+                      <a:headEnd len="med" w="med" type="none"/>
+                      <a:tailEnd len="med" w="med" type="none"/>
+                    </a:lnL>
+                    <a:lnR cap="flat" cmpd="sng" w="9525">
+                      <a:solidFill>
+                        <a:srgbClr val="FFFFFF"/>
+                      </a:solidFill>
+                      <a:prstDash val="solid"/>
+                      <a:round/>
+                      <a:headEnd len="med" w="med" type="none"/>
+                      <a:tailEnd len="med" w="med" type="none"/>
+                    </a:lnR>
+                    <a:lnT cap="flat" cmpd="sng" w="9525">
+                      <a:solidFill>
+                        <a:srgbClr val="FFFFFF"/>
+                      </a:solidFill>
+                      <a:prstDash val="solid"/>
+                      <a:round/>
+                      <a:headEnd len="med" w="med" type="none"/>
+                      <a:tailEnd len="med" w="med" type="none"/>
+                    </a:lnT>
+                    <a:lnB cap="flat" cmpd="sng" w="9525">
+                      <a:solidFill>
+                        <a:srgbClr val="FFFFFF"/>
+                      </a:solidFill>
+                      <a:prstDash val="solid"/>
+                      <a:round/>
+                      <a:headEnd len="med" w="med" type="none"/>
+                      <a:tailEnd len="med" w="med" type="none"/>
+                    </a:lnB>
+                  </a:tcPr>
+                </a:tc>
+              </a:tr>
+              <a:tr h="635150">
+                <a:tc>
+                  <a:txBody>
+                    <a:bodyPr>
+                      <a:noAutofit/>
+                    </a:bodyPr>
+                    <a:lstStyle/>
+                    <a:p>
+                      <a:pPr lvl="0">
+                        <a:spcBef>
+                          <a:spcPts val="0"/>
+                        </a:spcBef>
+                        <a:buNone/>
+                      </a:pPr>
+                      <a:r>
+                        <a:rPr lang="en">
+                          <a:solidFill>
+                            <a:srgbClr val="FFFFFF"/>
+                          </a:solidFill>
+                        </a:rPr>
+                        <a:t>Front-End</a:t>
+                      </a:r>
+                    </a:p>
+                  </a:txBody>
+                  <a:tcPr marT="91425" marB="91425" marR="91425" marL="91425">
+                    <a:lnL cap="flat" cmpd="sng" w="9525">
+                      <a:solidFill>
+                        <a:srgbClr val="FFFFFF"/>
+                      </a:solidFill>
+                      <a:prstDash val="solid"/>
+                      <a:round/>
+                      <a:headEnd len="med" w="med" type="none"/>
+                      <a:tailEnd len="med" w="med" type="none"/>
+                    </a:lnL>
+                    <a:lnR cap="flat" cmpd="sng" w="9525">
+                      <a:solidFill>
+                        <a:srgbClr val="FFFFFF"/>
+                      </a:solidFill>
+                      <a:prstDash val="solid"/>
+                      <a:round/>
+                      <a:headEnd len="med" w="med" type="none"/>
+                      <a:tailEnd len="med" w="med" type="none"/>
+                    </a:lnR>
+                    <a:lnT cap="flat" cmpd="sng" w="9525">
+                      <a:solidFill>
+                        <a:srgbClr val="FFFFFF"/>
+                      </a:solidFill>
+                      <a:prstDash val="solid"/>
+                      <a:round/>
+                      <a:headEnd len="med" w="med" type="none"/>
+                      <a:tailEnd len="med" w="med" type="none"/>
+                    </a:lnT>
+                    <a:lnB cap="flat" cmpd="sng" w="9525">
+                      <a:solidFill>
+                        <a:srgbClr val="FFFFFF"/>
+                      </a:solidFill>
+                      <a:prstDash val="solid"/>
+                      <a:round/>
+                      <a:headEnd len="med" w="med" type="none"/>
+                      <a:tailEnd len="med" w="med" type="none"/>
+                    </a:lnB>
+                  </a:tcPr>
+                </a:tc>
+                <a:tc>
+                  <a:txBody>
+                    <a:bodyPr>
+                      <a:noAutofit/>
+                    </a:bodyPr>
+                    <a:lstStyle/>
+                    <a:p>
+                      <a:pPr lvl="0" rtl="0">
+                        <a:spcBef>
+                          <a:spcPts val="0"/>
+                        </a:spcBef>
+                        <a:buNone/>
+                      </a:pPr>
+                      <a:r>
+                        <a:rPr lang="en">
+                          <a:solidFill>
+                            <a:srgbClr val="FFFFFF"/>
+                          </a:solidFill>
+                        </a:rPr>
+                        <a:t>Jeremy</a:t>
+                      </a:r>
+                    </a:p>
+                  </a:txBody>
+                  <a:tcPr marT="91425" marB="91425" marR="91425" marL="91425">
+                    <a:lnL cap="flat" cmpd="sng" w="9525">
+                      <a:solidFill>
+                        <a:srgbClr val="FFFFFF"/>
+                      </a:solidFill>
+                      <a:prstDash val="solid"/>
+                      <a:round/>
+                      <a:headEnd len="med" w="med" type="none"/>
+                      <a:tailEnd len="med" w="med" type="none"/>
+                    </a:lnL>
+                    <a:lnR cap="flat" cmpd="sng" w="9525">
+                      <a:solidFill>
+                        <a:srgbClr val="FFFFFF"/>
+                      </a:solidFill>
+                      <a:prstDash val="solid"/>
+                      <a:round/>
+                      <a:headEnd len="med" w="med" type="none"/>
+                      <a:tailEnd len="med" w="med" type="none"/>
+                    </a:lnR>
+                    <a:lnT cap="flat" cmpd="sng" w="9525">
+                      <a:solidFill>
+                        <a:srgbClr val="FFFFFF"/>
+                      </a:solidFill>
+                      <a:prstDash val="solid"/>
+                      <a:round/>
+                      <a:headEnd len="med" w="med" type="none"/>
+                      <a:tailEnd len="med" w="med" type="none"/>
+                    </a:lnT>
+                    <a:lnB cap="flat" cmpd="sng" w="9525">
+                      <a:solidFill>
+                        <a:srgbClr val="FFFFFF"/>
+                      </a:solidFill>
+                      <a:prstDash val="solid"/>
+                      <a:round/>
+                      <a:headEnd len="med" w="med" type="none"/>
+                      <a:tailEnd len="med" w="med" type="none"/>
+                    </a:lnB>
+                  </a:tcPr>
+                </a:tc>
+                <a:tc>
+                  <a:txBody>
+                    <a:bodyPr>
+                      <a:noAutofit/>
+                    </a:bodyPr>
+                    <a:lstStyle/>
+                    <a:p>
+                      <a:pPr indent="0" lvl="0" marL="0" rtl="0">
+                        <a:spcBef>
+                          <a:spcPts val="0"/>
+                        </a:spcBef>
+                        <a:buNone/>
+                      </a:pPr>
+                      <a:r>
+                        <a:rPr lang="en">
+                          <a:solidFill>
+                            <a:schemeClr val="dk1"/>
+                          </a:solidFill>
+                        </a:rPr>
+                        <a:t>Finish content for about section, blog section.</a:t>
+                      </a:r>
+                    </a:p>
+                  </a:txBody>
+                  <a:tcPr marT="91425" marB="91425" marR="91425" marL="91425">
+                    <a:lnL cap="flat" cmpd="sng" w="9525">
+                      <a:solidFill>
+                        <a:srgbClr val="FFFFFF"/>
+                      </a:solidFill>
+                      <a:prstDash val="solid"/>
+                      <a:round/>
+                      <a:headEnd len="med" w="med" type="none"/>
+                      <a:tailEnd len="med" w="med" type="none"/>
+                    </a:lnL>
+                    <a:lnR cap="flat" cmpd="sng" w="9525">
+                      <a:solidFill>
+                        <a:srgbClr val="FFFFFF"/>
+                      </a:solidFill>
+                      <a:prstDash val="solid"/>
+                      <a:round/>
+                      <a:headEnd len="med" w="med" type="none"/>
+                      <a:tailEnd len="med" w="med" type="none"/>
+                    </a:lnR>
+                    <a:lnT cap="flat" cmpd="sng" w="9525">
+                      <a:solidFill>
+                        <a:srgbClr val="FFFFFF"/>
+                      </a:solidFill>
+                      <a:prstDash val="solid"/>
+                      <a:round/>
+                      <a:headEnd len="med" w="med" type="none"/>
+                      <a:tailEnd len="med" w="med" type="none"/>
+                    </a:lnT>
+                    <a:lnB cap="flat" cmpd="sng" w="9525">
+                      <a:solidFill>
+                        <a:srgbClr val="FFFFFF"/>
+                      </a:solidFill>
+                      <a:prstDash val="solid"/>
+                      <a:round/>
+                      <a:headEnd len="med" w="med" type="none"/>
+                      <a:tailEnd len="med" w="med" type="none"/>
+                    </a:lnB>
+                  </a:tcPr>
+                </a:tc>
+                <a:tc>
+                  <a:txBody>
+                    <a:bodyPr>
+                      <a:noAutofit/>
+                    </a:bodyPr>
+                    <a:lstStyle/>
+                    <a:p>
+                      <a:pPr lvl="0" rtl="0">
+                        <a:spcBef>
+                          <a:spcPts val="0"/>
+                        </a:spcBef>
+                        <a:buNone/>
+                      </a:pPr>
+                      <a:r>
+                        <a:rPr lang="en">
+                          <a:solidFill>
+                            <a:srgbClr val="FFFFFF"/>
+                          </a:solidFill>
+                        </a:rPr>
+                        <a:t>In Progress</a:t>
+                      </a:r>
+                    </a:p>
+                    <a:p>
+                      <a:pPr lvl="0" rtl="0">
+                        <a:spcBef>
+                          <a:spcPts val="0"/>
+                        </a:spcBef>
+                        <a:buNone/>
+                      </a:pPr>
+                      <a:r>
+                        <a:t/>
+                      </a:r>
+                      <a:endParaRPr>
+                        <a:solidFill>
+                          <a:srgbClr val="FFFFFF"/>
+                        </a:solidFill>
+                      </a:endParaRPr>
+                    </a:p>
+                  </a:txBody>
+                  <a:tcPr marT="91425" marB="91425" marR="91425" marL="91425">
+                    <a:lnL cap="flat" cmpd="sng" w="9525">
+                      <a:solidFill>
+                        <a:srgbClr val="FFFFFF"/>
+                      </a:solidFill>
+                      <a:prstDash val="solid"/>
+                      <a:round/>
+                      <a:headEnd len="med" w="med" type="none"/>
+                      <a:tailEnd len="med" w="med" type="none"/>
+                    </a:lnL>
+                    <a:lnR cap="flat" cmpd="sng" w="9525">
+                      <a:solidFill>
+                        <a:srgbClr val="FFFFFF"/>
+                      </a:solidFill>
+                      <a:prstDash val="solid"/>
+                      <a:round/>
+                      <a:headEnd len="med" w="med" type="none"/>
+                      <a:tailEnd len="med" w="med" type="none"/>
+                    </a:lnR>
+                    <a:lnT cap="flat" cmpd="sng" w="9525">
+                      <a:solidFill>
+                        <a:srgbClr val="FFFFFF"/>
+                      </a:solidFill>
+                      <a:prstDash val="solid"/>
+                      <a:round/>
+                      <a:headEnd len="med" w="med" type="none"/>
+                      <a:tailEnd len="med" w="med" type="none"/>
+                    </a:lnT>
+                    <a:lnB cap="flat" cmpd="sng" w="9525">
+                      <a:solidFill>
+                        <a:srgbClr val="FFFFFF"/>
+                      </a:solidFill>
+                      <a:prstDash val="solid"/>
+                      <a:round/>
+                      <a:headEnd len="med" w="med" type="none"/>
+                      <a:tailEnd len="med" w="med" type="none"/>
+                    </a:lnB>
+                  </a:tcPr>
+                </a:tc>
+              </a:tr>
+              <a:tr h="655750">
+                <a:tc>
+                  <a:txBody>
+                    <a:bodyPr>
+                      <a:noAutofit/>
+                    </a:bodyPr>
+                    <a:lstStyle/>
+                    <a:p>
+                      <a:pPr lvl="0">
+                        <a:spcBef>
+                          <a:spcPts val="0"/>
+                        </a:spcBef>
+                        <a:buNone/>
+                      </a:pPr>
+                      <a:r>
+                        <a:rPr lang="en">
+                          <a:solidFill>
+                            <a:srgbClr val="FFFFFF"/>
+                          </a:solidFill>
+                        </a:rPr>
+                        <a:t>Front-End</a:t>
+                      </a:r>
+                    </a:p>
+                  </a:txBody>
+                  <a:tcPr marT="91425" marB="91425" marR="91425" marL="91425">
+                    <a:lnL cap="flat" cmpd="sng" w="9525">
+                      <a:solidFill>
+                        <a:srgbClr val="FFFFFF"/>
+                      </a:solidFill>
+                      <a:prstDash val="solid"/>
+                      <a:round/>
+                      <a:headEnd len="med" w="med" type="none"/>
+                      <a:tailEnd len="med" w="med" type="none"/>
+                    </a:lnL>
+                    <a:lnR cap="flat" cmpd="sng" w="9525">
+                      <a:solidFill>
+                        <a:srgbClr val="FFFFFF"/>
+                      </a:solidFill>
+                      <a:prstDash val="solid"/>
+                      <a:round/>
+                      <a:headEnd len="med" w="med" type="none"/>
+                      <a:tailEnd len="med" w="med" type="none"/>
+                    </a:lnR>
+                    <a:lnT cap="flat" cmpd="sng" w="9525">
+                      <a:solidFill>
+                        <a:srgbClr val="FFFFFF"/>
+                      </a:solidFill>
+                      <a:prstDash val="solid"/>
+                      <a:round/>
+                      <a:headEnd len="med" w="med" type="none"/>
+                      <a:tailEnd len="med" w="med" type="none"/>
+                    </a:lnT>
+                    <a:lnB cap="flat" cmpd="sng" w="9525">
+                      <a:solidFill>
+                        <a:srgbClr val="FFFFFF"/>
+                      </a:solidFill>
+                      <a:prstDash val="solid"/>
+                      <a:round/>
+                      <a:headEnd len="med" w="med" type="none"/>
+                      <a:tailEnd len="med" w="med" type="none"/>
+                    </a:lnB>
+                  </a:tcPr>
+                </a:tc>
+                <a:tc>
+                  <a:txBody>
+                    <a:bodyPr>
+                      <a:noAutofit/>
+                    </a:bodyPr>
+                    <a:lstStyle/>
+                    <a:p>
+                      <a:pPr lvl="0" rtl="0">
+                        <a:spcBef>
+                          <a:spcPts val="0"/>
+                        </a:spcBef>
+                        <a:buNone/>
+                      </a:pPr>
+                      <a:r>
+                        <a:rPr lang="en">
+                          <a:solidFill>
+                            <a:srgbClr val="FFFFFF"/>
+                          </a:solidFill>
+                        </a:rPr>
+                        <a:t>Jeremy</a:t>
+                      </a:r>
+                    </a:p>
+                  </a:txBody>
+                  <a:tcPr marT="91425" marB="91425" marR="91425" marL="91425">
+                    <a:lnL cap="flat" cmpd="sng" w="9525">
+                      <a:solidFill>
+                        <a:srgbClr val="FFFFFF"/>
+                      </a:solidFill>
+                      <a:prstDash val="solid"/>
+                      <a:round/>
+                      <a:headEnd len="med" w="med" type="none"/>
+                      <a:tailEnd len="med" w="med" type="none"/>
+                    </a:lnL>
+                    <a:lnR cap="flat" cmpd="sng" w="9525">
+                      <a:solidFill>
+                        <a:srgbClr val="FFFFFF"/>
+                      </a:solidFill>
+                      <a:prstDash val="solid"/>
+                      <a:round/>
+                      <a:headEnd len="med" w="med" type="none"/>
+                      <a:tailEnd len="med" w="med" type="none"/>
+                    </a:lnR>
+                    <a:lnT cap="flat" cmpd="sng" w="9525">
+                      <a:solidFill>
+                        <a:srgbClr val="FFFFFF"/>
+                      </a:solidFill>
+                      <a:prstDash val="solid"/>
+                      <a:round/>
+                      <a:headEnd len="med" w="med" type="none"/>
+                      <a:tailEnd len="med" w="med" type="none"/>
+                    </a:lnT>
+                    <a:lnB cap="flat" cmpd="sng" w="9525">
+                      <a:solidFill>
+                        <a:srgbClr val="FFFFFF"/>
+                      </a:solidFill>
+                      <a:prstDash val="solid"/>
+                      <a:round/>
+                      <a:headEnd len="med" w="med" type="none"/>
+                      <a:tailEnd len="med" w="med" type="none"/>
+                    </a:lnB>
+                  </a:tcPr>
+                </a:tc>
+                <a:tc>
+                  <a:txBody>
+                    <a:bodyPr>
+                      <a:noAutofit/>
+                    </a:bodyPr>
+                    <a:lstStyle/>
+                    <a:p>
+                      <a:pPr lvl="0">
+                        <a:spcBef>
+                          <a:spcPts val="0"/>
+                        </a:spcBef>
+                        <a:buNone/>
+                      </a:pPr>
+                      <a:r>
+                        <a:rPr lang="en">
+                          <a:solidFill>
+                            <a:schemeClr val="dk1"/>
+                          </a:solidFill>
+                        </a:rPr>
+                        <a:t>Finish charts for visualizations.</a:t>
+                      </a:r>
+                    </a:p>
+                  </a:txBody>
+                  <a:tcPr marT="91425" marB="91425" marR="91425" marL="91425">
+                    <a:lnL cap="flat" cmpd="sng" w="9525">
+                      <a:solidFill>
+                        <a:srgbClr val="FFFFFF"/>
+                      </a:solidFill>
+                      <a:prstDash val="solid"/>
+                      <a:round/>
+                      <a:headEnd len="med" w="med" type="none"/>
+                      <a:tailEnd len="med" w="med" type="none"/>
+                    </a:lnL>
+                    <a:lnR cap="flat" cmpd="sng" w="9525">
+                      <a:solidFill>
+                        <a:srgbClr val="FFFFFF"/>
+                      </a:solidFill>
+                      <a:prstDash val="solid"/>
+                      <a:round/>
+                      <a:headEnd len="med" w="med" type="none"/>
+                      <a:tailEnd len="med" w="med" type="none"/>
+                    </a:lnR>
+                    <a:lnT cap="flat" cmpd="sng" w="9525">
+                      <a:solidFill>
+                        <a:srgbClr val="FFFFFF"/>
+                      </a:solidFill>
+                      <a:prstDash val="solid"/>
+                      <a:round/>
+                      <a:headEnd len="med" w="med" type="none"/>
+                      <a:tailEnd len="med" w="med" type="none"/>
+                    </a:lnT>
+                    <a:lnB cap="flat" cmpd="sng" w="9525">
+                      <a:solidFill>
+                        <a:srgbClr val="FFFFFF"/>
+                      </a:solidFill>
+                      <a:prstDash val="solid"/>
+                      <a:round/>
+                      <a:headEnd len="med" w="med" type="none"/>
+                      <a:tailEnd len="med" w="med" type="none"/>
+                    </a:lnB>
+                  </a:tcPr>
+                </a:tc>
+                <a:tc>
+                  <a:txBody>
+                    <a:bodyPr>
+                      <a:noAutofit/>
+                    </a:bodyPr>
+                    <a:lstStyle/>
+                    <a:p>
+                      <a:pPr lvl="0" rtl="0">
+                        <a:spcBef>
+                          <a:spcPts val="0"/>
+                        </a:spcBef>
+                        <a:buNone/>
+                      </a:pPr>
+                      <a:r>
+                        <a:rPr lang="en">
+                          <a:solidFill>
+                            <a:srgbClr val="FFFFFF"/>
+                          </a:solidFill>
+                        </a:rPr>
+                        <a:t>In Progress</a:t>
+                      </a:r>
+                    </a:p>
+                    <a:p>
+                      <a:pPr lvl="0" rtl="0">
+                        <a:spcBef>
+                          <a:spcPts val="0"/>
+                        </a:spcBef>
+                        <a:buNone/>
+                      </a:pPr>
+                      <a:r>
+                        <a:t/>
+                      </a:r>
+                      <a:endParaRPr>
+                        <a:solidFill>
+                          <a:srgbClr val="FFFFFF"/>
+                        </a:solidFill>
+                      </a:endParaRPr>
+                    </a:p>
+                  </a:txBody>
+                  <a:tcPr marT="91425" marB="91425" marR="91425" marL="91425">
+                    <a:lnL cap="flat" cmpd="sng" w="9525">
+                      <a:solidFill>
+                        <a:srgbClr val="FFFFFF"/>
+                      </a:solidFill>
+                      <a:prstDash val="solid"/>
+                      <a:round/>
+                      <a:headEnd len="med" w="med" type="none"/>
+                      <a:tailEnd len="med" w="med" type="none"/>
+                    </a:lnL>
+                    <a:lnR cap="flat" cmpd="sng" w="9525">
+                      <a:solidFill>
+                        <a:srgbClr val="FFFFFF"/>
+                      </a:solidFill>
+                      <a:prstDash val="solid"/>
+                      <a:round/>
+                      <a:headEnd len="med" w="med" type="none"/>
+                      <a:tailEnd len="med" w="med" type="none"/>
+                    </a:lnR>
+                    <a:lnT cap="flat" cmpd="sng" w="9525">
+                      <a:solidFill>
+                        <a:srgbClr val="FFFFFF"/>
+                      </a:solidFill>
+                      <a:prstDash val="solid"/>
+                      <a:round/>
+                      <a:headEnd len="med" w="med" type="none"/>
+                      <a:tailEnd len="med" w="med" type="none"/>
+                    </a:lnT>
+                    <a:lnB cap="flat" cmpd="sng" w="9525">
+                      <a:solidFill>
+                        <a:srgbClr val="FFFFFF"/>
+                      </a:solidFill>
+                      <a:prstDash val="solid"/>
+                      <a:round/>
+                      <a:headEnd len="med" w="med" type="none"/>
+                      <a:tailEnd len="med" w="med" type="none"/>
+                    </a:lnB>
+                  </a:tcPr>
+                </a:tc>
+              </a:tr>
+            </a:tbl>
+          </a:graphicData>
+        </a:graphic>
+      </p:graphicFrame>
     </p:spTree>
   </p:cSld>
   <p:clrMapOvr>
@@ -15559,7 +17131,7 @@
   <p:cSld>
     <p:spTree>
       <p:nvGrpSpPr>
-        <p:cNvPr id="288" name="Shape 288"/>
+        <p:cNvPr id="291" name="Shape 291"/>
         <p:cNvGrpSpPr/>
         <p:nvPr/>
       </p:nvGrpSpPr>
@@ -15573,7 +17145,7 @@
       </p:grpSpPr>
       <p:sp>
         <p:nvSpPr>
-          <p:cNvPr id="289" name="Shape 289"/>
+          <p:cNvPr id="292" name="Shape 292"/>
           <p:cNvSpPr txBox="1"/>
           <p:nvPr>
             <p:ph type="title"/>
@@ -15581,8 +17153,8 @@
         </p:nvSpPr>
         <p:spPr>
           <a:xfrm>
-            <a:off x="311700" y="445025"/>
-            <a:ext cx="8520600" cy="572700"/>
+            <a:off x="824900" y="445025"/>
+            <a:ext cx="7569600" cy="572700"/>
           </a:xfrm>
           <a:prstGeom prst="rect">
             <a:avLst/>
@@ -15594,7 +17166,7 @@
           </a:bodyPr>
           <a:lstStyle/>
           <a:p>
-            <a:pPr lvl="0" algn="ctr">
+            <a:pPr lvl="0" rtl="0" algn="ctr">
               <a:spcBef>
                 <a:spcPts val="0"/>
               </a:spcBef>
@@ -15602,105 +17174,1334 @@
             </a:pPr>
             <a:r>
               <a:rPr lang="en"/>
-              <a:t> Submodule-Front End(cont.)	</a:t>
+              <a:t>Completion status of code</a:t>
             </a:r>
           </a:p>
         </p:txBody>
       </p:sp>
-      <p:sp>
-        <p:nvSpPr>
-          <p:cNvPr id="290" name="Shape 290"/>
-          <p:cNvSpPr txBox="1"/>
-          <p:nvPr>
-            <p:ph idx="1" type="body"/>
-          </p:nvPr>
-        </p:nvSpPr>
-        <p:spPr>
-          <a:xfrm>
-            <a:off x="507300" y="1224625"/>
-            <a:ext cx="8129400" cy="3332400"/>
-          </a:xfrm>
-          <a:prstGeom prst="rect">
-            <a:avLst/>
-          </a:prstGeom>
-        </p:spPr>
-        <p:txBody>
-          <a:bodyPr anchorCtr="0" anchor="t" bIns="91425" lIns="91425" rIns="91425" tIns="91425">
-            <a:noAutofit/>
-          </a:bodyPr>
-          <a:lstStyle/>
-          <a:p>
-            <a:pPr lvl="0" rtl="0">
-              <a:spcBef>
-                <a:spcPts val="0"/>
-              </a:spcBef>
-              <a:buNone/>
-            </a:pPr>
-            <a:r>
-              <a:rPr lang="en">
-                <a:solidFill>
-                  <a:srgbClr val="FFFFFF"/>
-                </a:solidFill>
-              </a:rPr>
-              <a:t>User Input: Section of the Web Application that takes in information from user necessary to perform major functions.</a:t>
-            </a:r>
-          </a:p>
-          <a:p>
-            <a:pPr indent="-228600" lvl="0" marL="457200" rtl="0">
-              <a:spcBef>
-                <a:spcPts val="0"/>
-              </a:spcBef>
-              <a:buClr>
-                <a:srgbClr val="FFFFFF"/>
-              </a:buClr>
-            </a:pPr>
-            <a:r>
-              <a:rPr lang="en">
-                <a:solidFill>
-                  <a:srgbClr val="FFFFFF"/>
-                </a:solidFill>
-              </a:rPr>
-              <a:t>Text input areas and drop down selection boxes that are created using Bootstrap. Capture of input variables made possible through Angular controllers.</a:t>
-            </a:r>
-          </a:p>
-          <a:p>
-            <a:pPr indent="-228600" lvl="0" marL="457200" rtl="0">
-              <a:spcBef>
-                <a:spcPts val="0"/>
-              </a:spcBef>
-              <a:buClr>
-                <a:srgbClr val="FFFFFF"/>
-              </a:buClr>
-            </a:pPr>
-            <a:r>
-              <a:rPr lang="en">
-                <a:solidFill>
-                  <a:srgbClr val="FFFFFF"/>
-                </a:solidFill>
-              </a:rPr>
-              <a:t>Bootstrap popover modules installed in order to provide user with information regarding the use of their information.</a:t>
-            </a:r>
-          </a:p>
-          <a:p>
-            <a:pPr indent="-228600" lvl="0" marL="457200">
-              <a:spcBef>
-                <a:spcPts val="0"/>
-              </a:spcBef>
-              <a:buClr>
-                <a:srgbClr val="FFFFFF"/>
-              </a:buClr>
-            </a:pPr>
-            <a:r>
-              <a:rPr lang="en">
-                <a:solidFill>
-                  <a:srgbClr val="FFFFFF"/>
-                </a:solidFill>
-              </a:rPr>
-              <a:t>HTML formatting employed to make Input Area aesthetically pleasing.</a:t>
-            </a:r>
-          </a:p>
-        </p:txBody>
-      </p:sp>
+      <p:graphicFrame>
+        <p:nvGraphicFramePr>
+          <p:cNvPr id="293" name="Shape 293"/>
+          <p:cNvGraphicFramePr/>
+          <p:nvPr/>
+        </p:nvGraphicFramePr>
+        <p:xfrm>
+          <a:off x="738362" y="1086350"/>
+          <a:ext cx="3000000" cy="3000000"/>
+        </p:xfrm>
+        <a:graphic>
+          <a:graphicData uri="http://schemas.openxmlformats.org/drawingml/2006/table">
+            <a:tbl>
+              <a:tblPr>
+                <a:noFill/>
+                <a:tableStyleId>{6227683F-6615-4F6C-A2C1-3B111FABE345}</a:tableStyleId>
+              </a:tblPr>
+              <a:tblGrid>
+                <a:gridCol w="1024175"/>
+                <a:gridCol w="1480325"/>
+                <a:gridCol w="4026900"/>
+                <a:gridCol w="1127300"/>
+              </a:tblGrid>
+              <a:tr h="654175">
+                <a:tc>
+                  <a:txBody>
+                    <a:bodyPr>
+                      <a:noAutofit/>
+                    </a:bodyPr>
+                    <a:lstStyle/>
+                    <a:p>
+                      <a:pPr lvl="0" rtl="0" algn="ctr">
+                        <a:spcBef>
+                          <a:spcPts val="0"/>
+                        </a:spcBef>
+                        <a:buNone/>
+                      </a:pPr>
+                      <a:r>
+                        <a:rPr b="1" lang="en" sz="1800" u="sng">
+                          <a:solidFill>
+                            <a:srgbClr val="FFFFFF"/>
+                          </a:solidFill>
+                          <a:highlight>
+                            <a:srgbClr val="000000"/>
+                          </a:highlight>
+                        </a:rPr>
+                        <a:t>Role</a:t>
+                      </a:r>
+                    </a:p>
+                  </a:txBody>
+                  <a:tcPr marT="91425" marB="91425" marR="91425" marL="91425">
+                    <a:lnL cap="flat" cmpd="sng" w="9525">
+                      <a:solidFill>
+                        <a:srgbClr val="FFFFFF"/>
+                      </a:solidFill>
+                      <a:prstDash val="solid"/>
+                      <a:round/>
+                      <a:headEnd len="med" w="med" type="none"/>
+                      <a:tailEnd len="med" w="med" type="none"/>
+                    </a:lnL>
+                    <a:lnR cap="flat" cmpd="sng" w="9525">
+                      <a:solidFill>
+                        <a:srgbClr val="FFFFFF"/>
+                      </a:solidFill>
+                      <a:prstDash val="solid"/>
+                      <a:round/>
+                      <a:headEnd len="med" w="med" type="none"/>
+                      <a:tailEnd len="med" w="med" type="none"/>
+                    </a:lnR>
+                    <a:lnT cap="flat" cmpd="sng" w="9525">
+                      <a:solidFill>
+                        <a:srgbClr val="FFFFFF"/>
+                      </a:solidFill>
+                      <a:prstDash val="solid"/>
+                      <a:round/>
+                      <a:headEnd len="med" w="med" type="none"/>
+                      <a:tailEnd len="med" w="med" type="none"/>
+                    </a:lnT>
+                    <a:lnB cap="flat" cmpd="sng" w="9525">
+                      <a:solidFill>
+                        <a:srgbClr val="FFFFFF"/>
+                      </a:solidFill>
+                      <a:prstDash val="solid"/>
+                      <a:round/>
+                      <a:headEnd len="med" w="med" type="none"/>
+                      <a:tailEnd len="med" w="med" type="none"/>
+                    </a:lnB>
+                  </a:tcPr>
+                </a:tc>
+                <a:tc>
+                  <a:txBody>
+                    <a:bodyPr>
+                      <a:noAutofit/>
+                    </a:bodyPr>
+                    <a:lstStyle/>
+                    <a:p>
+                      <a:pPr lvl="0" rtl="0" algn="ctr">
+                        <a:spcBef>
+                          <a:spcPts val="0"/>
+                        </a:spcBef>
+                        <a:buNone/>
+                      </a:pPr>
+                      <a:r>
+                        <a:rPr b="1" lang="en" sz="1800" u="sng">
+                          <a:solidFill>
+                            <a:srgbClr val="FFFFFF"/>
+                          </a:solidFill>
+                          <a:highlight>
+                            <a:srgbClr val="000000"/>
+                          </a:highlight>
+                        </a:rPr>
+                        <a:t>Members</a:t>
+                      </a:r>
+                    </a:p>
+                  </a:txBody>
+                  <a:tcPr marT="91425" marB="91425" marR="91425" marL="91425">
+                    <a:lnL cap="flat" cmpd="sng" w="9525">
+                      <a:solidFill>
+                        <a:srgbClr val="FFFFFF"/>
+                      </a:solidFill>
+                      <a:prstDash val="solid"/>
+                      <a:round/>
+                      <a:headEnd len="med" w="med" type="none"/>
+                      <a:tailEnd len="med" w="med" type="none"/>
+                    </a:lnL>
+                    <a:lnR cap="flat" cmpd="sng" w="9525">
+                      <a:solidFill>
+                        <a:srgbClr val="FFFFFF"/>
+                      </a:solidFill>
+                      <a:prstDash val="solid"/>
+                      <a:round/>
+                      <a:headEnd len="med" w="med" type="none"/>
+                      <a:tailEnd len="med" w="med" type="none"/>
+                    </a:lnR>
+                    <a:lnT cap="flat" cmpd="sng" w="9525">
+                      <a:solidFill>
+                        <a:srgbClr val="FFFFFF"/>
+                      </a:solidFill>
+                      <a:prstDash val="solid"/>
+                      <a:round/>
+                      <a:headEnd len="med" w="med" type="none"/>
+                      <a:tailEnd len="med" w="med" type="none"/>
+                    </a:lnT>
+                    <a:lnB cap="flat" cmpd="sng" w="9525">
+                      <a:solidFill>
+                        <a:srgbClr val="FFFFFF"/>
+                      </a:solidFill>
+                      <a:prstDash val="solid"/>
+                      <a:round/>
+                      <a:headEnd len="med" w="med" type="none"/>
+                      <a:tailEnd len="med" w="med" type="none"/>
+                    </a:lnB>
+                  </a:tcPr>
+                </a:tc>
+                <a:tc>
+                  <a:txBody>
+                    <a:bodyPr>
+                      <a:noAutofit/>
+                    </a:bodyPr>
+                    <a:lstStyle/>
+                    <a:p>
+                      <a:pPr lvl="0" rtl="0" algn="ctr">
+                        <a:spcBef>
+                          <a:spcPts val="0"/>
+                        </a:spcBef>
+                        <a:buNone/>
+                      </a:pPr>
+                      <a:r>
+                        <a:rPr b="1" lang="en" sz="1800" u="sng">
+                          <a:solidFill>
+                            <a:srgbClr val="FFFFFF"/>
+                          </a:solidFill>
+                        </a:rPr>
+                        <a:t>Task</a:t>
+                      </a:r>
+                    </a:p>
+                  </a:txBody>
+                  <a:tcPr marT="91425" marB="91425" marR="91425" marL="91425">
+                    <a:lnL cap="flat" cmpd="sng" w="9525">
+                      <a:solidFill>
+                        <a:srgbClr val="FFFFFF"/>
+                      </a:solidFill>
+                      <a:prstDash val="solid"/>
+                      <a:round/>
+                      <a:headEnd len="med" w="med" type="none"/>
+                      <a:tailEnd len="med" w="med" type="none"/>
+                    </a:lnL>
+                    <a:lnR cap="flat" cmpd="sng" w="9525">
+                      <a:solidFill>
+                        <a:srgbClr val="FFFFFF"/>
+                      </a:solidFill>
+                      <a:prstDash val="solid"/>
+                      <a:round/>
+                      <a:headEnd len="med" w="med" type="none"/>
+                      <a:tailEnd len="med" w="med" type="none"/>
+                    </a:lnR>
+                    <a:lnT cap="flat" cmpd="sng" w="9525">
+                      <a:solidFill>
+                        <a:srgbClr val="FFFFFF"/>
+                      </a:solidFill>
+                      <a:prstDash val="solid"/>
+                      <a:round/>
+                      <a:headEnd len="med" w="med" type="none"/>
+                      <a:tailEnd len="med" w="med" type="none"/>
+                    </a:lnT>
+                    <a:lnB cap="flat" cmpd="sng" w="9525">
+                      <a:solidFill>
+                        <a:srgbClr val="FFFFFF"/>
+                      </a:solidFill>
+                      <a:prstDash val="solid"/>
+                      <a:round/>
+                      <a:headEnd len="med" w="med" type="none"/>
+                      <a:tailEnd len="med" w="med" type="none"/>
+                    </a:lnB>
+                  </a:tcPr>
+                </a:tc>
+                <a:tc>
+                  <a:txBody>
+                    <a:bodyPr>
+                      <a:noAutofit/>
+                    </a:bodyPr>
+                    <a:lstStyle/>
+                    <a:p>
+                      <a:pPr lvl="0" rtl="0" algn="ctr">
+                        <a:spcBef>
+                          <a:spcPts val="0"/>
+                        </a:spcBef>
+                        <a:buNone/>
+                      </a:pPr>
+                      <a:r>
+                        <a:rPr b="1" lang="en" sz="1800" u="sng">
+                          <a:solidFill>
+                            <a:srgbClr val="FFFFFF"/>
+                          </a:solidFill>
+                        </a:rPr>
+                        <a:t>Status</a:t>
+                      </a:r>
+                    </a:p>
+                  </a:txBody>
+                  <a:tcPr marT="91425" marB="91425" marR="91425" marL="91425">
+                    <a:lnL cap="flat" cmpd="sng" w="9525">
+                      <a:solidFill>
+                        <a:srgbClr val="FFFFFF"/>
+                      </a:solidFill>
+                      <a:prstDash val="solid"/>
+                      <a:round/>
+                      <a:headEnd len="med" w="med" type="none"/>
+                      <a:tailEnd len="med" w="med" type="none"/>
+                    </a:lnL>
+                    <a:lnR cap="flat" cmpd="sng" w="9525">
+                      <a:solidFill>
+                        <a:srgbClr val="FFFFFF"/>
+                      </a:solidFill>
+                      <a:prstDash val="solid"/>
+                      <a:round/>
+                      <a:headEnd len="med" w="med" type="none"/>
+                      <a:tailEnd len="med" w="med" type="none"/>
+                    </a:lnR>
+                    <a:lnT cap="flat" cmpd="sng" w="9525">
+                      <a:solidFill>
+                        <a:srgbClr val="FFFFFF"/>
+                      </a:solidFill>
+                      <a:prstDash val="solid"/>
+                      <a:round/>
+                      <a:headEnd len="med" w="med" type="none"/>
+                      <a:tailEnd len="med" w="med" type="none"/>
+                    </a:lnT>
+                    <a:lnB cap="flat" cmpd="sng" w="9525">
+                      <a:solidFill>
+                        <a:srgbClr val="FFFFFF"/>
+                      </a:solidFill>
+                      <a:prstDash val="solid"/>
+                      <a:round/>
+                      <a:headEnd len="med" w="med" type="none"/>
+                      <a:tailEnd len="med" w="med" type="none"/>
+                    </a:lnB>
+                  </a:tcPr>
+                </a:tc>
+              </a:tr>
+              <a:tr h="568450">
+                <a:tc>
+                  <a:txBody>
+                    <a:bodyPr>
+                      <a:noAutofit/>
+                    </a:bodyPr>
+                    <a:lstStyle/>
+                    <a:p>
+                      <a:pPr lvl="0" rtl="0">
+                        <a:spcBef>
+                          <a:spcPts val="0"/>
+                        </a:spcBef>
+                        <a:buNone/>
+                      </a:pPr>
+                      <a:r>
+                        <a:rPr lang="en">
+                          <a:solidFill>
+                            <a:srgbClr val="FFFFFF"/>
+                          </a:solidFill>
+                        </a:rPr>
+                        <a:t>Front-End</a:t>
+                      </a:r>
+                    </a:p>
+                  </a:txBody>
+                  <a:tcPr marT="91425" marB="91425" marR="91425" marL="91425">
+                    <a:lnL cap="flat" cmpd="sng" w="9525">
+                      <a:solidFill>
+                        <a:srgbClr val="FFFFFF"/>
+                      </a:solidFill>
+                      <a:prstDash val="solid"/>
+                      <a:round/>
+                      <a:headEnd len="med" w="med" type="none"/>
+                      <a:tailEnd len="med" w="med" type="none"/>
+                    </a:lnL>
+                    <a:lnR cap="flat" cmpd="sng" w="9525">
+                      <a:solidFill>
+                        <a:srgbClr val="FFFFFF"/>
+                      </a:solidFill>
+                      <a:prstDash val="solid"/>
+                      <a:round/>
+                      <a:headEnd len="med" w="med" type="none"/>
+                      <a:tailEnd len="med" w="med" type="none"/>
+                    </a:lnR>
+                    <a:lnT cap="flat" cmpd="sng" w="9525">
+                      <a:solidFill>
+                        <a:srgbClr val="FFFFFF"/>
+                      </a:solidFill>
+                      <a:prstDash val="solid"/>
+                      <a:round/>
+                      <a:headEnd len="med" w="med" type="none"/>
+                      <a:tailEnd len="med" w="med" type="none"/>
+                    </a:lnT>
+                    <a:lnB cap="flat" cmpd="sng" w="9525">
+                      <a:solidFill>
+                        <a:srgbClr val="FFFFFF"/>
+                      </a:solidFill>
+                      <a:prstDash val="solid"/>
+                      <a:round/>
+                      <a:headEnd len="med" w="med" type="none"/>
+                      <a:tailEnd len="med" w="med" type="none"/>
+                    </a:lnB>
+                  </a:tcPr>
+                </a:tc>
+                <a:tc>
+                  <a:txBody>
+                    <a:bodyPr>
+                      <a:noAutofit/>
+                    </a:bodyPr>
+                    <a:lstStyle/>
+                    <a:p>
+                      <a:pPr lvl="0" rtl="0">
+                        <a:spcBef>
+                          <a:spcPts val="0"/>
+                        </a:spcBef>
+                        <a:buNone/>
+                      </a:pPr>
+                      <a:r>
+                        <a:rPr lang="en">
+                          <a:solidFill>
+                            <a:srgbClr val="FFFFFF"/>
+                          </a:solidFill>
+                        </a:rPr>
+                        <a:t>Jeremy</a:t>
+                      </a:r>
+                    </a:p>
+                  </a:txBody>
+                  <a:tcPr marT="91425" marB="91425" marR="91425" marL="91425">
+                    <a:lnL cap="flat" cmpd="sng" w="9525">
+                      <a:solidFill>
+                        <a:srgbClr val="FFFFFF"/>
+                      </a:solidFill>
+                      <a:prstDash val="solid"/>
+                      <a:round/>
+                      <a:headEnd len="med" w="med" type="none"/>
+                      <a:tailEnd len="med" w="med" type="none"/>
+                    </a:lnL>
+                    <a:lnR cap="flat" cmpd="sng" w="9525">
+                      <a:solidFill>
+                        <a:srgbClr val="FFFFFF"/>
+                      </a:solidFill>
+                      <a:prstDash val="solid"/>
+                      <a:round/>
+                      <a:headEnd len="med" w="med" type="none"/>
+                      <a:tailEnd len="med" w="med" type="none"/>
+                    </a:lnR>
+                    <a:lnT cap="flat" cmpd="sng" w="9525">
+                      <a:solidFill>
+                        <a:srgbClr val="FFFFFF"/>
+                      </a:solidFill>
+                      <a:prstDash val="solid"/>
+                      <a:round/>
+                      <a:headEnd len="med" w="med" type="none"/>
+                      <a:tailEnd len="med" w="med" type="none"/>
+                    </a:lnT>
+                    <a:lnB cap="flat" cmpd="sng" w="9525">
+                      <a:solidFill>
+                        <a:srgbClr val="FFFFFF"/>
+                      </a:solidFill>
+                      <a:prstDash val="solid"/>
+                      <a:round/>
+                      <a:headEnd len="med" w="med" type="none"/>
+                      <a:tailEnd len="med" w="med" type="none"/>
+                    </a:lnB>
+                  </a:tcPr>
+                </a:tc>
+                <a:tc>
+                  <a:txBody>
+                    <a:bodyPr>
+                      <a:noAutofit/>
+                    </a:bodyPr>
+                    <a:lstStyle/>
+                    <a:p>
+                      <a:pPr lvl="0" rtl="0">
+                        <a:spcBef>
+                          <a:spcPts val="0"/>
+                        </a:spcBef>
+                        <a:buNone/>
+                      </a:pPr>
+                      <a:r>
+                        <a:rPr lang="en">
+                          <a:solidFill>
+                            <a:schemeClr val="dk1"/>
+                          </a:solidFill>
+                        </a:rPr>
+                        <a:t>Get email on contact section working.</a:t>
+                      </a:r>
+                    </a:p>
+                    <a:p>
+                      <a:pPr indent="0" lvl="0" marL="0" rtl="0">
+                        <a:spcBef>
+                          <a:spcPts val="0"/>
+                        </a:spcBef>
+                        <a:buNone/>
+                      </a:pPr>
+                      <a:r>
+                        <a:t/>
+                      </a:r>
+                      <a:endParaRPr>
+                        <a:solidFill>
+                          <a:schemeClr val="dk1"/>
+                        </a:solidFill>
+                      </a:endParaRPr>
+                    </a:p>
+                  </a:txBody>
+                  <a:tcPr marT="91425" marB="91425" marR="91425" marL="91425">
+                    <a:lnL cap="flat" cmpd="sng" w="9525">
+                      <a:solidFill>
+                        <a:srgbClr val="FFFFFF"/>
+                      </a:solidFill>
+                      <a:prstDash val="solid"/>
+                      <a:round/>
+                      <a:headEnd len="med" w="med" type="none"/>
+                      <a:tailEnd len="med" w="med" type="none"/>
+                    </a:lnL>
+                    <a:lnR cap="flat" cmpd="sng" w="9525">
+                      <a:solidFill>
+                        <a:srgbClr val="FFFFFF"/>
+                      </a:solidFill>
+                      <a:prstDash val="solid"/>
+                      <a:round/>
+                      <a:headEnd len="med" w="med" type="none"/>
+                      <a:tailEnd len="med" w="med" type="none"/>
+                    </a:lnR>
+                    <a:lnT cap="flat" cmpd="sng" w="9525">
+                      <a:solidFill>
+                        <a:srgbClr val="FFFFFF"/>
+                      </a:solidFill>
+                      <a:prstDash val="solid"/>
+                      <a:round/>
+                      <a:headEnd len="med" w="med" type="none"/>
+                      <a:tailEnd len="med" w="med" type="none"/>
+                    </a:lnT>
+                    <a:lnB cap="flat" cmpd="sng" w="9525">
+                      <a:solidFill>
+                        <a:srgbClr val="FFFFFF"/>
+                      </a:solidFill>
+                      <a:prstDash val="solid"/>
+                      <a:round/>
+                      <a:headEnd len="med" w="med" type="none"/>
+                      <a:tailEnd len="med" w="med" type="none"/>
+                    </a:lnB>
+                  </a:tcPr>
+                </a:tc>
+                <a:tc>
+                  <a:txBody>
+                    <a:bodyPr>
+                      <a:noAutofit/>
+                    </a:bodyPr>
+                    <a:lstStyle/>
+                    <a:p>
+                      <a:pPr lvl="0" rtl="0">
+                        <a:spcBef>
+                          <a:spcPts val="0"/>
+                        </a:spcBef>
+                        <a:buNone/>
+                      </a:pPr>
+                      <a:r>
+                        <a:rPr lang="en">
+                          <a:solidFill>
+                            <a:srgbClr val="FFFFFF"/>
+                          </a:solidFill>
+                        </a:rPr>
+                        <a:t>In Progress</a:t>
+                      </a:r>
+                    </a:p>
+                  </a:txBody>
+                  <a:tcPr marT="91425" marB="91425" marR="91425" marL="91425">
+                    <a:lnL cap="flat" cmpd="sng" w="9525">
+                      <a:solidFill>
+                        <a:srgbClr val="FFFFFF"/>
+                      </a:solidFill>
+                      <a:prstDash val="solid"/>
+                      <a:round/>
+                      <a:headEnd len="med" w="med" type="none"/>
+                      <a:tailEnd len="med" w="med" type="none"/>
+                    </a:lnL>
+                    <a:lnR cap="flat" cmpd="sng" w="9525">
+                      <a:solidFill>
+                        <a:srgbClr val="FFFFFF"/>
+                      </a:solidFill>
+                      <a:prstDash val="solid"/>
+                      <a:round/>
+                      <a:headEnd len="med" w="med" type="none"/>
+                      <a:tailEnd len="med" w="med" type="none"/>
+                    </a:lnR>
+                    <a:lnT cap="flat" cmpd="sng" w="9525">
+                      <a:solidFill>
+                        <a:srgbClr val="FFFFFF"/>
+                      </a:solidFill>
+                      <a:prstDash val="solid"/>
+                      <a:round/>
+                      <a:headEnd len="med" w="med" type="none"/>
+                      <a:tailEnd len="med" w="med" type="none"/>
+                    </a:lnT>
+                    <a:lnB cap="flat" cmpd="sng" w="9525">
+                      <a:solidFill>
+                        <a:srgbClr val="FFFFFF"/>
+                      </a:solidFill>
+                      <a:prstDash val="solid"/>
+                      <a:round/>
+                      <a:headEnd len="med" w="med" type="none"/>
+                      <a:tailEnd len="med" w="med" type="none"/>
+                    </a:lnB>
+                  </a:tcPr>
+                </a:tc>
+              </a:tr>
+              <a:tr h="635150">
+                <a:tc>
+                  <a:txBody>
+                    <a:bodyPr>
+                      <a:noAutofit/>
+                    </a:bodyPr>
+                    <a:lstStyle/>
+                    <a:p>
+                      <a:pPr lvl="0" rtl="0">
+                        <a:spcBef>
+                          <a:spcPts val="0"/>
+                        </a:spcBef>
+                        <a:buNone/>
+                      </a:pPr>
+                      <a:r>
+                        <a:rPr lang="en">
+                          <a:solidFill>
+                            <a:srgbClr val="FFFFFF"/>
+                          </a:solidFill>
+                        </a:rPr>
+                        <a:t>Back-</a:t>
+                      </a:r>
+                      <a:r>
+                        <a:rPr lang="en">
+                          <a:solidFill>
+                            <a:srgbClr val="FFFFFF"/>
+                          </a:solidFill>
+                        </a:rPr>
+                        <a:t>End</a:t>
+                      </a:r>
+                    </a:p>
+                  </a:txBody>
+                  <a:tcPr marT="91425" marB="91425" marR="91425" marL="91425">
+                    <a:lnL cap="flat" cmpd="sng" w="9525">
+                      <a:solidFill>
+                        <a:srgbClr val="FFFFFF"/>
+                      </a:solidFill>
+                      <a:prstDash val="solid"/>
+                      <a:round/>
+                      <a:headEnd len="med" w="med" type="none"/>
+                      <a:tailEnd len="med" w="med" type="none"/>
+                    </a:lnL>
+                    <a:lnR cap="flat" cmpd="sng" w="9525">
+                      <a:solidFill>
+                        <a:srgbClr val="FFFFFF"/>
+                      </a:solidFill>
+                      <a:prstDash val="solid"/>
+                      <a:round/>
+                      <a:headEnd len="med" w="med" type="none"/>
+                      <a:tailEnd len="med" w="med" type="none"/>
+                    </a:lnR>
+                    <a:lnT cap="flat" cmpd="sng" w="9525">
+                      <a:solidFill>
+                        <a:srgbClr val="FFFFFF"/>
+                      </a:solidFill>
+                      <a:prstDash val="solid"/>
+                      <a:round/>
+                      <a:headEnd len="med" w="med" type="none"/>
+                      <a:tailEnd len="med" w="med" type="none"/>
+                    </a:lnT>
+                    <a:lnB cap="flat" cmpd="sng" w="9525">
+                      <a:solidFill>
+                        <a:srgbClr val="FFFFFF"/>
+                      </a:solidFill>
+                      <a:prstDash val="solid"/>
+                      <a:round/>
+                      <a:headEnd len="med" w="med" type="none"/>
+                      <a:tailEnd len="med" w="med" type="none"/>
+                    </a:lnB>
+                  </a:tcPr>
+                </a:tc>
+                <a:tc>
+                  <a:txBody>
+                    <a:bodyPr>
+                      <a:noAutofit/>
+                    </a:bodyPr>
+                    <a:lstStyle/>
+                    <a:p>
+                      <a:pPr lvl="0" rtl="0">
+                        <a:spcBef>
+                          <a:spcPts val="0"/>
+                        </a:spcBef>
+                        <a:buNone/>
+                      </a:pPr>
+                      <a:r>
+                        <a:rPr lang="en">
+                          <a:solidFill>
+                            <a:srgbClr val="FFFFFF"/>
+                          </a:solidFill>
+                        </a:rPr>
+                        <a:t>Richard, Christian</a:t>
+                      </a:r>
+                    </a:p>
+                  </a:txBody>
+                  <a:tcPr marT="91425" marB="91425" marR="91425" marL="91425">
+                    <a:lnL cap="flat" cmpd="sng" w="9525">
+                      <a:solidFill>
+                        <a:srgbClr val="FFFFFF"/>
+                      </a:solidFill>
+                      <a:prstDash val="solid"/>
+                      <a:round/>
+                      <a:headEnd len="med" w="med" type="none"/>
+                      <a:tailEnd len="med" w="med" type="none"/>
+                    </a:lnL>
+                    <a:lnR cap="flat" cmpd="sng" w="9525">
+                      <a:solidFill>
+                        <a:srgbClr val="FFFFFF"/>
+                      </a:solidFill>
+                      <a:prstDash val="solid"/>
+                      <a:round/>
+                      <a:headEnd len="med" w="med" type="none"/>
+                      <a:tailEnd len="med" w="med" type="none"/>
+                    </a:lnR>
+                    <a:lnT cap="flat" cmpd="sng" w="9525">
+                      <a:solidFill>
+                        <a:srgbClr val="FFFFFF"/>
+                      </a:solidFill>
+                      <a:prstDash val="solid"/>
+                      <a:round/>
+                      <a:headEnd len="med" w="med" type="none"/>
+                      <a:tailEnd len="med" w="med" type="none"/>
+                    </a:lnT>
+                    <a:lnB cap="flat" cmpd="sng" w="9525">
+                      <a:solidFill>
+                        <a:srgbClr val="FFFFFF"/>
+                      </a:solidFill>
+                      <a:prstDash val="solid"/>
+                      <a:round/>
+                      <a:headEnd len="med" w="med" type="none"/>
+                      <a:tailEnd len="med" w="med" type="none"/>
+                    </a:lnB>
+                  </a:tcPr>
+                </a:tc>
+                <a:tc>
+                  <a:txBody>
+                    <a:bodyPr>
+                      <a:noAutofit/>
+                    </a:bodyPr>
+                    <a:lstStyle/>
+                    <a:p>
+                      <a:pPr indent="0" lvl="0" marL="0" rtl="0">
+                        <a:spcBef>
+                          <a:spcPts val="0"/>
+                        </a:spcBef>
+                        <a:buNone/>
+                      </a:pPr>
+                      <a:r>
+                        <a:rPr lang="en">
+                          <a:solidFill>
+                            <a:schemeClr val="dk1"/>
+                          </a:solidFill>
+                        </a:rPr>
+                        <a:t>Establish server connection to the database.</a:t>
+                      </a:r>
+                    </a:p>
+                  </a:txBody>
+                  <a:tcPr marT="91425" marB="91425" marR="91425" marL="91425">
+                    <a:lnL cap="flat" cmpd="sng" w="9525">
+                      <a:solidFill>
+                        <a:srgbClr val="FFFFFF"/>
+                      </a:solidFill>
+                      <a:prstDash val="solid"/>
+                      <a:round/>
+                      <a:headEnd len="med" w="med" type="none"/>
+                      <a:tailEnd len="med" w="med" type="none"/>
+                    </a:lnL>
+                    <a:lnR cap="flat" cmpd="sng" w="9525">
+                      <a:solidFill>
+                        <a:srgbClr val="FFFFFF"/>
+                      </a:solidFill>
+                      <a:prstDash val="solid"/>
+                      <a:round/>
+                      <a:headEnd len="med" w="med" type="none"/>
+                      <a:tailEnd len="med" w="med" type="none"/>
+                    </a:lnR>
+                    <a:lnT cap="flat" cmpd="sng" w="9525">
+                      <a:solidFill>
+                        <a:srgbClr val="FFFFFF"/>
+                      </a:solidFill>
+                      <a:prstDash val="solid"/>
+                      <a:round/>
+                      <a:headEnd len="med" w="med" type="none"/>
+                      <a:tailEnd len="med" w="med" type="none"/>
+                    </a:lnT>
+                    <a:lnB cap="flat" cmpd="sng" w="9525">
+                      <a:solidFill>
+                        <a:srgbClr val="FFFFFF"/>
+                      </a:solidFill>
+                      <a:prstDash val="solid"/>
+                      <a:round/>
+                      <a:headEnd len="med" w="med" type="none"/>
+                      <a:tailEnd len="med" w="med" type="none"/>
+                    </a:lnB>
+                  </a:tcPr>
+                </a:tc>
+                <a:tc>
+                  <a:txBody>
+                    <a:bodyPr>
+                      <a:noAutofit/>
+                    </a:bodyPr>
+                    <a:lstStyle/>
+                    <a:p>
+                      <a:pPr lvl="0" rtl="0">
+                        <a:spcBef>
+                          <a:spcPts val="0"/>
+                        </a:spcBef>
+                        <a:buNone/>
+                      </a:pPr>
+                      <a:r>
+                        <a:rPr lang="en">
+                          <a:solidFill>
+                            <a:srgbClr val="FFFFFF"/>
+                          </a:solidFill>
+                        </a:rPr>
+                        <a:t>Completed</a:t>
+                      </a:r>
+                    </a:p>
+                  </a:txBody>
+                  <a:tcPr marT="91425" marB="91425" marR="91425" marL="91425">
+                    <a:lnL cap="flat" cmpd="sng" w="9525">
+                      <a:solidFill>
+                        <a:srgbClr val="FFFFFF"/>
+                      </a:solidFill>
+                      <a:prstDash val="solid"/>
+                      <a:round/>
+                      <a:headEnd len="med" w="med" type="none"/>
+                      <a:tailEnd len="med" w="med" type="none"/>
+                    </a:lnL>
+                    <a:lnR cap="flat" cmpd="sng" w="9525">
+                      <a:solidFill>
+                        <a:srgbClr val="FFFFFF"/>
+                      </a:solidFill>
+                      <a:prstDash val="solid"/>
+                      <a:round/>
+                      <a:headEnd len="med" w="med" type="none"/>
+                      <a:tailEnd len="med" w="med" type="none"/>
+                    </a:lnR>
+                    <a:lnT cap="flat" cmpd="sng" w="9525">
+                      <a:solidFill>
+                        <a:srgbClr val="FFFFFF"/>
+                      </a:solidFill>
+                      <a:prstDash val="solid"/>
+                      <a:round/>
+                      <a:headEnd len="med" w="med" type="none"/>
+                      <a:tailEnd len="med" w="med" type="none"/>
+                    </a:lnT>
+                    <a:lnB cap="flat" cmpd="sng" w="9525">
+                      <a:solidFill>
+                        <a:srgbClr val="FFFFFF"/>
+                      </a:solidFill>
+                      <a:prstDash val="solid"/>
+                      <a:round/>
+                      <a:headEnd len="med" w="med" type="none"/>
+                      <a:tailEnd len="med" w="med" type="none"/>
+                    </a:lnB>
+                  </a:tcPr>
+                </a:tc>
+              </a:tr>
+              <a:tr h="635150">
+                <a:tc>
+                  <a:txBody>
+                    <a:bodyPr>
+                      <a:noAutofit/>
+                    </a:bodyPr>
+                    <a:lstStyle/>
+                    <a:p>
+                      <a:pPr lvl="0" rtl="0">
+                        <a:spcBef>
+                          <a:spcPts val="0"/>
+                        </a:spcBef>
+                        <a:buNone/>
+                      </a:pPr>
+                      <a:r>
+                        <a:rPr lang="en">
+                          <a:solidFill>
+                            <a:srgbClr val="FFFFFF"/>
+                          </a:solidFill>
+                        </a:rPr>
+                        <a:t>Back-</a:t>
+                      </a:r>
+                      <a:r>
+                        <a:rPr lang="en">
+                          <a:solidFill>
+                            <a:srgbClr val="FFFFFF"/>
+                          </a:solidFill>
+                        </a:rPr>
+                        <a:t>End</a:t>
+                      </a:r>
+                    </a:p>
+                  </a:txBody>
+                  <a:tcPr marT="91425" marB="91425" marR="91425" marL="91425">
+                    <a:lnL cap="flat" cmpd="sng" w="9525">
+                      <a:solidFill>
+                        <a:srgbClr val="FFFFFF"/>
+                      </a:solidFill>
+                      <a:prstDash val="solid"/>
+                      <a:round/>
+                      <a:headEnd len="med" w="med" type="none"/>
+                      <a:tailEnd len="med" w="med" type="none"/>
+                    </a:lnL>
+                    <a:lnR cap="flat" cmpd="sng" w="9525">
+                      <a:solidFill>
+                        <a:srgbClr val="FFFFFF"/>
+                      </a:solidFill>
+                      <a:prstDash val="solid"/>
+                      <a:round/>
+                      <a:headEnd len="med" w="med" type="none"/>
+                      <a:tailEnd len="med" w="med" type="none"/>
+                    </a:lnR>
+                    <a:lnT cap="flat" cmpd="sng" w="9525">
+                      <a:solidFill>
+                        <a:srgbClr val="FFFFFF"/>
+                      </a:solidFill>
+                      <a:prstDash val="solid"/>
+                      <a:round/>
+                      <a:headEnd len="med" w="med" type="none"/>
+                      <a:tailEnd len="med" w="med" type="none"/>
+                    </a:lnT>
+                    <a:lnB cap="flat" cmpd="sng" w="9525">
+                      <a:solidFill>
+                        <a:srgbClr val="FFFFFF"/>
+                      </a:solidFill>
+                      <a:prstDash val="solid"/>
+                      <a:round/>
+                      <a:headEnd len="med" w="med" type="none"/>
+                      <a:tailEnd len="med" w="med" type="none"/>
+                    </a:lnB>
+                  </a:tcPr>
+                </a:tc>
+                <a:tc>
+                  <a:txBody>
+                    <a:bodyPr>
+                      <a:noAutofit/>
+                    </a:bodyPr>
+                    <a:lstStyle/>
+                    <a:p>
+                      <a:pPr lvl="0" rtl="0">
+                        <a:spcBef>
+                          <a:spcPts val="0"/>
+                        </a:spcBef>
+                        <a:buNone/>
+                      </a:pPr>
+                      <a:r>
+                        <a:rPr lang="en">
+                          <a:solidFill>
+                            <a:srgbClr val="FFFFFF"/>
+                          </a:solidFill>
+                        </a:rPr>
+                        <a:t>Richard, Christian, Jeremy</a:t>
+                      </a:r>
+                    </a:p>
+                  </a:txBody>
+                  <a:tcPr marT="91425" marB="91425" marR="91425" marL="91425">
+                    <a:lnL cap="flat" cmpd="sng" w="9525">
+                      <a:solidFill>
+                        <a:srgbClr val="FFFFFF"/>
+                      </a:solidFill>
+                      <a:prstDash val="solid"/>
+                      <a:round/>
+                      <a:headEnd len="med" w="med" type="none"/>
+                      <a:tailEnd len="med" w="med" type="none"/>
+                    </a:lnL>
+                    <a:lnR cap="flat" cmpd="sng" w="9525">
+                      <a:solidFill>
+                        <a:srgbClr val="FFFFFF"/>
+                      </a:solidFill>
+                      <a:prstDash val="solid"/>
+                      <a:round/>
+                      <a:headEnd len="med" w="med" type="none"/>
+                      <a:tailEnd len="med" w="med" type="none"/>
+                    </a:lnR>
+                    <a:lnT cap="flat" cmpd="sng" w="9525">
+                      <a:solidFill>
+                        <a:srgbClr val="FFFFFF"/>
+                      </a:solidFill>
+                      <a:prstDash val="solid"/>
+                      <a:round/>
+                      <a:headEnd len="med" w="med" type="none"/>
+                      <a:tailEnd len="med" w="med" type="none"/>
+                    </a:lnT>
+                    <a:lnB cap="flat" cmpd="sng" w="9525">
+                      <a:solidFill>
+                        <a:srgbClr val="FFFFFF"/>
+                      </a:solidFill>
+                      <a:prstDash val="solid"/>
+                      <a:round/>
+                      <a:headEnd len="med" w="med" type="none"/>
+                      <a:tailEnd len="med" w="med" type="none"/>
+                    </a:lnB>
+                  </a:tcPr>
+                </a:tc>
+                <a:tc>
+                  <a:txBody>
+                    <a:bodyPr>
+                      <a:noAutofit/>
+                    </a:bodyPr>
+                    <a:lstStyle/>
+                    <a:p>
+                      <a:pPr indent="0" lvl="0" marL="0" rtl="0">
+                        <a:spcBef>
+                          <a:spcPts val="0"/>
+                        </a:spcBef>
+                        <a:buNone/>
+                      </a:pPr>
+                      <a:r>
+                        <a:rPr lang="en">
+                          <a:solidFill>
+                            <a:schemeClr val="dk1"/>
+                          </a:solidFill>
+                        </a:rPr>
+                        <a:t>Display static files on the server for the front-end to access.</a:t>
+                      </a:r>
+                    </a:p>
+                  </a:txBody>
+                  <a:tcPr marT="91425" marB="91425" marR="91425" marL="91425">
+                    <a:lnL cap="flat" cmpd="sng" w="9525">
+                      <a:solidFill>
+                        <a:srgbClr val="FFFFFF"/>
+                      </a:solidFill>
+                      <a:prstDash val="solid"/>
+                      <a:round/>
+                      <a:headEnd len="med" w="med" type="none"/>
+                      <a:tailEnd len="med" w="med" type="none"/>
+                    </a:lnL>
+                    <a:lnR cap="flat" cmpd="sng" w="9525">
+                      <a:solidFill>
+                        <a:srgbClr val="FFFFFF"/>
+                      </a:solidFill>
+                      <a:prstDash val="solid"/>
+                      <a:round/>
+                      <a:headEnd len="med" w="med" type="none"/>
+                      <a:tailEnd len="med" w="med" type="none"/>
+                    </a:lnR>
+                    <a:lnT cap="flat" cmpd="sng" w="9525">
+                      <a:solidFill>
+                        <a:srgbClr val="FFFFFF"/>
+                      </a:solidFill>
+                      <a:prstDash val="solid"/>
+                      <a:round/>
+                      <a:headEnd len="med" w="med" type="none"/>
+                      <a:tailEnd len="med" w="med" type="none"/>
+                    </a:lnT>
+                    <a:lnB cap="flat" cmpd="sng" w="9525">
+                      <a:solidFill>
+                        <a:srgbClr val="FFFFFF"/>
+                      </a:solidFill>
+                      <a:prstDash val="solid"/>
+                      <a:round/>
+                      <a:headEnd len="med" w="med" type="none"/>
+                      <a:tailEnd len="med" w="med" type="none"/>
+                    </a:lnB>
+                  </a:tcPr>
+                </a:tc>
+                <a:tc>
+                  <a:txBody>
+                    <a:bodyPr>
+                      <a:noAutofit/>
+                    </a:bodyPr>
+                    <a:lstStyle/>
+                    <a:p>
+                      <a:pPr lvl="0" rtl="0">
+                        <a:spcBef>
+                          <a:spcPts val="0"/>
+                        </a:spcBef>
+                        <a:buNone/>
+                      </a:pPr>
+                      <a:r>
+                        <a:rPr lang="en">
+                          <a:solidFill>
+                            <a:srgbClr val="FFFFFF"/>
+                          </a:solidFill>
+                        </a:rPr>
+                        <a:t>Completed</a:t>
+                      </a:r>
+                    </a:p>
+                  </a:txBody>
+                  <a:tcPr marT="91425" marB="91425" marR="91425" marL="91425">
+                    <a:lnL cap="flat" cmpd="sng" w="9525">
+                      <a:solidFill>
+                        <a:srgbClr val="FFFFFF"/>
+                      </a:solidFill>
+                      <a:prstDash val="solid"/>
+                      <a:round/>
+                      <a:headEnd len="med" w="med" type="none"/>
+                      <a:tailEnd len="med" w="med" type="none"/>
+                    </a:lnL>
+                    <a:lnR cap="flat" cmpd="sng" w="9525">
+                      <a:solidFill>
+                        <a:srgbClr val="FFFFFF"/>
+                      </a:solidFill>
+                      <a:prstDash val="solid"/>
+                      <a:round/>
+                      <a:headEnd len="med" w="med" type="none"/>
+                      <a:tailEnd len="med" w="med" type="none"/>
+                    </a:lnR>
+                    <a:lnT cap="flat" cmpd="sng" w="9525">
+                      <a:solidFill>
+                        <a:srgbClr val="FFFFFF"/>
+                      </a:solidFill>
+                      <a:prstDash val="solid"/>
+                      <a:round/>
+                      <a:headEnd len="med" w="med" type="none"/>
+                      <a:tailEnd len="med" w="med" type="none"/>
+                    </a:lnT>
+                    <a:lnB cap="flat" cmpd="sng" w="9525">
+                      <a:solidFill>
+                        <a:srgbClr val="FFFFFF"/>
+                      </a:solidFill>
+                      <a:prstDash val="solid"/>
+                      <a:round/>
+                      <a:headEnd len="med" w="med" type="none"/>
+                      <a:tailEnd len="med" w="med" type="none"/>
+                    </a:lnB>
+                  </a:tcPr>
+                </a:tc>
+              </a:tr>
+              <a:tr h="655750">
+                <a:tc>
+                  <a:txBody>
+                    <a:bodyPr>
+                      <a:noAutofit/>
+                    </a:bodyPr>
+                    <a:lstStyle/>
+                    <a:p>
+                      <a:pPr lvl="0" rtl="0">
+                        <a:spcBef>
+                          <a:spcPts val="0"/>
+                        </a:spcBef>
+                        <a:buNone/>
+                      </a:pPr>
+                      <a:r>
+                        <a:rPr lang="en">
+                          <a:solidFill>
+                            <a:srgbClr val="FFFFFF"/>
+                          </a:solidFill>
+                        </a:rPr>
+                        <a:t>Back-</a:t>
+                      </a:r>
+                      <a:r>
+                        <a:rPr lang="en">
+                          <a:solidFill>
+                            <a:srgbClr val="FFFFFF"/>
+                          </a:solidFill>
+                        </a:rPr>
+                        <a:t>End</a:t>
+                      </a:r>
+                    </a:p>
+                  </a:txBody>
+                  <a:tcPr marT="91425" marB="91425" marR="91425" marL="91425">
+                    <a:lnL cap="flat" cmpd="sng" w="9525">
+                      <a:solidFill>
+                        <a:srgbClr val="FFFFFF"/>
+                      </a:solidFill>
+                      <a:prstDash val="solid"/>
+                      <a:round/>
+                      <a:headEnd len="med" w="med" type="none"/>
+                      <a:tailEnd len="med" w="med" type="none"/>
+                    </a:lnL>
+                    <a:lnR cap="flat" cmpd="sng" w="9525">
+                      <a:solidFill>
+                        <a:srgbClr val="FFFFFF"/>
+                      </a:solidFill>
+                      <a:prstDash val="solid"/>
+                      <a:round/>
+                      <a:headEnd len="med" w="med" type="none"/>
+                      <a:tailEnd len="med" w="med" type="none"/>
+                    </a:lnR>
+                    <a:lnT cap="flat" cmpd="sng" w="9525">
+                      <a:solidFill>
+                        <a:srgbClr val="FFFFFF"/>
+                      </a:solidFill>
+                      <a:prstDash val="solid"/>
+                      <a:round/>
+                      <a:headEnd len="med" w="med" type="none"/>
+                      <a:tailEnd len="med" w="med" type="none"/>
+                    </a:lnT>
+                    <a:lnB cap="flat" cmpd="sng" w="9525">
+                      <a:solidFill>
+                        <a:srgbClr val="FFFFFF"/>
+                      </a:solidFill>
+                      <a:prstDash val="solid"/>
+                      <a:round/>
+                      <a:headEnd len="med" w="med" type="none"/>
+                      <a:tailEnd len="med" w="med" type="none"/>
+                    </a:lnB>
+                  </a:tcPr>
+                </a:tc>
+                <a:tc>
+                  <a:txBody>
+                    <a:bodyPr>
+                      <a:noAutofit/>
+                    </a:bodyPr>
+                    <a:lstStyle/>
+                    <a:p>
+                      <a:pPr lvl="0" rtl="0">
+                        <a:spcBef>
+                          <a:spcPts val="0"/>
+                        </a:spcBef>
+                        <a:buNone/>
+                      </a:pPr>
+                      <a:r>
+                        <a:rPr lang="en">
+                          <a:solidFill>
+                            <a:srgbClr val="FFFFFF"/>
+                          </a:solidFill>
+                        </a:rPr>
+                        <a:t>Richard, Jeremy, Christian</a:t>
+                      </a:r>
+                    </a:p>
+                  </a:txBody>
+                  <a:tcPr marT="91425" marB="91425" marR="91425" marL="91425">
+                    <a:lnL cap="flat" cmpd="sng" w="9525">
+                      <a:solidFill>
+                        <a:srgbClr val="FFFFFF"/>
+                      </a:solidFill>
+                      <a:prstDash val="solid"/>
+                      <a:round/>
+                      <a:headEnd len="med" w="med" type="none"/>
+                      <a:tailEnd len="med" w="med" type="none"/>
+                    </a:lnL>
+                    <a:lnR cap="flat" cmpd="sng" w="9525">
+                      <a:solidFill>
+                        <a:srgbClr val="FFFFFF"/>
+                      </a:solidFill>
+                      <a:prstDash val="solid"/>
+                      <a:round/>
+                      <a:headEnd len="med" w="med" type="none"/>
+                      <a:tailEnd len="med" w="med" type="none"/>
+                    </a:lnR>
+                    <a:lnT cap="flat" cmpd="sng" w="9525">
+                      <a:solidFill>
+                        <a:srgbClr val="FFFFFF"/>
+                      </a:solidFill>
+                      <a:prstDash val="solid"/>
+                      <a:round/>
+                      <a:headEnd len="med" w="med" type="none"/>
+                      <a:tailEnd len="med" w="med" type="none"/>
+                    </a:lnT>
+                    <a:lnB cap="flat" cmpd="sng" w="9525">
+                      <a:solidFill>
+                        <a:srgbClr val="FFFFFF"/>
+                      </a:solidFill>
+                      <a:prstDash val="solid"/>
+                      <a:round/>
+                      <a:headEnd len="med" w="med" type="none"/>
+                      <a:tailEnd len="med" w="med" type="none"/>
+                    </a:lnB>
+                  </a:tcPr>
+                </a:tc>
+                <a:tc>
+                  <a:txBody>
+                    <a:bodyPr>
+                      <a:noAutofit/>
+                    </a:bodyPr>
+                    <a:lstStyle/>
+                    <a:p>
+                      <a:pPr lvl="0" rtl="0">
+                        <a:spcBef>
+                          <a:spcPts val="0"/>
+                        </a:spcBef>
+                        <a:buNone/>
+                      </a:pPr>
+                      <a:r>
+                        <a:rPr lang="en">
+                          <a:solidFill>
+                            <a:schemeClr val="dk1"/>
+                          </a:solidFill>
+                        </a:rPr>
+                        <a:t>Take forms from the front end, and process them with the machine learning.</a:t>
+                      </a:r>
+                    </a:p>
+                  </a:txBody>
+                  <a:tcPr marT="91425" marB="91425" marR="91425" marL="91425">
+                    <a:lnL cap="flat" cmpd="sng" w="9525">
+                      <a:solidFill>
+                        <a:srgbClr val="FFFFFF"/>
+                      </a:solidFill>
+                      <a:prstDash val="solid"/>
+                      <a:round/>
+                      <a:headEnd len="med" w="med" type="none"/>
+                      <a:tailEnd len="med" w="med" type="none"/>
+                    </a:lnL>
+                    <a:lnR cap="flat" cmpd="sng" w="9525">
+                      <a:solidFill>
+                        <a:srgbClr val="FFFFFF"/>
+                      </a:solidFill>
+                      <a:prstDash val="solid"/>
+                      <a:round/>
+                      <a:headEnd len="med" w="med" type="none"/>
+                      <a:tailEnd len="med" w="med" type="none"/>
+                    </a:lnR>
+                    <a:lnT cap="flat" cmpd="sng" w="9525">
+                      <a:solidFill>
+                        <a:srgbClr val="FFFFFF"/>
+                      </a:solidFill>
+                      <a:prstDash val="solid"/>
+                      <a:round/>
+                      <a:headEnd len="med" w="med" type="none"/>
+                      <a:tailEnd len="med" w="med" type="none"/>
+                    </a:lnT>
+                    <a:lnB cap="flat" cmpd="sng" w="9525">
+                      <a:solidFill>
+                        <a:srgbClr val="FFFFFF"/>
+                      </a:solidFill>
+                      <a:prstDash val="solid"/>
+                      <a:round/>
+                      <a:headEnd len="med" w="med" type="none"/>
+                      <a:tailEnd len="med" w="med" type="none"/>
+                    </a:lnB>
+                  </a:tcPr>
+                </a:tc>
+                <a:tc>
+                  <a:txBody>
+                    <a:bodyPr>
+                      <a:noAutofit/>
+                    </a:bodyPr>
+                    <a:lstStyle/>
+                    <a:p>
+                      <a:pPr lvl="0" rtl="0">
+                        <a:spcBef>
+                          <a:spcPts val="0"/>
+                        </a:spcBef>
+                        <a:buNone/>
+                      </a:pPr>
+                      <a:r>
+                        <a:rPr lang="en">
+                          <a:solidFill>
+                            <a:srgbClr val="FFFFFF"/>
+                          </a:solidFill>
+                        </a:rPr>
+                        <a:t>In Progress</a:t>
+                      </a:r>
+                    </a:p>
+                  </a:txBody>
+                  <a:tcPr marT="91425" marB="91425" marR="91425" marL="91425">
+                    <a:lnL cap="flat" cmpd="sng" w="9525">
+                      <a:solidFill>
+                        <a:srgbClr val="FFFFFF"/>
+                      </a:solidFill>
+                      <a:prstDash val="solid"/>
+                      <a:round/>
+                      <a:headEnd len="med" w="med" type="none"/>
+                      <a:tailEnd len="med" w="med" type="none"/>
+                    </a:lnL>
+                    <a:lnR cap="flat" cmpd="sng" w="9525">
+                      <a:solidFill>
+                        <a:srgbClr val="FFFFFF"/>
+                      </a:solidFill>
+                      <a:prstDash val="solid"/>
+                      <a:round/>
+                      <a:headEnd len="med" w="med" type="none"/>
+                      <a:tailEnd len="med" w="med" type="none"/>
+                    </a:lnR>
+                    <a:lnT cap="flat" cmpd="sng" w="9525">
+                      <a:solidFill>
+                        <a:srgbClr val="FFFFFF"/>
+                      </a:solidFill>
+                      <a:prstDash val="solid"/>
+                      <a:round/>
+                      <a:headEnd len="med" w="med" type="none"/>
+                      <a:tailEnd len="med" w="med" type="none"/>
+                    </a:lnT>
+                    <a:lnB cap="flat" cmpd="sng" w="9525">
+                      <a:solidFill>
+                        <a:srgbClr val="FFFFFF"/>
+                      </a:solidFill>
+                      <a:prstDash val="solid"/>
+                      <a:round/>
+                      <a:headEnd len="med" w="med" type="none"/>
+                      <a:tailEnd len="med" w="med" type="none"/>
+                    </a:lnB>
+                  </a:tcPr>
+                </a:tc>
+              </a:tr>
+            </a:tbl>
+          </a:graphicData>
+        </a:graphic>
+      </p:graphicFrame>
     </p:spTree>
   </p:cSld>
   <p:clrMapOvr>
@@ -15951,7 +18752,7 @@
   <p:cSld>
     <p:spTree>
       <p:nvGrpSpPr>
-        <p:cNvPr id="294" name="Shape 294"/>
+        <p:cNvPr id="297" name="Shape 297"/>
         <p:cNvGrpSpPr/>
         <p:nvPr/>
       </p:nvGrpSpPr>
@@ -15965,7 +18766,7 @@
       </p:grpSpPr>
       <p:sp>
         <p:nvSpPr>
-          <p:cNvPr id="295" name="Shape 295"/>
+          <p:cNvPr id="298" name="Shape 298"/>
           <p:cNvSpPr txBox="1"/>
           <p:nvPr>
             <p:ph type="title"/>
@@ -15973,8 +18774,8 @@
         </p:nvSpPr>
         <p:spPr>
           <a:xfrm>
-            <a:off x="311700" y="445025"/>
-            <a:ext cx="8520600" cy="572700"/>
+            <a:off x="824900" y="445025"/>
+            <a:ext cx="7569600" cy="572700"/>
           </a:xfrm>
           <a:prstGeom prst="rect">
             <a:avLst/>
@@ -15986,7 +18787,7 @@
           </a:bodyPr>
           <a:lstStyle/>
           <a:p>
-            <a:pPr lvl="0" algn="ctr">
+            <a:pPr lvl="0" rtl="0" algn="ctr">
               <a:spcBef>
                 <a:spcPts val="0"/>
               </a:spcBef>
@@ -15994,123 +18795,1294 @@
             </a:pPr>
             <a:r>
               <a:rPr lang="en"/>
-              <a:t>Submodule-Front End(cont.)</a:t>
+              <a:t>Completion status of code</a:t>
             </a:r>
           </a:p>
         </p:txBody>
       </p:sp>
-      <p:sp>
-        <p:nvSpPr>
-          <p:cNvPr id="296" name="Shape 296"/>
-          <p:cNvSpPr txBox="1"/>
-          <p:nvPr>
-            <p:ph idx="1" type="body"/>
-          </p:nvPr>
-        </p:nvSpPr>
-        <p:spPr>
-          <a:xfrm>
-            <a:off x="513150" y="1096325"/>
-            <a:ext cx="8117700" cy="3355800"/>
-          </a:xfrm>
-          <a:prstGeom prst="rect">
-            <a:avLst/>
-          </a:prstGeom>
-        </p:spPr>
-        <p:txBody>
-          <a:bodyPr anchorCtr="0" anchor="t" bIns="91425" lIns="91425" rIns="91425" tIns="91425">
-            <a:noAutofit/>
-          </a:bodyPr>
-          <a:lstStyle/>
-          <a:p>
-            <a:pPr lvl="0">
-              <a:spcBef>
-                <a:spcPts val="0"/>
-              </a:spcBef>
-              <a:buNone/>
-            </a:pPr>
-            <a:r>
-              <a:rPr lang="en">
-                <a:solidFill>
-                  <a:srgbClr val="FFFFFF"/>
-                </a:solidFill>
-              </a:rPr>
-              <a:t>Web Application Main Functions: Through the use of Bootstrap cards, main functions are separated clearly.</a:t>
-            </a:r>
-          </a:p>
-          <a:p>
-            <a:pPr indent="-228600" lvl="0" marL="457200" rtl="0">
-              <a:spcBef>
-                <a:spcPts val="0"/>
-              </a:spcBef>
-              <a:buClr>
-                <a:srgbClr val="FFFFFF"/>
-              </a:buClr>
-            </a:pPr>
-            <a:r>
-              <a:rPr lang="en">
-                <a:solidFill>
-                  <a:srgbClr val="FFFFFF"/>
-                </a:solidFill>
-              </a:rPr>
-              <a:t>Bootstrap modals are used to display the results of selecting one of the web application’s functions. </a:t>
-            </a:r>
-          </a:p>
-          <a:p>
-            <a:pPr indent="-228600" lvl="0" marL="457200" rtl="0">
-              <a:spcBef>
-                <a:spcPts val="0"/>
-              </a:spcBef>
-              <a:buClr>
-                <a:srgbClr val="FFFFFF"/>
-              </a:buClr>
-            </a:pPr>
-            <a:r>
-              <a:rPr lang="en">
-                <a:solidFill>
-                  <a:srgbClr val="FFFFFF"/>
-                </a:solidFill>
-              </a:rPr>
-              <a:t>A binary will sell/won’t sell will be displayed in the modal for “Will My House Sell?” through a call to the Random Forest algorithm.</a:t>
-            </a:r>
-          </a:p>
-          <a:p>
-            <a:pPr indent="-228600" lvl="0" marL="457200" rtl="0">
-              <a:spcBef>
-                <a:spcPts val="0"/>
-              </a:spcBef>
-              <a:buClr>
-                <a:srgbClr val="FFFFFF"/>
-              </a:buClr>
-            </a:pPr>
-            <a:r>
-              <a:rPr lang="en">
-                <a:solidFill>
-                  <a:srgbClr val="FFFFFF"/>
-                </a:solidFill>
-              </a:rPr>
-              <a:t>A list of factors will be displayed in the modal for “Most Important Attributes through a call to the Random Forest algorithm.</a:t>
-            </a:r>
-          </a:p>
-          <a:p>
-            <a:pPr indent="-228600" lvl="0" marL="457200">
-              <a:spcBef>
-                <a:spcPts val="0"/>
-              </a:spcBef>
-              <a:buClr>
-                <a:srgbClr val="FFFFFF"/>
-              </a:buClr>
-            </a:pPr>
-            <a:r>
-              <a:rPr lang="en">
-                <a:solidFill>
-                  <a:srgbClr val="FFFFFF"/>
-                </a:solidFill>
-              </a:rPr>
-              <a:t>Charts displayed using either Plotly, Echarts or ChartsJS to display “Data Visualizations” through a call to the  database.</a:t>
-            </a:r>
-          </a:p>
-        </p:txBody>
-      </p:sp>
+      <p:graphicFrame>
+        <p:nvGraphicFramePr>
+          <p:cNvPr id="299" name="Shape 299"/>
+          <p:cNvGraphicFramePr/>
+          <p:nvPr/>
+        </p:nvGraphicFramePr>
+        <p:xfrm>
+          <a:off x="738362" y="1086350"/>
+          <a:ext cx="3000000" cy="3000000"/>
+        </p:xfrm>
+        <a:graphic>
+          <a:graphicData uri="http://schemas.openxmlformats.org/drawingml/2006/table">
+            <a:tbl>
+              <a:tblPr>
+                <a:noFill/>
+                <a:tableStyleId>{6227683F-6615-4F6C-A2C1-3B111FABE345}</a:tableStyleId>
+              </a:tblPr>
+              <a:tblGrid>
+                <a:gridCol w="1024175"/>
+                <a:gridCol w="1480325"/>
+                <a:gridCol w="4036575"/>
+                <a:gridCol w="1117625"/>
+              </a:tblGrid>
+              <a:tr h="654175">
+                <a:tc>
+                  <a:txBody>
+                    <a:bodyPr>
+                      <a:noAutofit/>
+                    </a:bodyPr>
+                    <a:lstStyle/>
+                    <a:p>
+                      <a:pPr lvl="0" rtl="0" algn="ctr">
+                        <a:spcBef>
+                          <a:spcPts val="0"/>
+                        </a:spcBef>
+                        <a:buNone/>
+                      </a:pPr>
+                      <a:r>
+                        <a:rPr b="1" lang="en" sz="1800" u="sng">
+                          <a:solidFill>
+                            <a:srgbClr val="FFFFFF"/>
+                          </a:solidFill>
+                          <a:highlight>
+                            <a:srgbClr val="000000"/>
+                          </a:highlight>
+                        </a:rPr>
+                        <a:t>Role</a:t>
+                      </a:r>
+                    </a:p>
+                  </a:txBody>
+                  <a:tcPr marT="91425" marB="91425" marR="91425" marL="91425">
+                    <a:lnL cap="flat" cmpd="sng" w="9525">
+                      <a:solidFill>
+                        <a:srgbClr val="FFFFFF"/>
+                      </a:solidFill>
+                      <a:prstDash val="solid"/>
+                      <a:round/>
+                      <a:headEnd len="med" w="med" type="none"/>
+                      <a:tailEnd len="med" w="med" type="none"/>
+                    </a:lnL>
+                    <a:lnR cap="flat" cmpd="sng" w="9525">
+                      <a:solidFill>
+                        <a:srgbClr val="FFFFFF"/>
+                      </a:solidFill>
+                      <a:prstDash val="solid"/>
+                      <a:round/>
+                      <a:headEnd len="med" w="med" type="none"/>
+                      <a:tailEnd len="med" w="med" type="none"/>
+                    </a:lnR>
+                    <a:lnT cap="flat" cmpd="sng" w="9525">
+                      <a:solidFill>
+                        <a:srgbClr val="FFFFFF"/>
+                      </a:solidFill>
+                      <a:prstDash val="solid"/>
+                      <a:round/>
+                      <a:headEnd len="med" w="med" type="none"/>
+                      <a:tailEnd len="med" w="med" type="none"/>
+                    </a:lnT>
+                    <a:lnB cap="flat" cmpd="sng" w="9525">
+                      <a:solidFill>
+                        <a:srgbClr val="FFFFFF"/>
+                      </a:solidFill>
+                      <a:prstDash val="solid"/>
+                      <a:round/>
+                      <a:headEnd len="med" w="med" type="none"/>
+                      <a:tailEnd len="med" w="med" type="none"/>
+                    </a:lnB>
+                  </a:tcPr>
+                </a:tc>
+                <a:tc>
+                  <a:txBody>
+                    <a:bodyPr>
+                      <a:noAutofit/>
+                    </a:bodyPr>
+                    <a:lstStyle/>
+                    <a:p>
+                      <a:pPr lvl="0" rtl="0" algn="ctr">
+                        <a:spcBef>
+                          <a:spcPts val="0"/>
+                        </a:spcBef>
+                        <a:buNone/>
+                      </a:pPr>
+                      <a:r>
+                        <a:rPr b="1" lang="en" sz="1800" u="sng">
+                          <a:solidFill>
+                            <a:srgbClr val="FFFFFF"/>
+                          </a:solidFill>
+                          <a:highlight>
+                            <a:srgbClr val="000000"/>
+                          </a:highlight>
+                        </a:rPr>
+                        <a:t>Members</a:t>
+                      </a:r>
+                    </a:p>
+                  </a:txBody>
+                  <a:tcPr marT="91425" marB="91425" marR="91425" marL="91425">
+                    <a:lnL cap="flat" cmpd="sng" w="9525">
+                      <a:solidFill>
+                        <a:srgbClr val="FFFFFF"/>
+                      </a:solidFill>
+                      <a:prstDash val="solid"/>
+                      <a:round/>
+                      <a:headEnd len="med" w="med" type="none"/>
+                      <a:tailEnd len="med" w="med" type="none"/>
+                    </a:lnL>
+                    <a:lnR cap="flat" cmpd="sng" w="9525">
+                      <a:solidFill>
+                        <a:srgbClr val="FFFFFF"/>
+                      </a:solidFill>
+                      <a:prstDash val="solid"/>
+                      <a:round/>
+                      <a:headEnd len="med" w="med" type="none"/>
+                      <a:tailEnd len="med" w="med" type="none"/>
+                    </a:lnR>
+                    <a:lnT cap="flat" cmpd="sng" w="9525">
+                      <a:solidFill>
+                        <a:srgbClr val="FFFFFF"/>
+                      </a:solidFill>
+                      <a:prstDash val="solid"/>
+                      <a:round/>
+                      <a:headEnd len="med" w="med" type="none"/>
+                      <a:tailEnd len="med" w="med" type="none"/>
+                    </a:lnT>
+                    <a:lnB cap="flat" cmpd="sng" w="9525">
+                      <a:solidFill>
+                        <a:srgbClr val="FFFFFF"/>
+                      </a:solidFill>
+                      <a:prstDash val="solid"/>
+                      <a:round/>
+                      <a:headEnd len="med" w="med" type="none"/>
+                      <a:tailEnd len="med" w="med" type="none"/>
+                    </a:lnB>
+                  </a:tcPr>
+                </a:tc>
+                <a:tc>
+                  <a:txBody>
+                    <a:bodyPr>
+                      <a:noAutofit/>
+                    </a:bodyPr>
+                    <a:lstStyle/>
+                    <a:p>
+                      <a:pPr lvl="0" rtl="0" algn="ctr">
+                        <a:spcBef>
+                          <a:spcPts val="0"/>
+                        </a:spcBef>
+                        <a:buNone/>
+                      </a:pPr>
+                      <a:r>
+                        <a:rPr b="1" lang="en" sz="1800" u="sng">
+                          <a:solidFill>
+                            <a:srgbClr val="FFFFFF"/>
+                          </a:solidFill>
+                        </a:rPr>
+                        <a:t>Task</a:t>
+                      </a:r>
+                    </a:p>
+                  </a:txBody>
+                  <a:tcPr marT="91425" marB="91425" marR="91425" marL="91425">
+                    <a:lnL cap="flat" cmpd="sng" w="9525">
+                      <a:solidFill>
+                        <a:srgbClr val="FFFFFF"/>
+                      </a:solidFill>
+                      <a:prstDash val="solid"/>
+                      <a:round/>
+                      <a:headEnd len="med" w="med" type="none"/>
+                      <a:tailEnd len="med" w="med" type="none"/>
+                    </a:lnL>
+                    <a:lnR cap="flat" cmpd="sng" w="9525">
+                      <a:solidFill>
+                        <a:srgbClr val="FFFFFF"/>
+                      </a:solidFill>
+                      <a:prstDash val="solid"/>
+                      <a:round/>
+                      <a:headEnd len="med" w="med" type="none"/>
+                      <a:tailEnd len="med" w="med" type="none"/>
+                    </a:lnR>
+                    <a:lnT cap="flat" cmpd="sng" w="9525">
+                      <a:solidFill>
+                        <a:srgbClr val="FFFFFF"/>
+                      </a:solidFill>
+                      <a:prstDash val="solid"/>
+                      <a:round/>
+                      <a:headEnd len="med" w="med" type="none"/>
+                      <a:tailEnd len="med" w="med" type="none"/>
+                    </a:lnT>
+                    <a:lnB cap="flat" cmpd="sng" w="9525">
+                      <a:solidFill>
+                        <a:srgbClr val="FFFFFF"/>
+                      </a:solidFill>
+                      <a:prstDash val="solid"/>
+                      <a:round/>
+                      <a:headEnd len="med" w="med" type="none"/>
+                      <a:tailEnd len="med" w="med" type="none"/>
+                    </a:lnB>
+                  </a:tcPr>
+                </a:tc>
+                <a:tc>
+                  <a:txBody>
+                    <a:bodyPr>
+                      <a:noAutofit/>
+                    </a:bodyPr>
+                    <a:lstStyle/>
+                    <a:p>
+                      <a:pPr lvl="0" rtl="0" algn="ctr">
+                        <a:spcBef>
+                          <a:spcPts val="0"/>
+                        </a:spcBef>
+                        <a:buNone/>
+                      </a:pPr>
+                      <a:r>
+                        <a:rPr b="1" lang="en" sz="1800" u="sng">
+                          <a:solidFill>
+                            <a:srgbClr val="FFFFFF"/>
+                          </a:solidFill>
+                        </a:rPr>
+                        <a:t>Status</a:t>
+                      </a:r>
+                    </a:p>
+                  </a:txBody>
+                  <a:tcPr marT="91425" marB="91425" marR="91425" marL="91425">
+                    <a:lnL cap="flat" cmpd="sng" w="9525">
+                      <a:solidFill>
+                        <a:srgbClr val="FFFFFF"/>
+                      </a:solidFill>
+                      <a:prstDash val="solid"/>
+                      <a:round/>
+                      <a:headEnd len="med" w="med" type="none"/>
+                      <a:tailEnd len="med" w="med" type="none"/>
+                    </a:lnL>
+                    <a:lnR cap="flat" cmpd="sng" w="9525">
+                      <a:solidFill>
+                        <a:srgbClr val="FFFFFF"/>
+                      </a:solidFill>
+                      <a:prstDash val="solid"/>
+                      <a:round/>
+                      <a:headEnd len="med" w="med" type="none"/>
+                      <a:tailEnd len="med" w="med" type="none"/>
+                    </a:lnR>
+                    <a:lnT cap="flat" cmpd="sng" w="9525">
+                      <a:solidFill>
+                        <a:srgbClr val="FFFFFF"/>
+                      </a:solidFill>
+                      <a:prstDash val="solid"/>
+                      <a:round/>
+                      <a:headEnd len="med" w="med" type="none"/>
+                      <a:tailEnd len="med" w="med" type="none"/>
+                    </a:lnT>
+                    <a:lnB cap="flat" cmpd="sng" w="9525">
+                      <a:solidFill>
+                        <a:srgbClr val="FFFFFF"/>
+                      </a:solidFill>
+                      <a:prstDash val="solid"/>
+                      <a:round/>
+                      <a:headEnd len="med" w="med" type="none"/>
+                      <a:tailEnd len="med" w="med" type="none"/>
+                    </a:lnB>
+                  </a:tcPr>
+                </a:tc>
+              </a:tr>
+              <a:tr h="568450">
+                <a:tc>
+                  <a:txBody>
+                    <a:bodyPr>
+                      <a:noAutofit/>
+                    </a:bodyPr>
+                    <a:lstStyle/>
+                    <a:p>
+                      <a:pPr lvl="0" rtl="0">
+                        <a:spcBef>
+                          <a:spcPts val="0"/>
+                        </a:spcBef>
+                        <a:buNone/>
+                      </a:pPr>
+                      <a:r>
+                        <a:rPr lang="en">
+                          <a:solidFill>
+                            <a:srgbClr val="FFFFFF"/>
+                          </a:solidFill>
+                        </a:rPr>
+                        <a:t>Database</a:t>
+                      </a:r>
+                    </a:p>
+                  </a:txBody>
+                  <a:tcPr marT="91425" marB="91425" marR="91425" marL="91425">
+                    <a:lnL cap="flat" cmpd="sng" w="9525">
+                      <a:solidFill>
+                        <a:srgbClr val="FFFFFF"/>
+                      </a:solidFill>
+                      <a:prstDash val="solid"/>
+                      <a:round/>
+                      <a:headEnd len="med" w="med" type="none"/>
+                      <a:tailEnd len="med" w="med" type="none"/>
+                    </a:lnL>
+                    <a:lnR cap="flat" cmpd="sng" w="9525">
+                      <a:solidFill>
+                        <a:srgbClr val="FFFFFF"/>
+                      </a:solidFill>
+                      <a:prstDash val="solid"/>
+                      <a:round/>
+                      <a:headEnd len="med" w="med" type="none"/>
+                      <a:tailEnd len="med" w="med" type="none"/>
+                    </a:lnR>
+                    <a:lnT cap="flat" cmpd="sng" w="9525">
+                      <a:solidFill>
+                        <a:srgbClr val="FFFFFF"/>
+                      </a:solidFill>
+                      <a:prstDash val="solid"/>
+                      <a:round/>
+                      <a:headEnd len="med" w="med" type="none"/>
+                      <a:tailEnd len="med" w="med" type="none"/>
+                    </a:lnT>
+                    <a:lnB cap="flat" cmpd="sng" w="9525">
+                      <a:solidFill>
+                        <a:srgbClr val="FFFFFF"/>
+                      </a:solidFill>
+                      <a:prstDash val="solid"/>
+                      <a:round/>
+                      <a:headEnd len="med" w="med" type="none"/>
+                      <a:tailEnd len="med" w="med" type="none"/>
+                    </a:lnB>
+                  </a:tcPr>
+                </a:tc>
+                <a:tc>
+                  <a:txBody>
+                    <a:bodyPr>
+                      <a:noAutofit/>
+                    </a:bodyPr>
+                    <a:lstStyle/>
+                    <a:p>
+                      <a:pPr lvl="0" rtl="0">
+                        <a:spcBef>
+                          <a:spcPts val="0"/>
+                        </a:spcBef>
+                        <a:buNone/>
+                      </a:pPr>
+                      <a:r>
+                        <a:rPr lang="en">
+                          <a:solidFill>
+                            <a:srgbClr val="FFFFFF"/>
+                          </a:solidFill>
+                        </a:rPr>
+                        <a:t>Christian, Jeremy</a:t>
+                      </a:r>
+                    </a:p>
+                  </a:txBody>
+                  <a:tcPr marT="91425" marB="91425" marR="91425" marL="91425">
+                    <a:lnL cap="flat" cmpd="sng" w="9525">
+                      <a:solidFill>
+                        <a:srgbClr val="FFFFFF"/>
+                      </a:solidFill>
+                      <a:prstDash val="solid"/>
+                      <a:round/>
+                      <a:headEnd len="med" w="med" type="none"/>
+                      <a:tailEnd len="med" w="med" type="none"/>
+                    </a:lnL>
+                    <a:lnR cap="flat" cmpd="sng" w="9525">
+                      <a:solidFill>
+                        <a:srgbClr val="FFFFFF"/>
+                      </a:solidFill>
+                      <a:prstDash val="solid"/>
+                      <a:round/>
+                      <a:headEnd len="med" w="med" type="none"/>
+                      <a:tailEnd len="med" w="med" type="none"/>
+                    </a:lnR>
+                    <a:lnT cap="flat" cmpd="sng" w="9525">
+                      <a:solidFill>
+                        <a:srgbClr val="FFFFFF"/>
+                      </a:solidFill>
+                      <a:prstDash val="solid"/>
+                      <a:round/>
+                      <a:headEnd len="med" w="med" type="none"/>
+                      <a:tailEnd len="med" w="med" type="none"/>
+                    </a:lnT>
+                    <a:lnB cap="flat" cmpd="sng" w="9525">
+                      <a:solidFill>
+                        <a:srgbClr val="FFFFFF"/>
+                      </a:solidFill>
+                      <a:prstDash val="solid"/>
+                      <a:round/>
+                      <a:headEnd len="med" w="med" type="none"/>
+                      <a:tailEnd len="med" w="med" type="none"/>
+                    </a:lnB>
+                  </a:tcPr>
+                </a:tc>
+                <a:tc>
+                  <a:txBody>
+                    <a:bodyPr>
+                      <a:noAutofit/>
+                    </a:bodyPr>
+                    <a:lstStyle/>
+                    <a:p>
+                      <a:pPr indent="0" lvl="0" marL="0" rtl="0">
+                        <a:spcBef>
+                          <a:spcPts val="0"/>
+                        </a:spcBef>
+                        <a:buNone/>
+                      </a:pPr>
+                      <a:r>
+                        <a:rPr lang="en">
+                          <a:solidFill>
+                            <a:schemeClr val="dk1"/>
+                          </a:solidFill>
+                        </a:rPr>
+                        <a:t>Data acquisition.</a:t>
+                      </a:r>
+                    </a:p>
+                  </a:txBody>
+                  <a:tcPr marT="91425" marB="91425" marR="91425" marL="91425">
+                    <a:lnL cap="flat" cmpd="sng" w="9525">
+                      <a:solidFill>
+                        <a:srgbClr val="FFFFFF"/>
+                      </a:solidFill>
+                      <a:prstDash val="solid"/>
+                      <a:round/>
+                      <a:headEnd len="med" w="med" type="none"/>
+                      <a:tailEnd len="med" w="med" type="none"/>
+                    </a:lnL>
+                    <a:lnR cap="flat" cmpd="sng" w="9525">
+                      <a:solidFill>
+                        <a:srgbClr val="FFFFFF"/>
+                      </a:solidFill>
+                      <a:prstDash val="solid"/>
+                      <a:round/>
+                      <a:headEnd len="med" w="med" type="none"/>
+                      <a:tailEnd len="med" w="med" type="none"/>
+                    </a:lnR>
+                    <a:lnT cap="flat" cmpd="sng" w="9525">
+                      <a:solidFill>
+                        <a:srgbClr val="FFFFFF"/>
+                      </a:solidFill>
+                      <a:prstDash val="solid"/>
+                      <a:round/>
+                      <a:headEnd len="med" w="med" type="none"/>
+                      <a:tailEnd len="med" w="med" type="none"/>
+                    </a:lnT>
+                    <a:lnB cap="flat" cmpd="sng" w="9525">
+                      <a:solidFill>
+                        <a:srgbClr val="FFFFFF"/>
+                      </a:solidFill>
+                      <a:prstDash val="solid"/>
+                      <a:round/>
+                      <a:headEnd len="med" w="med" type="none"/>
+                      <a:tailEnd len="med" w="med" type="none"/>
+                    </a:lnB>
+                  </a:tcPr>
+                </a:tc>
+                <a:tc>
+                  <a:txBody>
+                    <a:bodyPr>
+                      <a:noAutofit/>
+                    </a:bodyPr>
+                    <a:lstStyle/>
+                    <a:p>
+                      <a:pPr lvl="0" rtl="0">
+                        <a:spcBef>
+                          <a:spcPts val="0"/>
+                        </a:spcBef>
+                        <a:buNone/>
+                      </a:pPr>
+                      <a:r>
+                        <a:rPr lang="en">
+                          <a:solidFill>
+                            <a:srgbClr val="FFFFFF"/>
+                          </a:solidFill>
+                        </a:rPr>
+                        <a:t>Completed</a:t>
+                      </a:r>
+                    </a:p>
+                  </a:txBody>
+                  <a:tcPr marT="91425" marB="91425" marR="91425" marL="91425">
+                    <a:lnL cap="flat" cmpd="sng" w="9525">
+                      <a:solidFill>
+                        <a:srgbClr val="FFFFFF"/>
+                      </a:solidFill>
+                      <a:prstDash val="solid"/>
+                      <a:round/>
+                      <a:headEnd len="med" w="med" type="none"/>
+                      <a:tailEnd len="med" w="med" type="none"/>
+                    </a:lnL>
+                    <a:lnR cap="flat" cmpd="sng" w="9525">
+                      <a:solidFill>
+                        <a:srgbClr val="FFFFFF"/>
+                      </a:solidFill>
+                      <a:prstDash val="solid"/>
+                      <a:round/>
+                      <a:headEnd len="med" w="med" type="none"/>
+                      <a:tailEnd len="med" w="med" type="none"/>
+                    </a:lnR>
+                    <a:lnT cap="flat" cmpd="sng" w="9525">
+                      <a:solidFill>
+                        <a:srgbClr val="FFFFFF"/>
+                      </a:solidFill>
+                      <a:prstDash val="solid"/>
+                      <a:round/>
+                      <a:headEnd len="med" w="med" type="none"/>
+                      <a:tailEnd len="med" w="med" type="none"/>
+                    </a:lnT>
+                    <a:lnB cap="flat" cmpd="sng" w="9525">
+                      <a:solidFill>
+                        <a:srgbClr val="FFFFFF"/>
+                      </a:solidFill>
+                      <a:prstDash val="solid"/>
+                      <a:round/>
+                      <a:headEnd len="med" w="med" type="none"/>
+                      <a:tailEnd len="med" w="med" type="none"/>
+                    </a:lnB>
+                  </a:tcPr>
+                </a:tc>
+              </a:tr>
+              <a:tr h="635150">
+                <a:tc>
+                  <a:txBody>
+                    <a:bodyPr>
+                      <a:noAutofit/>
+                    </a:bodyPr>
+                    <a:lstStyle/>
+                    <a:p>
+                      <a:pPr lvl="0" rtl="0">
+                        <a:spcBef>
+                          <a:spcPts val="0"/>
+                        </a:spcBef>
+                        <a:buNone/>
+                      </a:pPr>
+                      <a:r>
+                        <a:rPr lang="en">
+                          <a:solidFill>
+                            <a:srgbClr val="FFFFFF"/>
+                          </a:solidFill>
+                        </a:rPr>
+                        <a:t>Database</a:t>
+                      </a:r>
+                    </a:p>
+                  </a:txBody>
+                  <a:tcPr marT="91425" marB="91425" marR="91425" marL="91425">
+                    <a:lnL cap="flat" cmpd="sng" w="9525">
+                      <a:solidFill>
+                        <a:srgbClr val="FFFFFF"/>
+                      </a:solidFill>
+                      <a:prstDash val="solid"/>
+                      <a:round/>
+                      <a:headEnd len="med" w="med" type="none"/>
+                      <a:tailEnd len="med" w="med" type="none"/>
+                    </a:lnL>
+                    <a:lnR cap="flat" cmpd="sng" w="9525">
+                      <a:solidFill>
+                        <a:srgbClr val="FFFFFF"/>
+                      </a:solidFill>
+                      <a:prstDash val="solid"/>
+                      <a:round/>
+                      <a:headEnd len="med" w="med" type="none"/>
+                      <a:tailEnd len="med" w="med" type="none"/>
+                    </a:lnR>
+                    <a:lnT cap="flat" cmpd="sng" w="9525">
+                      <a:solidFill>
+                        <a:srgbClr val="FFFFFF"/>
+                      </a:solidFill>
+                      <a:prstDash val="solid"/>
+                      <a:round/>
+                      <a:headEnd len="med" w="med" type="none"/>
+                      <a:tailEnd len="med" w="med" type="none"/>
+                    </a:lnT>
+                    <a:lnB cap="flat" cmpd="sng" w="9525">
+                      <a:solidFill>
+                        <a:srgbClr val="FFFFFF"/>
+                      </a:solidFill>
+                      <a:prstDash val="solid"/>
+                      <a:round/>
+                      <a:headEnd len="med" w="med" type="none"/>
+                      <a:tailEnd len="med" w="med" type="none"/>
+                    </a:lnB>
+                  </a:tcPr>
+                </a:tc>
+                <a:tc>
+                  <a:txBody>
+                    <a:bodyPr>
+                      <a:noAutofit/>
+                    </a:bodyPr>
+                    <a:lstStyle/>
+                    <a:p>
+                      <a:pPr lvl="0" rtl="0">
+                        <a:spcBef>
+                          <a:spcPts val="0"/>
+                        </a:spcBef>
+                        <a:buNone/>
+                      </a:pPr>
+                      <a:r>
+                        <a:rPr lang="en">
+                          <a:solidFill>
+                            <a:srgbClr val="FFFFFF"/>
+                          </a:solidFill>
+                        </a:rPr>
+                        <a:t>Jeremy</a:t>
+                      </a:r>
+                    </a:p>
+                  </a:txBody>
+                  <a:tcPr marT="91425" marB="91425" marR="91425" marL="91425">
+                    <a:lnL cap="flat" cmpd="sng" w="9525">
+                      <a:solidFill>
+                        <a:srgbClr val="FFFFFF"/>
+                      </a:solidFill>
+                      <a:prstDash val="solid"/>
+                      <a:round/>
+                      <a:headEnd len="med" w="med" type="none"/>
+                      <a:tailEnd len="med" w="med" type="none"/>
+                    </a:lnL>
+                    <a:lnR cap="flat" cmpd="sng" w="9525">
+                      <a:solidFill>
+                        <a:srgbClr val="FFFFFF"/>
+                      </a:solidFill>
+                      <a:prstDash val="solid"/>
+                      <a:round/>
+                      <a:headEnd len="med" w="med" type="none"/>
+                      <a:tailEnd len="med" w="med" type="none"/>
+                    </a:lnR>
+                    <a:lnT cap="flat" cmpd="sng" w="9525">
+                      <a:solidFill>
+                        <a:srgbClr val="FFFFFF"/>
+                      </a:solidFill>
+                      <a:prstDash val="solid"/>
+                      <a:round/>
+                      <a:headEnd len="med" w="med" type="none"/>
+                      <a:tailEnd len="med" w="med" type="none"/>
+                    </a:lnT>
+                    <a:lnB cap="flat" cmpd="sng" w="9525">
+                      <a:solidFill>
+                        <a:srgbClr val="FFFFFF"/>
+                      </a:solidFill>
+                      <a:prstDash val="solid"/>
+                      <a:round/>
+                      <a:headEnd len="med" w="med" type="none"/>
+                      <a:tailEnd len="med" w="med" type="none"/>
+                    </a:lnB>
+                  </a:tcPr>
+                </a:tc>
+                <a:tc>
+                  <a:txBody>
+                    <a:bodyPr>
+                      <a:noAutofit/>
+                    </a:bodyPr>
+                    <a:lstStyle/>
+                    <a:p>
+                      <a:pPr indent="0" lvl="0" marL="0" rtl="0">
+                        <a:spcBef>
+                          <a:spcPts val="0"/>
+                        </a:spcBef>
+                        <a:buNone/>
+                      </a:pPr>
+                      <a:r>
+                        <a:rPr lang="en">
+                          <a:solidFill>
+                            <a:schemeClr val="dk1"/>
+                          </a:solidFill>
+                        </a:rPr>
+                        <a:t>Create unit tests.</a:t>
+                      </a:r>
+                    </a:p>
+                  </a:txBody>
+                  <a:tcPr marT="91425" marB="91425" marR="91425" marL="91425">
+                    <a:lnL cap="flat" cmpd="sng" w="9525">
+                      <a:solidFill>
+                        <a:srgbClr val="FFFFFF"/>
+                      </a:solidFill>
+                      <a:prstDash val="solid"/>
+                      <a:round/>
+                      <a:headEnd len="med" w="med" type="none"/>
+                      <a:tailEnd len="med" w="med" type="none"/>
+                    </a:lnL>
+                    <a:lnR cap="flat" cmpd="sng" w="9525">
+                      <a:solidFill>
+                        <a:srgbClr val="FFFFFF"/>
+                      </a:solidFill>
+                      <a:prstDash val="solid"/>
+                      <a:round/>
+                      <a:headEnd len="med" w="med" type="none"/>
+                      <a:tailEnd len="med" w="med" type="none"/>
+                    </a:lnR>
+                    <a:lnT cap="flat" cmpd="sng" w="9525">
+                      <a:solidFill>
+                        <a:srgbClr val="FFFFFF"/>
+                      </a:solidFill>
+                      <a:prstDash val="solid"/>
+                      <a:round/>
+                      <a:headEnd len="med" w="med" type="none"/>
+                      <a:tailEnd len="med" w="med" type="none"/>
+                    </a:lnT>
+                    <a:lnB cap="flat" cmpd="sng" w="9525">
+                      <a:solidFill>
+                        <a:srgbClr val="FFFFFF"/>
+                      </a:solidFill>
+                      <a:prstDash val="solid"/>
+                      <a:round/>
+                      <a:headEnd len="med" w="med" type="none"/>
+                      <a:tailEnd len="med" w="med" type="none"/>
+                    </a:lnB>
+                  </a:tcPr>
+                </a:tc>
+                <a:tc>
+                  <a:txBody>
+                    <a:bodyPr>
+                      <a:noAutofit/>
+                    </a:bodyPr>
+                    <a:lstStyle/>
+                    <a:p>
+                      <a:pPr lvl="0" rtl="0">
+                        <a:spcBef>
+                          <a:spcPts val="0"/>
+                        </a:spcBef>
+                        <a:buNone/>
+                      </a:pPr>
+                      <a:r>
+                        <a:rPr lang="en">
+                          <a:solidFill>
+                            <a:srgbClr val="FFFFFF"/>
+                          </a:solidFill>
+                        </a:rPr>
+                        <a:t>In Progress</a:t>
+                      </a:r>
+                    </a:p>
+                  </a:txBody>
+                  <a:tcPr marT="91425" marB="91425" marR="91425" marL="91425">
+                    <a:lnL cap="flat" cmpd="sng" w="9525">
+                      <a:solidFill>
+                        <a:srgbClr val="FFFFFF"/>
+                      </a:solidFill>
+                      <a:prstDash val="solid"/>
+                      <a:round/>
+                      <a:headEnd len="med" w="med" type="none"/>
+                      <a:tailEnd len="med" w="med" type="none"/>
+                    </a:lnL>
+                    <a:lnR cap="flat" cmpd="sng" w="9525">
+                      <a:solidFill>
+                        <a:srgbClr val="FFFFFF"/>
+                      </a:solidFill>
+                      <a:prstDash val="solid"/>
+                      <a:round/>
+                      <a:headEnd len="med" w="med" type="none"/>
+                      <a:tailEnd len="med" w="med" type="none"/>
+                    </a:lnR>
+                    <a:lnT cap="flat" cmpd="sng" w="9525">
+                      <a:solidFill>
+                        <a:srgbClr val="FFFFFF"/>
+                      </a:solidFill>
+                      <a:prstDash val="solid"/>
+                      <a:round/>
+                      <a:headEnd len="med" w="med" type="none"/>
+                      <a:tailEnd len="med" w="med" type="none"/>
+                    </a:lnT>
+                    <a:lnB cap="flat" cmpd="sng" w="9525">
+                      <a:solidFill>
+                        <a:srgbClr val="FFFFFF"/>
+                      </a:solidFill>
+                      <a:prstDash val="solid"/>
+                      <a:round/>
+                      <a:headEnd len="med" w="med" type="none"/>
+                      <a:tailEnd len="med" w="med" type="none"/>
+                    </a:lnB>
+                  </a:tcPr>
+                </a:tc>
+              </a:tr>
+              <a:tr h="635150">
+                <a:tc>
+                  <a:txBody>
+                    <a:bodyPr>
+                      <a:noAutofit/>
+                    </a:bodyPr>
+                    <a:lstStyle/>
+                    <a:p>
+                      <a:pPr lvl="0" rtl="0">
+                        <a:spcBef>
+                          <a:spcPts val="0"/>
+                        </a:spcBef>
+                        <a:buNone/>
+                      </a:pPr>
+                      <a:r>
+                        <a:rPr lang="en">
+                          <a:solidFill>
+                            <a:srgbClr val="FFFFFF"/>
+                          </a:solidFill>
+                        </a:rPr>
+                        <a:t>Machine Learning</a:t>
+                      </a:r>
+                    </a:p>
+                  </a:txBody>
+                  <a:tcPr marT="91425" marB="91425" marR="91425" marL="91425">
+                    <a:lnL cap="flat" cmpd="sng" w="9525">
+                      <a:solidFill>
+                        <a:srgbClr val="FFFFFF"/>
+                      </a:solidFill>
+                      <a:prstDash val="solid"/>
+                      <a:round/>
+                      <a:headEnd len="med" w="med" type="none"/>
+                      <a:tailEnd len="med" w="med" type="none"/>
+                    </a:lnL>
+                    <a:lnR cap="flat" cmpd="sng" w="9525">
+                      <a:solidFill>
+                        <a:srgbClr val="FFFFFF"/>
+                      </a:solidFill>
+                      <a:prstDash val="solid"/>
+                      <a:round/>
+                      <a:headEnd len="med" w="med" type="none"/>
+                      <a:tailEnd len="med" w="med" type="none"/>
+                    </a:lnR>
+                    <a:lnT cap="flat" cmpd="sng" w="9525">
+                      <a:solidFill>
+                        <a:srgbClr val="FFFFFF"/>
+                      </a:solidFill>
+                      <a:prstDash val="solid"/>
+                      <a:round/>
+                      <a:headEnd len="med" w="med" type="none"/>
+                      <a:tailEnd len="med" w="med" type="none"/>
+                    </a:lnT>
+                    <a:lnB cap="flat" cmpd="sng" w="9525">
+                      <a:solidFill>
+                        <a:srgbClr val="FFFFFF"/>
+                      </a:solidFill>
+                      <a:prstDash val="solid"/>
+                      <a:round/>
+                      <a:headEnd len="med" w="med" type="none"/>
+                      <a:tailEnd len="med" w="med" type="none"/>
+                    </a:lnB>
+                  </a:tcPr>
+                </a:tc>
+                <a:tc>
+                  <a:txBody>
+                    <a:bodyPr>
+                      <a:noAutofit/>
+                    </a:bodyPr>
+                    <a:lstStyle/>
+                    <a:p>
+                      <a:pPr lvl="0" rtl="0">
+                        <a:spcBef>
+                          <a:spcPts val="0"/>
+                        </a:spcBef>
+                        <a:buNone/>
+                      </a:pPr>
+                      <a:r>
+                        <a:rPr lang="en">
+                          <a:solidFill>
+                            <a:srgbClr val="FFFFFF"/>
+                          </a:solidFill>
+                        </a:rPr>
+                        <a:t>Ochaun</a:t>
+                      </a:r>
+                    </a:p>
+                  </a:txBody>
+                  <a:tcPr marT="91425" marB="91425" marR="91425" marL="91425">
+                    <a:lnL cap="flat" cmpd="sng" w="9525">
+                      <a:solidFill>
+                        <a:srgbClr val="FFFFFF"/>
+                      </a:solidFill>
+                      <a:prstDash val="solid"/>
+                      <a:round/>
+                      <a:headEnd len="med" w="med" type="none"/>
+                      <a:tailEnd len="med" w="med" type="none"/>
+                    </a:lnL>
+                    <a:lnR cap="flat" cmpd="sng" w="9525">
+                      <a:solidFill>
+                        <a:srgbClr val="FFFFFF"/>
+                      </a:solidFill>
+                      <a:prstDash val="solid"/>
+                      <a:round/>
+                      <a:headEnd len="med" w="med" type="none"/>
+                      <a:tailEnd len="med" w="med" type="none"/>
+                    </a:lnR>
+                    <a:lnT cap="flat" cmpd="sng" w="9525">
+                      <a:solidFill>
+                        <a:srgbClr val="FFFFFF"/>
+                      </a:solidFill>
+                      <a:prstDash val="solid"/>
+                      <a:round/>
+                      <a:headEnd len="med" w="med" type="none"/>
+                      <a:tailEnd len="med" w="med" type="none"/>
+                    </a:lnT>
+                    <a:lnB cap="flat" cmpd="sng" w="9525">
+                      <a:solidFill>
+                        <a:srgbClr val="FFFFFF"/>
+                      </a:solidFill>
+                      <a:prstDash val="solid"/>
+                      <a:round/>
+                      <a:headEnd len="med" w="med" type="none"/>
+                      <a:tailEnd len="med" w="med" type="none"/>
+                    </a:lnB>
+                  </a:tcPr>
+                </a:tc>
+                <a:tc>
+                  <a:txBody>
+                    <a:bodyPr>
+                      <a:noAutofit/>
+                    </a:bodyPr>
+                    <a:lstStyle/>
+                    <a:p>
+                      <a:pPr indent="0" lvl="0" marL="0" rtl="0">
+                        <a:spcBef>
+                          <a:spcPts val="0"/>
+                        </a:spcBef>
+                        <a:buNone/>
+                      </a:pPr>
+                      <a:r>
+                        <a:rPr lang="en">
+                          <a:solidFill>
+                            <a:srgbClr val="FFFFFF"/>
+                          </a:solidFill>
+                        </a:rPr>
+                        <a:t>Algorithm setup.</a:t>
+                      </a:r>
+                    </a:p>
+                  </a:txBody>
+                  <a:tcPr marT="91425" marB="91425" marR="91425" marL="91425">
+                    <a:lnL cap="flat" cmpd="sng" w="9525">
+                      <a:solidFill>
+                        <a:srgbClr val="FFFFFF"/>
+                      </a:solidFill>
+                      <a:prstDash val="solid"/>
+                      <a:round/>
+                      <a:headEnd len="med" w="med" type="none"/>
+                      <a:tailEnd len="med" w="med" type="none"/>
+                    </a:lnL>
+                    <a:lnR cap="flat" cmpd="sng" w="9525">
+                      <a:solidFill>
+                        <a:srgbClr val="FFFFFF"/>
+                      </a:solidFill>
+                      <a:prstDash val="solid"/>
+                      <a:round/>
+                      <a:headEnd len="med" w="med" type="none"/>
+                      <a:tailEnd len="med" w="med" type="none"/>
+                    </a:lnR>
+                    <a:lnT cap="flat" cmpd="sng" w="9525">
+                      <a:solidFill>
+                        <a:srgbClr val="FFFFFF"/>
+                      </a:solidFill>
+                      <a:prstDash val="solid"/>
+                      <a:round/>
+                      <a:headEnd len="med" w="med" type="none"/>
+                      <a:tailEnd len="med" w="med" type="none"/>
+                    </a:lnT>
+                    <a:lnB cap="flat" cmpd="sng" w="9525">
+                      <a:solidFill>
+                        <a:srgbClr val="FFFFFF"/>
+                      </a:solidFill>
+                      <a:prstDash val="solid"/>
+                      <a:round/>
+                      <a:headEnd len="med" w="med" type="none"/>
+                      <a:tailEnd len="med" w="med" type="none"/>
+                    </a:lnB>
+                  </a:tcPr>
+                </a:tc>
+                <a:tc>
+                  <a:txBody>
+                    <a:bodyPr>
+                      <a:noAutofit/>
+                    </a:bodyPr>
+                    <a:lstStyle/>
+                    <a:p>
+                      <a:pPr lvl="0" rtl="0">
+                        <a:spcBef>
+                          <a:spcPts val="0"/>
+                        </a:spcBef>
+                        <a:buNone/>
+                      </a:pPr>
+                      <a:r>
+                        <a:rPr lang="en">
+                          <a:solidFill>
+                            <a:srgbClr val="FFFFFF"/>
+                          </a:solidFill>
+                        </a:rPr>
+                        <a:t>In Progress</a:t>
+                      </a:r>
+                    </a:p>
+                  </a:txBody>
+                  <a:tcPr marT="91425" marB="91425" marR="91425" marL="91425">
+                    <a:lnL cap="flat" cmpd="sng" w="9525">
+                      <a:solidFill>
+                        <a:srgbClr val="FFFFFF"/>
+                      </a:solidFill>
+                      <a:prstDash val="solid"/>
+                      <a:round/>
+                      <a:headEnd len="med" w="med" type="none"/>
+                      <a:tailEnd len="med" w="med" type="none"/>
+                    </a:lnL>
+                    <a:lnR cap="flat" cmpd="sng" w="9525">
+                      <a:solidFill>
+                        <a:srgbClr val="FFFFFF"/>
+                      </a:solidFill>
+                      <a:prstDash val="solid"/>
+                      <a:round/>
+                      <a:headEnd len="med" w="med" type="none"/>
+                      <a:tailEnd len="med" w="med" type="none"/>
+                    </a:lnR>
+                    <a:lnT cap="flat" cmpd="sng" w="9525">
+                      <a:solidFill>
+                        <a:srgbClr val="FFFFFF"/>
+                      </a:solidFill>
+                      <a:prstDash val="solid"/>
+                      <a:round/>
+                      <a:headEnd len="med" w="med" type="none"/>
+                      <a:tailEnd len="med" w="med" type="none"/>
+                    </a:lnT>
+                    <a:lnB cap="flat" cmpd="sng" w="9525">
+                      <a:solidFill>
+                        <a:srgbClr val="FFFFFF"/>
+                      </a:solidFill>
+                      <a:prstDash val="solid"/>
+                      <a:round/>
+                      <a:headEnd len="med" w="med" type="none"/>
+                      <a:tailEnd len="med" w="med" type="none"/>
+                    </a:lnB>
+                  </a:tcPr>
+                </a:tc>
+              </a:tr>
+              <a:tr h="635150">
+                <a:tc>
+                  <a:txBody>
+                    <a:bodyPr>
+                      <a:noAutofit/>
+                    </a:bodyPr>
+                    <a:lstStyle/>
+                    <a:p>
+                      <a:pPr lvl="0" rtl="0">
+                        <a:spcBef>
+                          <a:spcPts val="0"/>
+                        </a:spcBef>
+                        <a:buNone/>
+                      </a:pPr>
+                      <a:r>
+                        <a:rPr lang="en">
+                          <a:solidFill>
+                            <a:srgbClr val="FFFFFF"/>
+                          </a:solidFill>
+                        </a:rPr>
+                        <a:t>Machine Learning</a:t>
+                      </a:r>
+                    </a:p>
+                  </a:txBody>
+                  <a:tcPr marT="91425" marB="91425" marR="91425" marL="91425">
+                    <a:lnL cap="flat" cmpd="sng" w="9525">
+                      <a:solidFill>
+                        <a:srgbClr val="FFFFFF"/>
+                      </a:solidFill>
+                      <a:prstDash val="solid"/>
+                      <a:round/>
+                      <a:headEnd len="med" w="med" type="none"/>
+                      <a:tailEnd len="med" w="med" type="none"/>
+                    </a:lnL>
+                    <a:lnR cap="flat" cmpd="sng" w="9525">
+                      <a:solidFill>
+                        <a:srgbClr val="FFFFFF"/>
+                      </a:solidFill>
+                      <a:prstDash val="solid"/>
+                      <a:round/>
+                      <a:headEnd len="med" w="med" type="none"/>
+                      <a:tailEnd len="med" w="med" type="none"/>
+                    </a:lnR>
+                    <a:lnT cap="flat" cmpd="sng" w="9525">
+                      <a:solidFill>
+                        <a:srgbClr val="FFFFFF"/>
+                      </a:solidFill>
+                      <a:prstDash val="solid"/>
+                      <a:round/>
+                      <a:headEnd len="med" w="med" type="none"/>
+                      <a:tailEnd len="med" w="med" type="none"/>
+                    </a:lnT>
+                    <a:lnB cap="flat" cmpd="sng" w="9525">
+                      <a:solidFill>
+                        <a:srgbClr val="FFFFFF"/>
+                      </a:solidFill>
+                      <a:prstDash val="solid"/>
+                      <a:round/>
+                      <a:headEnd len="med" w="med" type="none"/>
+                      <a:tailEnd len="med" w="med" type="none"/>
+                    </a:lnB>
+                  </a:tcPr>
+                </a:tc>
+                <a:tc>
+                  <a:txBody>
+                    <a:bodyPr>
+                      <a:noAutofit/>
+                    </a:bodyPr>
+                    <a:lstStyle/>
+                    <a:p>
+                      <a:pPr lvl="0" rtl="0">
+                        <a:spcBef>
+                          <a:spcPts val="0"/>
+                        </a:spcBef>
+                        <a:buNone/>
+                      </a:pPr>
+                      <a:r>
+                        <a:rPr lang="en">
+                          <a:solidFill>
+                            <a:srgbClr val="FFFFFF"/>
+                          </a:solidFill>
+                        </a:rPr>
+                        <a:t>Ochaun, Richard</a:t>
+                      </a:r>
+                    </a:p>
+                  </a:txBody>
+                  <a:tcPr marT="91425" marB="91425" marR="91425" marL="91425">
+                    <a:lnL cap="flat" cmpd="sng" w="9525">
+                      <a:solidFill>
+                        <a:srgbClr val="FFFFFF"/>
+                      </a:solidFill>
+                      <a:prstDash val="solid"/>
+                      <a:round/>
+                      <a:headEnd len="med" w="med" type="none"/>
+                      <a:tailEnd len="med" w="med" type="none"/>
+                    </a:lnL>
+                    <a:lnR cap="flat" cmpd="sng" w="9525">
+                      <a:solidFill>
+                        <a:srgbClr val="FFFFFF"/>
+                      </a:solidFill>
+                      <a:prstDash val="solid"/>
+                      <a:round/>
+                      <a:headEnd len="med" w="med" type="none"/>
+                      <a:tailEnd len="med" w="med" type="none"/>
+                    </a:lnR>
+                    <a:lnT cap="flat" cmpd="sng" w="9525">
+                      <a:solidFill>
+                        <a:srgbClr val="FFFFFF"/>
+                      </a:solidFill>
+                      <a:prstDash val="solid"/>
+                      <a:round/>
+                      <a:headEnd len="med" w="med" type="none"/>
+                      <a:tailEnd len="med" w="med" type="none"/>
+                    </a:lnT>
+                    <a:lnB cap="flat" cmpd="sng" w="9525">
+                      <a:solidFill>
+                        <a:srgbClr val="FFFFFF"/>
+                      </a:solidFill>
+                      <a:prstDash val="solid"/>
+                      <a:round/>
+                      <a:headEnd len="med" w="med" type="none"/>
+                      <a:tailEnd len="med" w="med" type="none"/>
+                    </a:lnB>
+                  </a:tcPr>
+                </a:tc>
+                <a:tc>
+                  <a:txBody>
+                    <a:bodyPr>
+                      <a:noAutofit/>
+                    </a:bodyPr>
+                    <a:lstStyle/>
+                    <a:p>
+                      <a:pPr indent="0" lvl="0" marL="0" rtl="0">
+                        <a:spcBef>
+                          <a:spcPts val="0"/>
+                        </a:spcBef>
+                        <a:buNone/>
+                      </a:pPr>
+                      <a:r>
+                        <a:rPr lang="en">
+                          <a:solidFill>
+                            <a:srgbClr val="FFFFFF"/>
+                          </a:solidFill>
+                        </a:rPr>
+                        <a:t>Help install machine learning setup on server.</a:t>
+                      </a:r>
+                    </a:p>
+                  </a:txBody>
+                  <a:tcPr marT="91425" marB="91425" marR="91425" marL="91425">
+                    <a:lnL cap="flat" cmpd="sng" w="9525">
+                      <a:solidFill>
+                        <a:srgbClr val="FFFFFF"/>
+                      </a:solidFill>
+                      <a:prstDash val="solid"/>
+                      <a:round/>
+                      <a:headEnd len="med" w="med" type="none"/>
+                      <a:tailEnd len="med" w="med" type="none"/>
+                    </a:lnL>
+                    <a:lnR cap="flat" cmpd="sng" w="9525">
+                      <a:solidFill>
+                        <a:srgbClr val="FFFFFF"/>
+                      </a:solidFill>
+                      <a:prstDash val="solid"/>
+                      <a:round/>
+                      <a:headEnd len="med" w="med" type="none"/>
+                      <a:tailEnd len="med" w="med" type="none"/>
+                    </a:lnR>
+                    <a:lnT cap="flat" cmpd="sng" w="9525">
+                      <a:solidFill>
+                        <a:srgbClr val="FFFFFF"/>
+                      </a:solidFill>
+                      <a:prstDash val="solid"/>
+                      <a:round/>
+                      <a:headEnd len="med" w="med" type="none"/>
+                      <a:tailEnd len="med" w="med" type="none"/>
+                    </a:lnT>
+                    <a:lnB cap="flat" cmpd="sng" w="9525">
+                      <a:solidFill>
+                        <a:srgbClr val="FFFFFF"/>
+                      </a:solidFill>
+                      <a:prstDash val="solid"/>
+                      <a:round/>
+                      <a:headEnd len="med" w="med" type="none"/>
+                      <a:tailEnd len="med" w="med" type="none"/>
+                    </a:lnB>
+                  </a:tcPr>
+                </a:tc>
+                <a:tc>
+                  <a:txBody>
+                    <a:bodyPr>
+                      <a:noAutofit/>
+                    </a:bodyPr>
+                    <a:lstStyle/>
+                    <a:p>
+                      <a:pPr lvl="0" rtl="0">
+                        <a:spcBef>
+                          <a:spcPts val="0"/>
+                        </a:spcBef>
+                        <a:buNone/>
+                      </a:pPr>
+                      <a:r>
+                        <a:rPr lang="en">
+                          <a:solidFill>
+                            <a:srgbClr val="FFFFFF"/>
+                          </a:solidFill>
+                        </a:rPr>
+                        <a:t>In Progress</a:t>
+                      </a:r>
+                    </a:p>
+                  </a:txBody>
+                  <a:tcPr marT="91425" marB="91425" marR="91425" marL="91425">
+                    <a:lnL cap="flat" cmpd="sng" w="9525">
+                      <a:solidFill>
+                        <a:srgbClr val="FFFFFF"/>
+                      </a:solidFill>
+                      <a:prstDash val="solid"/>
+                      <a:round/>
+                      <a:headEnd len="med" w="med" type="none"/>
+                      <a:tailEnd len="med" w="med" type="none"/>
+                    </a:lnL>
+                    <a:lnR cap="flat" cmpd="sng" w="9525">
+                      <a:solidFill>
+                        <a:srgbClr val="FFFFFF"/>
+                      </a:solidFill>
+                      <a:prstDash val="solid"/>
+                      <a:round/>
+                      <a:headEnd len="med" w="med" type="none"/>
+                      <a:tailEnd len="med" w="med" type="none"/>
+                    </a:lnR>
+                    <a:lnT cap="flat" cmpd="sng" w="9525">
+                      <a:solidFill>
+                        <a:srgbClr val="FFFFFF"/>
+                      </a:solidFill>
+                      <a:prstDash val="solid"/>
+                      <a:round/>
+                      <a:headEnd len="med" w="med" type="none"/>
+                      <a:tailEnd len="med" w="med" type="none"/>
+                    </a:lnT>
+                    <a:lnB cap="flat" cmpd="sng" w="9525">
+                      <a:solidFill>
+                        <a:srgbClr val="FFFFFF"/>
+                      </a:solidFill>
+                      <a:prstDash val="solid"/>
+                      <a:round/>
+                      <a:headEnd len="med" w="med" type="none"/>
+                      <a:tailEnd len="med" w="med" type="none"/>
+                    </a:lnB>
+                  </a:tcPr>
+                </a:tc>
+              </a:tr>
+            </a:tbl>
+          </a:graphicData>
+        </a:graphic>
+      </p:graphicFrame>
     </p:spTree>
   </p:cSld>
   <p:clrMapOvr>
@@ -16124,7 +20096,7 @@
   <p:cSld>
     <p:spTree>
       <p:nvGrpSpPr>
-        <p:cNvPr id="300" name="Shape 300"/>
+        <p:cNvPr id="303" name="Shape 303"/>
         <p:cNvGrpSpPr/>
         <p:nvPr/>
       </p:nvGrpSpPr>
@@ -16138,7 +20110,7 @@
       </p:grpSpPr>
       <p:sp>
         <p:nvSpPr>
-          <p:cNvPr id="301" name="Shape 301"/>
+          <p:cNvPr id="304" name="Shape 304"/>
           <p:cNvSpPr txBox="1"/>
           <p:nvPr>
             <p:ph type="title"/>
@@ -16146,8 +20118,8 @@
         </p:nvSpPr>
         <p:spPr>
           <a:xfrm>
-            <a:off x="669625" y="445025"/>
-            <a:ext cx="8162700" cy="572700"/>
+            <a:off x="311700" y="445025"/>
+            <a:ext cx="8520600" cy="572700"/>
           </a:xfrm>
           <a:prstGeom prst="rect">
             <a:avLst/>
@@ -16159,7 +20131,7 @@
           </a:bodyPr>
           <a:lstStyle/>
           <a:p>
-            <a:pPr lvl="0" algn="ctr">
+            <a:pPr lvl="0" rtl="0" algn="ctr">
               <a:spcBef>
                 <a:spcPts val="0"/>
               </a:spcBef>
@@ -16167,175 +20139,43 @@
             </a:pPr>
             <a:r>
               <a:rPr lang="en"/>
-              <a:t>Submodule Testing - Front End</a:t>
+              <a:t>Old </a:t>
+            </a:r>
+            <a:r>
+              <a:rPr lang="en"/>
+              <a:t>Timeline</a:t>
             </a:r>
           </a:p>
         </p:txBody>
       </p:sp>
-      <p:sp>
-        <p:nvSpPr>
-          <p:cNvPr id="302" name="Shape 302"/>
-          <p:cNvSpPr txBox="1"/>
-          <p:nvPr>
-            <p:ph idx="1" type="body"/>
-          </p:nvPr>
-        </p:nvSpPr>
-        <p:spPr>
-          <a:xfrm>
-            <a:off x="747275" y="1152475"/>
-            <a:ext cx="7647300" cy="3416400"/>
+      <p:pic>
+        <p:nvPicPr>
+          <p:cNvPr id="305" name="Shape 305"/>
+          <p:cNvPicPr preferRelativeResize="0"/>
+          <p:nvPr/>
+        </p:nvPicPr>
+        <p:blipFill>
+          <a:blip r:embed="rId3">
+            <a:alphaModFix/>
+          </a:blip>
+          <a:stretch>
+            <a:fillRect/>
+          </a:stretch>
+        </p:blipFill>
+        <p:spPr>
+          <a:xfrm>
+            <a:off x="980200" y="1084300"/>
+            <a:ext cx="7103825" cy="3575900"/>
           </a:xfrm>
           <a:prstGeom prst="rect">
             <a:avLst/>
           </a:prstGeom>
-        </p:spPr>
-        <p:txBody>
-          <a:bodyPr anchorCtr="0" anchor="t" bIns="91425" lIns="91425" rIns="91425" tIns="91425">
-            <a:noAutofit/>
-          </a:bodyPr>
-          <a:lstStyle/>
-          <a:p>
-            <a:pPr lvl="0" rtl="0">
-              <a:spcBef>
-                <a:spcPts val="0"/>
-              </a:spcBef>
-              <a:buNone/>
-            </a:pPr>
-            <a:r>
-              <a:rPr lang="en">
-                <a:solidFill>
-                  <a:srgbClr val="FFFFFF"/>
-                </a:solidFill>
-              </a:rPr>
-              <a:t>Unit tests for:</a:t>
-            </a:r>
-          </a:p>
-          <a:p>
-            <a:pPr indent="-228600" lvl="0" marL="457200" rtl="0">
-              <a:spcBef>
-                <a:spcPts val="0"/>
-              </a:spcBef>
-              <a:buClr>
-                <a:srgbClr val="FFFFFF"/>
-              </a:buClr>
-            </a:pPr>
-            <a:r>
-              <a:rPr lang="en">
-                <a:solidFill>
-                  <a:srgbClr val="FFFFFF"/>
-                </a:solidFill>
-              </a:rPr>
-              <a:t>Each path is valid.</a:t>
-            </a:r>
-          </a:p>
-          <a:p>
-            <a:pPr indent="-228600" lvl="0" marL="457200" rtl="0">
-              <a:spcBef>
-                <a:spcPts val="0"/>
-              </a:spcBef>
-              <a:buClr>
-                <a:srgbClr val="FFFFFF"/>
-              </a:buClr>
-            </a:pPr>
-            <a:r>
-              <a:rPr lang="en">
-                <a:solidFill>
-                  <a:srgbClr val="FFFFFF"/>
-                </a:solidFill>
-              </a:rPr>
-              <a:t>Input text areas take correct input with valid length.</a:t>
-            </a:r>
-          </a:p>
-          <a:p>
-            <a:pPr indent="-228600" lvl="0" marL="457200" rtl="0">
-              <a:spcBef>
-                <a:spcPts val="0"/>
-              </a:spcBef>
-              <a:buClr>
-                <a:srgbClr val="FFFFFF"/>
-              </a:buClr>
-            </a:pPr>
-            <a:r>
-              <a:rPr lang="en">
-                <a:solidFill>
-                  <a:srgbClr val="FFFFFF"/>
-                </a:solidFill>
-              </a:rPr>
-              <a:t>Dropdown boxes display correct choices and can be clicked.</a:t>
-            </a:r>
-          </a:p>
-          <a:p>
-            <a:pPr indent="-228600" lvl="0" marL="457200" rtl="0">
-              <a:spcBef>
-                <a:spcPts val="0"/>
-              </a:spcBef>
-              <a:buClr>
-                <a:srgbClr val="FFFFFF"/>
-              </a:buClr>
-            </a:pPr>
-            <a:r>
-              <a:rPr lang="en">
-                <a:solidFill>
-                  <a:srgbClr val="FFFFFF"/>
-                </a:solidFill>
-              </a:rPr>
-              <a:t>Submission buttons work as expected.</a:t>
-            </a:r>
-          </a:p>
-          <a:p>
-            <a:pPr indent="-228600" lvl="0" marL="457200" rtl="0">
-              <a:spcBef>
-                <a:spcPts val="0"/>
-              </a:spcBef>
-              <a:buClr>
-                <a:srgbClr val="FFFFFF"/>
-              </a:buClr>
-            </a:pPr>
-            <a:r>
-              <a:rPr lang="en">
-                <a:solidFill>
-                  <a:srgbClr val="FFFFFF"/>
-                </a:solidFill>
-              </a:rPr>
-              <a:t>Sales prediction model displays correct message.</a:t>
-            </a:r>
-          </a:p>
-          <a:p>
-            <a:pPr indent="-228600" lvl="0" marL="457200" rtl="0">
-              <a:spcBef>
-                <a:spcPts val="0"/>
-              </a:spcBef>
-              <a:buClr>
-                <a:srgbClr val="FFFFFF"/>
-              </a:buClr>
-            </a:pPr>
-            <a:r>
-              <a:rPr lang="en">
-                <a:solidFill>
-                  <a:srgbClr val="FFFFFF"/>
-                </a:solidFill>
-              </a:rPr>
-              <a:t>Most important factors </a:t>
-            </a:r>
-            <a:r>
-              <a:rPr lang="en">
-                <a:solidFill>
-                  <a:srgbClr val="FFFFFF"/>
-                </a:solidFill>
-              </a:rPr>
-              <a:t>display</a:t>
-            </a:r>
-            <a:r>
-              <a:rPr lang="en">
-                <a:solidFill>
-                  <a:srgbClr val="FFFFFF"/>
-                </a:solidFill>
-              </a:rPr>
-              <a:t> correctly.</a:t>
-            </a:r>
-          </a:p>
-        </p:txBody>
-      </p:sp>
+          <a:noFill/>
+          <a:ln>
+            <a:noFill/>
+          </a:ln>
+        </p:spPr>
+      </p:pic>
     </p:spTree>
   </p:cSld>
   <p:clrMapOvr>
@@ -16349,7 +20189,7 @@
   <p:cSld>
     <p:spTree>
       <p:nvGrpSpPr>
-        <p:cNvPr id="306" name="Shape 306"/>
+        <p:cNvPr id="309" name="Shape 309"/>
         <p:cNvGrpSpPr/>
         <p:nvPr/>
       </p:nvGrpSpPr>
@@ -16363,7 +20203,7 @@
       </p:grpSpPr>
       <p:sp>
         <p:nvSpPr>
-          <p:cNvPr id="307" name="Shape 307"/>
+          <p:cNvPr id="310" name="Shape 310"/>
           <p:cNvSpPr txBox="1"/>
           <p:nvPr>
             <p:ph type="title"/>
@@ -16392,155 +20232,43 @@
             </a:pPr>
             <a:r>
               <a:rPr lang="en"/>
-              <a:t>Submodule Testing - Front End (cont.)</a:t>
-            </a:r>
-          </a:p>
-          <a:p>
-            <a:pPr lvl="0">
-              <a:spcBef>
-                <a:spcPts val="0"/>
-              </a:spcBef>
-              <a:buNone/>
-            </a:pPr>
-            <a:r>
-              <a:t/>
-            </a:r>
-            <a:endParaRPr/>
+              <a:t>New </a:t>
+            </a:r>
+            <a:r>
+              <a:rPr lang="en"/>
+              <a:t>Timeline</a:t>
+            </a:r>
           </a:p>
         </p:txBody>
       </p:sp>
-      <p:sp>
-        <p:nvSpPr>
-          <p:cNvPr id="308" name="Shape 308"/>
-          <p:cNvSpPr txBox="1"/>
-          <p:nvPr>
-            <p:ph idx="1" type="body"/>
-          </p:nvPr>
-        </p:nvSpPr>
-        <p:spPr>
-          <a:xfrm>
-            <a:off x="708450" y="1152475"/>
-            <a:ext cx="7725000" cy="3416400"/>
+      <p:pic>
+        <p:nvPicPr>
+          <p:cNvPr descr="Blank ERD - Page 1.png" id="311" name="Shape 311"/>
+          <p:cNvPicPr preferRelativeResize="0"/>
+          <p:nvPr/>
+        </p:nvPicPr>
+        <p:blipFill>
+          <a:blip r:embed="rId3">
+            <a:alphaModFix/>
+          </a:blip>
+          <a:stretch>
+            <a:fillRect/>
+          </a:stretch>
+        </p:blipFill>
+        <p:spPr>
+          <a:xfrm>
+            <a:off x="485474" y="0"/>
+            <a:ext cx="8410674" cy="5143500"/>
           </a:xfrm>
           <a:prstGeom prst="rect">
             <a:avLst/>
           </a:prstGeom>
-        </p:spPr>
-        <p:txBody>
-          <a:bodyPr anchorCtr="0" anchor="t" bIns="91425" lIns="91425" rIns="91425" tIns="91425">
-            <a:noAutofit/>
-          </a:bodyPr>
-          <a:lstStyle/>
-          <a:p>
-            <a:pPr indent="-228600" lvl="0" marL="457200" rtl="0">
-              <a:spcBef>
-                <a:spcPts val="0"/>
-              </a:spcBef>
-              <a:buClr>
-                <a:srgbClr val="FFFFFF"/>
-              </a:buClr>
-            </a:pPr>
-            <a:r>
-              <a:rPr lang="en">
-                <a:solidFill>
-                  <a:srgbClr val="FFFFFF"/>
-                </a:solidFill>
-              </a:rPr>
-              <a:t>Data visualizations displayed correctly with appropriate responsiveness.</a:t>
-            </a:r>
-          </a:p>
-          <a:p>
-            <a:pPr indent="-228600" lvl="0" marL="457200" rtl="0">
-              <a:spcBef>
-                <a:spcPts val="0"/>
-              </a:spcBef>
-              <a:buClr>
-                <a:srgbClr val="FFFFFF"/>
-              </a:buClr>
-            </a:pPr>
-            <a:r>
-              <a:rPr lang="en">
-                <a:solidFill>
-                  <a:srgbClr val="FFFFFF"/>
-                </a:solidFill>
-              </a:rPr>
-              <a:t>About page displays correct information.</a:t>
-            </a:r>
-          </a:p>
-          <a:p>
-            <a:pPr indent="-228600" lvl="0" marL="457200" rtl="0">
-              <a:spcBef>
-                <a:spcPts val="0"/>
-              </a:spcBef>
-              <a:buClr>
-                <a:srgbClr val="FFFFFF"/>
-              </a:buClr>
-            </a:pPr>
-            <a:r>
-              <a:rPr lang="en">
-                <a:solidFill>
-                  <a:srgbClr val="FFFFFF"/>
-                </a:solidFill>
-              </a:rPr>
-              <a:t>Contact page displays correctly and can send emails.</a:t>
-            </a:r>
-          </a:p>
-          <a:p>
-            <a:pPr indent="-228600" lvl="0" marL="457200" rtl="0">
-              <a:spcBef>
-                <a:spcPts val="0"/>
-              </a:spcBef>
-              <a:buClr>
-                <a:srgbClr val="FFFFFF"/>
-              </a:buClr>
-            </a:pPr>
-            <a:r>
-              <a:rPr lang="en">
-                <a:solidFill>
-                  <a:srgbClr val="FFFFFF"/>
-                </a:solidFill>
-              </a:rPr>
-              <a:t>Expert blog page displays correctly.</a:t>
-            </a:r>
-          </a:p>
-          <a:p>
-            <a:pPr indent="-228600" lvl="0" marL="457200" rtl="0">
-              <a:spcBef>
-                <a:spcPts val="0"/>
-              </a:spcBef>
-              <a:buClr>
-                <a:srgbClr val="FFFFFF"/>
-              </a:buClr>
-            </a:pPr>
-            <a:r>
-              <a:rPr lang="en">
-                <a:solidFill>
-                  <a:srgbClr val="FFFFFF"/>
-                </a:solidFill>
-              </a:rPr>
-              <a:t>Web application displays in similar fashion on all browsers.</a:t>
-            </a:r>
-          </a:p>
-          <a:p>
-            <a:pPr indent="-228600" lvl="0" marL="457200">
-              <a:spcBef>
-                <a:spcPts val="0"/>
-              </a:spcBef>
-              <a:buClr>
-                <a:srgbClr val="FFFFFF"/>
-              </a:buClr>
-            </a:pPr>
-            <a:r>
-              <a:rPr lang="en">
-                <a:solidFill>
-                  <a:srgbClr val="FFFFFF"/>
-                </a:solidFill>
-              </a:rPr>
-              <a:t>Web application responsiveness works on web and mobile platforms.</a:t>
-            </a:r>
-          </a:p>
-        </p:txBody>
-      </p:sp>
+          <a:noFill/>
+          <a:ln>
+            <a:noFill/>
+          </a:ln>
+        </p:spPr>
+      </p:pic>
     </p:spTree>
   </p:cSld>
   <p:clrMapOvr>
@@ -16554,7 +20282,7 @@
   <p:cSld>
     <p:spTree>
       <p:nvGrpSpPr>
-        <p:cNvPr id="312" name="Shape 312"/>
+        <p:cNvPr id="315" name="Shape 315"/>
         <p:cNvGrpSpPr/>
         <p:nvPr/>
       </p:nvGrpSpPr>
@@ -16568,7 +20296,7 @@
       </p:grpSpPr>
       <p:sp>
         <p:nvSpPr>
-          <p:cNvPr id="313" name="Shape 313"/>
+          <p:cNvPr id="316" name="Shape 316"/>
           <p:cNvSpPr txBox="1"/>
           <p:nvPr>
             <p:ph type="title"/>
@@ -16577,7 +20305,7 @@
         <p:spPr>
           <a:xfrm>
             <a:off x="630800" y="445025"/>
-            <a:ext cx="7919100" cy="572700"/>
+            <a:ext cx="7812300" cy="572700"/>
           </a:xfrm>
           <a:prstGeom prst="rect">
             <a:avLst/>
@@ -16589,7 +20317,7 @@
           </a:bodyPr>
           <a:lstStyle/>
           <a:p>
-            <a:pPr lvl="0" rtl="0" algn="ctr">
+            <a:pPr lvl="0" algn="ctr">
               <a:spcBef>
                 <a:spcPts val="0"/>
               </a:spcBef>
@@ -16597,14 +20325,14 @@
             </a:pPr>
             <a:r>
               <a:rPr lang="en"/>
-              <a:t>Submodule - Back End</a:t>
+              <a:t>Sub-modules and their coding methods</a:t>
             </a:r>
           </a:p>
         </p:txBody>
       </p:sp>
       <p:sp>
         <p:nvSpPr>
-          <p:cNvPr id="314" name="Shape 314"/>
+          <p:cNvPr id="317" name="Shape 317"/>
           <p:cNvSpPr txBox="1"/>
           <p:nvPr>
             <p:ph idx="1" type="body"/>
@@ -16613,7 +20341,7 @@
         <p:spPr>
           <a:xfrm>
             <a:off x="630800" y="1152475"/>
-            <a:ext cx="7919100" cy="3416400"/>
+            <a:ext cx="7763700" cy="3416400"/>
           </a:xfrm>
           <a:prstGeom prst="rect">
             <a:avLst/>
@@ -16625,7 +20353,7 @@
           </a:bodyPr>
           <a:lstStyle/>
           <a:p>
-            <a:pPr lvl="0" rtl="0">
+            <a:pPr lvl="0">
               <a:spcBef>
                 <a:spcPts val="0"/>
               </a:spcBef>
@@ -16637,114 +20365,8 @@
                   <a:srgbClr val="FFFFFF"/>
                 </a:solidFill>
               </a:rPr>
-              <a:t>Coding methods:</a:t>
-            </a:r>
-          </a:p>
-          <a:p>
-            <a:pPr indent="-228600" lvl="0" marL="457200" rtl="0">
-              <a:spcBef>
-                <a:spcPts val="0"/>
-              </a:spcBef>
-              <a:buClr>
-                <a:srgbClr val="FFFFFF"/>
-              </a:buClr>
-            </a:pPr>
-            <a:r>
-              <a:rPr lang="en">
-                <a:solidFill>
-                  <a:srgbClr val="FFFFFF"/>
-                </a:solidFill>
-              </a:rPr>
-              <a:t>MVC model for layout</a:t>
-            </a:r>
-          </a:p>
-          <a:p>
-            <a:pPr indent="-228600" lvl="0" marL="457200" rtl="0">
-              <a:spcBef>
-                <a:spcPts val="0"/>
-              </a:spcBef>
-              <a:buClr>
-                <a:srgbClr val="FFFFFF"/>
-              </a:buClr>
-            </a:pPr>
-            <a:r>
-              <a:rPr lang="en">
-                <a:solidFill>
-                  <a:srgbClr val="FFFFFF"/>
-                </a:solidFill>
-              </a:rPr>
-              <a:t>Templates for views</a:t>
-            </a:r>
-          </a:p>
-          <a:p>
-            <a:pPr indent="-228600" lvl="0" marL="457200" rtl="0">
-              <a:spcBef>
-                <a:spcPts val="0"/>
-              </a:spcBef>
-              <a:buClr>
-                <a:srgbClr val="FFFFFF"/>
-              </a:buClr>
-            </a:pPr>
-            <a:r>
-              <a:rPr lang="en">
-                <a:solidFill>
-                  <a:srgbClr val="FFFFFF"/>
-                </a:solidFill>
-              </a:rPr>
-              <a:t>Limited public access (only what’s required to display for front end)</a:t>
-            </a:r>
-          </a:p>
-          <a:p>
-            <a:pPr indent="-228600" lvl="0" marL="457200" rtl="0">
-              <a:spcBef>
-                <a:spcPts val="0"/>
-              </a:spcBef>
-              <a:buClr>
-                <a:srgbClr val="FFFFFF"/>
-              </a:buClr>
-            </a:pPr>
-            <a:r>
-              <a:rPr lang="en">
-                <a:solidFill>
-                  <a:srgbClr val="FFFFFF"/>
-                </a:solidFill>
-              </a:rPr>
-              <a:t>Models for database accessing and security/backup</a:t>
-            </a:r>
-          </a:p>
-          <a:p>
-            <a:pPr indent="-228600" lvl="0" marL="457200" rtl="0">
-              <a:spcBef>
-                <a:spcPts val="0"/>
-              </a:spcBef>
-              <a:buClr>
-                <a:srgbClr val="FFFFFF"/>
-              </a:buClr>
-            </a:pPr>
-            <a:r>
-              <a:rPr lang="en">
-                <a:solidFill>
-                  <a:srgbClr val="FFFFFF"/>
-                </a:solidFill>
-              </a:rPr>
-              <a:t>Error logging</a:t>
-            </a:r>
-          </a:p>
-          <a:p>
-            <a:pPr lvl="0" rtl="0">
-              <a:spcBef>
-                <a:spcPts val="0"/>
-              </a:spcBef>
-              <a:buNone/>
-            </a:pPr>
-            <a:r>
-              <a:t/>
-            </a:r>
-            <a:endParaRPr>
-              <a:solidFill>
-                <a:srgbClr val="FFFFFF"/>
-              </a:solidFill>
-            </a:endParaRPr>
+              <a:t>The next several slides will describe the coding methods used in each subsystem’s submodules. Each subsystem will also describe any unit tests that will be used.</a:t>
+            </a:r>
           </a:p>
         </p:txBody>
       </p:sp>
@@ -16761,7 +20383,7 @@
   <p:cSld>
     <p:spTree>
       <p:nvGrpSpPr>
-        <p:cNvPr id="318" name="Shape 318"/>
+        <p:cNvPr id="321" name="Shape 321"/>
         <p:cNvGrpSpPr/>
         <p:nvPr/>
       </p:nvGrpSpPr>
@@ -16775,7 +20397,7 @@
       </p:grpSpPr>
       <p:sp>
         <p:nvSpPr>
-          <p:cNvPr id="319" name="Shape 319"/>
+          <p:cNvPr id="322" name="Shape 322"/>
           <p:cNvSpPr txBox="1"/>
           <p:nvPr>
             <p:ph type="title"/>
@@ -16783,8 +20405,8 @@
         </p:nvSpPr>
         <p:spPr>
           <a:xfrm>
-            <a:off x="611400" y="445025"/>
-            <a:ext cx="7821900" cy="572700"/>
+            <a:off x="630800" y="445025"/>
+            <a:ext cx="7919100" cy="572700"/>
           </a:xfrm>
           <a:prstGeom prst="rect">
             <a:avLst/>
@@ -16804,14 +20426,14 @@
             </a:pPr>
             <a:r>
               <a:rPr lang="en"/>
-              <a:t>Submodule Testing - Back End</a:t>
+              <a:t>Submodule - Front End</a:t>
             </a:r>
           </a:p>
         </p:txBody>
       </p:sp>
       <p:sp>
         <p:nvSpPr>
-          <p:cNvPr id="320" name="Shape 320"/>
+          <p:cNvPr id="323" name="Shape 323"/>
           <p:cNvSpPr txBox="1"/>
           <p:nvPr>
             <p:ph idx="1" type="body"/>
@@ -16819,8 +20441,8 @@
         </p:nvSpPr>
         <p:spPr>
           <a:xfrm>
-            <a:off x="611400" y="1142750"/>
-            <a:ext cx="7821900" cy="3416400"/>
+            <a:off x="630775" y="1129625"/>
+            <a:ext cx="7919100" cy="3439500"/>
           </a:xfrm>
           <a:prstGeom prst="rect">
             <a:avLst/>
@@ -16832,6 +20454,22 @@
           </a:bodyPr>
           <a:lstStyle/>
           <a:p>
+            <a:pPr lvl="0">
+              <a:spcBef>
+                <a:spcPts val="0"/>
+              </a:spcBef>
+              <a:buNone/>
+            </a:pPr>
+            <a:r>
+              <a:rPr lang="en">
+                <a:solidFill>
+                  <a:srgbClr val="FFFFFF"/>
+                </a:solidFill>
+              </a:rPr>
+              <a:t>Navigation Bar: Uses Angular routing to create section within single page web application.</a:t>
+            </a:r>
+          </a:p>
+          <a:p>
             <a:pPr indent="-228600" lvl="0" marL="457200" rtl="0">
               <a:spcBef>
                 <a:spcPts val="0"/>
@@ -16846,11 +20484,11 @@
                   <a:srgbClr val="FFFFFF"/>
                 </a:solidFill>
               </a:rPr>
-              <a:t>Static files are being displayed:</a:t>
-            </a:r>
-          </a:p>
-          <a:p>
-            <a:pPr indent="-228600" lvl="1" marL="914400" rtl="0">
+              <a:t>About Section: Uses Bootstrap text panel to describe goal of application</a:t>
+            </a:r>
+          </a:p>
+          <a:p>
+            <a:pPr indent="-228600" lvl="0" marL="457200" rtl="0">
               <a:spcBef>
                 <a:spcPts val="0"/>
               </a:spcBef>
@@ -16864,11 +20502,11 @@
                   <a:srgbClr val="FFFFFF"/>
                 </a:solidFill>
               </a:rPr>
-              <a:t>Can access the static files through URLs.</a:t>
-            </a:r>
-          </a:p>
-          <a:p>
-            <a:pPr indent="-228600" lvl="1" marL="914400" rtl="0">
+              <a:t>Blog Section: Will route to specific blog entry(text panel) from list of blog entries in the section</a:t>
+            </a:r>
+          </a:p>
+          <a:p>
+            <a:pPr indent="-228600" lvl="0" marL="457200">
               <a:spcBef>
                 <a:spcPts val="0"/>
               </a:spcBef>
@@ -16882,79 +20520,7 @@
                   <a:srgbClr val="FFFFFF"/>
                 </a:solidFill>
               </a:rPr>
-              <a:t>Can access the static files through AngularJS.</a:t>
-            </a:r>
-          </a:p>
-          <a:p>
-            <a:pPr indent="-228600" lvl="0" marL="457200" rtl="0">
-              <a:spcBef>
-                <a:spcPts val="0"/>
-              </a:spcBef>
-              <a:buClr>
-                <a:srgbClr val="FFFFFF"/>
-              </a:buClr>
-            </a:pPr>
-            <a:r>
-              <a:rPr lang="en">
-                <a:solidFill>
-                  <a:srgbClr val="FFFFFF"/>
-                </a:solidFill>
-              </a:rPr>
-              <a:t>Server can connect to the database:</a:t>
-            </a:r>
-          </a:p>
-          <a:p>
-            <a:pPr indent="-228600" lvl="1" marL="914400" rtl="0">
-              <a:spcBef>
-                <a:spcPts val="0"/>
-              </a:spcBef>
-              <a:buClr>
-                <a:srgbClr val="FFFFFF"/>
-              </a:buClr>
-            </a:pPr>
-            <a:r>
-              <a:rPr lang="en">
-                <a:solidFill>
-                  <a:srgbClr val="FFFFFF"/>
-                </a:solidFill>
-              </a:rPr>
-              <a:t>Can make a connection to the database.</a:t>
-            </a:r>
-          </a:p>
-          <a:p>
-            <a:pPr indent="-228600" lvl="1" marL="914400" rtl="0">
-              <a:spcBef>
-                <a:spcPts val="0"/>
-              </a:spcBef>
-              <a:buClr>
-                <a:srgbClr val="FFFFFF"/>
-              </a:buClr>
-            </a:pPr>
-            <a:r>
-              <a:rPr lang="en">
-                <a:solidFill>
-                  <a:srgbClr val="FFFFFF"/>
-                </a:solidFill>
-              </a:rPr>
-              <a:t>Can query the database and get correct results.</a:t>
-            </a:r>
-          </a:p>
-          <a:p>
-            <a:pPr indent="-228600" lvl="0" marL="457200" rtl="0">
-              <a:spcBef>
-                <a:spcPts val="0"/>
-              </a:spcBef>
-              <a:buClr>
-                <a:srgbClr val="FFFFFF"/>
-              </a:buClr>
-            </a:pPr>
-            <a:r>
-              <a:rPr lang="en">
-                <a:solidFill>
-                  <a:srgbClr val="FFFFFF"/>
-                </a:solidFill>
-              </a:rPr>
-              <a:t>Server is sanitizing user input before querying the database.</a:t>
+              <a:t>Contact Us Section: Uses Bootstrap Form to create Email form</a:t>
             </a:r>
           </a:p>
         </p:txBody>
@@ -16972,7 +20538,7 @@
   <p:cSld>
     <p:spTree>
       <p:nvGrpSpPr>
-        <p:cNvPr id="324" name="Shape 324"/>
+        <p:cNvPr id="327" name="Shape 327"/>
         <p:cNvGrpSpPr/>
         <p:nvPr/>
       </p:nvGrpSpPr>
@@ -16986,7 +20552,7 @@
       </p:grpSpPr>
       <p:sp>
         <p:nvSpPr>
-          <p:cNvPr id="325" name="Shape 325"/>
+          <p:cNvPr id="328" name="Shape 328"/>
           <p:cNvSpPr txBox="1"/>
           <p:nvPr>
             <p:ph type="title"/>
@@ -16994,8 +20560,8 @@
         </p:nvSpPr>
         <p:spPr>
           <a:xfrm>
-            <a:off x="630800" y="445025"/>
-            <a:ext cx="7919100" cy="572700"/>
+            <a:off x="311700" y="445025"/>
+            <a:ext cx="8520600" cy="572700"/>
           </a:xfrm>
           <a:prstGeom prst="rect">
             <a:avLst/>
@@ -17007,7 +20573,7 @@
           </a:bodyPr>
           <a:lstStyle/>
           <a:p>
-            <a:pPr lvl="0" rtl="0" algn="ctr">
+            <a:pPr lvl="0" algn="ctr">
               <a:spcBef>
                 <a:spcPts val="0"/>
               </a:spcBef>
@@ -17015,14 +20581,14 @@
             </a:pPr>
             <a:r>
               <a:rPr lang="en"/>
-              <a:t>Submodule - Database</a:t>
+              <a:t> Submodule-Front End (cont.)	</a:t>
             </a:r>
           </a:p>
         </p:txBody>
       </p:sp>
       <p:sp>
         <p:nvSpPr>
-          <p:cNvPr id="326" name="Shape 326"/>
+          <p:cNvPr id="329" name="Shape 329"/>
           <p:cNvSpPr txBox="1"/>
           <p:nvPr>
             <p:ph idx="1" type="body"/>
@@ -17030,8 +20596,8 @@
         </p:nvSpPr>
         <p:spPr>
           <a:xfrm>
-            <a:off x="630800" y="1152475"/>
-            <a:ext cx="7919100" cy="3416400"/>
+            <a:off x="592000" y="1110225"/>
+            <a:ext cx="8044800" cy="3446700"/>
           </a:xfrm>
           <a:prstGeom prst="rect">
             <a:avLst/>
@@ -17055,7 +20621,7 @@
                   <a:srgbClr val="FFFFFF"/>
                 </a:solidFill>
               </a:rPr>
-              <a:t>Coding methods:</a:t>
+              <a:t>User Input: Section of the Web Application that takes in information from user necessary to perform major functions.</a:t>
             </a:r>
           </a:p>
           <a:p>
@@ -17073,7 +20639,7 @@
                   <a:srgbClr val="FFFFFF"/>
                 </a:solidFill>
               </a:rPr>
-              <a:t>Normalization</a:t>
+              <a:t>Text input areas and drop down selection boxes that are created using Bootstrap. Capture of input variables made possible through Angular controllers.</a:t>
             </a:r>
           </a:p>
           <a:p>
@@ -17091,7 +20657,25 @@
                   <a:srgbClr val="FFFFFF"/>
                 </a:solidFill>
               </a:rPr>
-              <a:t>Indexing</a:t>
+              <a:t>Bootstrap popover modules installed in order to provide user with information regarding the use of their information.</a:t>
+            </a:r>
+          </a:p>
+          <a:p>
+            <a:pPr indent="-228600" lvl="0" marL="457200">
+              <a:spcBef>
+                <a:spcPts val="0"/>
+              </a:spcBef>
+              <a:buClr>
+                <a:srgbClr val="FFFFFF"/>
+              </a:buClr>
+            </a:pPr>
+            <a:r>
+              <a:rPr lang="en">
+                <a:solidFill>
+                  <a:srgbClr val="FFFFFF"/>
+                </a:solidFill>
+              </a:rPr>
+              <a:t>HTML formatting employed to make Input Area aesthetically pleasing.</a:t>
             </a:r>
           </a:p>
         </p:txBody>
@@ -17109,7 +20693,7 @@
   <p:cSld>
     <p:spTree>
       <p:nvGrpSpPr>
-        <p:cNvPr id="330" name="Shape 330"/>
+        <p:cNvPr id="333" name="Shape 333"/>
         <p:cNvGrpSpPr/>
         <p:nvPr/>
       </p:nvGrpSpPr>
@@ -17123,7 +20707,7 @@
       </p:grpSpPr>
       <p:sp>
         <p:nvSpPr>
-          <p:cNvPr id="331" name="Shape 331"/>
+          <p:cNvPr id="334" name="Shape 334"/>
           <p:cNvSpPr txBox="1"/>
           <p:nvPr>
             <p:ph type="title"/>
@@ -17131,8 +20715,8 @@
         </p:nvSpPr>
         <p:spPr>
           <a:xfrm>
-            <a:off x="596575" y="445025"/>
-            <a:ext cx="7997400" cy="572700"/>
+            <a:off x="311700" y="445025"/>
+            <a:ext cx="8520600" cy="572700"/>
           </a:xfrm>
           <a:prstGeom prst="rect">
             <a:avLst/>
@@ -17152,14 +20736,14 @@
             </a:pPr>
             <a:r>
               <a:rPr lang="en"/>
-              <a:t>Submodule Testing - Database</a:t>
+              <a:t>Submodule-Front End (cont.)</a:t>
             </a:r>
           </a:p>
         </p:txBody>
       </p:sp>
       <p:sp>
         <p:nvSpPr>
-          <p:cNvPr id="332" name="Shape 332"/>
+          <p:cNvPr id="335" name="Shape 335"/>
           <p:cNvSpPr txBox="1"/>
           <p:nvPr>
             <p:ph idx="1" type="body"/>
@@ -17167,8 +20751,8 @@
         </p:nvSpPr>
         <p:spPr>
           <a:xfrm>
-            <a:off x="596700" y="1152475"/>
-            <a:ext cx="7997400" cy="3416400"/>
+            <a:off x="601700" y="1096325"/>
+            <a:ext cx="8029200" cy="3355800"/>
           </a:xfrm>
           <a:prstGeom prst="rect">
             <a:avLst/>
@@ -17180,6 +20764,22 @@
           </a:bodyPr>
           <a:lstStyle/>
           <a:p>
+            <a:pPr lvl="0">
+              <a:spcBef>
+                <a:spcPts val="0"/>
+              </a:spcBef>
+              <a:buNone/>
+            </a:pPr>
+            <a:r>
+              <a:rPr lang="en">
+                <a:solidFill>
+                  <a:srgbClr val="FFFFFF"/>
+                </a:solidFill>
+              </a:rPr>
+              <a:t>Web Application Main Functions: Through the use of Bootstrap cards, main functions are separated clearly.</a:t>
+            </a:r>
+          </a:p>
+          <a:p>
             <a:pPr indent="-228600" lvl="0" marL="457200" rtl="0">
               <a:spcBef>
                 <a:spcPts val="0"/>
@@ -17187,126 +20787,68 @@
               <a:buClr>
                 <a:srgbClr val="FFFFFF"/>
               </a:buClr>
-              <a:buChar char="●"/>
-            </a:pPr>
-            <a:r>
-              <a:rPr lang="en">
-                <a:solidFill>
-                  <a:srgbClr val="FFFFFF"/>
-                </a:solidFill>
-              </a:rPr>
-              <a:t>Insertions - Database is verifying requirements for new records:</a:t>
-            </a:r>
-          </a:p>
-          <a:p>
-            <a:pPr indent="-228600" lvl="1" marL="914400" rtl="0">
+            </a:pPr>
+            <a:r>
+              <a:rPr lang="en">
+                <a:solidFill>
+                  <a:srgbClr val="FFFFFF"/>
+                </a:solidFill>
+              </a:rPr>
+              <a:t>Bootstrap modals are used to display the results of selecting one of the web application’s functions. </a:t>
+            </a:r>
+          </a:p>
+          <a:p>
+            <a:pPr indent="-228600" lvl="0" marL="457200" rtl="0">
               <a:spcBef>
                 <a:spcPts val="0"/>
               </a:spcBef>
               <a:buClr>
                 <a:srgbClr val="FFFFFF"/>
               </a:buClr>
-              <a:buChar char="○"/>
-            </a:pPr>
-            <a:r>
-              <a:rPr lang="en">
-                <a:solidFill>
-                  <a:srgbClr val="FFFFFF"/>
-                </a:solidFill>
-              </a:rPr>
-              <a:t>Non-null attributes are not null - Test by submitting records with null </a:t>
-            </a:r>
-            <a:r>
-              <a:rPr lang="en">
-                <a:solidFill>
-                  <a:srgbClr val="FFFFFF"/>
-                </a:solidFill>
-              </a:rPr>
-              <a:t>values </a:t>
-            </a:r>
-            <a:r>
-              <a:rPr lang="en">
-                <a:solidFill>
-                  <a:srgbClr val="FFFFFF"/>
-                </a:solidFill>
-              </a:rPr>
-              <a:t>for non-null attributes.</a:t>
-            </a:r>
-          </a:p>
-          <a:p>
-            <a:pPr indent="-228600" lvl="1" marL="914400" rtl="0">
+            </a:pPr>
+            <a:r>
+              <a:rPr lang="en">
+                <a:solidFill>
+                  <a:srgbClr val="FFFFFF"/>
+                </a:solidFill>
+              </a:rPr>
+              <a:t>A binary will sell/won’t sell will be displayed in the modal for “Will My House Sell?” through a call to the Random Forest algorithm.</a:t>
+            </a:r>
+          </a:p>
+          <a:p>
+            <a:pPr indent="-228600" lvl="0" marL="457200" rtl="0">
               <a:spcBef>
                 <a:spcPts val="0"/>
               </a:spcBef>
               <a:buClr>
                 <a:srgbClr val="FFFFFF"/>
               </a:buClr>
-              <a:buChar char="○"/>
-            </a:pPr>
-            <a:r>
-              <a:rPr lang="en">
-                <a:solidFill>
-                  <a:srgbClr val="FFFFFF"/>
-                </a:solidFill>
-              </a:rPr>
-              <a:t>Attributes within accepted range of values - Test by submitting records with values outside of range of accepted values.</a:t>
-            </a:r>
-          </a:p>
-          <a:p>
-            <a:pPr indent="-228600" lvl="0" marL="457200" rtl="0">
+            </a:pPr>
+            <a:r>
+              <a:rPr lang="en">
+                <a:solidFill>
+                  <a:srgbClr val="FFFFFF"/>
+                </a:solidFill>
+              </a:rPr>
+              <a:t>A list of factors will be displayed in the modal for “Most Important Attributes through a call to the Random Forest algorithm.</a:t>
+            </a:r>
+          </a:p>
+          <a:p>
+            <a:pPr indent="-228600" lvl="0" marL="457200">
               <a:spcBef>
                 <a:spcPts val="0"/>
               </a:spcBef>
               <a:buClr>
                 <a:srgbClr val="FFFFFF"/>
               </a:buClr>
-              <a:buChar char="●"/>
-            </a:pPr>
-            <a:r>
-              <a:rPr lang="en">
-                <a:solidFill>
-                  <a:srgbClr val="FFFFFF"/>
-                </a:solidFill>
-              </a:rPr>
-              <a:t>Query Results - Attributes are configured to return correct query results.</a:t>
-            </a:r>
-          </a:p>
-          <a:p>
-            <a:pPr indent="-228600" lvl="1" marL="914400" rtl="0">
-              <a:spcBef>
-                <a:spcPts val="0"/>
-              </a:spcBef>
-              <a:buClr>
-                <a:srgbClr val="FFFFFF"/>
-              </a:buClr>
-              <a:buChar char="○"/>
-            </a:pPr>
-            <a:r>
-              <a:rPr lang="en">
-                <a:solidFill>
-                  <a:srgbClr val="FFFFFF"/>
-                </a:solidFill>
-              </a:rPr>
-              <a:t>Records have attribute specified by query - Test by submitting queries with ranges of values for different attributes and check results to see if results match queries.</a:t>
-            </a:r>
-          </a:p>
-          <a:p>
-            <a:pPr indent="-228600" lvl="1" marL="914400" rtl="0">
-              <a:spcBef>
-                <a:spcPts val="0"/>
-              </a:spcBef>
-              <a:buClr>
-                <a:srgbClr val="FFFFFF"/>
-              </a:buClr>
-              <a:buChar char="○"/>
-            </a:pPr>
-            <a:r>
-              <a:rPr lang="en">
-                <a:solidFill>
-                  <a:srgbClr val="FFFFFF"/>
-                </a:solidFill>
-              </a:rPr>
-              <a:t>Verify that queries generated by frontend calls return appropriate results - Test by submitting various input to front end and see if results match query requests.</a:t>
+            </a:pPr>
+            <a:r>
+              <a:rPr lang="en">
+                <a:solidFill>
+                  <a:srgbClr val="FFFFFF"/>
+                </a:solidFill>
+              </a:rPr>
+              <a:t>Charts displayed using either Plotly, Echarts or ChartsJS to display “Data Visualizations” through a call to the  database.</a:t>
             </a:r>
           </a:p>
         </p:txBody>
@@ -17324,7 +20866,7 @@
   <p:cSld>
     <p:spTree>
       <p:nvGrpSpPr>
-        <p:cNvPr id="336" name="Shape 336"/>
+        <p:cNvPr id="339" name="Shape 339"/>
         <p:cNvGrpSpPr/>
         <p:nvPr/>
       </p:nvGrpSpPr>
@@ -17338,7 +20880,7 @@
       </p:grpSpPr>
       <p:sp>
         <p:nvSpPr>
-          <p:cNvPr id="337" name="Shape 337"/>
+          <p:cNvPr id="340" name="Shape 340"/>
           <p:cNvSpPr txBox="1"/>
           <p:nvPr>
             <p:ph type="title"/>
@@ -17347,7 +20889,7 @@
         <p:spPr>
           <a:xfrm>
             <a:off x="630800" y="445025"/>
-            <a:ext cx="7919100" cy="572700"/>
+            <a:ext cx="8201400" cy="572700"/>
           </a:xfrm>
           <a:prstGeom prst="rect">
             <a:avLst/>
@@ -17359,7 +20901,7 @@
           </a:bodyPr>
           <a:lstStyle/>
           <a:p>
-            <a:pPr lvl="0" rtl="0" algn="ctr">
+            <a:pPr lvl="0" algn="ctr">
               <a:spcBef>
                 <a:spcPts val="0"/>
               </a:spcBef>
@@ -17367,14 +20909,14 @@
             </a:pPr>
             <a:r>
               <a:rPr lang="en"/>
-              <a:t>Submodule - Machine Learning</a:t>
+              <a:t>Submodule Testing - Front End</a:t>
             </a:r>
           </a:p>
         </p:txBody>
       </p:sp>
       <p:sp>
         <p:nvSpPr>
-          <p:cNvPr id="338" name="Shape 338"/>
+          <p:cNvPr id="341" name="Shape 341"/>
           <p:cNvSpPr txBox="1"/>
           <p:nvPr>
             <p:ph idx="1" type="body"/>
@@ -17383,7 +20925,7 @@
         <p:spPr>
           <a:xfrm>
             <a:off x="630800" y="1152475"/>
-            <a:ext cx="7919100" cy="3416400"/>
+            <a:ext cx="7763700" cy="3416400"/>
           </a:xfrm>
           <a:prstGeom prst="rect">
             <a:avLst/>
@@ -17395,7 +20937,7 @@
           </a:bodyPr>
           <a:lstStyle/>
           <a:p>
-            <a:pPr lvl="0">
+            <a:pPr lvl="0" rtl="0">
               <a:spcBef>
                 <a:spcPts val="0"/>
               </a:spcBef>
@@ -17407,7 +20949,7 @@
                   <a:srgbClr val="FFFFFF"/>
                 </a:solidFill>
               </a:rPr>
-              <a:t>Coding methods:</a:t>
+              <a:t>Unit tests for:</a:t>
             </a:r>
           </a:p>
           <a:p>
@@ -17425,7 +20967,7 @@
                   <a:srgbClr val="FFFFFF"/>
                 </a:solidFill>
               </a:rPr>
-              <a:t>Using OneHotEncoder to preprocess the data of categorical variables </a:t>
+              <a:t>Each path is valid.</a:t>
             </a:r>
           </a:p>
           <a:p>
@@ -17443,7 +20985,95 @@
                   <a:srgbClr val="FFFFFF"/>
                 </a:solidFill>
               </a:rPr>
-              <a:t>Sending that preprocessed data into a scikit-learn </a:t>
+              <a:t>Input text areas take correct input with valid length.</a:t>
+            </a:r>
+          </a:p>
+          <a:p>
+            <a:pPr indent="-228600" lvl="0" marL="457200" rtl="0">
+              <a:spcBef>
+                <a:spcPts val="0"/>
+              </a:spcBef>
+              <a:buClr>
+                <a:srgbClr val="FFFFFF"/>
+              </a:buClr>
+            </a:pPr>
+            <a:r>
+              <a:rPr lang="en">
+                <a:solidFill>
+                  <a:srgbClr val="FFFFFF"/>
+                </a:solidFill>
+              </a:rPr>
+              <a:t>Dropdown boxes display correct choices and can be clicked.</a:t>
+            </a:r>
+          </a:p>
+          <a:p>
+            <a:pPr indent="-228600" lvl="0" marL="457200" rtl="0">
+              <a:spcBef>
+                <a:spcPts val="0"/>
+              </a:spcBef>
+              <a:buClr>
+                <a:srgbClr val="FFFFFF"/>
+              </a:buClr>
+            </a:pPr>
+            <a:r>
+              <a:rPr lang="en">
+                <a:solidFill>
+                  <a:srgbClr val="FFFFFF"/>
+                </a:solidFill>
+              </a:rPr>
+              <a:t>Submission buttons work as expected.</a:t>
+            </a:r>
+          </a:p>
+          <a:p>
+            <a:pPr indent="-228600" lvl="0" marL="457200" rtl="0">
+              <a:spcBef>
+                <a:spcPts val="0"/>
+              </a:spcBef>
+              <a:buClr>
+                <a:srgbClr val="FFFFFF"/>
+              </a:buClr>
+            </a:pPr>
+            <a:r>
+              <a:rPr lang="en">
+                <a:solidFill>
+                  <a:srgbClr val="FFFFFF"/>
+                </a:solidFill>
+              </a:rPr>
+              <a:t>Sales prediction model displays correct message.</a:t>
+            </a:r>
+          </a:p>
+          <a:p>
+            <a:pPr indent="-228600" lvl="0" marL="457200" rtl="0">
+              <a:spcBef>
+                <a:spcPts val="0"/>
+              </a:spcBef>
+              <a:buClr>
+                <a:srgbClr val="FFFFFF"/>
+              </a:buClr>
+            </a:pPr>
+            <a:r>
+              <a:rPr lang="en">
+                <a:solidFill>
+                  <a:srgbClr val="FFFFFF"/>
+                </a:solidFill>
+              </a:rPr>
+              <a:t>Most important factors </a:t>
+            </a:r>
+            <a:r>
+              <a:rPr lang="en">
+                <a:solidFill>
+                  <a:srgbClr val="FFFFFF"/>
+                </a:solidFill>
+              </a:rPr>
+              <a:t>display</a:t>
+            </a:r>
+            <a:r>
+              <a:rPr lang="en">
+                <a:solidFill>
+                  <a:srgbClr val="FFFFFF"/>
+                </a:solidFill>
+              </a:rPr>
+              <a:t> correctly.</a:t>
             </a:r>
           </a:p>
         </p:txBody>
@@ -17461,7 +21091,7 @@
   <p:cSld>
     <p:spTree>
       <p:nvGrpSpPr>
-        <p:cNvPr id="342" name="Shape 342"/>
+        <p:cNvPr id="345" name="Shape 345"/>
         <p:cNvGrpSpPr/>
         <p:nvPr/>
       </p:nvGrpSpPr>
@@ -17475,7 +21105,7 @@
       </p:grpSpPr>
       <p:sp>
         <p:nvSpPr>
-          <p:cNvPr id="343" name="Shape 343"/>
+          <p:cNvPr id="346" name="Shape 346"/>
           <p:cNvSpPr txBox="1"/>
           <p:nvPr>
             <p:ph type="title"/>
@@ -17483,8 +21113,8 @@
         </p:nvSpPr>
         <p:spPr>
           <a:xfrm>
-            <a:off x="824900" y="445025"/>
-            <a:ext cx="8007300" cy="572700"/>
+            <a:off x="311700" y="445025"/>
+            <a:ext cx="8520600" cy="572700"/>
           </a:xfrm>
           <a:prstGeom prst="rect">
             <a:avLst/>
@@ -17496,7 +21126,7 @@
           </a:bodyPr>
           <a:lstStyle/>
           <a:p>
-            <a:pPr lvl="0" algn="ctr">
+            <a:pPr lvl="0" rtl="0" algn="ctr">
               <a:spcBef>
                 <a:spcPts val="0"/>
               </a:spcBef>
@@ -17504,14 +21134,26 @@
             </a:pPr>
             <a:r>
               <a:rPr lang="en"/>
-              <a:t>Submodule Testing - Machine Learning</a:t>
-            </a:r>
+              <a:t>Submodule Testing - Front End (cont.)</a:t>
+            </a:r>
+          </a:p>
+          <a:p>
+            <a:pPr lvl="0">
+              <a:spcBef>
+                <a:spcPts val="0"/>
+              </a:spcBef>
+              <a:buNone/>
+            </a:pPr>
+            <a:r>
+              <a:t/>
+            </a:r>
+            <a:endParaRPr/>
           </a:p>
         </p:txBody>
       </p:sp>
       <p:sp>
         <p:nvSpPr>
-          <p:cNvPr id="344" name="Shape 344"/>
+          <p:cNvPr id="347" name="Shape 347"/>
           <p:cNvSpPr txBox="1"/>
           <p:nvPr>
             <p:ph idx="1" type="body"/>
@@ -17519,8 +21161,8 @@
         </p:nvSpPr>
         <p:spPr>
           <a:xfrm>
-            <a:off x="738725" y="1113650"/>
-            <a:ext cx="7656000" cy="3416400"/>
+            <a:off x="630800" y="1152475"/>
+            <a:ext cx="7802700" cy="3416400"/>
           </a:xfrm>
           <a:prstGeom prst="rect">
             <a:avLst/>
@@ -17536,11 +21178,107 @@
               <a:spcBef>
                 <a:spcPts val="0"/>
               </a:spcBef>
-              <a:buChar char="●"/>
-            </a:pPr>
-            <a:r>
-              <a:rPr lang="en"/>
-              <a:t>Downloaded csv files from the zwillow.com</a:t>
+              <a:buClr>
+                <a:srgbClr val="FFFFFF"/>
+              </a:buClr>
+            </a:pPr>
+            <a:r>
+              <a:rPr lang="en">
+                <a:solidFill>
+                  <a:srgbClr val="FFFFFF"/>
+                </a:solidFill>
+              </a:rPr>
+              <a:t>Data visualizations displayed correctly with appropriate responsiveness.</a:t>
+            </a:r>
+          </a:p>
+          <a:p>
+            <a:pPr indent="-228600" lvl="0" marL="457200" rtl="0">
+              <a:spcBef>
+                <a:spcPts val="0"/>
+              </a:spcBef>
+              <a:buClr>
+                <a:srgbClr val="FFFFFF"/>
+              </a:buClr>
+            </a:pPr>
+            <a:r>
+              <a:rPr lang="en">
+                <a:solidFill>
+                  <a:srgbClr val="FFFFFF"/>
+                </a:solidFill>
+              </a:rPr>
+              <a:t>About page displays correct information.</a:t>
+            </a:r>
+          </a:p>
+          <a:p>
+            <a:pPr indent="-228600" lvl="0" marL="457200" rtl="0">
+              <a:spcBef>
+                <a:spcPts val="0"/>
+              </a:spcBef>
+              <a:buClr>
+                <a:srgbClr val="FFFFFF"/>
+              </a:buClr>
+            </a:pPr>
+            <a:r>
+              <a:rPr lang="en">
+                <a:solidFill>
+                  <a:srgbClr val="FFFFFF"/>
+                </a:solidFill>
+              </a:rPr>
+              <a:t>Contact page displays correctly and can send emails.</a:t>
+            </a:r>
+          </a:p>
+          <a:p>
+            <a:pPr indent="-228600" lvl="0" marL="457200" rtl="0">
+              <a:spcBef>
+                <a:spcPts val="0"/>
+              </a:spcBef>
+              <a:buClr>
+                <a:srgbClr val="FFFFFF"/>
+              </a:buClr>
+            </a:pPr>
+            <a:r>
+              <a:rPr lang="en">
+                <a:solidFill>
+                  <a:srgbClr val="FFFFFF"/>
+                </a:solidFill>
+              </a:rPr>
+              <a:t>Expert blog page displays correctly.</a:t>
+            </a:r>
+          </a:p>
+          <a:p>
+            <a:pPr indent="-228600" lvl="0" marL="457200" rtl="0">
+              <a:spcBef>
+                <a:spcPts val="0"/>
+              </a:spcBef>
+              <a:buClr>
+                <a:srgbClr val="FFFFFF"/>
+              </a:buClr>
+            </a:pPr>
+            <a:r>
+              <a:rPr lang="en">
+                <a:solidFill>
+                  <a:srgbClr val="FFFFFF"/>
+                </a:solidFill>
+              </a:rPr>
+              <a:t>Web application displays in similar fashion on all browsers.</a:t>
+            </a:r>
+          </a:p>
+          <a:p>
+            <a:pPr indent="-228600" lvl="0" marL="457200">
+              <a:spcBef>
+                <a:spcPts val="0"/>
+              </a:spcBef>
+              <a:buClr>
+                <a:srgbClr val="FFFFFF"/>
+              </a:buClr>
+            </a:pPr>
+            <a:r>
+              <a:rPr lang="en">
+                <a:solidFill>
+                  <a:srgbClr val="FFFFFF"/>
+                </a:solidFill>
+              </a:rPr>
+              <a:t>Web application responsiveness works on web and mobile platforms.</a:t>
             </a:r>
           </a:p>
         </p:txBody>
@@ -17558,7 +21296,7 @@
   <p:cSld>
     <p:spTree>
       <p:nvGrpSpPr>
-        <p:cNvPr id="348" name="Shape 348"/>
+        <p:cNvPr id="351" name="Shape 351"/>
         <p:cNvGrpSpPr/>
         <p:nvPr/>
       </p:nvGrpSpPr>
@@ -17572,7 +21310,7 @@
       </p:grpSpPr>
       <p:sp>
         <p:nvSpPr>
-          <p:cNvPr id="349" name="Shape 349"/>
+          <p:cNvPr id="352" name="Shape 352"/>
           <p:cNvSpPr txBox="1"/>
           <p:nvPr>
             <p:ph type="title"/>
@@ -17580,8 +21318,8 @@
         </p:nvSpPr>
         <p:spPr>
           <a:xfrm>
-            <a:off x="311700" y="445025"/>
-            <a:ext cx="8520600" cy="572700"/>
+            <a:off x="630800" y="445025"/>
+            <a:ext cx="7919100" cy="572700"/>
           </a:xfrm>
           <a:prstGeom prst="rect">
             <a:avLst/>
@@ -17601,43 +21339,157 @@
             </a:pPr>
             <a:r>
               <a:rPr lang="en"/>
-              <a:t>Old </a:t>
-            </a:r>
-            <a:r>
-              <a:rPr lang="en"/>
-              <a:t>Timeline</a:t>
+              <a:t>Submodule - Back End</a:t>
             </a:r>
           </a:p>
         </p:txBody>
       </p:sp>
-      <p:pic>
-        <p:nvPicPr>
-          <p:cNvPr id="350" name="Shape 350"/>
-          <p:cNvPicPr preferRelativeResize="0"/>
-          <p:nvPr/>
-        </p:nvPicPr>
-        <p:blipFill>
-          <a:blip r:embed="rId3">
-            <a:alphaModFix/>
-          </a:blip>
-          <a:stretch>
-            <a:fillRect/>
-          </a:stretch>
-        </p:blipFill>
-        <p:spPr>
-          <a:xfrm>
-            <a:off x="980200" y="1084300"/>
-            <a:ext cx="7103825" cy="3575900"/>
+      <p:sp>
+        <p:nvSpPr>
+          <p:cNvPr id="353" name="Shape 353"/>
+          <p:cNvSpPr txBox="1"/>
+          <p:nvPr>
+            <p:ph idx="1" type="body"/>
+          </p:nvPr>
+        </p:nvSpPr>
+        <p:spPr>
+          <a:xfrm>
+            <a:off x="630800" y="1152475"/>
+            <a:ext cx="7919100" cy="3416400"/>
           </a:xfrm>
           <a:prstGeom prst="rect">
             <a:avLst/>
           </a:prstGeom>
-          <a:noFill/>
-          <a:ln>
-            <a:noFill/>
-          </a:ln>
-        </p:spPr>
-      </p:pic>
+        </p:spPr>
+        <p:txBody>
+          <a:bodyPr anchorCtr="0" anchor="t" bIns="91425" lIns="91425" rIns="91425" tIns="91425">
+            <a:noAutofit/>
+          </a:bodyPr>
+          <a:lstStyle/>
+          <a:p>
+            <a:pPr lvl="0" rtl="0">
+              <a:spcBef>
+                <a:spcPts val="0"/>
+              </a:spcBef>
+              <a:buNone/>
+            </a:pPr>
+            <a:r>
+              <a:rPr lang="en">
+                <a:solidFill>
+                  <a:srgbClr val="FFFFFF"/>
+                </a:solidFill>
+              </a:rPr>
+              <a:t>Coding methods:</a:t>
+            </a:r>
+          </a:p>
+          <a:p>
+            <a:pPr indent="-228600" lvl="0" marL="457200" rtl="0">
+              <a:spcBef>
+                <a:spcPts val="0"/>
+              </a:spcBef>
+              <a:buClr>
+                <a:srgbClr val="FFFFFF"/>
+              </a:buClr>
+            </a:pPr>
+            <a:r>
+              <a:rPr lang="en">
+                <a:solidFill>
+                  <a:srgbClr val="FFFFFF"/>
+                </a:solidFill>
+              </a:rPr>
+              <a:t>MVC model for layout</a:t>
+            </a:r>
+          </a:p>
+          <a:p>
+            <a:pPr indent="-228600" lvl="0" marL="457200" rtl="0">
+              <a:spcBef>
+                <a:spcPts val="0"/>
+              </a:spcBef>
+              <a:buClr>
+                <a:srgbClr val="FFFFFF"/>
+              </a:buClr>
+            </a:pPr>
+            <a:r>
+              <a:rPr lang="en">
+                <a:solidFill>
+                  <a:srgbClr val="FFFFFF"/>
+                </a:solidFill>
+              </a:rPr>
+              <a:t>Templates for views</a:t>
+            </a:r>
+          </a:p>
+          <a:p>
+            <a:pPr indent="-228600" lvl="0" marL="457200" rtl="0">
+              <a:spcBef>
+                <a:spcPts val="0"/>
+              </a:spcBef>
+              <a:buClr>
+                <a:srgbClr val="FFFFFF"/>
+              </a:buClr>
+            </a:pPr>
+            <a:r>
+              <a:rPr lang="en">
+                <a:solidFill>
+                  <a:srgbClr val="FFFFFF"/>
+                </a:solidFill>
+              </a:rPr>
+              <a:t>Limited public access (only what’s required to display for front end)</a:t>
+            </a:r>
+          </a:p>
+          <a:p>
+            <a:pPr indent="-228600" lvl="0" marL="457200" rtl="0">
+              <a:spcBef>
+                <a:spcPts val="0"/>
+              </a:spcBef>
+              <a:buClr>
+                <a:srgbClr val="FFFFFF"/>
+              </a:buClr>
+            </a:pPr>
+            <a:r>
+              <a:rPr lang="en">
+                <a:solidFill>
+                  <a:srgbClr val="FFFFFF"/>
+                </a:solidFill>
+              </a:rPr>
+              <a:t>Models for database accessing and security/backup</a:t>
+            </a:r>
+          </a:p>
+          <a:p>
+            <a:pPr indent="-228600" lvl="0" marL="457200" rtl="0">
+              <a:spcBef>
+                <a:spcPts val="0"/>
+              </a:spcBef>
+              <a:buClr>
+                <a:srgbClr val="FFFFFF"/>
+              </a:buClr>
+            </a:pPr>
+            <a:r>
+              <a:rPr lang="en">
+                <a:solidFill>
+                  <a:srgbClr val="FFFFFF"/>
+                </a:solidFill>
+              </a:rPr>
+              <a:t>Error logging</a:t>
+            </a:r>
+          </a:p>
+          <a:p>
+            <a:pPr lvl="0" rtl="0">
+              <a:spcBef>
+                <a:spcPts val="0"/>
+              </a:spcBef>
+              <a:buNone/>
+            </a:pPr>
+            <a:r>
+              <a:t/>
+            </a:r>
+            <a:endParaRPr>
+              <a:solidFill>
+                <a:srgbClr val="FFFFFF"/>
+              </a:solidFill>
+            </a:endParaRPr>
+          </a:p>
+        </p:txBody>
+      </p:sp>
     </p:spTree>
   </p:cSld>
   <p:clrMapOvr>
@@ -18001,7 +21853,7 @@
   <p:cSld>
     <p:spTree>
       <p:nvGrpSpPr>
-        <p:cNvPr id="354" name="Shape 354"/>
+        <p:cNvPr id="357" name="Shape 357"/>
         <p:cNvGrpSpPr/>
         <p:nvPr/>
       </p:nvGrpSpPr>
@@ -18015,7 +21867,7 @@
       </p:grpSpPr>
       <p:sp>
         <p:nvSpPr>
-          <p:cNvPr id="355" name="Shape 355"/>
+          <p:cNvPr id="358" name="Shape 358"/>
           <p:cNvSpPr txBox="1"/>
           <p:nvPr>
             <p:ph type="title"/>
@@ -18023,8 +21875,8 @@
         </p:nvSpPr>
         <p:spPr>
           <a:xfrm>
-            <a:off x="311700" y="445025"/>
-            <a:ext cx="8520600" cy="572700"/>
+            <a:off x="611400" y="445025"/>
+            <a:ext cx="7821900" cy="572700"/>
           </a:xfrm>
           <a:prstGeom prst="rect">
             <a:avLst/>
@@ -18036,7 +21888,7 @@
           </a:bodyPr>
           <a:lstStyle/>
           <a:p>
-            <a:pPr lvl="0" rtl="0" algn="ctr">
+            <a:pPr lvl="0" algn="ctr">
               <a:spcBef>
                 <a:spcPts val="0"/>
               </a:spcBef>
@@ -18044,43 +21896,161 @@
             </a:pPr>
             <a:r>
               <a:rPr lang="en"/>
-              <a:t>New </a:t>
-            </a:r>
-            <a:r>
-              <a:rPr lang="en"/>
-              <a:t>Timeline</a:t>
+              <a:t>Submodule Testing - Back End</a:t>
             </a:r>
           </a:p>
         </p:txBody>
       </p:sp>
-      <p:pic>
-        <p:nvPicPr>
-          <p:cNvPr descr="Capture.PNG" id="356" name="Shape 356"/>
-          <p:cNvPicPr preferRelativeResize="0"/>
-          <p:nvPr/>
-        </p:nvPicPr>
-        <p:blipFill>
-          <a:blip r:embed="rId3">
-            <a:alphaModFix/>
-          </a:blip>
-          <a:stretch>
-            <a:fillRect/>
-          </a:stretch>
-        </p:blipFill>
-        <p:spPr>
-          <a:xfrm>
-            <a:off x="652225" y="972425"/>
-            <a:ext cx="7839575" cy="3866275"/>
+      <p:sp>
+        <p:nvSpPr>
+          <p:cNvPr id="359" name="Shape 359"/>
+          <p:cNvSpPr txBox="1"/>
+          <p:nvPr>
+            <p:ph idx="1" type="body"/>
+          </p:nvPr>
+        </p:nvSpPr>
+        <p:spPr>
+          <a:xfrm>
+            <a:off x="611400" y="1142750"/>
+            <a:ext cx="7821900" cy="3416400"/>
           </a:xfrm>
           <a:prstGeom prst="rect">
             <a:avLst/>
           </a:prstGeom>
-          <a:noFill/>
-          <a:ln>
-            <a:noFill/>
-          </a:ln>
-        </p:spPr>
-      </p:pic>
+        </p:spPr>
+        <p:txBody>
+          <a:bodyPr anchorCtr="0" anchor="t" bIns="91425" lIns="91425" rIns="91425" tIns="91425">
+            <a:noAutofit/>
+          </a:bodyPr>
+          <a:lstStyle/>
+          <a:p>
+            <a:pPr indent="-228600" lvl="0" marL="457200" rtl="0">
+              <a:spcBef>
+                <a:spcPts val="0"/>
+              </a:spcBef>
+              <a:buClr>
+                <a:srgbClr val="FFFFFF"/>
+              </a:buClr>
+            </a:pPr>
+            <a:r>
+              <a:rPr lang="en">
+                <a:solidFill>
+                  <a:srgbClr val="FFFFFF"/>
+                </a:solidFill>
+              </a:rPr>
+              <a:t>Static files are being displayed:</a:t>
+            </a:r>
+          </a:p>
+          <a:p>
+            <a:pPr indent="-228600" lvl="1" marL="914400" rtl="0">
+              <a:spcBef>
+                <a:spcPts val="0"/>
+              </a:spcBef>
+              <a:buClr>
+                <a:srgbClr val="FFFFFF"/>
+              </a:buClr>
+            </a:pPr>
+            <a:r>
+              <a:rPr lang="en">
+                <a:solidFill>
+                  <a:srgbClr val="FFFFFF"/>
+                </a:solidFill>
+              </a:rPr>
+              <a:t>Can access the static files through URLs.</a:t>
+            </a:r>
+          </a:p>
+          <a:p>
+            <a:pPr indent="-228600" lvl="1" marL="914400" rtl="0">
+              <a:spcBef>
+                <a:spcPts val="0"/>
+              </a:spcBef>
+              <a:buClr>
+                <a:srgbClr val="FFFFFF"/>
+              </a:buClr>
+            </a:pPr>
+            <a:r>
+              <a:rPr lang="en">
+                <a:solidFill>
+                  <a:srgbClr val="FFFFFF"/>
+                </a:solidFill>
+              </a:rPr>
+              <a:t>Can access the static files through AngularJS.</a:t>
+            </a:r>
+          </a:p>
+          <a:p>
+            <a:pPr indent="-228600" lvl="0" marL="457200" rtl="0">
+              <a:spcBef>
+                <a:spcPts val="0"/>
+              </a:spcBef>
+              <a:buClr>
+                <a:srgbClr val="FFFFFF"/>
+              </a:buClr>
+            </a:pPr>
+            <a:r>
+              <a:rPr lang="en">
+                <a:solidFill>
+                  <a:srgbClr val="FFFFFF"/>
+                </a:solidFill>
+              </a:rPr>
+              <a:t>Server can connect to the database:</a:t>
+            </a:r>
+          </a:p>
+          <a:p>
+            <a:pPr indent="-228600" lvl="1" marL="914400" rtl="0">
+              <a:spcBef>
+                <a:spcPts val="0"/>
+              </a:spcBef>
+              <a:buClr>
+                <a:srgbClr val="FFFFFF"/>
+              </a:buClr>
+            </a:pPr>
+            <a:r>
+              <a:rPr lang="en">
+                <a:solidFill>
+                  <a:srgbClr val="FFFFFF"/>
+                </a:solidFill>
+              </a:rPr>
+              <a:t>Can make a connection to the database.</a:t>
+            </a:r>
+          </a:p>
+          <a:p>
+            <a:pPr indent="-228600" lvl="1" marL="914400" rtl="0">
+              <a:spcBef>
+                <a:spcPts val="0"/>
+              </a:spcBef>
+              <a:buClr>
+                <a:srgbClr val="FFFFFF"/>
+              </a:buClr>
+            </a:pPr>
+            <a:r>
+              <a:rPr lang="en">
+                <a:solidFill>
+                  <a:srgbClr val="FFFFFF"/>
+                </a:solidFill>
+              </a:rPr>
+              <a:t>Can query the database and get correct results.</a:t>
+            </a:r>
+          </a:p>
+          <a:p>
+            <a:pPr indent="-228600" lvl="0" marL="457200" rtl="0">
+              <a:spcBef>
+                <a:spcPts val="0"/>
+              </a:spcBef>
+              <a:buClr>
+                <a:srgbClr val="FFFFFF"/>
+              </a:buClr>
+            </a:pPr>
+            <a:r>
+              <a:rPr lang="en">
+                <a:solidFill>
+                  <a:srgbClr val="FFFFFF"/>
+                </a:solidFill>
+              </a:rPr>
+              <a:t>Server is sanitizing user input before querying the database.</a:t>
+            </a:r>
+          </a:p>
+        </p:txBody>
+      </p:sp>
     </p:spTree>
   </p:cSld>
   <p:clrMapOvr>
@@ -18094,7 +22064,7 @@
   <p:cSld>
     <p:spTree>
       <p:nvGrpSpPr>
-        <p:cNvPr id="360" name="Shape 360"/>
+        <p:cNvPr id="363" name="Shape 363"/>
         <p:cNvGrpSpPr/>
         <p:nvPr/>
       </p:nvGrpSpPr>
@@ -18108,7 +22078,7 @@
       </p:grpSpPr>
       <p:sp>
         <p:nvSpPr>
-          <p:cNvPr id="361" name="Shape 361"/>
+          <p:cNvPr id="364" name="Shape 364"/>
           <p:cNvSpPr txBox="1"/>
           <p:nvPr>
             <p:ph type="title"/>
@@ -18116,8 +22086,8 @@
         </p:nvSpPr>
         <p:spPr>
           <a:xfrm>
-            <a:off x="708450" y="445025"/>
-            <a:ext cx="8123700" cy="572700"/>
+            <a:off x="630800" y="445025"/>
+            <a:ext cx="7919100" cy="572700"/>
           </a:xfrm>
           <a:prstGeom prst="rect">
             <a:avLst/>
@@ -18129,7 +22099,7 @@
           </a:bodyPr>
           <a:lstStyle/>
           <a:p>
-            <a:pPr lvl="0" algn="ctr">
+            <a:pPr lvl="0" rtl="0" algn="ctr">
               <a:spcBef>
                 <a:spcPts val="0"/>
               </a:spcBef>
@@ -18137,29 +22107,27 @@
             </a:pPr>
             <a:r>
               <a:rPr lang="en"/>
-              <a:t>Completion status of code</a:t>
+              <a:t>Submodule - Database</a:t>
             </a:r>
           </a:p>
         </p:txBody>
       </p:sp>
       <p:sp>
         <p:nvSpPr>
-          <p:cNvPr id="362" name="Shape 362"/>
+          <p:cNvPr id="365" name="Shape 365"/>
           <p:cNvSpPr txBox="1"/>
-          <p:nvPr/>
+          <p:nvPr>
+            <p:ph idx="1" type="body"/>
+          </p:nvPr>
         </p:nvSpPr>
         <p:spPr>
           <a:xfrm>
-            <a:off x="753150" y="1341200"/>
-            <a:ext cx="7637700" cy="3105600"/>
+            <a:off x="630800" y="1152475"/>
+            <a:ext cx="7919100" cy="3416400"/>
           </a:xfrm>
           <a:prstGeom prst="rect">
             <a:avLst/>
           </a:prstGeom>
-          <a:noFill/>
-          <a:ln>
-            <a:noFill/>
-          </a:ln>
         </p:spPr>
         <p:txBody>
           <a:bodyPr anchorCtr="0" anchor="t" bIns="91425" lIns="91425" rIns="91425" tIns="91425">
@@ -18174,141 +22142,49 @@
               <a:buNone/>
             </a:pPr>
             <a:r>
-              <a:rPr lang="en" sz="1800">
-                <a:solidFill>
-                  <a:srgbClr val="FFFFFF"/>
-                </a:solidFill>
-              </a:rPr>
-              <a:t>We are obviously behind on our timeline. Our current status in the project is as follows</a:t>
-            </a:r>
-          </a:p>
-          <a:p>
-            <a:pPr indent="-342900" lvl="0" marL="457200" rtl="0">
+              <a:rPr lang="en">
+                <a:solidFill>
+                  <a:srgbClr val="FFFFFF"/>
+                </a:solidFill>
+              </a:rPr>
+              <a:t>Coding methods:</a:t>
+            </a:r>
+          </a:p>
+          <a:p>
+            <a:pPr indent="-228600" lvl="0" marL="457200" rtl="0">
               <a:spcBef>
                 <a:spcPts val="0"/>
               </a:spcBef>
               <a:buClr>
                 <a:srgbClr val="FFFFFF"/>
               </a:buClr>
-              <a:buSzPct val="100000"/>
-              <a:buChar char="●"/>
-            </a:pPr>
-            <a:r>
-              <a:rPr lang="en" sz="1800">
-                <a:solidFill>
-                  <a:srgbClr val="FFFFFF"/>
-                </a:solidFill>
-              </a:rPr>
-              <a:t>Front End</a:t>
-            </a:r>
-          </a:p>
-          <a:p>
-            <a:pPr indent="-342900" lvl="1" marL="914400" rtl="0">
+            </a:pPr>
+            <a:r>
+              <a:rPr lang="en">
+                <a:solidFill>
+                  <a:srgbClr val="FFFFFF"/>
+                </a:solidFill>
+              </a:rPr>
+              <a:t>Normalization</a:t>
+            </a:r>
+          </a:p>
+          <a:p>
+            <a:pPr indent="-228600" lvl="0" marL="457200" rtl="0">
               <a:spcBef>
                 <a:spcPts val="0"/>
               </a:spcBef>
               <a:buClr>
                 <a:srgbClr val="FFFFFF"/>
               </a:buClr>
-              <a:buSzPct val="100000"/>
-              <a:buChar char="○"/>
-            </a:pPr>
-            <a:r>
-              <a:rPr lang="en" sz="1800" u="sng">
-                <a:solidFill>
-                  <a:srgbClr val="FFFFFF"/>
-                </a:solidFill>
-              </a:rPr>
-              <a:t>Finished</a:t>
-            </a:r>
-            <a:r>
-              <a:rPr lang="en" sz="1800">
-                <a:solidFill>
-                  <a:srgbClr val="FFFFFF"/>
-                </a:solidFill>
-              </a:rPr>
-              <a:t>: Displaying static files and basic ui on the server.</a:t>
-            </a:r>
-          </a:p>
-          <a:p>
-            <a:pPr indent="-342900" lvl="1" marL="914400" rtl="0">
-              <a:spcBef>
-                <a:spcPts val="0"/>
-              </a:spcBef>
-              <a:buClr>
-                <a:srgbClr val="FFFFFF"/>
-              </a:buClr>
-              <a:buSzPct val="100000"/>
-              <a:buChar char="○"/>
-            </a:pPr>
-            <a:r>
-              <a:rPr lang="en" sz="1800" u="sng">
-                <a:solidFill>
-                  <a:srgbClr val="FFFFFF"/>
-                </a:solidFill>
-              </a:rPr>
-              <a:t>Next</a:t>
-            </a:r>
-            <a:r>
-              <a:rPr lang="en" sz="1800">
-                <a:solidFill>
-                  <a:srgbClr val="FFFFFF"/>
-                </a:solidFill>
-              </a:rPr>
-              <a:t>: Submit form data to the back end for machine learning analyzing.</a:t>
-            </a:r>
-          </a:p>
-          <a:p>
-            <a:pPr indent="-342900" lvl="1" marL="914400" rtl="0">
-              <a:spcBef>
-                <a:spcPts val="0"/>
-              </a:spcBef>
-              <a:buClr>
-                <a:srgbClr val="FFFFFF"/>
-              </a:buClr>
-              <a:buSzPct val="100000"/>
-              <a:buChar char="○"/>
-            </a:pPr>
-            <a:r>
-              <a:rPr lang="en" sz="1800">
-                <a:solidFill>
-                  <a:srgbClr val="FFFFFF"/>
-                </a:solidFill>
-              </a:rPr>
-              <a:t>Next: Finish content for about section, blog section. Charts for visualizations, and get email on contact section working.</a:t>
-            </a:r>
-          </a:p>
-          <a:p>
-            <a:pPr indent="0" lvl="0" marL="457200" rtl="0">
-              <a:spcBef>
-                <a:spcPts val="0"/>
-              </a:spcBef>
-              <a:buNone/>
-            </a:pPr>
-            <a:r>
-              <a:t/>
-            </a:r>
-            <a:endParaRPr sz="1800">
-              <a:solidFill>
-                <a:srgbClr val="FFFFFF"/>
-              </a:solidFill>
-            </a:endParaRPr>
-          </a:p>
-          <a:p>
-            <a:pPr indent="0" lvl="0" marL="457200" rtl="0">
-              <a:spcBef>
-                <a:spcPts val="0"/>
-              </a:spcBef>
-              <a:buNone/>
-            </a:pPr>
-            <a:r>
-              <a:t/>
-            </a:r>
-            <a:endParaRPr sz="1800">
-              <a:solidFill>
-                <a:srgbClr val="FFFFFF"/>
-              </a:solidFill>
-            </a:endParaRPr>
+            </a:pPr>
+            <a:r>
+              <a:rPr lang="en">
+                <a:solidFill>
+                  <a:srgbClr val="FFFFFF"/>
+                </a:solidFill>
+              </a:rPr>
+              <a:t>Indexing</a:t>
+            </a:r>
           </a:p>
         </p:txBody>
       </p:sp>
@@ -18325,7 +22201,7 @@
   <p:cSld>
     <p:spTree>
       <p:nvGrpSpPr>
-        <p:cNvPr id="366" name="Shape 366"/>
+        <p:cNvPr id="369" name="Shape 369"/>
         <p:cNvGrpSpPr/>
         <p:nvPr/>
       </p:nvGrpSpPr>
@@ -18339,7 +22215,7 @@
       </p:grpSpPr>
       <p:sp>
         <p:nvSpPr>
-          <p:cNvPr id="367" name="Shape 367"/>
+          <p:cNvPr id="370" name="Shape 370"/>
           <p:cNvSpPr txBox="1"/>
           <p:nvPr>
             <p:ph type="title"/>
@@ -18347,8 +22223,8 @@
         </p:nvSpPr>
         <p:spPr>
           <a:xfrm>
-            <a:off x="640500" y="445025"/>
-            <a:ext cx="7831800" cy="572700"/>
+            <a:off x="596575" y="445025"/>
+            <a:ext cx="7997400" cy="572700"/>
           </a:xfrm>
           <a:prstGeom prst="rect">
             <a:avLst/>
@@ -18360,7 +22236,7 @@
           </a:bodyPr>
           <a:lstStyle/>
           <a:p>
-            <a:pPr lvl="0" rtl="0" algn="ctr">
+            <a:pPr lvl="0" algn="ctr">
               <a:spcBef>
                 <a:spcPts val="0"/>
               </a:spcBef>
@@ -18368,26 +22244,14 @@
             </a:pPr>
             <a:r>
               <a:rPr lang="en"/>
-              <a:t>Completion status of code (cont.)</a:t>
-            </a:r>
-          </a:p>
-          <a:p>
-            <a:pPr lvl="0">
-              <a:spcBef>
-                <a:spcPts val="0"/>
-              </a:spcBef>
-              <a:buNone/>
-            </a:pPr>
-            <a:r>
-              <a:t/>
-            </a:r>
-            <a:endParaRPr/>
+              <a:t>Submodule Testing - Database</a:t>
+            </a:r>
           </a:p>
         </p:txBody>
       </p:sp>
       <p:sp>
         <p:nvSpPr>
-          <p:cNvPr id="368" name="Shape 368"/>
+          <p:cNvPr id="371" name="Shape 371"/>
           <p:cNvSpPr txBox="1"/>
           <p:nvPr>
             <p:ph idx="1" type="body"/>
@@ -18395,8 +22259,8 @@
         </p:nvSpPr>
         <p:spPr>
           <a:xfrm>
-            <a:off x="640500" y="1152475"/>
-            <a:ext cx="7831800" cy="3416400"/>
+            <a:off x="596700" y="1152475"/>
+            <a:ext cx="7997400" cy="3416400"/>
           </a:xfrm>
           <a:prstGeom prst="rect">
             <a:avLst/>
@@ -18408,20 +22272,13 @@
           </a:bodyPr>
           <a:lstStyle/>
           <a:p>
-            <a:pPr indent="-342900" lvl="0" marL="457200" rtl="0">
-              <a:lnSpc>
-                <a:spcPct val="100000"/>
-              </a:lnSpc>
-              <a:spcBef>
-                <a:spcPts val="0"/>
-              </a:spcBef>
-              <a:spcAft>
-                <a:spcPts val="0"/>
-              </a:spcAft>
+            <a:pPr indent="-228600" lvl="0" marL="457200" rtl="0">
+              <a:spcBef>
+                <a:spcPts val="0"/>
+              </a:spcBef>
               <a:buClr>
                 <a:srgbClr val="FFFFFF"/>
               </a:buClr>
-              <a:buSzPct val="100000"/>
               <a:buChar char="●"/>
             </a:pPr>
             <a:r>
@@ -18430,254 +22287,281 @@
                   <a:srgbClr val="FFFFFF"/>
                 </a:solidFill>
               </a:rPr>
-              <a:t>Back End </a:t>
-            </a:r>
-          </a:p>
-          <a:p>
-            <a:pPr indent="-342900" lvl="1" marL="914400" rtl="0">
-              <a:lnSpc>
-                <a:spcPct val="100000"/>
-              </a:lnSpc>
-              <a:spcBef>
-                <a:spcPts val="0"/>
-              </a:spcBef>
-              <a:spcAft>
-                <a:spcPts val="0"/>
-              </a:spcAft>
+              <a:t>Insertions - Database is verifying requirements for new records:</a:t>
+            </a:r>
+          </a:p>
+          <a:p>
+            <a:pPr indent="-228600" lvl="1" marL="914400" rtl="0">
+              <a:spcBef>
+                <a:spcPts val="0"/>
+              </a:spcBef>
               <a:buClr>
                 <a:srgbClr val="FFFFFF"/>
               </a:buClr>
-              <a:buSzPct val="100000"/>
               <a:buChar char="○"/>
             </a:pPr>
             <a:r>
-              <a:rPr lang="en" sz="1800" u="sng">
-                <a:solidFill>
-                  <a:srgbClr val="FFFFFF"/>
-                </a:solidFill>
-              </a:rPr>
-              <a:t>Finished</a:t>
-            </a:r>
-            <a:r>
-              <a:rPr lang="en" sz="1800">
-                <a:solidFill>
-                  <a:srgbClr val="FFFFFF"/>
-                </a:solidFill>
-              </a:rPr>
-              <a:t>: The server can now connect and query the database.</a:t>
-            </a:r>
-          </a:p>
-          <a:p>
-            <a:pPr indent="-342900" lvl="1" marL="914400" rtl="0">
-              <a:lnSpc>
-                <a:spcPct val="100000"/>
-              </a:lnSpc>
-              <a:spcBef>
-                <a:spcPts val="0"/>
-              </a:spcBef>
-              <a:spcAft>
-                <a:spcPts val="0"/>
-              </a:spcAft>
+              <a:rPr lang="en">
+                <a:solidFill>
+                  <a:srgbClr val="FFFFFF"/>
+                </a:solidFill>
+              </a:rPr>
+              <a:t>Non-null attributes are not null - Test by submitting records with null </a:t>
+            </a:r>
+            <a:r>
+              <a:rPr lang="en">
+                <a:solidFill>
+                  <a:srgbClr val="FFFFFF"/>
+                </a:solidFill>
+              </a:rPr>
+              <a:t>values </a:t>
+            </a:r>
+            <a:r>
+              <a:rPr lang="en">
+                <a:solidFill>
+                  <a:srgbClr val="FFFFFF"/>
+                </a:solidFill>
+              </a:rPr>
+              <a:t>for non-null attributes.</a:t>
+            </a:r>
+          </a:p>
+          <a:p>
+            <a:pPr indent="-228600" lvl="1" marL="914400" rtl="0">
+              <a:spcBef>
+                <a:spcPts val="0"/>
+              </a:spcBef>
               <a:buClr>
                 <a:srgbClr val="FFFFFF"/>
               </a:buClr>
-              <a:buSzPct val="100000"/>
               <a:buChar char="○"/>
             </a:pPr>
             <a:r>
-              <a:rPr lang="en" sz="1800" u="sng">
-                <a:solidFill>
-                  <a:srgbClr val="FFFFFF"/>
-                </a:solidFill>
-              </a:rPr>
-              <a:t>Finished</a:t>
-            </a:r>
-            <a:r>
-              <a:rPr lang="en" sz="1800">
-                <a:solidFill>
-                  <a:srgbClr val="FFFFFF"/>
-                </a:solidFill>
-              </a:rPr>
-              <a:t>: The server can also serve static files for the front end. </a:t>
-            </a:r>
-          </a:p>
-          <a:p>
-            <a:pPr indent="-342900" lvl="1" marL="914400" rtl="0">
-              <a:lnSpc>
-                <a:spcPct val="100000"/>
-              </a:lnSpc>
-              <a:spcBef>
-                <a:spcPts val="0"/>
-              </a:spcBef>
-              <a:spcAft>
-                <a:spcPts val="0"/>
-              </a:spcAft>
+              <a:rPr lang="en">
+                <a:solidFill>
+                  <a:srgbClr val="FFFFFF"/>
+                </a:solidFill>
+              </a:rPr>
+              <a:t>Attributes within accepted range of values - Test by submitting records with values outside of range of accepted values.</a:t>
+            </a:r>
+          </a:p>
+          <a:p>
+            <a:pPr indent="-228600" lvl="0" marL="457200" rtl="0">
+              <a:spcBef>
+                <a:spcPts val="0"/>
+              </a:spcBef>
               <a:buClr>
                 <a:srgbClr val="FFFFFF"/>
               </a:buClr>
-              <a:buSzPct val="100000"/>
-              <a:buChar char="○"/>
-            </a:pPr>
-            <a:r>
-              <a:rPr lang="en" sz="1800" u="sng">
-                <a:solidFill>
-                  <a:srgbClr val="FFFFFF"/>
-                </a:solidFill>
-              </a:rPr>
-              <a:t>Next</a:t>
-            </a:r>
-            <a:r>
-              <a:rPr lang="en" sz="1800">
-                <a:solidFill>
-                  <a:srgbClr val="FFFFFF"/>
-                </a:solidFill>
-              </a:rPr>
-              <a:t>: Submitting forms from the front end.</a:t>
-            </a:r>
-          </a:p>
-          <a:p>
-            <a:pPr indent="-342900" lvl="1" marL="914400" rtl="0">
-              <a:lnSpc>
-                <a:spcPct val="100000"/>
-              </a:lnSpc>
-              <a:spcBef>
-                <a:spcPts val="0"/>
-              </a:spcBef>
-              <a:spcAft>
-                <a:spcPts val="0"/>
-              </a:spcAft>
+              <a:buChar char="●"/>
+            </a:pPr>
+            <a:r>
+              <a:rPr lang="en">
+                <a:solidFill>
+                  <a:srgbClr val="FFFFFF"/>
+                </a:solidFill>
+              </a:rPr>
+              <a:t>Query Results - Attributes are configured to return correct query results.</a:t>
+            </a:r>
+          </a:p>
+          <a:p>
+            <a:pPr indent="-228600" lvl="1" marL="914400" rtl="0">
+              <a:spcBef>
+                <a:spcPts val="0"/>
+              </a:spcBef>
               <a:buClr>
                 <a:srgbClr val="FFFFFF"/>
               </a:buClr>
-              <a:buSzPct val="100000"/>
               <a:buChar char="○"/>
             </a:pPr>
             <a:r>
-              <a:rPr lang="en" sz="1800" u="sng">
-                <a:solidFill>
-                  <a:srgbClr val="FFFFFF"/>
-                </a:solidFill>
-              </a:rPr>
-              <a:t>Next</a:t>
-            </a:r>
-            <a:r>
-              <a:rPr lang="en" sz="1800">
-                <a:solidFill>
-                  <a:srgbClr val="FFFFFF"/>
-                </a:solidFill>
-              </a:rPr>
-              <a:t>: Sending it to the machine learning.</a:t>
-            </a:r>
-          </a:p>
-          <a:p>
-            <a:pPr indent="-342900" lvl="0" marL="457200" rtl="0">
-              <a:lnSpc>
-                <a:spcPct val="100000"/>
-              </a:lnSpc>
-              <a:spcBef>
-                <a:spcPts val="0"/>
-              </a:spcBef>
-              <a:spcAft>
-                <a:spcPts val="0"/>
-              </a:spcAft>
+              <a:rPr lang="en">
+                <a:solidFill>
+                  <a:srgbClr val="FFFFFF"/>
+                </a:solidFill>
+              </a:rPr>
+              <a:t>Records have attribute specified by query - Test by submitting queries with ranges of values for different attributes and check results to see if results match queries.</a:t>
+            </a:r>
+          </a:p>
+          <a:p>
+            <a:pPr indent="-228600" lvl="1" marL="914400" rtl="0">
+              <a:spcBef>
+                <a:spcPts val="0"/>
+              </a:spcBef>
               <a:buClr>
                 <a:srgbClr val="FFFFFF"/>
               </a:buClr>
-              <a:buSzPct val="100000"/>
-              <a:buChar char="●"/>
-            </a:pPr>
-            <a:r>
-              <a:rPr lang="en">
-                <a:solidFill>
-                  <a:srgbClr val="FFFFFF"/>
-                </a:solidFill>
-              </a:rPr>
-              <a:t>Database</a:t>
-            </a:r>
-          </a:p>
-          <a:p>
-            <a:pPr indent="-342900" lvl="1" marL="914400" rtl="0">
-              <a:lnSpc>
-                <a:spcPct val="100000"/>
-              </a:lnSpc>
-              <a:spcBef>
-                <a:spcPts val="0"/>
-              </a:spcBef>
-              <a:spcAft>
-                <a:spcPts val="0"/>
-              </a:spcAft>
+              <a:buChar char="○"/>
+            </a:pPr>
+            <a:r>
+              <a:rPr lang="en">
+                <a:solidFill>
+                  <a:srgbClr val="FFFFFF"/>
+                </a:solidFill>
+              </a:rPr>
+              <a:t>Verify that queries generated by frontend calls return appropriate results - Test by submitting various input to front end and see if results match query requests.</a:t>
+            </a:r>
+          </a:p>
+        </p:txBody>
+      </p:sp>
+    </p:spTree>
+  </p:cSld>
+  <p:clrMapOvr>
+    <a:masterClrMapping/>
+  </p:clrMapOvr>
+</p:sld>
+</file>
+
+<file path=ppt/slides/slide53.xml><?xml version="1.0" encoding="utf-8"?>
+<p:sld xmlns:a="http://schemas.openxmlformats.org/drawingml/2006/main" xmlns:r="http://schemas.openxmlformats.org/officeDocument/2006/relationships" xmlns:mc="http://schemas.openxmlformats.org/markup-compatibility/2006" xmlns:mv="urn:schemas-microsoft-com:mac:vml" xmlns:p="http://schemas.openxmlformats.org/presentationml/2006/main" xmlns:c="http://schemas.openxmlformats.org/drawingml/2006/chart" xmlns:dgm="http://schemas.openxmlformats.org/drawingml/2006/diagram" xmlns:o="urn:schemas-microsoft-com:office:office" xmlns:v="urn:schemas-microsoft-com:vml" xmlns:pvml="urn:schemas-microsoft-com:office:powerpoint" xmlns:com="http://schemas.openxmlformats.org/drawingml/2006/compatibility" xmlns:p14="http://schemas.microsoft.com/office/powerpoint/2010/main">
+  <p:cSld>
+    <p:spTree>
+      <p:nvGrpSpPr>
+        <p:cNvPr id="375" name="Shape 375"/>
+        <p:cNvGrpSpPr/>
+        <p:nvPr/>
+      </p:nvGrpSpPr>
+      <p:grpSpPr>
+        <a:xfrm>
+          <a:off x="0" y="0"/>
+          <a:ext cx="0" cy="0"/>
+          <a:chOff x="0" y="0"/>
+          <a:chExt cx="0" cy="0"/>
+        </a:xfrm>
+      </p:grpSpPr>
+      <p:sp>
+        <p:nvSpPr>
+          <p:cNvPr id="376" name="Shape 376"/>
+          <p:cNvSpPr txBox="1"/>
+          <p:nvPr>
+            <p:ph type="title"/>
+          </p:nvPr>
+        </p:nvSpPr>
+        <p:spPr>
+          <a:xfrm>
+            <a:off x="630800" y="445025"/>
+            <a:ext cx="7919100" cy="572700"/>
+          </a:xfrm>
+          <a:prstGeom prst="rect">
+            <a:avLst/>
+          </a:prstGeom>
+        </p:spPr>
+        <p:txBody>
+          <a:bodyPr anchorCtr="0" anchor="t" bIns="91425" lIns="91425" rIns="91425" tIns="91425">
+            <a:noAutofit/>
+          </a:bodyPr>
+          <a:lstStyle/>
+          <a:p>
+            <a:pPr lvl="0" rtl="0" algn="ctr">
+              <a:spcBef>
+                <a:spcPts val="0"/>
+              </a:spcBef>
+              <a:buNone/>
+            </a:pPr>
+            <a:r>
+              <a:rPr lang="en"/>
+              <a:t>Submodule - Machine Learning</a:t>
+            </a:r>
+          </a:p>
+        </p:txBody>
+      </p:sp>
+      <p:sp>
+        <p:nvSpPr>
+          <p:cNvPr id="377" name="Shape 377"/>
+          <p:cNvSpPr txBox="1"/>
+          <p:nvPr>
+            <p:ph idx="1" type="body"/>
+          </p:nvPr>
+        </p:nvSpPr>
+        <p:spPr>
+          <a:xfrm>
+            <a:off x="630800" y="1152475"/>
+            <a:ext cx="7919100" cy="3416400"/>
+          </a:xfrm>
+          <a:prstGeom prst="rect">
+            <a:avLst/>
+          </a:prstGeom>
+        </p:spPr>
+        <p:txBody>
+          <a:bodyPr anchorCtr="0" anchor="t" bIns="91425" lIns="91425" rIns="91425" tIns="91425">
+            <a:noAutofit/>
+          </a:bodyPr>
+          <a:lstStyle/>
+          <a:p>
+            <a:pPr lvl="0">
+              <a:spcBef>
+                <a:spcPts val="0"/>
+              </a:spcBef>
+              <a:buNone/>
+            </a:pPr>
+            <a:r>
+              <a:rPr lang="en">
+                <a:solidFill>
+                  <a:srgbClr val="FFFFFF"/>
+                </a:solidFill>
+              </a:rPr>
+              <a:t>Coding methods:</a:t>
+            </a:r>
+          </a:p>
+          <a:p>
+            <a:pPr indent="-228600" lvl="0" marL="457200" rtl="0">
+              <a:spcBef>
+                <a:spcPts val="0"/>
+              </a:spcBef>
               <a:buClr>
                 <a:srgbClr val="FFFFFF"/>
               </a:buClr>
-              <a:buSzPct val="100000"/>
-              <a:buChar char="○"/>
-            </a:pPr>
-            <a:r>
-              <a:rPr lang="en" sz="1800" u="sng">
-                <a:solidFill>
-                  <a:srgbClr val="FFFFFF"/>
-                </a:solidFill>
-              </a:rPr>
-              <a:t>Finished</a:t>
-            </a:r>
-            <a:r>
-              <a:rPr lang="en" sz="1800">
-                <a:solidFill>
-                  <a:srgbClr val="FFFFFF"/>
-                </a:solidFill>
-              </a:rPr>
-              <a:t>: Data acquisition.</a:t>
-            </a:r>
-          </a:p>
-          <a:p>
-            <a:pPr indent="-342900" lvl="1" marL="914400" rtl="0">
-              <a:lnSpc>
-                <a:spcPct val="100000"/>
-              </a:lnSpc>
-              <a:spcBef>
-                <a:spcPts val="0"/>
-              </a:spcBef>
-              <a:spcAft>
-                <a:spcPts val="0"/>
-              </a:spcAft>
+            </a:pPr>
+            <a:r>
+              <a:rPr lang="en">
+                <a:solidFill>
+                  <a:srgbClr val="FFFFFF"/>
+                </a:solidFill>
+              </a:rPr>
+              <a:t>Use LabelEncoder to preprocess the data of categorical variables </a:t>
+            </a:r>
+          </a:p>
+          <a:p>
+            <a:pPr indent="-228600" lvl="0" marL="457200" rtl="0">
+              <a:spcBef>
+                <a:spcPts val="0"/>
+              </a:spcBef>
               <a:buClr>
                 <a:srgbClr val="FFFFFF"/>
               </a:buClr>
-              <a:buSzPct val="100000"/>
-              <a:buChar char="○"/>
-            </a:pPr>
-            <a:r>
-              <a:rPr lang="en" sz="1800" u="sng">
-                <a:solidFill>
-                  <a:srgbClr val="FFFFFF"/>
-                </a:solidFill>
-              </a:rPr>
-              <a:t>Next</a:t>
-            </a:r>
-            <a:r>
-              <a:rPr lang="en" sz="1800">
-                <a:solidFill>
-                  <a:srgbClr val="FFFFFF"/>
-                </a:solidFill>
-              </a:rPr>
-              <a:t>: Create unit tests.</a:t>
-            </a:r>
-          </a:p>
-          <a:p>
-            <a:pPr indent="-342900" lvl="0" marL="457200" rtl="0">
-              <a:lnSpc>
-                <a:spcPct val="100000"/>
-              </a:lnSpc>
-              <a:spcBef>
-                <a:spcPts val="0"/>
-              </a:spcBef>
-              <a:spcAft>
-                <a:spcPts val="0"/>
-              </a:spcAft>
+            </a:pPr>
+            <a:r>
+              <a:rPr lang="en">
+                <a:solidFill>
+                  <a:srgbClr val="FFFFFF"/>
+                </a:solidFill>
+              </a:rPr>
+              <a:t>Send that preprocessed data into the RandomForestClassifier</a:t>
+            </a:r>
+          </a:p>
+          <a:p>
+            <a:pPr lvl="0" rtl="0">
+              <a:spcBef>
+                <a:spcPts val="0"/>
+              </a:spcBef>
+              <a:buNone/>
+            </a:pPr>
+            <a:r>
+              <a:rPr lang="en">
+                <a:solidFill>
+                  <a:srgbClr val="FFFFFF"/>
+                </a:solidFill>
+              </a:rPr>
+              <a:t>Unit Testing: </a:t>
+            </a:r>
+          </a:p>
+          <a:p>
+            <a:pPr indent="-228600" lvl="0" marL="457200" rtl="0">
+              <a:spcBef>
+                <a:spcPts val="0"/>
+              </a:spcBef>
               <a:buClr>
                 <a:srgbClr val="FFFFFF"/>
               </a:buClr>
-              <a:buSzPct val="100000"/>
               <a:buChar char="●"/>
             </a:pPr>
             <a:r>
@@ -18686,76 +22570,27 @@
                   <a:srgbClr val="FFFFFF"/>
                 </a:solidFill>
               </a:rPr>
-              <a:t>Machine Learning</a:t>
-            </a:r>
-          </a:p>
-          <a:p>
-            <a:pPr indent="-342900" lvl="1" marL="914400" rtl="0">
-              <a:lnSpc>
-                <a:spcPct val="100000"/>
-              </a:lnSpc>
-              <a:spcBef>
-                <a:spcPts val="0"/>
-              </a:spcBef>
-              <a:spcAft>
-                <a:spcPts val="0"/>
-              </a:spcAft>
+              <a:t>Volume  </a:t>
+            </a:r>
+          </a:p>
+          <a:p>
+            <a:pPr indent="-228600" lvl="0" marL="457200" rtl="0">
+              <a:spcBef>
+                <a:spcPts val="0"/>
+              </a:spcBef>
               <a:buClr>
                 <a:srgbClr val="FFFFFF"/>
               </a:buClr>
-              <a:buSzPct val="100000"/>
-              <a:buChar char="○"/>
-            </a:pPr>
-            <a:r>
-              <a:rPr lang="en" sz="1800" u="sng">
-                <a:solidFill>
-                  <a:srgbClr val="FFFFFF"/>
-                </a:solidFill>
-              </a:rPr>
-              <a:t>Finished</a:t>
-            </a:r>
-            <a:r>
-              <a:rPr lang="en" sz="1800">
-                <a:solidFill>
-                  <a:srgbClr val="FFFFFF"/>
-                </a:solidFill>
-              </a:rPr>
-              <a:t>:</a:t>
-            </a:r>
-          </a:p>
-          <a:p>
-            <a:pPr indent="-342900" lvl="1" marL="914400" rtl="0">
-              <a:lnSpc>
-                <a:spcPct val="100000"/>
-              </a:lnSpc>
-              <a:spcBef>
-                <a:spcPts val="0"/>
-              </a:spcBef>
-              <a:spcAft>
-                <a:spcPts val="0"/>
-              </a:spcAft>
-              <a:buClr>
+              <a:buChar char="●"/>
+            </a:pPr>
+            <a:r>
+              <a:t/>
+            </a:r>
+            <a:endParaRPr>
+              <a:solidFill>
                 <a:srgbClr val="FFFFFF"/>
-              </a:buClr>
-              <a:buSzPct val="100000"/>
-              <a:buChar char="○"/>
-            </a:pPr>
-            <a:r>
-              <a:rPr lang="en" sz="1800" u="sng">
-                <a:solidFill>
-                  <a:srgbClr val="FFFFFF"/>
-                </a:solidFill>
-              </a:rPr>
-              <a:t>Next</a:t>
-            </a:r>
-            <a:r>
-              <a:rPr lang="en" sz="1800">
-                <a:solidFill>
-                  <a:srgbClr val="FFFFFF"/>
-                </a:solidFill>
-              </a:rPr>
-              <a:t>:</a:t>
-            </a:r>
+              </a:solidFill>
+            </a:endParaRPr>
           </a:p>
         </p:txBody>
       </p:sp>
@@ -19627,6 +23462,285 @@
 </file>
 
 <file path=ppt/theme/theme1.xml><?xml version="1.0" encoding="utf-8"?>
+<a:theme xmlns:a="http://schemas.openxmlformats.org/drawingml/2006/main" xmlns:r="http://schemas.openxmlformats.org/officeDocument/2006/relationships" name="simple-dark-2">
+  <a:themeElements>
+    <a:clrScheme name="Simple Dark">
+      <a:dk1>
+        <a:srgbClr val="FFFFFF"/>
+      </a:dk1>
+      <a:lt1>
+        <a:srgbClr val="212121"/>
+      </a:lt1>
+      <a:dk2>
+        <a:srgbClr val="303030"/>
+      </a:dk2>
+      <a:lt2>
+        <a:srgbClr val="ADADAD"/>
+      </a:lt2>
+      <a:accent1>
+        <a:srgbClr val="009688"/>
+      </a:accent1>
+      <a:accent2>
+        <a:srgbClr val="EEEEEE"/>
+      </a:accent2>
+      <a:accent3>
+        <a:srgbClr val="78909C"/>
+      </a:accent3>
+      <a:accent4>
+        <a:srgbClr val="FFAB40"/>
+      </a:accent4>
+      <a:accent5>
+        <a:srgbClr val="4DD0E1"/>
+      </a:accent5>
+      <a:accent6>
+        <a:srgbClr val="EEFF41"/>
+      </a:accent6>
+      <a:hlink>
+        <a:srgbClr val="4DD0E1"/>
+      </a:hlink>
+      <a:folHlink>
+        <a:srgbClr val="4DD0E1"/>
+      </a:folHlink>
+    </a:clrScheme>
+    <a:fontScheme name="Office">
+      <a:majorFont>
+        <a:latin typeface="Arial"/>
+        <a:ea typeface=""/>
+        <a:cs typeface=""/>
+        <a:font script="Jpan" typeface="ＭＳ Ｐゴシック"/>
+        <a:font script="Hang" typeface="맑은 고딕"/>
+        <a:font script="Hans" typeface="宋体"/>
+        <a:font script="Hant" typeface="新細明體"/>
+        <a:font script="Arab" typeface="Times New Roman"/>
+        <a:font script="Hebr" typeface="Times New Roman"/>
+        <a:font script="Thai" typeface="Angsana New"/>
+        <a:font script="Ethi" typeface="Nyala"/>
+        <a:font script="Beng" typeface="Vrinda"/>
+        <a:font script="Gujr" typeface="Shruti"/>
+        <a:font script="Khmr" typeface="MoolBoran"/>
+        <a:font script="Knda" typeface="Tunga"/>
+        <a:font script="Guru" typeface="Raavi"/>
+        <a:font script="Cans" typeface="Euphemia"/>
+        <a:font script="Cher" typeface="Plantagenet Cherokee"/>
+        <a:font script="Yiii" typeface="Microsoft Yi Baiti"/>
+        <a:font script="Tibt" typeface="Microsoft Himalaya"/>
+        <a:font script="Thaa" typeface="MV Boli"/>
+        <a:font script="Deva" typeface="Mangal"/>
+        <a:font script="Telu" typeface="Gautami"/>
+        <a:font script="Taml" typeface="Latha"/>
+        <a:font script="Syrc" typeface="Estrangelo Edessa"/>
+        <a:font script="Orya" typeface="Kalinga"/>
+        <a:font script="Mlym" typeface="Kartika"/>
+        <a:font script="Laoo" typeface="DokChampa"/>
+        <a:font script="Sinh" typeface="Iskoola Pota"/>
+        <a:font script="Mong" typeface="Mongolian Baiti"/>
+        <a:font script="Viet" typeface="Times New Roman"/>
+        <a:font script="Uigh" typeface="Microsoft Uighur"/>
+        <a:font script="Geor" typeface="Sylfaen"/>
+      </a:majorFont>
+      <a:minorFont>
+        <a:latin typeface="Arial"/>
+        <a:ea typeface=""/>
+        <a:cs typeface=""/>
+        <a:font script="Jpan" typeface="ＭＳ Ｐゴシック"/>
+        <a:font script="Hang" typeface="맑은 고딕"/>
+        <a:font script="Hans" typeface="宋体"/>
+        <a:font script="Hant" typeface="新細明體"/>
+        <a:font script="Arab" typeface="Arial"/>
+        <a:font script="Hebr" typeface="Arial"/>
+        <a:font script="Thai" typeface="Cordia New"/>
+        <a:font script="Ethi" typeface="Nyala"/>
+        <a:font script="Beng" typeface="Vrinda"/>
+        <a:font script="Gujr" typeface="Shruti"/>
+        <a:font script="Khmr" typeface="DaunPenh"/>
+        <a:font script="Knda" typeface="Tunga"/>
+        <a:font script="Guru" typeface="Raavi"/>
+        <a:font script="Cans" typeface="Euphemia"/>
+        <a:font script="Cher" typeface="Plantagenet Cherokee"/>
+        <a:font script="Yiii" typeface="Microsoft Yi Baiti"/>
+        <a:font script="Tibt" typeface="Microsoft Himalaya"/>
+        <a:font script="Thaa" typeface="MV Boli"/>
+        <a:font script="Deva" typeface="Mangal"/>
+        <a:font script="Telu" typeface="Gautami"/>
+        <a:font script="Taml" typeface="Latha"/>
+        <a:font script="Syrc" typeface="Estrangelo Edessa"/>
+        <a:font script="Orya" typeface="Kalinga"/>
+        <a:font script="Mlym" typeface="Kartika"/>
+        <a:font script="Laoo" typeface="DokChampa"/>
+        <a:font script="Sinh" typeface="Iskoola Pota"/>
+        <a:font script="Mong" typeface="Mongolian Baiti"/>
+        <a:font script="Viet" typeface="Arial"/>
+        <a:font script="Uigh" typeface="Microsoft Uighur"/>
+        <a:font script="Geor" typeface="Sylfaen"/>
+      </a:minorFont>
+    </a:fontScheme>
+    <a:fmtScheme name="Office">
+      <a:fillStyleLst>
+        <a:solidFill>
+          <a:schemeClr val="phClr"/>
+        </a:solidFill>
+        <a:gradFill rotWithShape="1">
+          <a:gsLst>
+            <a:gs pos="0">
+              <a:schemeClr val="phClr">
+                <a:tint val="50000"/>
+                <a:satMod val="300000"/>
+              </a:schemeClr>
+            </a:gs>
+            <a:gs pos="35000">
+              <a:schemeClr val="phClr">
+                <a:tint val="37000"/>
+                <a:satMod val="300000"/>
+              </a:schemeClr>
+            </a:gs>
+            <a:gs pos="100000">
+              <a:schemeClr val="phClr">
+                <a:tint val="15000"/>
+                <a:satMod val="350000"/>
+              </a:schemeClr>
+            </a:gs>
+          </a:gsLst>
+          <a:lin ang="16200000" scaled="1"/>
+        </a:gradFill>
+        <a:gradFill rotWithShape="1">
+          <a:gsLst>
+            <a:gs pos="0">
+              <a:schemeClr val="phClr">
+                <a:tint val="100000"/>
+                <a:shade val="100000"/>
+                <a:satMod val="130000"/>
+              </a:schemeClr>
+            </a:gs>
+            <a:gs pos="100000">
+              <a:schemeClr val="phClr">
+                <a:tint val="50000"/>
+                <a:shade val="100000"/>
+                <a:satMod val="350000"/>
+              </a:schemeClr>
+            </a:gs>
+          </a:gsLst>
+          <a:lin ang="16200000" scaled="0"/>
+        </a:gradFill>
+      </a:fillStyleLst>
+      <a:lnStyleLst>
+        <a:ln w="9525" cap="flat" cmpd="sng" algn="ctr">
+          <a:solidFill>
+            <a:schemeClr val="phClr">
+              <a:shade val="95000"/>
+              <a:satMod val="105000"/>
+            </a:schemeClr>
+          </a:solidFill>
+          <a:prstDash val="solid"/>
+        </a:ln>
+        <a:ln w="25400" cap="flat" cmpd="sng" algn="ctr">
+          <a:solidFill>
+            <a:schemeClr val="phClr"/>
+          </a:solidFill>
+          <a:prstDash val="solid"/>
+        </a:ln>
+        <a:ln w="38100" cap="flat" cmpd="sng" algn="ctr">
+          <a:solidFill>
+            <a:schemeClr val="phClr"/>
+          </a:solidFill>
+          <a:prstDash val="solid"/>
+        </a:ln>
+      </a:lnStyleLst>
+      <a:effectStyleLst>
+        <a:effectStyle>
+          <a:effectLst>
+            <a:outerShdw blurRad="40000" dist="20000" dir="5400000" rotWithShape="0">
+              <a:srgbClr val="000000">
+                <a:alpha val="38000"/>
+              </a:srgbClr>
+            </a:outerShdw>
+          </a:effectLst>
+        </a:effectStyle>
+        <a:effectStyle>
+          <a:effectLst>
+            <a:outerShdw blurRad="40000" dist="23000" dir="5400000" rotWithShape="0">
+              <a:srgbClr val="000000">
+                <a:alpha val="35000"/>
+              </a:srgbClr>
+            </a:outerShdw>
+          </a:effectLst>
+        </a:effectStyle>
+        <a:effectStyle>
+          <a:effectLst>
+            <a:outerShdw blurRad="40000" dist="23000" dir="5400000" rotWithShape="0">
+              <a:srgbClr val="000000">
+                <a:alpha val="35000"/>
+              </a:srgbClr>
+            </a:outerShdw>
+          </a:effectLst>
+          <a:scene3d>
+            <a:camera prst="orthographicFront">
+              <a:rot lat="0" lon="0" rev="0"/>
+            </a:camera>
+            <a:lightRig rig="threePt" dir="t">
+              <a:rot lat="0" lon="0" rev="1200000"/>
+            </a:lightRig>
+          </a:scene3d>
+          <a:sp3d>
+            <a:bevelT w="63500" h="25400"/>
+          </a:sp3d>
+        </a:effectStyle>
+      </a:effectStyleLst>
+      <a:bgFillStyleLst>
+        <a:solidFill>
+          <a:schemeClr val="phClr"/>
+        </a:solidFill>
+        <a:gradFill rotWithShape="1">
+          <a:gsLst>
+            <a:gs pos="0">
+              <a:schemeClr val="phClr">
+                <a:tint val="40000"/>
+                <a:satMod val="350000"/>
+              </a:schemeClr>
+            </a:gs>
+            <a:gs pos="40000">
+              <a:schemeClr val="phClr">
+                <a:tint val="45000"/>
+                <a:shade val="99000"/>
+                <a:satMod val="350000"/>
+              </a:schemeClr>
+            </a:gs>
+            <a:gs pos="100000">
+              <a:schemeClr val="phClr">
+                <a:shade val="20000"/>
+                <a:satMod val="255000"/>
+              </a:schemeClr>
+            </a:gs>
+          </a:gsLst>
+          <a:path path="circle">
+            <a:fillToRect l="50000" t="-80000" r="50000" b="180000"/>
+          </a:path>
+        </a:gradFill>
+        <a:gradFill rotWithShape="1">
+          <a:gsLst>
+            <a:gs pos="0">
+              <a:schemeClr val="phClr">
+                <a:tint val="80000"/>
+                <a:satMod val="300000"/>
+              </a:schemeClr>
+            </a:gs>
+            <a:gs pos="100000">
+              <a:schemeClr val="phClr">
+                <a:shade val="30000"/>
+                <a:satMod val="200000"/>
+              </a:schemeClr>
+            </a:gs>
+          </a:gsLst>
+          <a:path path="circle">
+            <a:fillToRect l="50000" t="50000" r="50000" b="50000"/>
+          </a:path>
+        </a:gradFill>
+      </a:bgFillStyleLst>
+    </a:fmtScheme>
+  </a:themeElements>
+</a:theme>
+</file>
+
+<file path=ppt/theme/theme2.xml><?xml version="1.0" encoding="utf-8"?>
 <a:theme xmlns:a="http://schemas.openxmlformats.org/drawingml/2006/main" xmlns:r="http://schemas.openxmlformats.org/officeDocument/2006/relationships" name="Custom Theme">
   <a:themeElements>
     <a:clrScheme name="Default">
@@ -19903,283 +24017,4 @@
     </a:fmtScheme>
   </a:themeElements>
 </a:theme>
-</file>
-
-<file path=ppt/theme/theme2.xml><?xml version="1.0" encoding="utf-8"?>
-<a:theme xmlns:a="http://schemas.openxmlformats.org/drawingml/2006/main" xmlns:r="http://schemas.openxmlformats.org/officeDocument/2006/relationships" name="simple-dark-2">
-  <a:themeElements>
-    <a:clrScheme name="Simple Dark">
-      <a:dk1>
-        <a:srgbClr val="FFFFFF"/>
-      </a:dk1>
-      <a:lt1>
-        <a:srgbClr val="212121"/>
-      </a:lt1>
-      <a:dk2>
-        <a:srgbClr val="303030"/>
-      </a:dk2>
-      <a:lt2>
-        <a:srgbClr val="ADADAD"/>
-      </a:lt2>
-      <a:accent1>
-        <a:srgbClr val="009688"/>
-      </a:accent1>
-      <a:accent2>
-        <a:srgbClr val="EEEEEE"/>
-      </a:accent2>
-      <a:accent3>
-        <a:srgbClr val="78909C"/>
-      </a:accent3>
-      <a:accent4>
-        <a:srgbClr val="FFAB40"/>
-      </a:accent4>
-      <a:accent5>
-        <a:srgbClr val="4DD0E1"/>
-      </a:accent5>
-      <a:accent6>
-        <a:srgbClr val="EEFF41"/>
-      </a:accent6>
-      <a:hlink>
-        <a:srgbClr val="4DD0E1"/>
-      </a:hlink>
-      <a:folHlink>
-        <a:srgbClr val="4DD0E1"/>
-      </a:folHlink>
-    </a:clrScheme>
-    <a:fontScheme name="Office">
-      <a:majorFont>
-        <a:latin typeface="Arial"/>
-        <a:ea typeface=""/>
-        <a:cs typeface=""/>
-        <a:font script="Jpan" typeface="ＭＳ Ｐゴシック"/>
-        <a:font script="Hang" typeface="맑은 고딕"/>
-        <a:font script="Hans" typeface="宋体"/>
-        <a:font script="Hant" typeface="新細明體"/>
-        <a:font script="Arab" typeface="Times New Roman"/>
-        <a:font script="Hebr" typeface="Times New Roman"/>
-        <a:font script="Thai" typeface="Angsana New"/>
-        <a:font script="Ethi" typeface="Nyala"/>
-        <a:font script="Beng" typeface="Vrinda"/>
-        <a:font script="Gujr" typeface="Shruti"/>
-        <a:font script="Khmr" typeface="MoolBoran"/>
-        <a:font script="Knda" typeface="Tunga"/>
-        <a:font script="Guru" typeface="Raavi"/>
-        <a:font script="Cans" typeface="Euphemia"/>
-        <a:font script="Cher" typeface="Plantagenet Cherokee"/>
-        <a:font script="Yiii" typeface="Microsoft Yi Baiti"/>
-        <a:font script="Tibt" typeface="Microsoft Himalaya"/>
-        <a:font script="Thaa" typeface="MV Boli"/>
-        <a:font script="Deva" typeface="Mangal"/>
-        <a:font script="Telu" typeface="Gautami"/>
-        <a:font script="Taml" typeface="Latha"/>
-        <a:font script="Syrc" typeface="Estrangelo Edessa"/>
-        <a:font script="Orya" typeface="Kalinga"/>
-        <a:font script="Mlym" typeface="Kartika"/>
-        <a:font script="Laoo" typeface="DokChampa"/>
-        <a:font script="Sinh" typeface="Iskoola Pota"/>
-        <a:font script="Mong" typeface="Mongolian Baiti"/>
-        <a:font script="Viet" typeface="Times New Roman"/>
-        <a:font script="Uigh" typeface="Microsoft Uighur"/>
-        <a:font script="Geor" typeface="Sylfaen"/>
-      </a:majorFont>
-      <a:minorFont>
-        <a:latin typeface="Arial"/>
-        <a:ea typeface=""/>
-        <a:cs typeface=""/>
-        <a:font script="Jpan" typeface="ＭＳ Ｐゴシック"/>
-        <a:font script="Hang" typeface="맑은 고딕"/>
-        <a:font script="Hans" typeface="宋体"/>
-        <a:font script="Hant" typeface="新細明體"/>
-        <a:font script="Arab" typeface="Arial"/>
-        <a:font script="Hebr" typeface="Arial"/>
-        <a:font script="Thai" typeface="Cordia New"/>
-        <a:font script="Ethi" typeface="Nyala"/>
-        <a:font script="Beng" typeface="Vrinda"/>
-        <a:font script="Gujr" typeface="Shruti"/>
-        <a:font script="Khmr" typeface="DaunPenh"/>
-        <a:font script="Knda" typeface="Tunga"/>
-        <a:font script="Guru" typeface="Raavi"/>
-        <a:font script="Cans" typeface="Euphemia"/>
-        <a:font script="Cher" typeface="Plantagenet Cherokee"/>
-        <a:font script="Yiii" typeface="Microsoft Yi Baiti"/>
-        <a:font script="Tibt" typeface="Microsoft Himalaya"/>
-        <a:font script="Thaa" typeface="MV Boli"/>
-        <a:font script="Deva" typeface="Mangal"/>
-        <a:font script="Telu" typeface="Gautami"/>
-        <a:font script="Taml" typeface="Latha"/>
-        <a:font script="Syrc" typeface="Estrangelo Edessa"/>
-        <a:font script="Orya" typeface="Kalinga"/>
-        <a:font script="Mlym" typeface="Kartika"/>
-        <a:font script="Laoo" typeface="DokChampa"/>
-        <a:font script="Sinh" typeface="Iskoola Pota"/>
-        <a:font script="Mong" typeface="Mongolian Baiti"/>
-        <a:font script="Viet" typeface="Arial"/>
-        <a:font script="Uigh" typeface="Microsoft Uighur"/>
-        <a:font script="Geor" typeface="Sylfaen"/>
-      </a:minorFont>
-    </a:fontScheme>
-    <a:fmtScheme name="Office">
-      <a:fillStyleLst>
-        <a:solidFill>
-          <a:schemeClr val="phClr"/>
-        </a:solidFill>
-        <a:gradFill rotWithShape="1">
-          <a:gsLst>
-            <a:gs pos="0">
-              <a:schemeClr val="phClr">
-                <a:tint val="50000"/>
-                <a:satMod val="300000"/>
-              </a:schemeClr>
-            </a:gs>
-            <a:gs pos="35000">
-              <a:schemeClr val="phClr">
-                <a:tint val="37000"/>
-                <a:satMod val="300000"/>
-              </a:schemeClr>
-            </a:gs>
-            <a:gs pos="100000">
-              <a:schemeClr val="phClr">
-                <a:tint val="15000"/>
-                <a:satMod val="350000"/>
-              </a:schemeClr>
-            </a:gs>
-          </a:gsLst>
-          <a:lin ang="16200000" scaled="1"/>
-        </a:gradFill>
-        <a:gradFill rotWithShape="1">
-          <a:gsLst>
-            <a:gs pos="0">
-              <a:schemeClr val="phClr">
-                <a:tint val="100000"/>
-                <a:shade val="100000"/>
-                <a:satMod val="130000"/>
-              </a:schemeClr>
-            </a:gs>
-            <a:gs pos="100000">
-              <a:schemeClr val="phClr">
-                <a:tint val="50000"/>
-                <a:shade val="100000"/>
-                <a:satMod val="350000"/>
-              </a:schemeClr>
-            </a:gs>
-          </a:gsLst>
-          <a:lin ang="16200000" scaled="0"/>
-        </a:gradFill>
-      </a:fillStyleLst>
-      <a:lnStyleLst>
-        <a:ln w="9525" cap="flat" cmpd="sng" algn="ctr">
-          <a:solidFill>
-            <a:schemeClr val="phClr">
-              <a:shade val="95000"/>
-              <a:satMod val="105000"/>
-            </a:schemeClr>
-          </a:solidFill>
-          <a:prstDash val="solid"/>
-        </a:ln>
-        <a:ln w="25400" cap="flat" cmpd="sng" algn="ctr">
-          <a:solidFill>
-            <a:schemeClr val="phClr"/>
-          </a:solidFill>
-          <a:prstDash val="solid"/>
-        </a:ln>
-        <a:ln w="38100" cap="flat" cmpd="sng" algn="ctr">
-          <a:solidFill>
-            <a:schemeClr val="phClr"/>
-          </a:solidFill>
-          <a:prstDash val="solid"/>
-        </a:ln>
-      </a:lnStyleLst>
-      <a:effectStyleLst>
-        <a:effectStyle>
-          <a:effectLst>
-            <a:outerShdw blurRad="40000" dist="20000" dir="5400000" rotWithShape="0">
-              <a:srgbClr val="000000">
-                <a:alpha val="38000"/>
-              </a:srgbClr>
-            </a:outerShdw>
-          </a:effectLst>
-        </a:effectStyle>
-        <a:effectStyle>
-          <a:effectLst>
-            <a:outerShdw blurRad="40000" dist="23000" dir="5400000" rotWithShape="0">
-              <a:srgbClr val="000000">
-                <a:alpha val="35000"/>
-              </a:srgbClr>
-            </a:outerShdw>
-          </a:effectLst>
-        </a:effectStyle>
-        <a:effectStyle>
-          <a:effectLst>
-            <a:outerShdw blurRad="40000" dist="23000" dir="5400000" rotWithShape="0">
-              <a:srgbClr val="000000">
-                <a:alpha val="35000"/>
-              </a:srgbClr>
-            </a:outerShdw>
-          </a:effectLst>
-          <a:scene3d>
-            <a:camera prst="orthographicFront">
-              <a:rot lat="0" lon="0" rev="0"/>
-            </a:camera>
-            <a:lightRig rig="threePt" dir="t">
-              <a:rot lat="0" lon="0" rev="1200000"/>
-            </a:lightRig>
-          </a:scene3d>
-          <a:sp3d>
-            <a:bevelT w="63500" h="25400"/>
-          </a:sp3d>
-        </a:effectStyle>
-      </a:effectStyleLst>
-      <a:bgFillStyleLst>
-        <a:solidFill>
-          <a:schemeClr val="phClr"/>
-        </a:solidFill>
-        <a:gradFill rotWithShape="1">
-          <a:gsLst>
-            <a:gs pos="0">
-              <a:schemeClr val="phClr">
-                <a:tint val="40000"/>
-                <a:satMod val="350000"/>
-              </a:schemeClr>
-            </a:gs>
-            <a:gs pos="40000">
-              <a:schemeClr val="phClr">
-                <a:tint val="45000"/>
-                <a:shade val="99000"/>
-                <a:satMod val="350000"/>
-              </a:schemeClr>
-            </a:gs>
-            <a:gs pos="100000">
-              <a:schemeClr val="phClr">
-                <a:shade val="20000"/>
-                <a:satMod val="255000"/>
-              </a:schemeClr>
-            </a:gs>
-          </a:gsLst>
-          <a:path path="circle">
-            <a:fillToRect l="50000" t="-80000" r="50000" b="180000"/>
-          </a:path>
-        </a:gradFill>
-        <a:gradFill rotWithShape="1">
-          <a:gsLst>
-            <a:gs pos="0">
-              <a:schemeClr val="phClr">
-                <a:tint val="80000"/>
-                <a:satMod val="300000"/>
-              </a:schemeClr>
-            </a:gs>
-            <a:gs pos="100000">
-              <a:schemeClr val="phClr">
-                <a:shade val="30000"/>
-                <a:satMod val="200000"/>
-              </a:schemeClr>
-            </a:gs>
-          </a:gsLst>
-          <a:path path="circle">
-            <a:fillToRect l="50000" t="50000" r="50000" b="50000"/>
-          </a:path>
-        </a:gradFill>
-      </a:bgFillStyleLst>
-    </a:fmtScheme>
-  </a:themeElements>
-</a:theme>
 </file>
--- a/docs/Progress_Reports/NostraDomicile (6).pptx
+++ b/docs/Progress_Reports/NostraDomicile (6).pptx
@@ -2,65 +2,64 @@
 <file path=ppt/presentation.xml><?xml version="1.0" encoding="utf-8"?>
 <p:presentation xmlns:a="http://schemas.openxmlformats.org/drawingml/2006/main" xmlns:r="http://schemas.openxmlformats.org/officeDocument/2006/relationships" xmlns:mc="http://schemas.openxmlformats.org/markup-compatibility/2006" xmlns:mv="urn:schemas-microsoft-com:mac:vml" xmlns:p="http://schemas.openxmlformats.org/presentationml/2006/main" xmlns:c="http://schemas.openxmlformats.org/drawingml/2006/chart" xmlns:dgm="http://schemas.openxmlformats.org/drawingml/2006/diagram" xmlns:o="urn:schemas-microsoft-com:office:office" xmlns:v="urn:schemas-microsoft-com:vml" xmlns:pvml="urn:schemas-microsoft-com:office:powerpoint" xmlns:com="http://schemas.openxmlformats.org/drawingml/2006/compatibility" xmlns:p14="http://schemas.microsoft.com/office/powerpoint/2010/main" autoCompressPictures="0" strictFirstAndLastChars="0" saveSubsetFonts="1">
   <p:sldMasterIdLst>
-    <p:sldMasterId id="2147483659" r:id="rId5"/>
+    <p:sldMasterId id="2147483659" r:id="rId4"/>
   </p:sldMasterIdLst>
   <p:notesMasterIdLst>
-    <p:notesMasterId r:id="rId6"/>
+    <p:notesMasterId r:id="rId5"/>
   </p:notesMasterIdLst>
   <p:sldIdLst>
-    <p:sldId id="256" r:id="rId7"/>
-    <p:sldId id="257" r:id="rId8"/>
-    <p:sldId id="258" r:id="rId9"/>
-    <p:sldId id="259" r:id="rId10"/>
-    <p:sldId id="260" r:id="rId11"/>
-    <p:sldId id="261" r:id="rId12"/>
-    <p:sldId id="262" r:id="rId13"/>
-    <p:sldId id="263" r:id="rId14"/>
-    <p:sldId id="264" r:id="rId15"/>
-    <p:sldId id="265" r:id="rId16"/>
-    <p:sldId id="266" r:id="rId17"/>
-    <p:sldId id="267" r:id="rId18"/>
-    <p:sldId id="268" r:id="rId19"/>
-    <p:sldId id="269" r:id="rId20"/>
-    <p:sldId id="270" r:id="rId21"/>
-    <p:sldId id="271" r:id="rId22"/>
-    <p:sldId id="272" r:id="rId23"/>
-    <p:sldId id="273" r:id="rId24"/>
-    <p:sldId id="274" r:id="rId25"/>
-    <p:sldId id="275" r:id="rId26"/>
-    <p:sldId id="276" r:id="rId27"/>
-    <p:sldId id="277" r:id="rId28"/>
-    <p:sldId id="278" r:id="rId29"/>
-    <p:sldId id="279" r:id="rId30"/>
-    <p:sldId id="280" r:id="rId31"/>
-    <p:sldId id="281" r:id="rId32"/>
-    <p:sldId id="282" r:id="rId33"/>
-    <p:sldId id="283" r:id="rId34"/>
-    <p:sldId id="284" r:id="rId35"/>
-    <p:sldId id="285" r:id="rId36"/>
-    <p:sldId id="286" r:id="rId37"/>
-    <p:sldId id="287" r:id="rId38"/>
-    <p:sldId id="288" r:id="rId39"/>
-    <p:sldId id="289" r:id="rId40"/>
-    <p:sldId id="290" r:id="rId41"/>
-    <p:sldId id="291" r:id="rId42"/>
-    <p:sldId id="292" r:id="rId43"/>
-    <p:sldId id="293" r:id="rId44"/>
-    <p:sldId id="294" r:id="rId45"/>
-    <p:sldId id="295" r:id="rId46"/>
-    <p:sldId id="296" r:id="rId47"/>
-    <p:sldId id="297" r:id="rId48"/>
-    <p:sldId id="298" r:id="rId49"/>
-    <p:sldId id="299" r:id="rId50"/>
-    <p:sldId id="300" r:id="rId51"/>
-    <p:sldId id="301" r:id="rId52"/>
-    <p:sldId id="302" r:id="rId53"/>
-    <p:sldId id="303" r:id="rId54"/>
-    <p:sldId id="304" r:id="rId55"/>
-    <p:sldId id="305" r:id="rId56"/>
-    <p:sldId id="306" r:id="rId57"/>
-    <p:sldId id="307" r:id="rId58"/>
-    <p:sldId id="308" r:id="rId59"/>
+    <p:sldId id="256" r:id="rId6"/>
+    <p:sldId id="257" r:id="rId7"/>
+    <p:sldId id="258" r:id="rId8"/>
+    <p:sldId id="259" r:id="rId9"/>
+    <p:sldId id="260" r:id="rId10"/>
+    <p:sldId id="261" r:id="rId11"/>
+    <p:sldId id="262" r:id="rId12"/>
+    <p:sldId id="263" r:id="rId13"/>
+    <p:sldId id="264" r:id="rId14"/>
+    <p:sldId id="265" r:id="rId15"/>
+    <p:sldId id="266" r:id="rId16"/>
+    <p:sldId id="267" r:id="rId17"/>
+    <p:sldId id="268" r:id="rId18"/>
+    <p:sldId id="269" r:id="rId19"/>
+    <p:sldId id="270" r:id="rId20"/>
+    <p:sldId id="271" r:id="rId21"/>
+    <p:sldId id="272" r:id="rId22"/>
+    <p:sldId id="273" r:id="rId23"/>
+    <p:sldId id="274" r:id="rId24"/>
+    <p:sldId id="275" r:id="rId25"/>
+    <p:sldId id="276" r:id="rId26"/>
+    <p:sldId id="277" r:id="rId27"/>
+    <p:sldId id="278" r:id="rId28"/>
+    <p:sldId id="279" r:id="rId29"/>
+    <p:sldId id="280" r:id="rId30"/>
+    <p:sldId id="281" r:id="rId31"/>
+    <p:sldId id="282" r:id="rId32"/>
+    <p:sldId id="283" r:id="rId33"/>
+    <p:sldId id="284" r:id="rId34"/>
+    <p:sldId id="285" r:id="rId35"/>
+    <p:sldId id="286" r:id="rId36"/>
+    <p:sldId id="287" r:id="rId37"/>
+    <p:sldId id="288" r:id="rId38"/>
+    <p:sldId id="289" r:id="rId39"/>
+    <p:sldId id="290" r:id="rId40"/>
+    <p:sldId id="291" r:id="rId41"/>
+    <p:sldId id="292" r:id="rId42"/>
+    <p:sldId id="293" r:id="rId43"/>
+    <p:sldId id="294" r:id="rId44"/>
+    <p:sldId id="295" r:id="rId45"/>
+    <p:sldId id="296" r:id="rId46"/>
+    <p:sldId id="297" r:id="rId47"/>
+    <p:sldId id="298" r:id="rId48"/>
+    <p:sldId id="299" r:id="rId49"/>
+    <p:sldId id="300" r:id="rId50"/>
+    <p:sldId id="301" r:id="rId51"/>
+    <p:sldId id="302" r:id="rId52"/>
+    <p:sldId id="303" r:id="rId53"/>
+    <p:sldId id="304" r:id="rId54"/>
+    <p:sldId id="305" r:id="rId55"/>
+    <p:sldId id="306" r:id="rId56"/>
+    <p:sldId id="307" r:id="rId57"/>
   </p:sldIdLst>
   <p:sldSz cy="5143500" cx="9144000"/>
   <p:notesSz cx="6858000" cy="9144000"/>
@@ -271,15 +270,34 @@
 
 <file path=ppt/commentAuthors.xml><?xml version="1.0" encoding="utf-8"?>
 <p:cmAuthorLst xmlns:a="http://schemas.openxmlformats.org/drawingml/2006/main" xmlns:r="http://schemas.openxmlformats.org/officeDocument/2006/relationships" xmlns:mc="http://schemas.openxmlformats.org/markup-compatibility/2006" xmlns:mv="urn:schemas-microsoft-com:mac:vml" xmlns:p="http://schemas.openxmlformats.org/presentationml/2006/main" xmlns:c="http://schemas.openxmlformats.org/drawingml/2006/chart" xmlns:dgm="http://schemas.openxmlformats.org/drawingml/2006/diagram" xmlns:o="urn:schemas-microsoft-com:office:office" xmlns:v="urn:schemas-microsoft-com:vml" xmlns:pvml="urn:schemas-microsoft-com:office:powerpoint" xmlns:com="http://schemas.openxmlformats.org/drawingml/2006/compatibility" xmlns:p14="http://schemas.microsoft.com/office/powerpoint/2010/main">
-  <p:cmAuthor clrIdx="0" id="0" initials="" lastIdx="1" name="Richard Andrews"/>
+  <p:cmAuthor clrIdx="0" id="0" initials="" lastIdx="2" name="Ochaun Marshall"/>
+  <p:cmAuthor clrIdx="1" id="1" initials="" lastIdx="1" name="Richard Andrews"/>
 </p:cmAuthorLst>
 </file>
 
 <file path=ppt/comments/comment1.xml><?xml version="1.0" encoding="utf-8"?>
 <p:cmLst xmlns:a="http://schemas.openxmlformats.org/drawingml/2006/main" xmlns:r="http://schemas.openxmlformats.org/officeDocument/2006/relationships" xmlns:mc="http://schemas.openxmlformats.org/markup-compatibility/2006" xmlns:mv="urn:schemas-microsoft-com:mac:vml" xmlns:p="http://schemas.openxmlformats.org/presentationml/2006/main" xmlns:c="http://schemas.openxmlformats.org/drawingml/2006/chart" xmlns:dgm="http://schemas.openxmlformats.org/drawingml/2006/diagram" xmlns:o="urn:schemas-microsoft-com:office:office" xmlns:v="urn:schemas-microsoft-com:vml" xmlns:pvml="urn:schemas-microsoft-com:office:powerpoint" xmlns:com="http://schemas.openxmlformats.org/drawingml/2006/compatibility" xmlns:p14="http://schemas.microsoft.com/office/powerpoint/2010/main">
-  <p:cm authorId="0" idx="1" dt="2017-03-30T00:46:29.076">
+  <p:cm authorId="0" idx="1" dt="2017-02-07T17:19:33.179">
     <p:pos x="6000" y="0"/>
-    <p:text>Starting slide for presentation on 3/30</p:text>
+    <p:text>He mentioned Categories for Requirement Specification</p:text>
+  </p:cm>
+</p:cmLst>
+</file>
+
+<file path=ppt/comments/comment2.xml><?xml version="1.0" encoding="utf-8"?>
+<p:cmLst xmlns:a="http://schemas.openxmlformats.org/drawingml/2006/main" xmlns:r="http://schemas.openxmlformats.org/officeDocument/2006/relationships" xmlns:mc="http://schemas.openxmlformats.org/markup-compatibility/2006" xmlns:mv="urn:schemas-microsoft-com:mac:vml" xmlns:p="http://schemas.openxmlformats.org/presentationml/2006/main" xmlns:c="http://schemas.openxmlformats.org/drawingml/2006/chart" xmlns:dgm="http://schemas.openxmlformats.org/drawingml/2006/diagram" xmlns:o="urn:schemas-microsoft-com:office:office" xmlns:v="urn:schemas-microsoft-com:vml" xmlns:pvml="urn:schemas-microsoft-com:office:powerpoint" xmlns:com="http://schemas.openxmlformats.org/drawingml/2006/compatibility" xmlns:p14="http://schemas.microsoft.com/office/powerpoint/2010/main">
+  <p:cm authorId="0" idx="2" dt="2017-02-08T02:31:28.995">
+    <p:pos x="6000" y="0"/>
+    <p:text>Replace this with Ghant Chart</p:text>
+  </p:cm>
+</p:cmLst>
+</file>
+
+<file path=ppt/comments/comment3.xml><?xml version="1.0" encoding="utf-8"?>
+<p:cmLst xmlns:a="http://schemas.openxmlformats.org/drawingml/2006/main" xmlns:r="http://schemas.openxmlformats.org/officeDocument/2006/relationships" xmlns:mc="http://schemas.openxmlformats.org/markup-compatibility/2006" xmlns:mv="urn:schemas-microsoft-com:mac:vml" xmlns:p="http://schemas.openxmlformats.org/presentationml/2006/main" xmlns:c="http://schemas.openxmlformats.org/drawingml/2006/chart" xmlns:dgm="http://schemas.openxmlformats.org/drawingml/2006/diagram" xmlns:o="urn:schemas-microsoft-com:office:office" xmlns:v="urn:schemas-microsoft-com:vml" xmlns:pvml="urn:schemas-microsoft-com:office:powerpoint" xmlns:com="http://schemas.openxmlformats.org/drawingml/2006/compatibility" xmlns:p14="http://schemas.microsoft.com/office/powerpoint/2010/main">
+  <p:cm authorId="1" idx="1" dt="2017-03-28T06:20:40.738">
+    <p:pos x="6000" y="0"/>
+    <p:text>Presentation start</p:text>
   </p:cm>
 </p:cmLst>
 </file>
@@ -3072,7 +3090,7 @@
           </a:bodyPr>
           <a:lstStyle/>
           <a:p>
-            <a:pPr lvl="0" rtl="0">
+            <a:pPr lvl="0">
               <a:spcBef>
                 <a:spcPts val="0"/>
               </a:spcBef>
@@ -3098,7 +3116,7 @@
   <p:cSld>
     <p:spTree>
       <p:nvGrpSpPr>
-        <p:cNvPr id="264" name="Shape 264"/>
+        <p:cNvPr id="261" name="Shape 261"/>
         <p:cNvGrpSpPr/>
         <p:nvPr/>
       </p:nvGrpSpPr>
@@ -3112,7 +3130,7 @@
       </p:grpSpPr>
       <p:sp>
         <p:nvSpPr>
-          <p:cNvPr id="265" name="Shape 265"/>
+          <p:cNvPr id="262" name="Shape 262"/>
           <p:cNvSpPr/>
           <p:nvPr>
             <p:ph idx="2" type="sldImg"/>
@@ -3146,7 +3164,7 @@
       </p:sp>
       <p:sp>
         <p:nvSpPr>
-          <p:cNvPr id="266" name="Shape 266"/>
+          <p:cNvPr id="263" name="Shape 263"/>
           <p:cNvSpPr txBox="1"/>
           <p:nvPr>
             <p:ph idx="1" type="body"/>
@@ -3193,7 +3211,7 @@
   <p:cSld>
     <p:spTree>
       <p:nvGrpSpPr>
-        <p:cNvPr id="270" name="Shape 270"/>
+        <p:cNvPr id="267" name="Shape 267"/>
         <p:cNvGrpSpPr/>
         <p:nvPr/>
       </p:nvGrpSpPr>
@@ -3207,7 +3225,7 @@
       </p:grpSpPr>
       <p:sp>
         <p:nvSpPr>
-          <p:cNvPr id="271" name="Shape 271"/>
+          <p:cNvPr id="268" name="Shape 268"/>
           <p:cNvSpPr/>
           <p:nvPr>
             <p:ph idx="2" type="sldImg"/>
@@ -3241,7 +3259,7 @@
       </p:sp>
       <p:sp>
         <p:nvSpPr>
-          <p:cNvPr id="272" name="Shape 272"/>
+          <p:cNvPr id="269" name="Shape 269"/>
           <p:cNvSpPr txBox="1"/>
           <p:nvPr>
             <p:ph idx="1" type="body"/>
@@ -3288,7 +3306,7 @@
   <p:cSld>
     <p:spTree>
       <p:nvGrpSpPr>
-        <p:cNvPr id="276" name="Shape 276"/>
+        <p:cNvPr id="273" name="Shape 273"/>
         <p:cNvGrpSpPr/>
         <p:nvPr/>
       </p:nvGrpSpPr>
@@ -3302,7 +3320,7 @@
       </p:grpSpPr>
       <p:sp>
         <p:nvSpPr>
-          <p:cNvPr id="277" name="Shape 277"/>
+          <p:cNvPr id="274" name="Shape 274"/>
           <p:cNvSpPr/>
           <p:nvPr>
             <p:ph idx="2" type="sldImg"/>
@@ -3336,7 +3354,7 @@
       </p:sp>
       <p:sp>
         <p:nvSpPr>
-          <p:cNvPr id="278" name="Shape 278"/>
+          <p:cNvPr id="275" name="Shape 275"/>
           <p:cNvSpPr txBox="1"/>
           <p:nvPr>
             <p:ph idx="1" type="body"/>
@@ -3383,7 +3401,7 @@
   <p:cSld>
     <p:spTree>
       <p:nvGrpSpPr>
-        <p:cNvPr id="282" name="Shape 282"/>
+        <p:cNvPr id="279" name="Shape 279"/>
         <p:cNvGrpSpPr/>
         <p:nvPr/>
       </p:nvGrpSpPr>
@@ -3397,7 +3415,7 @@
       </p:grpSpPr>
       <p:sp>
         <p:nvSpPr>
-          <p:cNvPr id="283" name="Shape 283"/>
+          <p:cNvPr id="280" name="Shape 280"/>
           <p:cNvSpPr/>
           <p:nvPr>
             <p:ph idx="2" type="sldImg"/>
@@ -3431,7 +3449,7 @@
       </p:sp>
       <p:sp>
         <p:nvSpPr>
-          <p:cNvPr id="284" name="Shape 284"/>
+          <p:cNvPr id="281" name="Shape 281"/>
           <p:cNvSpPr txBox="1"/>
           <p:nvPr>
             <p:ph idx="1" type="body"/>
@@ -3478,7 +3496,7 @@
   <p:cSld>
     <p:spTree>
       <p:nvGrpSpPr>
-        <p:cNvPr id="288" name="Shape 288"/>
+        <p:cNvPr id="285" name="Shape 285"/>
         <p:cNvGrpSpPr/>
         <p:nvPr/>
       </p:nvGrpSpPr>
@@ -3492,7 +3510,7 @@
       </p:grpSpPr>
       <p:sp>
         <p:nvSpPr>
-          <p:cNvPr id="289" name="Shape 289"/>
+          <p:cNvPr id="286" name="Shape 286"/>
           <p:cNvSpPr/>
           <p:nvPr>
             <p:ph idx="2" type="sldImg"/>
@@ -3526,7 +3544,7 @@
       </p:sp>
       <p:sp>
         <p:nvSpPr>
-          <p:cNvPr id="290" name="Shape 290"/>
+          <p:cNvPr id="287" name="Shape 287"/>
           <p:cNvSpPr txBox="1"/>
           <p:nvPr>
             <p:ph idx="1" type="body"/>
@@ -3547,7 +3565,7 @@
           </a:bodyPr>
           <a:lstStyle/>
           <a:p>
-            <a:pPr lvl="0" rtl="0">
+            <a:pPr lvl="0">
               <a:spcBef>
                 <a:spcPts val="0"/>
               </a:spcBef>
@@ -3668,7 +3686,7 @@
   <p:cSld>
     <p:spTree>
       <p:nvGrpSpPr>
-        <p:cNvPr id="294" name="Shape 294"/>
+        <p:cNvPr id="291" name="Shape 291"/>
         <p:cNvGrpSpPr/>
         <p:nvPr/>
       </p:nvGrpSpPr>
@@ -3682,7 +3700,7 @@
       </p:grpSpPr>
       <p:sp>
         <p:nvSpPr>
-          <p:cNvPr id="295" name="Shape 295"/>
+          <p:cNvPr id="292" name="Shape 292"/>
           <p:cNvSpPr/>
           <p:nvPr>
             <p:ph idx="2" type="sldImg"/>
@@ -3716,7 +3734,7 @@
       </p:sp>
       <p:sp>
         <p:nvSpPr>
-          <p:cNvPr id="296" name="Shape 296"/>
+          <p:cNvPr id="293" name="Shape 293"/>
           <p:cNvSpPr txBox="1"/>
           <p:nvPr>
             <p:ph idx="1" type="body"/>
@@ -3737,7 +3755,7 @@
           </a:bodyPr>
           <a:lstStyle/>
           <a:p>
-            <a:pPr lvl="0" rtl="0">
+            <a:pPr lvl="0">
               <a:spcBef>
                 <a:spcPts val="0"/>
               </a:spcBef>
@@ -3763,7 +3781,7 @@
   <p:cSld>
     <p:spTree>
       <p:nvGrpSpPr>
-        <p:cNvPr id="300" name="Shape 300"/>
+        <p:cNvPr id="297" name="Shape 297"/>
         <p:cNvGrpSpPr/>
         <p:nvPr/>
       </p:nvGrpSpPr>
@@ -3777,7 +3795,7 @@
       </p:grpSpPr>
       <p:sp>
         <p:nvSpPr>
-          <p:cNvPr id="301" name="Shape 301"/>
+          <p:cNvPr id="298" name="Shape 298"/>
           <p:cNvSpPr/>
           <p:nvPr>
             <p:ph idx="2" type="sldImg"/>
@@ -3811,7 +3829,7 @@
       </p:sp>
       <p:sp>
         <p:nvSpPr>
-          <p:cNvPr id="302" name="Shape 302"/>
+          <p:cNvPr id="299" name="Shape 299"/>
           <p:cNvSpPr txBox="1"/>
           <p:nvPr>
             <p:ph idx="1" type="body"/>
@@ -3832,7 +3850,7 @@
           </a:bodyPr>
           <a:lstStyle/>
           <a:p>
-            <a:pPr lvl="0" rtl="0">
+            <a:pPr lvl="0">
               <a:spcBef>
                 <a:spcPts val="0"/>
               </a:spcBef>
@@ -3858,7 +3876,7 @@
   <p:cSld>
     <p:spTree>
       <p:nvGrpSpPr>
-        <p:cNvPr id="306" name="Shape 306"/>
+        <p:cNvPr id="303" name="Shape 303"/>
         <p:cNvGrpSpPr/>
         <p:nvPr/>
       </p:nvGrpSpPr>
@@ -3872,7 +3890,7 @@
       </p:grpSpPr>
       <p:sp>
         <p:nvSpPr>
-          <p:cNvPr id="307" name="Shape 307"/>
+          <p:cNvPr id="304" name="Shape 304"/>
           <p:cNvSpPr/>
           <p:nvPr>
             <p:ph idx="2" type="sldImg"/>
@@ -3906,7 +3924,7 @@
       </p:sp>
       <p:sp>
         <p:nvSpPr>
-          <p:cNvPr id="308" name="Shape 308"/>
+          <p:cNvPr id="305" name="Shape 305"/>
           <p:cNvSpPr txBox="1"/>
           <p:nvPr>
             <p:ph idx="1" type="body"/>
@@ -3927,7 +3945,7 @@
           </a:bodyPr>
           <a:lstStyle/>
           <a:p>
-            <a:pPr lvl="0" rtl="0">
+            <a:pPr lvl="0">
               <a:spcBef>
                 <a:spcPts val="0"/>
               </a:spcBef>
@@ -3953,7 +3971,7 @@
   <p:cSld>
     <p:spTree>
       <p:nvGrpSpPr>
-        <p:cNvPr id="312" name="Shape 312"/>
+        <p:cNvPr id="309" name="Shape 309"/>
         <p:cNvGrpSpPr/>
         <p:nvPr/>
       </p:nvGrpSpPr>
@@ -3967,7 +3985,7 @@
       </p:grpSpPr>
       <p:sp>
         <p:nvSpPr>
-          <p:cNvPr id="313" name="Shape 313"/>
+          <p:cNvPr id="310" name="Shape 310"/>
           <p:cNvSpPr/>
           <p:nvPr>
             <p:ph idx="2" type="sldImg"/>
@@ -4001,7 +4019,7 @@
       </p:sp>
       <p:sp>
         <p:nvSpPr>
-          <p:cNvPr id="314" name="Shape 314"/>
+          <p:cNvPr id="311" name="Shape 311"/>
           <p:cNvSpPr txBox="1"/>
           <p:nvPr>
             <p:ph idx="1" type="body"/>
@@ -4022,7 +4040,7 @@
           </a:bodyPr>
           <a:lstStyle/>
           <a:p>
-            <a:pPr lvl="0">
+            <a:pPr lvl="0" rtl="0">
               <a:spcBef>
                 <a:spcPts val="0"/>
               </a:spcBef>
@@ -4048,7 +4066,7 @@
   <p:cSld>
     <p:spTree>
       <p:nvGrpSpPr>
-        <p:cNvPr id="318" name="Shape 318"/>
+        <p:cNvPr id="315" name="Shape 315"/>
         <p:cNvGrpSpPr/>
         <p:nvPr/>
       </p:nvGrpSpPr>
@@ -4062,7 +4080,7 @@
       </p:grpSpPr>
       <p:sp>
         <p:nvSpPr>
-          <p:cNvPr id="319" name="Shape 319"/>
+          <p:cNvPr id="316" name="Shape 316"/>
           <p:cNvSpPr/>
           <p:nvPr>
             <p:ph idx="2" type="sldImg"/>
@@ -4096,7 +4114,7 @@
       </p:sp>
       <p:sp>
         <p:nvSpPr>
-          <p:cNvPr id="320" name="Shape 320"/>
+          <p:cNvPr id="317" name="Shape 317"/>
           <p:cNvSpPr txBox="1"/>
           <p:nvPr>
             <p:ph idx="1" type="body"/>
@@ -4143,7 +4161,7 @@
   <p:cSld>
     <p:spTree>
       <p:nvGrpSpPr>
-        <p:cNvPr id="324" name="Shape 324"/>
+        <p:cNvPr id="321" name="Shape 321"/>
         <p:cNvGrpSpPr/>
         <p:nvPr/>
       </p:nvGrpSpPr>
@@ -4157,7 +4175,7 @@
       </p:grpSpPr>
       <p:sp>
         <p:nvSpPr>
-          <p:cNvPr id="325" name="Shape 325"/>
+          <p:cNvPr id="322" name="Shape 322"/>
           <p:cNvSpPr/>
           <p:nvPr>
             <p:ph idx="2" type="sldImg"/>
@@ -4191,7 +4209,7 @@
       </p:sp>
       <p:sp>
         <p:nvSpPr>
-          <p:cNvPr id="326" name="Shape 326"/>
+          <p:cNvPr id="323" name="Shape 323"/>
           <p:cNvSpPr txBox="1"/>
           <p:nvPr>
             <p:ph idx="1" type="body"/>
@@ -4212,7 +4230,7 @@
           </a:bodyPr>
           <a:lstStyle/>
           <a:p>
-            <a:pPr lvl="0">
+            <a:pPr lvl="0" rtl="0">
               <a:spcBef>
                 <a:spcPts val="0"/>
               </a:spcBef>
@@ -4238,7 +4256,7 @@
   <p:cSld>
     <p:spTree>
       <p:nvGrpSpPr>
-        <p:cNvPr id="330" name="Shape 330"/>
+        <p:cNvPr id="327" name="Shape 327"/>
         <p:cNvGrpSpPr/>
         <p:nvPr/>
       </p:nvGrpSpPr>
@@ -4252,7 +4270,7 @@
       </p:grpSpPr>
       <p:sp>
         <p:nvSpPr>
-          <p:cNvPr id="331" name="Shape 331"/>
+          <p:cNvPr id="328" name="Shape 328"/>
           <p:cNvSpPr/>
           <p:nvPr>
             <p:ph idx="2" type="sldImg"/>
@@ -4286,7 +4304,7 @@
       </p:sp>
       <p:sp>
         <p:nvSpPr>
-          <p:cNvPr id="332" name="Shape 332"/>
+          <p:cNvPr id="329" name="Shape 329"/>
           <p:cNvSpPr txBox="1"/>
           <p:nvPr>
             <p:ph idx="1" type="body"/>
@@ -4333,7 +4351,7 @@
   <p:cSld>
     <p:spTree>
       <p:nvGrpSpPr>
-        <p:cNvPr id="336" name="Shape 336"/>
+        <p:cNvPr id="333" name="Shape 333"/>
         <p:cNvGrpSpPr/>
         <p:nvPr/>
       </p:nvGrpSpPr>
@@ -4347,7 +4365,7 @@
       </p:grpSpPr>
       <p:sp>
         <p:nvSpPr>
-          <p:cNvPr id="337" name="Shape 337"/>
+          <p:cNvPr id="334" name="Shape 334"/>
           <p:cNvSpPr/>
           <p:nvPr>
             <p:ph idx="2" type="sldImg"/>
@@ -4381,7 +4399,7 @@
       </p:sp>
       <p:sp>
         <p:nvSpPr>
-          <p:cNvPr id="338" name="Shape 338"/>
+          <p:cNvPr id="335" name="Shape 335"/>
           <p:cNvSpPr txBox="1"/>
           <p:nvPr>
             <p:ph idx="1" type="body"/>
@@ -4402,7 +4420,7 @@
           </a:bodyPr>
           <a:lstStyle/>
           <a:p>
-            <a:pPr lvl="0">
+            <a:pPr lvl="0" rtl="0">
               <a:spcBef>
                 <a:spcPts val="0"/>
               </a:spcBef>
@@ -4428,7 +4446,7 @@
   <p:cSld>
     <p:spTree>
       <p:nvGrpSpPr>
-        <p:cNvPr id="342" name="Shape 342"/>
+        <p:cNvPr id="339" name="Shape 339"/>
         <p:cNvGrpSpPr/>
         <p:nvPr/>
       </p:nvGrpSpPr>
@@ -4442,7 +4460,7 @@
       </p:grpSpPr>
       <p:sp>
         <p:nvSpPr>
-          <p:cNvPr id="343" name="Shape 343"/>
+          <p:cNvPr id="340" name="Shape 340"/>
           <p:cNvSpPr/>
           <p:nvPr>
             <p:ph idx="2" type="sldImg"/>
@@ -4476,7 +4494,7 @@
       </p:sp>
       <p:sp>
         <p:nvSpPr>
-          <p:cNvPr id="344" name="Shape 344"/>
+          <p:cNvPr id="341" name="Shape 341"/>
           <p:cNvSpPr txBox="1"/>
           <p:nvPr>
             <p:ph idx="1" type="body"/>
@@ -4523,7 +4541,7 @@
   <p:cSld>
     <p:spTree>
       <p:nvGrpSpPr>
-        <p:cNvPr id="348" name="Shape 348"/>
+        <p:cNvPr id="345" name="Shape 345"/>
         <p:cNvGrpSpPr/>
         <p:nvPr/>
       </p:nvGrpSpPr>
@@ -4537,7 +4555,7 @@
       </p:grpSpPr>
       <p:sp>
         <p:nvSpPr>
-          <p:cNvPr id="349" name="Shape 349"/>
+          <p:cNvPr id="346" name="Shape 346"/>
           <p:cNvSpPr/>
           <p:nvPr>
             <p:ph idx="2" type="sldImg"/>
@@ -4571,7 +4589,7 @@
       </p:sp>
       <p:sp>
         <p:nvSpPr>
-          <p:cNvPr id="350" name="Shape 350"/>
+          <p:cNvPr id="347" name="Shape 347"/>
           <p:cNvSpPr txBox="1"/>
           <p:nvPr>
             <p:ph idx="1" type="body"/>
@@ -4713,7 +4731,7 @@
   <p:cSld>
     <p:spTree>
       <p:nvGrpSpPr>
-        <p:cNvPr id="354" name="Shape 354"/>
+        <p:cNvPr id="351" name="Shape 351"/>
         <p:cNvGrpSpPr/>
         <p:nvPr/>
       </p:nvGrpSpPr>
@@ -4727,7 +4745,7 @@
       </p:grpSpPr>
       <p:sp>
         <p:nvSpPr>
-          <p:cNvPr id="355" name="Shape 355"/>
+          <p:cNvPr id="352" name="Shape 352"/>
           <p:cNvSpPr/>
           <p:nvPr>
             <p:ph idx="2" type="sldImg"/>
@@ -4761,7 +4779,7 @@
       </p:sp>
       <p:sp>
         <p:nvSpPr>
-          <p:cNvPr id="356" name="Shape 356"/>
+          <p:cNvPr id="353" name="Shape 353"/>
           <p:cNvSpPr txBox="1"/>
           <p:nvPr>
             <p:ph idx="1" type="body"/>
@@ -4782,7 +4800,7 @@
           </a:bodyPr>
           <a:lstStyle/>
           <a:p>
-            <a:pPr lvl="0">
+            <a:pPr lvl="0" rtl="0">
               <a:spcBef>
                 <a:spcPts val="0"/>
               </a:spcBef>
@@ -4808,7 +4826,7 @@
   <p:cSld>
     <p:spTree>
       <p:nvGrpSpPr>
-        <p:cNvPr id="360" name="Shape 360"/>
+        <p:cNvPr id="357" name="Shape 357"/>
         <p:cNvGrpSpPr/>
         <p:nvPr/>
       </p:nvGrpSpPr>
@@ -4822,7 +4840,7 @@
       </p:grpSpPr>
       <p:sp>
         <p:nvSpPr>
-          <p:cNvPr id="361" name="Shape 361"/>
+          <p:cNvPr id="358" name="Shape 358"/>
           <p:cNvSpPr/>
           <p:nvPr>
             <p:ph idx="2" type="sldImg"/>
@@ -4856,7 +4874,7 @@
       </p:sp>
       <p:sp>
         <p:nvSpPr>
-          <p:cNvPr id="362" name="Shape 362"/>
+          <p:cNvPr id="359" name="Shape 359"/>
           <p:cNvSpPr txBox="1"/>
           <p:nvPr>
             <p:ph idx="1" type="body"/>
@@ -4877,7 +4895,7 @@
           </a:bodyPr>
           <a:lstStyle/>
           <a:p>
-            <a:pPr lvl="0" rtl="0">
+            <a:pPr lvl="0">
               <a:spcBef>
                 <a:spcPts val="0"/>
               </a:spcBef>
@@ -4903,7 +4921,7 @@
   <p:cSld>
     <p:spTree>
       <p:nvGrpSpPr>
-        <p:cNvPr id="366" name="Shape 366"/>
+        <p:cNvPr id="363" name="Shape 363"/>
         <p:cNvGrpSpPr/>
         <p:nvPr/>
       </p:nvGrpSpPr>
@@ -4917,7 +4935,7 @@
       </p:grpSpPr>
       <p:sp>
         <p:nvSpPr>
-          <p:cNvPr id="367" name="Shape 367"/>
+          <p:cNvPr id="364" name="Shape 364"/>
           <p:cNvSpPr/>
           <p:nvPr>
             <p:ph idx="2" type="sldImg"/>
@@ -4951,7 +4969,7 @@
       </p:sp>
       <p:sp>
         <p:nvSpPr>
-          <p:cNvPr id="368" name="Shape 368"/>
+          <p:cNvPr id="365" name="Shape 365"/>
           <p:cNvSpPr txBox="1"/>
           <p:nvPr>
             <p:ph idx="1" type="body"/>
@@ -4973,101 +4991,6 @@
           <a:lstStyle/>
           <a:p>
             <a:pPr lvl="0">
-              <a:spcBef>
-                <a:spcPts val="0"/>
-              </a:spcBef>
-              <a:buNone/>
-            </a:pPr>
-            <a:r>
-              <a:t/>
-            </a:r>
-            <a:endParaRPr/>
-          </a:p>
-        </p:txBody>
-      </p:sp>
-    </p:spTree>
-  </p:cSld>
-  <p:clrMapOvr>
-    <a:masterClrMapping/>
-  </p:clrMapOvr>
-</p:notes>
-</file>
-
-<file path=ppt/notesSlides/notesSlide53.xml><?xml version="1.0" encoding="utf-8"?>
-<p:notes xmlns:a="http://schemas.openxmlformats.org/drawingml/2006/main" xmlns:r="http://schemas.openxmlformats.org/officeDocument/2006/relationships" xmlns:mc="http://schemas.openxmlformats.org/markup-compatibility/2006" xmlns:mv="urn:schemas-microsoft-com:mac:vml" xmlns:p="http://schemas.openxmlformats.org/presentationml/2006/main" xmlns:c="http://schemas.openxmlformats.org/drawingml/2006/chart" xmlns:dgm="http://schemas.openxmlformats.org/drawingml/2006/diagram" xmlns:o="urn:schemas-microsoft-com:office:office" xmlns:v="urn:schemas-microsoft-com:vml" xmlns:pvml="urn:schemas-microsoft-com:office:powerpoint" xmlns:com="http://schemas.openxmlformats.org/drawingml/2006/compatibility" xmlns:p14="http://schemas.microsoft.com/office/powerpoint/2010/main" showMasterPhAnim="0" showMasterSp="0">
-  <p:cSld>
-    <p:spTree>
-      <p:nvGrpSpPr>
-        <p:cNvPr id="372" name="Shape 372"/>
-        <p:cNvGrpSpPr/>
-        <p:nvPr/>
-      </p:nvGrpSpPr>
-      <p:grpSpPr>
-        <a:xfrm>
-          <a:off x="0" y="0"/>
-          <a:ext cx="0" cy="0"/>
-          <a:chOff x="0" y="0"/>
-          <a:chExt cx="0" cy="0"/>
-        </a:xfrm>
-      </p:grpSpPr>
-      <p:sp>
-        <p:nvSpPr>
-          <p:cNvPr id="373" name="Shape 373"/>
-          <p:cNvSpPr/>
-          <p:nvPr>
-            <p:ph idx="2" type="sldImg"/>
-          </p:nvPr>
-        </p:nvSpPr>
-        <p:spPr>
-          <a:xfrm>
-            <a:off x="381300" y="685800"/>
-            <a:ext cx="6096000" cy="3429000"/>
-          </a:xfrm>
-          <a:custGeom>
-            <a:pathLst>
-              <a:path extrusionOk="0" h="120000" w="120000">
-                <a:moveTo>
-                  <a:pt x="0" y="0"/>
-                </a:moveTo>
-                <a:lnTo>
-                  <a:pt x="120000" y="0"/>
-                </a:lnTo>
-                <a:lnTo>
-                  <a:pt x="120000" y="120000"/>
-                </a:lnTo>
-                <a:lnTo>
-                  <a:pt x="0" y="120000"/>
-                </a:lnTo>
-                <a:close/>
-              </a:path>
-            </a:pathLst>
-          </a:custGeom>
-        </p:spPr>
-      </p:sp>
-      <p:sp>
-        <p:nvSpPr>
-          <p:cNvPr id="374" name="Shape 374"/>
-          <p:cNvSpPr txBox="1"/>
-          <p:nvPr>
-            <p:ph idx="1" type="body"/>
-          </p:nvPr>
-        </p:nvSpPr>
-        <p:spPr>
-          <a:xfrm>
-            <a:off x="685800" y="4343400"/>
-            <a:ext cx="5486400" cy="4114800"/>
-          </a:xfrm>
-          <a:prstGeom prst="rect">
-            <a:avLst/>
-          </a:prstGeom>
-        </p:spPr>
-        <p:txBody>
-          <a:bodyPr anchorCtr="0" anchor="t" bIns="91425" lIns="91425" rIns="91425" tIns="91425">
-            <a:noAutofit/>
-          </a:bodyPr>
-          <a:lstStyle/>
-          <a:p>
-            <a:pPr lvl="0" rtl="0">
               <a:spcBef>
                 <a:spcPts val="0"/>
               </a:spcBef>
@@ -9988,7 +9911,7 @@
           <p:nvPr/>
         </p:nvPicPr>
         <p:blipFill>
-          <a:blip r:embed="rId3">
+          <a:blip r:embed="rId4">
             <a:alphaModFix/>
           </a:blip>
           <a:stretch>
@@ -14867,13 +14790,6 @@
 <file path=ppt/slides/slide34.xml><?xml version="1.0" encoding="utf-8"?>
 <p:sld xmlns:a="http://schemas.openxmlformats.org/drawingml/2006/main" xmlns:r="http://schemas.openxmlformats.org/officeDocument/2006/relationships" xmlns:mc="http://schemas.openxmlformats.org/markup-compatibility/2006" xmlns:mv="urn:schemas-microsoft-com:mac:vml" xmlns:p="http://schemas.openxmlformats.org/presentationml/2006/main" xmlns:c="http://schemas.openxmlformats.org/drawingml/2006/chart" xmlns:dgm="http://schemas.openxmlformats.org/drawingml/2006/diagram" xmlns:o="urn:schemas-microsoft-com:office:office" xmlns:v="urn:schemas-microsoft-com:vml" xmlns:pvml="urn:schemas-microsoft-com:office:powerpoint" xmlns:com="http://schemas.openxmlformats.org/drawingml/2006/compatibility" xmlns:p14="http://schemas.microsoft.com/office/powerpoint/2010/main">
   <p:cSld>
-    <p:bg>
-      <p:bgPr>
-        <a:solidFill>
-          <a:srgbClr val="000000"/>
-        </a:solidFill>
-      </p:bgPr>
-    </p:bg>
     <p:spTree>
       <p:nvGrpSpPr>
         <p:cNvPr id="258" name="Shape 258"/>
@@ -14893,49 +14809,13 @@
           <p:cNvPr id="259" name="Shape 259"/>
           <p:cNvSpPr txBox="1"/>
           <p:nvPr>
-            <p:ph type="ctrTitle"/>
-          </p:nvPr>
-        </p:nvSpPr>
-        <p:spPr>
-          <a:xfrm>
-            <a:off x="1282499" y="720301"/>
-            <a:ext cx="6579000" cy="1584900"/>
-          </a:xfrm>
-          <a:prstGeom prst="rect">
-            <a:avLst/>
-          </a:prstGeom>
-        </p:spPr>
-        <p:txBody>
-          <a:bodyPr anchorCtr="0" anchor="b" bIns="91425" lIns="91425" rIns="91425" tIns="91425">
-            <a:noAutofit/>
-          </a:bodyPr>
-          <a:lstStyle/>
-          <a:p>
-            <a:pPr lvl="0" rtl="0">
-              <a:spcBef>
-                <a:spcPts val="0"/>
-              </a:spcBef>
-              <a:buNone/>
-            </a:pPr>
-            <a:r>
-              <a:rPr lang="en"/>
-              <a:t>Nostradomocile</a:t>
-            </a:r>
-          </a:p>
-        </p:txBody>
-      </p:sp>
-      <p:sp>
-        <p:nvSpPr>
-          <p:cNvPr id="260" name="Shape 260"/>
-          <p:cNvSpPr txBox="1"/>
-          <p:nvPr>
-            <p:ph idx="1" type="subTitle"/>
-          </p:nvPr>
-        </p:nvSpPr>
-        <p:spPr>
-          <a:xfrm>
-            <a:off x="460950" y="2789118"/>
-            <a:ext cx="8222100" cy="998700"/>
+            <p:ph type="title"/>
+          </p:nvPr>
+        </p:nvSpPr>
+        <p:spPr>
+          <a:xfrm>
+            <a:off x="311700" y="445025"/>
+            <a:ext cx="8520600" cy="572700"/>
           </a:xfrm>
           <a:prstGeom prst="rect">
             <a:avLst/>
@@ -14947,73 +14827,35 @@
           </a:bodyPr>
           <a:lstStyle/>
           <a:p>
-            <a:pPr lvl="0" rtl="0" algn="ctr">
+            <a:pPr lvl="0" algn="ctr">
               <a:spcBef>
                 <a:spcPts val="0"/>
               </a:spcBef>
               <a:buNone/>
             </a:pPr>
             <a:r>
-              <a:rPr lang="en" sz="1800">
-                <a:solidFill>
-                  <a:srgbClr val="FFFFFF"/>
-                </a:solidFill>
-              </a:rPr>
-              <a:t>By:</a:t>
-            </a:r>
-          </a:p>
-          <a:p>
-            <a:pPr lvl="0" rtl="0" algn="ctr">
-              <a:spcBef>
-                <a:spcPts val="0"/>
-              </a:spcBef>
-              <a:buNone/>
-            </a:pPr>
-            <a:r>
-              <a:rPr lang="en" sz="1800">
-                <a:solidFill>
-                  <a:srgbClr val="FFFFFF"/>
-                </a:solidFill>
-              </a:rPr>
-              <a:t>Ochaun Marshall, Christian Simaan</a:t>
-            </a:r>
-          </a:p>
-          <a:p>
-            <a:pPr lvl="0" rtl="0" algn="ctr">
-              <a:spcBef>
-                <a:spcPts val="0"/>
-              </a:spcBef>
-              <a:buNone/>
-            </a:pPr>
-            <a:r>
-              <a:rPr lang="en" sz="1800">
-                <a:solidFill>
-                  <a:srgbClr val="FFFFFF"/>
-                </a:solidFill>
-              </a:rPr>
-              <a:t> Jeremy Hutton, Richard Andrews</a:t>
+              <a:rPr lang="en"/>
+              <a:t>Approaches towards coding</a:t>
             </a:r>
           </a:p>
         </p:txBody>
       </p:sp>
       <p:sp>
         <p:nvSpPr>
-          <p:cNvPr id="261" name="Shape 261"/>
+          <p:cNvPr id="260" name="Shape 260"/>
           <p:cNvSpPr txBox="1"/>
-          <p:nvPr/>
-        </p:nvSpPr>
-        <p:spPr>
-          <a:xfrm>
-            <a:off x="1362750" y="2256025"/>
-            <a:ext cx="6418500" cy="533100"/>
+          <p:nvPr>
+            <p:ph idx="1" type="body"/>
+          </p:nvPr>
+        </p:nvSpPr>
+        <p:spPr>
+          <a:xfrm>
+            <a:off x="640500" y="1152475"/>
+            <a:ext cx="7831800" cy="3416400"/>
           </a:xfrm>
           <a:prstGeom prst="rect">
             <a:avLst/>
           </a:prstGeom>
-          <a:noFill/>
-          <a:ln>
-            <a:noFill/>
-          </a:ln>
         </p:spPr>
         <p:txBody>
           <a:bodyPr anchorCtr="0" anchor="t" bIns="91425" lIns="91425" rIns="91425" tIns="91425">
@@ -15021,79 +14863,25 @@
           </a:bodyPr>
           <a:lstStyle/>
           <a:p>
-            <a:pPr lvl="0" rtl="0" algn="ctr">
-              <a:spcBef>
-                <a:spcPts val="0"/>
-              </a:spcBef>
-              <a:buNone/>
-            </a:pPr>
-            <a:r>
-              <a:rPr b="1" lang="en" sz="2000">
-                <a:solidFill>
-                  <a:srgbClr val="FFFFFF"/>
-                </a:solidFill>
-              </a:rPr>
-              <a:t>Plan and Testing</a:t>
+            <a:pPr indent="-228600" lvl="0" marL="457200" rtl="0">
+              <a:spcBef>
+                <a:spcPts val="0"/>
+              </a:spcBef>
+              <a:buClr>
+                <a:srgbClr val="FFFFFF"/>
+              </a:buClr>
+            </a:pPr>
+            <a:r>
+              <a:rPr lang="en">
+                <a:solidFill>
+                  <a:srgbClr val="FFFFFF"/>
+                </a:solidFill>
+              </a:rPr>
+              <a:t>Our approach towards coding has been to work on our submodules individually as far as we can, and then work together on connecting them. This way one submodule doesn’t get held up by any other submodule.</a:t>
             </a:r>
           </a:p>
         </p:txBody>
       </p:sp>
-      <p:pic>
-        <p:nvPicPr>
-          <p:cNvPr descr="Nostradomicile_logo_invert.png" id="262" name="Shape 262"/>
-          <p:cNvPicPr preferRelativeResize="0"/>
-          <p:nvPr/>
-        </p:nvPicPr>
-        <p:blipFill>
-          <a:blip r:embed="rId4">
-            <a:alphaModFix/>
-          </a:blip>
-          <a:stretch>
-            <a:fillRect/>
-          </a:stretch>
-        </p:blipFill>
-        <p:spPr>
-          <a:xfrm>
-            <a:off x="8017525" y="3989775"/>
-            <a:ext cx="1126475" cy="1126475"/>
-          </a:xfrm>
-          <a:prstGeom prst="rect">
-            <a:avLst/>
-          </a:prstGeom>
-          <a:noFill/>
-          <a:ln>
-            <a:noFill/>
-          </a:ln>
-        </p:spPr>
-      </p:pic>
-      <p:pic>
-        <p:nvPicPr>
-          <p:cNvPr id="263" name="Shape 263"/>
-          <p:cNvPicPr preferRelativeResize="0"/>
-          <p:nvPr/>
-        </p:nvPicPr>
-        <p:blipFill>
-          <a:blip r:embed="rId5">
-            <a:alphaModFix/>
-          </a:blip>
-          <a:stretch>
-            <a:fillRect/>
-          </a:stretch>
-        </p:blipFill>
-        <p:spPr>
-          <a:xfrm>
-            <a:off x="0" y="3989774"/>
-            <a:ext cx="915349" cy="1153725"/>
-          </a:xfrm>
-          <a:prstGeom prst="rect">
-            <a:avLst/>
-          </a:prstGeom>
-          <a:noFill/>
-          <a:ln>
-            <a:noFill/>
-          </a:ln>
-        </p:spPr>
-      </p:pic>
     </p:spTree>
   </p:cSld>
   <p:clrMapOvr>
@@ -15107,7 +14895,7 @@
   <p:cSld>
     <p:spTree>
       <p:nvGrpSpPr>
-        <p:cNvPr id="267" name="Shape 267"/>
+        <p:cNvPr id="264" name="Shape 264"/>
         <p:cNvGrpSpPr/>
         <p:nvPr/>
       </p:nvGrpSpPr>
@@ -15121,7 +14909,7 @@
       </p:grpSpPr>
       <p:sp>
         <p:nvSpPr>
-          <p:cNvPr id="268" name="Shape 268"/>
+          <p:cNvPr id="265" name="Shape 265"/>
           <p:cNvSpPr txBox="1"/>
           <p:nvPr>
             <p:ph type="title"/>
@@ -15129,8 +14917,8 @@
         </p:nvSpPr>
         <p:spPr>
           <a:xfrm>
-            <a:off x="311700" y="445025"/>
-            <a:ext cx="8520600" cy="572700"/>
+            <a:off x="515950" y="445025"/>
+            <a:ext cx="8110200" cy="572700"/>
           </a:xfrm>
           <a:prstGeom prst="rect">
             <a:avLst/>
@@ -15150,14 +14938,14 @@
             </a:pPr>
             <a:r>
               <a:rPr lang="en"/>
-              <a:t>Approach towards coding</a:t>
+              <a:t>Member Roles (who is doing what)</a:t>
             </a:r>
           </a:p>
         </p:txBody>
       </p:sp>
       <p:sp>
         <p:nvSpPr>
-          <p:cNvPr id="269" name="Shape 269"/>
+          <p:cNvPr id="266" name="Shape 266"/>
           <p:cNvSpPr txBox="1"/>
           <p:nvPr>
             <p:ph idx="1" type="body"/>
@@ -15165,8 +14953,8 @@
         </p:nvSpPr>
         <p:spPr>
           <a:xfrm>
-            <a:off x="640500" y="1152475"/>
-            <a:ext cx="7831800" cy="3416400"/>
+            <a:off x="515950" y="1152475"/>
+            <a:ext cx="8110200" cy="3416400"/>
           </a:xfrm>
           <a:prstGeom prst="rect">
             <a:avLst/>
@@ -15185,15 +14973,32 @@
               <a:buClr>
                 <a:srgbClr val="FFFFFF"/>
               </a:buClr>
-            </a:pPr>
-            <a:r>
-              <a:rPr lang="en">
-                <a:solidFill>
-                  <a:srgbClr val="FFFFFF"/>
-                </a:solidFill>
-              </a:rPr>
-              <a:t>Work individually on our separate subsystems.</a:t>
-            </a:r>
+              <a:buChar char="●"/>
+            </a:pPr>
+            <a:r>
+              <a:rPr lang="en">
+                <a:solidFill>
+                  <a:srgbClr val="FFFFFF"/>
+                </a:solidFill>
+              </a:rPr>
+              <a:t>Christian/Richard - Server setup and deployment, database setup and population, backend processing (outside of machine learning). </a:t>
+            </a:r>
+          </a:p>
+          <a:p>
+            <a:pPr lvl="0" rtl="0">
+              <a:spcBef>
+                <a:spcPts val="0"/>
+              </a:spcBef>
+              <a:buNone/>
+            </a:pPr>
+            <a:r>
+              <a:t/>
+            </a:r>
+            <a:endParaRPr>
+              <a:solidFill>
+                <a:srgbClr val="FFFFFF"/>
+              </a:solidFill>
+            </a:endParaRPr>
           </a:p>
           <a:p>
             <a:pPr indent="-228600" lvl="0" marL="457200" rtl="0">
@@ -15203,32 +15008,66 @@
               <a:buClr>
                 <a:srgbClr val="FFFFFF"/>
               </a:buClr>
-            </a:pPr>
-            <a:r>
-              <a:rPr lang="en">
-                <a:solidFill>
-                  <a:srgbClr val="FFFFFF"/>
-                </a:solidFill>
-              </a:rPr>
-              <a:t>Connect our subsystems once progress has been made.</a:t>
-            </a:r>
-          </a:p>
-          <a:p>
-            <a:pPr indent="-228600" lvl="0" marL="457200" rtl="0">
-              <a:spcBef>
-                <a:spcPts val="0"/>
-              </a:spcBef>
-              <a:buClr>
-                <a:srgbClr val="FFFFFF"/>
-              </a:buClr>
-            </a:pPr>
-            <a:r>
-              <a:rPr lang="en">
-                <a:solidFill>
-                  <a:srgbClr val="FFFFFF"/>
-                </a:solidFill>
-              </a:rPr>
-              <a:t>Prevents any subsystem from halting the entire system.</a:t>
+              <a:buChar char="●"/>
+            </a:pPr>
+            <a:r>
+              <a:rPr lang="en">
+                <a:solidFill>
+                  <a:srgbClr val="FFFFFF"/>
+                </a:solidFill>
+              </a:rPr>
+              <a:t>Jeremy - UI and site coding, </a:t>
+            </a:r>
+            <a:r>
+              <a:rPr lang="en">
+                <a:solidFill>
+                  <a:srgbClr val="FFFFFF"/>
+                </a:solidFill>
+              </a:rPr>
+              <a:t>create </a:t>
+            </a:r>
+            <a:r>
+              <a:rPr lang="en">
+                <a:solidFill>
+                  <a:srgbClr val="FFFFFF"/>
+                </a:solidFill>
+              </a:rPr>
+              <a:t>assets for site, assist with database population.</a:t>
+            </a:r>
+          </a:p>
+          <a:p>
+            <a:pPr lvl="0" rtl="0">
+              <a:spcBef>
+                <a:spcPts val="0"/>
+              </a:spcBef>
+              <a:buNone/>
+            </a:pPr>
+            <a:r>
+              <a:t/>
+            </a:r>
+            <a:endParaRPr>
+              <a:solidFill>
+                <a:srgbClr val="FFFFFF"/>
+              </a:solidFill>
+            </a:endParaRPr>
+          </a:p>
+          <a:p>
+            <a:pPr indent="-228600" lvl="0" marL="457200">
+              <a:spcBef>
+                <a:spcPts val="0"/>
+              </a:spcBef>
+              <a:buClr>
+                <a:srgbClr val="FFFFFF"/>
+              </a:buClr>
+              <a:buChar char="●"/>
+            </a:pPr>
+            <a:r>
+              <a:rPr lang="en">
+                <a:solidFill>
+                  <a:srgbClr val="FFFFFF"/>
+                </a:solidFill>
+              </a:rPr>
+              <a:t>Ochaun - Machine learning algorithm setup.</a:t>
             </a:r>
           </a:p>
         </p:txBody>
@@ -15246,7 +15085,7 @@
   <p:cSld>
     <p:spTree>
       <p:nvGrpSpPr>
-        <p:cNvPr id="273" name="Shape 273"/>
+        <p:cNvPr id="270" name="Shape 270"/>
         <p:cNvGrpSpPr/>
         <p:nvPr/>
       </p:nvGrpSpPr>
@@ -15260,7 +15099,7 @@
       </p:grpSpPr>
       <p:sp>
         <p:nvSpPr>
-          <p:cNvPr id="274" name="Shape 274"/>
+          <p:cNvPr id="271" name="Shape 271"/>
           <p:cNvSpPr txBox="1"/>
           <p:nvPr>
             <p:ph type="title"/>
@@ -15296,7 +15135,7 @@
       </p:sp>
       <p:sp>
         <p:nvSpPr>
-          <p:cNvPr id="275" name="Shape 275"/>
+          <p:cNvPr id="272" name="Shape 272"/>
           <p:cNvSpPr txBox="1"/>
           <p:nvPr>
             <p:ph idx="1" type="body"/>
@@ -15332,26 +15171,26 @@
                   <a:srgbClr val="FFFFFF"/>
                 </a:solidFill>
               </a:rPr>
+              <a:t>Django 1.9.2 - Framework written in Python</a:t>
+            </a:r>
+          </a:p>
+          <a:p>
+            <a:pPr indent="-228600" lvl="0" marL="457200" rtl="0">
+              <a:spcBef>
+                <a:spcPts val="0"/>
+              </a:spcBef>
+              <a:buClr>
+                <a:srgbClr val="FFFFFF"/>
+              </a:buClr>
+              <a:buChar char="●"/>
+            </a:pPr>
+            <a:r>
+              <a:rPr lang="en">
+                <a:solidFill>
+                  <a:srgbClr val="FFFFFF"/>
+                </a:solidFill>
+              </a:rPr>
               <a:t>Python 2.7.4</a:t>
-            </a:r>
-          </a:p>
-          <a:p>
-            <a:pPr indent="-228600" lvl="1" marL="914400" rtl="0">
-              <a:spcBef>
-                <a:spcPts val="0"/>
-              </a:spcBef>
-              <a:buClr>
-                <a:srgbClr val="FFFFFF"/>
-              </a:buClr>
-              <a:buChar char="○"/>
-            </a:pPr>
-            <a:r>
-              <a:rPr lang="en" sz="1800">
-                <a:solidFill>
-                  <a:schemeClr val="dk1"/>
-                </a:solidFill>
-              </a:rPr>
-              <a:t>Django 1.9.2</a:t>
             </a:r>
           </a:p>
           <a:p>
@@ -15464,7 +15303,7 @@
   <p:cSld>
     <p:spTree>
       <p:nvGrpSpPr>
-        <p:cNvPr id="279" name="Shape 279"/>
+        <p:cNvPr id="276" name="Shape 276"/>
         <p:cNvGrpSpPr/>
         <p:nvPr/>
       </p:nvGrpSpPr>
@@ -15478,7 +15317,7 @@
       </p:grpSpPr>
       <p:sp>
         <p:nvSpPr>
-          <p:cNvPr id="280" name="Shape 280"/>
+          <p:cNvPr id="277" name="Shape 277"/>
           <p:cNvSpPr txBox="1"/>
           <p:nvPr>
             <p:ph type="title"/>
@@ -15486,8 +15325,8 @@
         </p:nvSpPr>
         <p:spPr>
           <a:xfrm>
-            <a:off x="515950" y="445025"/>
-            <a:ext cx="8110200" cy="572700"/>
+            <a:off x="630800" y="445025"/>
+            <a:ext cx="7812300" cy="572700"/>
           </a:xfrm>
           <a:prstGeom prst="rect">
             <a:avLst/>
@@ -15507,14 +15346,14 @@
             </a:pPr>
             <a:r>
               <a:rPr lang="en"/>
-              <a:t>Member Roles</a:t>
+              <a:t>Sub-modules and their coding methods</a:t>
             </a:r>
           </a:p>
         </p:txBody>
       </p:sp>
       <p:sp>
         <p:nvSpPr>
-          <p:cNvPr id="281" name="Shape 281"/>
+          <p:cNvPr id="278" name="Shape 278"/>
           <p:cNvSpPr txBox="1"/>
           <p:nvPr>
             <p:ph idx="1" type="body"/>
@@ -15522,8 +15361,8 @@
         </p:nvSpPr>
         <p:spPr>
           <a:xfrm>
-            <a:off x="515950" y="1152475"/>
-            <a:ext cx="8110200" cy="3416400"/>
+            <a:off x="630800" y="1152475"/>
+            <a:ext cx="7763700" cy="3416400"/>
           </a:xfrm>
           <a:prstGeom prst="rect">
             <a:avLst/>
@@ -15535,203 +15374,19 @@
           </a:bodyPr>
           <a:lstStyle/>
           <a:p>
-            <a:pPr indent="-228600" lvl="0" marL="457200" rtl="0">
-              <a:spcBef>
-                <a:spcPts val="0"/>
-              </a:spcBef>
-              <a:buClr>
-                <a:srgbClr val="FFFFFF"/>
-              </a:buClr>
-              <a:buChar char="●"/>
-            </a:pPr>
-            <a:r>
-              <a:rPr lang="en">
-                <a:solidFill>
-                  <a:srgbClr val="FFFFFF"/>
-                </a:solidFill>
-              </a:rPr>
-              <a:t>Front-end: Jeremy</a:t>
-            </a:r>
-          </a:p>
-          <a:p>
-            <a:pPr indent="-228600" lvl="1" marL="914400" rtl="0">
-              <a:spcBef>
-                <a:spcPts val="0"/>
-              </a:spcBef>
-              <a:buClr>
-                <a:srgbClr val="FFFFFF"/>
-              </a:buClr>
-              <a:buChar char="○"/>
-            </a:pPr>
-            <a:r>
-              <a:rPr lang="en">
-                <a:solidFill>
-                  <a:srgbClr val="FFFFFF"/>
-                </a:solidFill>
-              </a:rPr>
-              <a:t>Example tasks: UI and site coding, creating assets for site (Jeremy also assists with database population).</a:t>
-            </a:r>
-          </a:p>
-          <a:p>
-            <a:pPr indent="-228600" lvl="0" marL="457200" rtl="0">
-              <a:spcBef>
-                <a:spcPts val="0"/>
-              </a:spcBef>
-              <a:buClr>
-                <a:srgbClr val="FFFFFF"/>
-              </a:buClr>
-              <a:buChar char="●"/>
-            </a:pPr>
-            <a:r>
-              <a:rPr lang="en">
-                <a:solidFill>
-                  <a:srgbClr val="FFFFFF"/>
-                </a:solidFill>
-              </a:rPr>
-              <a:t>Back-end: Richard</a:t>
-            </a:r>
-          </a:p>
-          <a:p>
-            <a:pPr indent="-228600" lvl="1" marL="914400" rtl="0">
-              <a:spcBef>
-                <a:spcPts val="0"/>
-              </a:spcBef>
-              <a:buClr>
-                <a:srgbClr val="FFFFFF"/>
-              </a:buClr>
-              <a:buChar char="○"/>
-            </a:pPr>
-            <a:r>
-              <a:rPr lang="en">
-                <a:solidFill>
-                  <a:schemeClr val="dk1"/>
-                </a:solidFill>
-              </a:rPr>
-              <a:t>Example t</a:t>
-            </a:r>
-            <a:r>
-              <a:rPr lang="en">
-                <a:solidFill>
-                  <a:srgbClr val="FFFFFF"/>
-                </a:solidFill>
-              </a:rPr>
-              <a:t>asks:</a:t>
-            </a:r>
-            <a:r>
-              <a:rPr lang="en">
-                <a:solidFill>
-                  <a:srgbClr val="FFFFFF"/>
-                </a:solidFill>
-              </a:rPr>
-              <a:t> Server setup and deployment, </a:t>
-            </a:r>
-            <a:r>
-              <a:rPr lang="en">
-                <a:solidFill>
-                  <a:srgbClr val="FFFFFF"/>
-                </a:solidFill>
-              </a:rPr>
-              <a:t>backend</a:t>
-            </a:r>
-            <a:r>
-              <a:rPr lang="en">
-                <a:solidFill>
-                  <a:srgbClr val="FFFFFF"/>
-                </a:solidFill>
-              </a:rPr>
-              <a:t> processing (outside of machine learning). </a:t>
-            </a:r>
-          </a:p>
-          <a:p>
-            <a:pPr indent="-228600" lvl="0" marL="457200" rtl="0">
-              <a:spcBef>
-                <a:spcPts val="0"/>
-              </a:spcBef>
-              <a:buClr>
-                <a:srgbClr val="FFFFFF"/>
-              </a:buClr>
-              <a:buChar char="●"/>
-            </a:pPr>
-            <a:r>
-              <a:rPr lang="en">
-                <a:solidFill>
-                  <a:srgbClr val="FFFFFF"/>
-                </a:solidFill>
-              </a:rPr>
-              <a:t>Database: Christian</a:t>
-            </a:r>
-          </a:p>
-          <a:p>
-            <a:pPr indent="-228600" lvl="1" marL="914400" rtl="0">
-              <a:spcBef>
-                <a:spcPts val="0"/>
-              </a:spcBef>
-              <a:buClr>
-                <a:srgbClr val="FFFFFF"/>
-              </a:buClr>
-              <a:buChar char="○"/>
-            </a:pPr>
-            <a:r>
-              <a:rPr lang="en">
-                <a:solidFill>
-                  <a:schemeClr val="dk1"/>
-                </a:solidFill>
-              </a:rPr>
-              <a:t>Example t</a:t>
-            </a:r>
-            <a:r>
-              <a:rPr lang="en">
-                <a:solidFill>
-                  <a:srgbClr val="FFFFFF"/>
-                </a:solidFill>
-              </a:rPr>
-              <a:t>asks: Database setup and population (Christian also assists with back-end setup, deployment, etc).</a:t>
-            </a:r>
-          </a:p>
-          <a:p>
-            <a:pPr indent="-228600" lvl="0" marL="457200" rtl="0">
-              <a:spcBef>
-                <a:spcPts val="0"/>
-              </a:spcBef>
-              <a:buClr>
-                <a:srgbClr val="FFFFFF"/>
-              </a:buClr>
-              <a:buChar char="●"/>
-            </a:pPr>
-            <a:r>
-              <a:rPr lang="en">
-                <a:solidFill>
-                  <a:srgbClr val="FFFFFF"/>
-                </a:solidFill>
-              </a:rPr>
-              <a:t>Machine Learning: Ochaun</a:t>
-            </a:r>
-          </a:p>
-          <a:p>
-            <a:pPr indent="-228600" lvl="1" marL="914400">
-              <a:spcBef>
-                <a:spcPts val="0"/>
-              </a:spcBef>
-              <a:buClr>
-                <a:srgbClr val="FFFFFF"/>
-              </a:buClr>
-              <a:buChar char="○"/>
-            </a:pPr>
-            <a:r>
-              <a:rPr lang="en">
-                <a:solidFill>
-                  <a:schemeClr val="dk1"/>
-                </a:solidFill>
-              </a:rPr>
-              <a:t>Example t</a:t>
-            </a:r>
-            <a:r>
-              <a:rPr lang="en">
-                <a:solidFill>
-                  <a:srgbClr val="FFFFFF"/>
-                </a:solidFill>
-              </a:rPr>
-              <a:t>asks: Machine learning algorithm setup.</a:t>
+            <a:pPr lvl="0">
+              <a:spcBef>
+                <a:spcPts val="0"/>
+              </a:spcBef>
+              <a:buNone/>
+            </a:pPr>
+            <a:r>
+              <a:rPr lang="en">
+                <a:solidFill>
+                  <a:srgbClr val="FFFFFF"/>
+                </a:solidFill>
+              </a:rPr>
+              <a:t>The next several slides will describe each sub-modules coding methods and the unit tests that will be used.</a:t>
             </a:r>
           </a:p>
         </p:txBody>
@@ -15749,7 +15404,7 @@
   <p:cSld>
     <p:spTree>
       <p:nvGrpSpPr>
-        <p:cNvPr id="285" name="Shape 285"/>
+        <p:cNvPr id="282" name="Shape 282"/>
         <p:cNvGrpSpPr/>
         <p:nvPr/>
       </p:nvGrpSpPr>
@@ -15763,7 +15418,7 @@
       </p:grpSpPr>
       <p:sp>
         <p:nvSpPr>
-          <p:cNvPr id="286" name="Shape 286"/>
+          <p:cNvPr id="283" name="Shape 283"/>
           <p:cNvSpPr txBox="1"/>
           <p:nvPr>
             <p:ph type="title"/>
@@ -15771,8 +15426,8 @@
         </p:nvSpPr>
         <p:spPr>
           <a:xfrm>
-            <a:off x="824900" y="445025"/>
-            <a:ext cx="7569600" cy="572700"/>
+            <a:off x="630800" y="445025"/>
+            <a:ext cx="7919100" cy="572700"/>
           </a:xfrm>
           <a:prstGeom prst="rect">
             <a:avLst/>
@@ -15784,7 +15439,7 @@
           </a:bodyPr>
           <a:lstStyle/>
           <a:p>
-            <a:pPr lvl="0" rtl="0" algn="ctr">
+            <a:pPr lvl="0" algn="ctr">
               <a:spcBef>
                 <a:spcPts val="0"/>
               </a:spcBef>
@@ -15792,1332 +15447,105 @@
             </a:pPr>
             <a:r>
               <a:rPr lang="en"/>
-              <a:t>Completion status of code</a:t>
+              <a:t>Submodule - Front End</a:t>
             </a:r>
           </a:p>
         </p:txBody>
       </p:sp>
-      <p:graphicFrame>
-        <p:nvGraphicFramePr>
-          <p:cNvPr id="287" name="Shape 287"/>
-          <p:cNvGraphicFramePr/>
-          <p:nvPr/>
-        </p:nvGraphicFramePr>
-        <p:xfrm>
-          <a:off x="738362" y="1086350"/>
-          <a:ext cx="3000000" cy="3000000"/>
-        </p:xfrm>
-        <a:graphic>
-          <a:graphicData uri="http://schemas.openxmlformats.org/drawingml/2006/table">
-            <a:tbl>
-              <a:tblPr>
-                <a:noFill/>
-                <a:tableStyleId>{6227683F-6615-4F6C-A2C1-3B111FABE345}</a:tableStyleId>
-              </a:tblPr>
-              <a:tblGrid>
-                <a:gridCol w="1014475"/>
-                <a:gridCol w="1490000"/>
-                <a:gridCol w="4046325"/>
-                <a:gridCol w="1107900"/>
-              </a:tblGrid>
-              <a:tr h="654175">
-                <a:tc>
-                  <a:txBody>
-                    <a:bodyPr>
-                      <a:noAutofit/>
-                    </a:bodyPr>
-                    <a:lstStyle/>
-                    <a:p>
-                      <a:pPr lvl="0" algn="ctr">
-                        <a:spcBef>
-                          <a:spcPts val="0"/>
-                        </a:spcBef>
-                        <a:buNone/>
-                      </a:pPr>
-                      <a:r>
-                        <a:rPr b="1" lang="en" sz="1800" u="sng">
-                          <a:solidFill>
-                            <a:srgbClr val="FFFFFF"/>
-                          </a:solidFill>
-                          <a:highlight>
-                            <a:srgbClr val="000000"/>
-                          </a:highlight>
-                        </a:rPr>
-                        <a:t>Role</a:t>
-                      </a:r>
-                    </a:p>
-                  </a:txBody>
-                  <a:tcPr marT="91425" marB="91425" marR="91425" marL="91425">
-                    <a:lnL cap="flat" cmpd="sng" w="9525">
-                      <a:solidFill>
-                        <a:srgbClr val="FFFFFF"/>
-                      </a:solidFill>
-                      <a:prstDash val="solid"/>
-                      <a:round/>
-                      <a:headEnd len="med" w="med" type="none"/>
-                      <a:tailEnd len="med" w="med" type="none"/>
-                    </a:lnL>
-                    <a:lnR cap="flat" cmpd="sng" w="9525">
-                      <a:solidFill>
-                        <a:srgbClr val="FFFFFF"/>
-                      </a:solidFill>
-                      <a:prstDash val="solid"/>
-                      <a:round/>
-                      <a:headEnd len="med" w="med" type="none"/>
-                      <a:tailEnd len="med" w="med" type="none"/>
-                    </a:lnR>
-                    <a:lnT cap="flat" cmpd="sng" w="9525">
-                      <a:solidFill>
-                        <a:srgbClr val="FFFFFF"/>
-                      </a:solidFill>
-                      <a:prstDash val="solid"/>
-                      <a:round/>
-                      <a:headEnd len="med" w="med" type="none"/>
-                      <a:tailEnd len="med" w="med" type="none"/>
-                    </a:lnT>
-                    <a:lnB cap="flat" cmpd="sng" w="9525">
-                      <a:solidFill>
-                        <a:srgbClr val="FFFFFF"/>
-                      </a:solidFill>
-                      <a:prstDash val="solid"/>
-                      <a:round/>
-                      <a:headEnd len="med" w="med" type="none"/>
-                      <a:tailEnd len="med" w="med" type="none"/>
-                    </a:lnB>
-                  </a:tcPr>
-                </a:tc>
-                <a:tc>
-                  <a:txBody>
-                    <a:bodyPr>
-                      <a:noAutofit/>
-                    </a:bodyPr>
-                    <a:lstStyle/>
-                    <a:p>
-                      <a:pPr lvl="0" rtl="0" algn="ctr">
-                        <a:spcBef>
-                          <a:spcPts val="0"/>
-                        </a:spcBef>
-                        <a:buNone/>
-                      </a:pPr>
-                      <a:r>
-                        <a:rPr b="1" lang="en" sz="1800" u="sng">
-                          <a:solidFill>
-                            <a:srgbClr val="FFFFFF"/>
-                          </a:solidFill>
-                          <a:highlight>
-                            <a:srgbClr val="000000"/>
-                          </a:highlight>
-                        </a:rPr>
-                        <a:t>Members</a:t>
-                      </a:r>
-                    </a:p>
-                  </a:txBody>
-                  <a:tcPr marT="91425" marB="91425" marR="91425" marL="91425">
-                    <a:lnL cap="flat" cmpd="sng" w="9525">
-                      <a:solidFill>
-                        <a:srgbClr val="FFFFFF"/>
-                      </a:solidFill>
-                      <a:prstDash val="solid"/>
-                      <a:round/>
-                      <a:headEnd len="med" w="med" type="none"/>
-                      <a:tailEnd len="med" w="med" type="none"/>
-                    </a:lnL>
-                    <a:lnR cap="flat" cmpd="sng" w="9525">
-                      <a:solidFill>
-                        <a:srgbClr val="FFFFFF"/>
-                      </a:solidFill>
-                      <a:prstDash val="solid"/>
-                      <a:round/>
-                      <a:headEnd len="med" w="med" type="none"/>
-                      <a:tailEnd len="med" w="med" type="none"/>
-                    </a:lnR>
-                    <a:lnT cap="flat" cmpd="sng" w="9525">
-                      <a:solidFill>
-                        <a:srgbClr val="FFFFFF"/>
-                      </a:solidFill>
-                      <a:prstDash val="solid"/>
-                      <a:round/>
-                      <a:headEnd len="med" w="med" type="none"/>
-                      <a:tailEnd len="med" w="med" type="none"/>
-                    </a:lnT>
-                    <a:lnB cap="flat" cmpd="sng" w="9525">
-                      <a:solidFill>
-                        <a:srgbClr val="FFFFFF"/>
-                      </a:solidFill>
-                      <a:prstDash val="solid"/>
-                      <a:round/>
-                      <a:headEnd len="med" w="med" type="none"/>
-                      <a:tailEnd len="med" w="med" type="none"/>
-                    </a:lnB>
-                  </a:tcPr>
-                </a:tc>
-                <a:tc>
-                  <a:txBody>
-                    <a:bodyPr>
-                      <a:noAutofit/>
-                    </a:bodyPr>
-                    <a:lstStyle/>
-                    <a:p>
-                      <a:pPr lvl="0" algn="ctr">
-                        <a:spcBef>
-                          <a:spcPts val="0"/>
-                        </a:spcBef>
-                        <a:buNone/>
-                      </a:pPr>
-                      <a:r>
-                        <a:rPr b="1" lang="en" sz="1800" u="sng">
-                          <a:solidFill>
-                            <a:srgbClr val="FFFFFF"/>
-                          </a:solidFill>
-                        </a:rPr>
-                        <a:t>Task</a:t>
-                      </a:r>
-                    </a:p>
-                  </a:txBody>
-                  <a:tcPr marT="91425" marB="91425" marR="91425" marL="91425">
-                    <a:lnL cap="flat" cmpd="sng" w="9525">
-                      <a:solidFill>
-                        <a:srgbClr val="FFFFFF"/>
-                      </a:solidFill>
-                      <a:prstDash val="solid"/>
-                      <a:round/>
-                      <a:headEnd len="med" w="med" type="none"/>
-                      <a:tailEnd len="med" w="med" type="none"/>
-                    </a:lnL>
-                    <a:lnR cap="flat" cmpd="sng" w="9525">
-                      <a:solidFill>
-                        <a:srgbClr val="FFFFFF"/>
-                      </a:solidFill>
-                      <a:prstDash val="solid"/>
-                      <a:round/>
-                      <a:headEnd len="med" w="med" type="none"/>
-                      <a:tailEnd len="med" w="med" type="none"/>
-                    </a:lnR>
-                    <a:lnT cap="flat" cmpd="sng" w="9525">
-                      <a:solidFill>
-                        <a:srgbClr val="FFFFFF"/>
-                      </a:solidFill>
-                      <a:prstDash val="solid"/>
-                      <a:round/>
-                      <a:headEnd len="med" w="med" type="none"/>
-                      <a:tailEnd len="med" w="med" type="none"/>
-                    </a:lnT>
-                    <a:lnB cap="flat" cmpd="sng" w="9525">
-                      <a:solidFill>
-                        <a:srgbClr val="FFFFFF"/>
-                      </a:solidFill>
-                      <a:prstDash val="solid"/>
-                      <a:round/>
-                      <a:headEnd len="med" w="med" type="none"/>
-                      <a:tailEnd len="med" w="med" type="none"/>
-                    </a:lnB>
-                  </a:tcPr>
-                </a:tc>
-                <a:tc>
-                  <a:txBody>
-                    <a:bodyPr>
-                      <a:noAutofit/>
-                    </a:bodyPr>
-                    <a:lstStyle/>
-                    <a:p>
-                      <a:pPr lvl="0" rtl="0" algn="ctr">
-                        <a:spcBef>
-                          <a:spcPts val="0"/>
-                        </a:spcBef>
-                        <a:buNone/>
-                      </a:pPr>
-                      <a:r>
-                        <a:rPr b="1" lang="en" sz="1800" u="sng">
-                          <a:solidFill>
-                            <a:srgbClr val="FFFFFF"/>
-                          </a:solidFill>
-                        </a:rPr>
-                        <a:t>Status</a:t>
-                      </a:r>
-                    </a:p>
-                  </a:txBody>
-                  <a:tcPr marT="91425" marB="91425" marR="91425" marL="91425">
-                    <a:lnL cap="flat" cmpd="sng" w="9525">
-                      <a:solidFill>
-                        <a:srgbClr val="FFFFFF"/>
-                      </a:solidFill>
-                      <a:prstDash val="solid"/>
-                      <a:round/>
-                      <a:headEnd len="med" w="med" type="none"/>
-                      <a:tailEnd len="med" w="med" type="none"/>
-                    </a:lnL>
-                    <a:lnR cap="flat" cmpd="sng" w="9525">
-                      <a:solidFill>
-                        <a:srgbClr val="FFFFFF"/>
-                      </a:solidFill>
-                      <a:prstDash val="solid"/>
-                      <a:round/>
-                      <a:headEnd len="med" w="med" type="none"/>
-                      <a:tailEnd len="med" w="med" type="none"/>
-                    </a:lnR>
-                    <a:lnT cap="flat" cmpd="sng" w="9525">
-                      <a:solidFill>
-                        <a:srgbClr val="FFFFFF"/>
-                      </a:solidFill>
-                      <a:prstDash val="solid"/>
-                      <a:round/>
-                      <a:headEnd len="med" w="med" type="none"/>
-                      <a:tailEnd len="med" w="med" type="none"/>
-                    </a:lnT>
-                    <a:lnB cap="flat" cmpd="sng" w="9525">
-                      <a:solidFill>
-                        <a:srgbClr val="FFFFFF"/>
-                      </a:solidFill>
-                      <a:prstDash val="solid"/>
-                      <a:round/>
-                      <a:headEnd len="med" w="med" type="none"/>
-                      <a:tailEnd len="med" w="med" type="none"/>
-                    </a:lnB>
-                  </a:tcPr>
-                </a:tc>
-              </a:tr>
-              <a:tr h="568450">
-                <a:tc>
-                  <a:txBody>
-                    <a:bodyPr>
-                      <a:noAutofit/>
-                    </a:bodyPr>
-                    <a:lstStyle/>
-                    <a:p>
-                      <a:pPr lvl="0">
-                        <a:spcBef>
-                          <a:spcPts val="0"/>
-                        </a:spcBef>
-                        <a:buNone/>
-                      </a:pPr>
-                      <a:r>
-                        <a:rPr lang="en">
-                          <a:solidFill>
-                            <a:srgbClr val="FFFFFF"/>
-                          </a:solidFill>
-                        </a:rPr>
-                        <a:t>Front-End</a:t>
-                      </a:r>
-                    </a:p>
-                  </a:txBody>
-                  <a:tcPr marT="91425" marB="91425" marR="91425" marL="91425">
-                    <a:lnL cap="flat" cmpd="sng" w="9525">
-                      <a:solidFill>
-                        <a:srgbClr val="FFFFFF"/>
-                      </a:solidFill>
-                      <a:prstDash val="solid"/>
-                      <a:round/>
-                      <a:headEnd len="med" w="med" type="none"/>
-                      <a:tailEnd len="med" w="med" type="none"/>
-                    </a:lnL>
-                    <a:lnR cap="flat" cmpd="sng" w="9525">
-                      <a:solidFill>
-                        <a:srgbClr val="FFFFFF"/>
-                      </a:solidFill>
-                      <a:prstDash val="solid"/>
-                      <a:round/>
-                      <a:headEnd len="med" w="med" type="none"/>
-                      <a:tailEnd len="med" w="med" type="none"/>
-                    </a:lnR>
-                    <a:lnT cap="flat" cmpd="sng" w="9525">
-                      <a:solidFill>
-                        <a:srgbClr val="FFFFFF"/>
-                      </a:solidFill>
-                      <a:prstDash val="solid"/>
-                      <a:round/>
-                      <a:headEnd len="med" w="med" type="none"/>
-                      <a:tailEnd len="med" w="med" type="none"/>
-                    </a:lnT>
-                    <a:lnB cap="flat" cmpd="sng" w="9525">
-                      <a:solidFill>
-                        <a:srgbClr val="FFFFFF"/>
-                      </a:solidFill>
-                      <a:prstDash val="solid"/>
-                      <a:round/>
-                      <a:headEnd len="med" w="med" type="none"/>
-                      <a:tailEnd len="med" w="med" type="none"/>
-                    </a:lnB>
-                  </a:tcPr>
-                </a:tc>
-                <a:tc>
-                  <a:txBody>
-                    <a:bodyPr>
-                      <a:noAutofit/>
-                    </a:bodyPr>
-                    <a:lstStyle/>
-                    <a:p>
-                      <a:pPr lvl="0" rtl="0">
-                        <a:spcBef>
-                          <a:spcPts val="0"/>
-                        </a:spcBef>
-                        <a:buNone/>
-                      </a:pPr>
-                      <a:r>
-                        <a:rPr lang="en">
-                          <a:solidFill>
-                            <a:srgbClr val="FFFFFF"/>
-                          </a:solidFill>
-                        </a:rPr>
-                        <a:t>Jeremy</a:t>
-                      </a:r>
-                    </a:p>
-                  </a:txBody>
-                  <a:tcPr marT="91425" marB="91425" marR="91425" marL="91425">
-                    <a:lnL cap="flat" cmpd="sng" w="9525">
-                      <a:solidFill>
-                        <a:srgbClr val="FFFFFF"/>
-                      </a:solidFill>
-                      <a:prstDash val="solid"/>
-                      <a:round/>
-                      <a:headEnd len="med" w="med" type="none"/>
-                      <a:tailEnd len="med" w="med" type="none"/>
-                    </a:lnL>
-                    <a:lnR cap="flat" cmpd="sng" w="9525">
-                      <a:solidFill>
-                        <a:srgbClr val="FFFFFF"/>
-                      </a:solidFill>
-                      <a:prstDash val="solid"/>
-                      <a:round/>
-                      <a:headEnd len="med" w="med" type="none"/>
-                      <a:tailEnd len="med" w="med" type="none"/>
-                    </a:lnR>
-                    <a:lnT cap="flat" cmpd="sng" w="9525">
-                      <a:solidFill>
-                        <a:srgbClr val="FFFFFF"/>
-                      </a:solidFill>
-                      <a:prstDash val="solid"/>
-                      <a:round/>
-                      <a:headEnd len="med" w="med" type="none"/>
-                      <a:tailEnd len="med" w="med" type="none"/>
-                    </a:lnT>
-                    <a:lnB cap="flat" cmpd="sng" w="9525">
-                      <a:solidFill>
-                        <a:srgbClr val="FFFFFF"/>
-                      </a:solidFill>
-                      <a:prstDash val="solid"/>
-                      <a:round/>
-                      <a:headEnd len="med" w="med" type="none"/>
-                      <a:tailEnd len="med" w="med" type="none"/>
-                    </a:lnB>
-                  </a:tcPr>
-                </a:tc>
-                <a:tc>
-                  <a:txBody>
-                    <a:bodyPr>
-                      <a:noAutofit/>
-                    </a:bodyPr>
-                    <a:lstStyle/>
-                    <a:p>
-                      <a:pPr indent="0" lvl="0" marL="0" rtl="0">
-                        <a:spcBef>
-                          <a:spcPts val="0"/>
-                        </a:spcBef>
-                        <a:buNone/>
-                      </a:pPr>
-                      <a:r>
-                        <a:rPr lang="en">
-                          <a:solidFill>
-                            <a:schemeClr val="dk1"/>
-                          </a:solidFill>
-                        </a:rPr>
-                        <a:t>Displaying static files and basic ui on the server.</a:t>
-                      </a:r>
-                    </a:p>
-                  </a:txBody>
-                  <a:tcPr marT="91425" marB="91425" marR="91425" marL="91425">
-                    <a:lnL cap="flat" cmpd="sng" w="9525">
-                      <a:solidFill>
-                        <a:srgbClr val="FFFFFF"/>
-                      </a:solidFill>
-                      <a:prstDash val="solid"/>
-                      <a:round/>
-                      <a:headEnd len="med" w="med" type="none"/>
-                      <a:tailEnd len="med" w="med" type="none"/>
-                    </a:lnL>
-                    <a:lnR cap="flat" cmpd="sng" w="9525">
-                      <a:solidFill>
-                        <a:srgbClr val="FFFFFF"/>
-                      </a:solidFill>
-                      <a:prstDash val="solid"/>
-                      <a:round/>
-                      <a:headEnd len="med" w="med" type="none"/>
-                      <a:tailEnd len="med" w="med" type="none"/>
-                    </a:lnR>
-                    <a:lnT cap="flat" cmpd="sng" w="9525">
-                      <a:solidFill>
-                        <a:srgbClr val="FFFFFF"/>
-                      </a:solidFill>
-                      <a:prstDash val="solid"/>
-                      <a:round/>
-                      <a:headEnd len="med" w="med" type="none"/>
-                      <a:tailEnd len="med" w="med" type="none"/>
-                    </a:lnT>
-                    <a:lnB cap="flat" cmpd="sng" w="9525">
-                      <a:solidFill>
-                        <a:srgbClr val="FFFFFF"/>
-                      </a:solidFill>
-                      <a:prstDash val="solid"/>
-                      <a:round/>
-                      <a:headEnd len="med" w="med" type="none"/>
-                      <a:tailEnd len="med" w="med" type="none"/>
-                    </a:lnB>
-                  </a:tcPr>
-                </a:tc>
-                <a:tc>
-                  <a:txBody>
-                    <a:bodyPr>
-                      <a:noAutofit/>
-                    </a:bodyPr>
-                    <a:lstStyle/>
-                    <a:p>
-                      <a:pPr lvl="0" rtl="0">
-                        <a:lnSpc>
-                          <a:spcPct val="115000"/>
-                        </a:lnSpc>
-                        <a:spcBef>
-                          <a:spcPts val="0"/>
-                        </a:spcBef>
-                        <a:spcAft>
-                          <a:spcPts val="1600"/>
-                        </a:spcAft>
-                        <a:buNone/>
-                      </a:pPr>
-                      <a:r>
-                        <a:rPr lang="en">
-                          <a:solidFill>
-                            <a:schemeClr val="dk1"/>
-                          </a:solidFill>
-                        </a:rPr>
-                        <a:t>Completed</a:t>
-                      </a:r>
-                    </a:p>
-                  </a:txBody>
-                  <a:tcPr marT="91425" marB="91425" marR="91425" marL="91425">
-                    <a:lnL cap="flat" cmpd="sng" w="9525">
-                      <a:solidFill>
-                        <a:srgbClr val="FFFFFF"/>
-                      </a:solidFill>
-                      <a:prstDash val="solid"/>
-                      <a:round/>
-                      <a:headEnd len="med" w="med" type="none"/>
-                      <a:tailEnd len="med" w="med" type="none"/>
-                    </a:lnL>
-                    <a:lnR cap="flat" cmpd="sng" w="9525">
-                      <a:solidFill>
-                        <a:srgbClr val="FFFFFF"/>
-                      </a:solidFill>
-                      <a:prstDash val="solid"/>
-                      <a:round/>
-                      <a:headEnd len="med" w="med" type="none"/>
-                      <a:tailEnd len="med" w="med" type="none"/>
-                    </a:lnR>
-                    <a:lnT cap="flat" cmpd="sng" w="9525">
-                      <a:solidFill>
-                        <a:srgbClr val="FFFFFF"/>
-                      </a:solidFill>
-                      <a:prstDash val="solid"/>
-                      <a:round/>
-                      <a:headEnd len="med" w="med" type="none"/>
-                      <a:tailEnd len="med" w="med" type="none"/>
-                    </a:lnT>
-                    <a:lnB cap="flat" cmpd="sng" w="9525">
-                      <a:solidFill>
-                        <a:srgbClr val="FFFFFF"/>
-                      </a:solidFill>
-                      <a:prstDash val="solid"/>
-                      <a:round/>
-                      <a:headEnd len="med" w="med" type="none"/>
-                      <a:tailEnd len="med" w="med" type="none"/>
-                    </a:lnB>
-                  </a:tcPr>
-                </a:tc>
-              </a:tr>
-              <a:tr h="635150">
-                <a:tc>
-                  <a:txBody>
-                    <a:bodyPr>
-                      <a:noAutofit/>
-                    </a:bodyPr>
-                    <a:lstStyle/>
-                    <a:p>
-                      <a:pPr lvl="0" rtl="0">
-                        <a:spcBef>
-                          <a:spcPts val="0"/>
-                        </a:spcBef>
-                        <a:buNone/>
-                      </a:pPr>
-                      <a:r>
-                        <a:rPr lang="en">
-                          <a:solidFill>
-                            <a:srgbClr val="FFFFFF"/>
-                          </a:solidFill>
-                        </a:rPr>
-                        <a:t>Front-End</a:t>
-                      </a:r>
-                    </a:p>
-                  </a:txBody>
-                  <a:tcPr marT="91425" marB="91425" marR="91425" marL="91425">
-                    <a:lnL cap="flat" cmpd="sng" w="9525">
-                      <a:solidFill>
-                        <a:srgbClr val="FFFFFF"/>
-                      </a:solidFill>
-                      <a:prstDash val="solid"/>
-                      <a:round/>
-                      <a:headEnd len="med" w="med" type="none"/>
-                      <a:tailEnd len="med" w="med" type="none"/>
-                    </a:lnL>
-                    <a:lnR cap="flat" cmpd="sng" w="9525">
-                      <a:solidFill>
-                        <a:srgbClr val="FFFFFF"/>
-                      </a:solidFill>
-                      <a:prstDash val="solid"/>
-                      <a:round/>
-                      <a:headEnd len="med" w="med" type="none"/>
-                      <a:tailEnd len="med" w="med" type="none"/>
-                    </a:lnR>
-                    <a:lnT cap="flat" cmpd="sng" w="9525">
-                      <a:solidFill>
-                        <a:srgbClr val="FFFFFF"/>
-                      </a:solidFill>
-                      <a:prstDash val="solid"/>
-                      <a:round/>
-                      <a:headEnd len="med" w="med" type="none"/>
-                      <a:tailEnd len="med" w="med" type="none"/>
-                    </a:lnT>
-                    <a:lnB cap="flat" cmpd="sng" w="9525">
-                      <a:solidFill>
-                        <a:srgbClr val="FFFFFF"/>
-                      </a:solidFill>
-                      <a:prstDash val="solid"/>
-                      <a:round/>
-                      <a:headEnd len="med" w="med" type="none"/>
-                      <a:tailEnd len="med" w="med" type="none"/>
-                    </a:lnB>
-                  </a:tcPr>
-                </a:tc>
-                <a:tc>
-                  <a:txBody>
-                    <a:bodyPr>
-                      <a:noAutofit/>
-                    </a:bodyPr>
-                    <a:lstStyle/>
-                    <a:p>
-                      <a:pPr lvl="0" rtl="0">
-                        <a:spcBef>
-                          <a:spcPts val="0"/>
-                        </a:spcBef>
-                        <a:buNone/>
-                      </a:pPr>
-                      <a:r>
-                        <a:rPr lang="en">
-                          <a:solidFill>
-                            <a:srgbClr val="FFFFFF"/>
-                          </a:solidFill>
-                        </a:rPr>
-                        <a:t>Jeremy, Richard</a:t>
-                      </a:r>
-                    </a:p>
-                  </a:txBody>
-                  <a:tcPr marT="91425" marB="91425" marR="91425" marL="91425">
-                    <a:lnL cap="flat" cmpd="sng" w="9525">
-                      <a:solidFill>
-                        <a:srgbClr val="FFFFFF"/>
-                      </a:solidFill>
-                      <a:prstDash val="solid"/>
-                      <a:round/>
-                      <a:headEnd len="med" w="med" type="none"/>
-                      <a:tailEnd len="med" w="med" type="none"/>
-                    </a:lnL>
-                    <a:lnR cap="flat" cmpd="sng" w="9525">
-                      <a:solidFill>
-                        <a:srgbClr val="FFFFFF"/>
-                      </a:solidFill>
-                      <a:prstDash val="solid"/>
-                      <a:round/>
-                      <a:headEnd len="med" w="med" type="none"/>
-                      <a:tailEnd len="med" w="med" type="none"/>
-                    </a:lnR>
-                    <a:lnT cap="flat" cmpd="sng" w="9525">
-                      <a:solidFill>
-                        <a:srgbClr val="FFFFFF"/>
-                      </a:solidFill>
-                      <a:prstDash val="solid"/>
-                      <a:round/>
-                      <a:headEnd len="med" w="med" type="none"/>
-                      <a:tailEnd len="med" w="med" type="none"/>
-                    </a:lnT>
-                    <a:lnB cap="flat" cmpd="sng" w="9525">
-                      <a:solidFill>
-                        <a:srgbClr val="FFFFFF"/>
-                      </a:solidFill>
-                      <a:prstDash val="solid"/>
-                      <a:round/>
-                      <a:headEnd len="med" w="med" type="none"/>
-                      <a:tailEnd len="med" w="med" type="none"/>
-                    </a:lnB>
-                  </a:tcPr>
-                </a:tc>
-                <a:tc>
-                  <a:txBody>
-                    <a:bodyPr>
-                      <a:noAutofit/>
-                    </a:bodyPr>
-                    <a:lstStyle/>
-                    <a:p>
-                      <a:pPr indent="0" lvl="0" marL="0" rtl="0">
-                        <a:spcBef>
-                          <a:spcPts val="0"/>
-                        </a:spcBef>
-                        <a:buNone/>
-                      </a:pPr>
-                      <a:r>
-                        <a:rPr lang="en">
-                          <a:solidFill>
-                            <a:schemeClr val="dk1"/>
-                          </a:solidFill>
-                        </a:rPr>
-                        <a:t>Submit form data to the back end for machine learning analyzing.</a:t>
-                      </a:r>
-                    </a:p>
-                  </a:txBody>
-                  <a:tcPr marT="91425" marB="91425" marR="91425" marL="91425">
-                    <a:lnL cap="flat" cmpd="sng" w="9525">
-                      <a:solidFill>
-                        <a:srgbClr val="FFFFFF"/>
-                      </a:solidFill>
-                      <a:prstDash val="solid"/>
-                      <a:round/>
-                      <a:headEnd len="med" w="med" type="none"/>
-                      <a:tailEnd len="med" w="med" type="none"/>
-                    </a:lnL>
-                    <a:lnR cap="flat" cmpd="sng" w="9525">
-                      <a:solidFill>
-                        <a:srgbClr val="FFFFFF"/>
-                      </a:solidFill>
-                      <a:prstDash val="solid"/>
-                      <a:round/>
-                      <a:headEnd len="med" w="med" type="none"/>
-                      <a:tailEnd len="med" w="med" type="none"/>
-                    </a:lnR>
-                    <a:lnT cap="flat" cmpd="sng" w="9525">
-                      <a:solidFill>
-                        <a:srgbClr val="FFFFFF"/>
-                      </a:solidFill>
-                      <a:prstDash val="solid"/>
-                      <a:round/>
-                      <a:headEnd len="med" w="med" type="none"/>
-                      <a:tailEnd len="med" w="med" type="none"/>
-                    </a:lnT>
-                    <a:lnB cap="flat" cmpd="sng" w="9525">
-                      <a:solidFill>
-                        <a:srgbClr val="FFFFFF"/>
-                      </a:solidFill>
-                      <a:prstDash val="solid"/>
-                      <a:round/>
-                      <a:headEnd len="med" w="med" type="none"/>
-                      <a:tailEnd len="med" w="med" type="none"/>
-                    </a:lnB>
-                  </a:tcPr>
-                </a:tc>
-                <a:tc>
-                  <a:txBody>
-                    <a:bodyPr>
-                      <a:noAutofit/>
-                    </a:bodyPr>
-                    <a:lstStyle/>
-                    <a:p>
-                      <a:pPr lvl="0" rtl="0">
-                        <a:spcBef>
-                          <a:spcPts val="0"/>
-                        </a:spcBef>
-                        <a:buNone/>
-                      </a:pPr>
-                      <a:r>
-                        <a:rPr lang="en">
-                          <a:solidFill>
-                            <a:srgbClr val="FFFFFF"/>
-                          </a:solidFill>
-                        </a:rPr>
-                        <a:t>In Progress</a:t>
-                      </a:r>
-                    </a:p>
-                  </a:txBody>
-                  <a:tcPr marT="91425" marB="91425" marR="91425" marL="91425">
-                    <a:lnL cap="flat" cmpd="sng" w="9525">
-                      <a:solidFill>
-                        <a:srgbClr val="FFFFFF"/>
-                      </a:solidFill>
-                      <a:prstDash val="solid"/>
-                      <a:round/>
-                      <a:headEnd len="med" w="med" type="none"/>
-                      <a:tailEnd len="med" w="med" type="none"/>
-                    </a:lnL>
-                    <a:lnR cap="flat" cmpd="sng" w="9525">
-                      <a:solidFill>
-                        <a:srgbClr val="FFFFFF"/>
-                      </a:solidFill>
-                      <a:prstDash val="solid"/>
-                      <a:round/>
-                      <a:headEnd len="med" w="med" type="none"/>
-                      <a:tailEnd len="med" w="med" type="none"/>
-                    </a:lnR>
-                    <a:lnT cap="flat" cmpd="sng" w="9525">
-                      <a:solidFill>
-                        <a:srgbClr val="FFFFFF"/>
-                      </a:solidFill>
-                      <a:prstDash val="solid"/>
-                      <a:round/>
-                      <a:headEnd len="med" w="med" type="none"/>
-                      <a:tailEnd len="med" w="med" type="none"/>
-                    </a:lnT>
-                    <a:lnB cap="flat" cmpd="sng" w="9525">
-                      <a:solidFill>
-                        <a:srgbClr val="FFFFFF"/>
-                      </a:solidFill>
-                      <a:prstDash val="solid"/>
-                      <a:round/>
-                      <a:headEnd len="med" w="med" type="none"/>
-                      <a:tailEnd len="med" w="med" type="none"/>
-                    </a:lnB>
-                  </a:tcPr>
-                </a:tc>
-              </a:tr>
-              <a:tr h="635150">
-                <a:tc>
-                  <a:txBody>
-                    <a:bodyPr>
-                      <a:noAutofit/>
-                    </a:bodyPr>
-                    <a:lstStyle/>
-                    <a:p>
-                      <a:pPr lvl="0">
-                        <a:spcBef>
-                          <a:spcPts val="0"/>
-                        </a:spcBef>
-                        <a:buNone/>
-                      </a:pPr>
-                      <a:r>
-                        <a:rPr lang="en">
-                          <a:solidFill>
-                            <a:srgbClr val="FFFFFF"/>
-                          </a:solidFill>
-                        </a:rPr>
-                        <a:t>Front-End</a:t>
-                      </a:r>
-                    </a:p>
-                  </a:txBody>
-                  <a:tcPr marT="91425" marB="91425" marR="91425" marL="91425">
-                    <a:lnL cap="flat" cmpd="sng" w="9525">
-                      <a:solidFill>
-                        <a:srgbClr val="FFFFFF"/>
-                      </a:solidFill>
-                      <a:prstDash val="solid"/>
-                      <a:round/>
-                      <a:headEnd len="med" w="med" type="none"/>
-                      <a:tailEnd len="med" w="med" type="none"/>
-                    </a:lnL>
-                    <a:lnR cap="flat" cmpd="sng" w="9525">
-                      <a:solidFill>
-                        <a:srgbClr val="FFFFFF"/>
-                      </a:solidFill>
-                      <a:prstDash val="solid"/>
-                      <a:round/>
-                      <a:headEnd len="med" w="med" type="none"/>
-                      <a:tailEnd len="med" w="med" type="none"/>
-                    </a:lnR>
-                    <a:lnT cap="flat" cmpd="sng" w="9525">
-                      <a:solidFill>
-                        <a:srgbClr val="FFFFFF"/>
-                      </a:solidFill>
-                      <a:prstDash val="solid"/>
-                      <a:round/>
-                      <a:headEnd len="med" w="med" type="none"/>
-                      <a:tailEnd len="med" w="med" type="none"/>
-                    </a:lnT>
-                    <a:lnB cap="flat" cmpd="sng" w="9525">
-                      <a:solidFill>
-                        <a:srgbClr val="FFFFFF"/>
-                      </a:solidFill>
-                      <a:prstDash val="solid"/>
-                      <a:round/>
-                      <a:headEnd len="med" w="med" type="none"/>
-                      <a:tailEnd len="med" w="med" type="none"/>
-                    </a:lnB>
-                  </a:tcPr>
-                </a:tc>
-                <a:tc>
-                  <a:txBody>
-                    <a:bodyPr>
-                      <a:noAutofit/>
-                    </a:bodyPr>
-                    <a:lstStyle/>
-                    <a:p>
-                      <a:pPr lvl="0" rtl="0">
-                        <a:spcBef>
-                          <a:spcPts val="0"/>
-                        </a:spcBef>
-                        <a:buNone/>
-                      </a:pPr>
-                      <a:r>
-                        <a:rPr lang="en">
-                          <a:solidFill>
-                            <a:srgbClr val="FFFFFF"/>
-                          </a:solidFill>
-                        </a:rPr>
-                        <a:t>Jeremy</a:t>
-                      </a:r>
-                    </a:p>
-                  </a:txBody>
-                  <a:tcPr marT="91425" marB="91425" marR="91425" marL="91425">
-                    <a:lnL cap="flat" cmpd="sng" w="9525">
-                      <a:solidFill>
-                        <a:srgbClr val="FFFFFF"/>
-                      </a:solidFill>
-                      <a:prstDash val="solid"/>
-                      <a:round/>
-                      <a:headEnd len="med" w="med" type="none"/>
-                      <a:tailEnd len="med" w="med" type="none"/>
-                    </a:lnL>
-                    <a:lnR cap="flat" cmpd="sng" w="9525">
-                      <a:solidFill>
-                        <a:srgbClr val="FFFFFF"/>
-                      </a:solidFill>
-                      <a:prstDash val="solid"/>
-                      <a:round/>
-                      <a:headEnd len="med" w="med" type="none"/>
-                      <a:tailEnd len="med" w="med" type="none"/>
-                    </a:lnR>
-                    <a:lnT cap="flat" cmpd="sng" w="9525">
-                      <a:solidFill>
-                        <a:srgbClr val="FFFFFF"/>
-                      </a:solidFill>
-                      <a:prstDash val="solid"/>
-                      <a:round/>
-                      <a:headEnd len="med" w="med" type="none"/>
-                      <a:tailEnd len="med" w="med" type="none"/>
-                    </a:lnT>
-                    <a:lnB cap="flat" cmpd="sng" w="9525">
-                      <a:solidFill>
-                        <a:srgbClr val="FFFFFF"/>
-                      </a:solidFill>
-                      <a:prstDash val="solid"/>
-                      <a:round/>
-                      <a:headEnd len="med" w="med" type="none"/>
-                      <a:tailEnd len="med" w="med" type="none"/>
-                    </a:lnB>
-                  </a:tcPr>
-                </a:tc>
-                <a:tc>
-                  <a:txBody>
-                    <a:bodyPr>
-                      <a:noAutofit/>
-                    </a:bodyPr>
-                    <a:lstStyle/>
-                    <a:p>
-                      <a:pPr indent="0" lvl="0" marL="0" rtl="0">
-                        <a:spcBef>
-                          <a:spcPts val="0"/>
-                        </a:spcBef>
-                        <a:buNone/>
-                      </a:pPr>
-                      <a:r>
-                        <a:rPr lang="en">
-                          <a:solidFill>
-                            <a:schemeClr val="dk1"/>
-                          </a:solidFill>
-                        </a:rPr>
-                        <a:t>Finish content for about section, blog section.</a:t>
-                      </a:r>
-                    </a:p>
-                  </a:txBody>
-                  <a:tcPr marT="91425" marB="91425" marR="91425" marL="91425">
-                    <a:lnL cap="flat" cmpd="sng" w="9525">
-                      <a:solidFill>
-                        <a:srgbClr val="FFFFFF"/>
-                      </a:solidFill>
-                      <a:prstDash val="solid"/>
-                      <a:round/>
-                      <a:headEnd len="med" w="med" type="none"/>
-                      <a:tailEnd len="med" w="med" type="none"/>
-                    </a:lnL>
-                    <a:lnR cap="flat" cmpd="sng" w="9525">
-                      <a:solidFill>
-                        <a:srgbClr val="FFFFFF"/>
-                      </a:solidFill>
-                      <a:prstDash val="solid"/>
-                      <a:round/>
-                      <a:headEnd len="med" w="med" type="none"/>
-                      <a:tailEnd len="med" w="med" type="none"/>
-                    </a:lnR>
-                    <a:lnT cap="flat" cmpd="sng" w="9525">
-                      <a:solidFill>
-                        <a:srgbClr val="FFFFFF"/>
-                      </a:solidFill>
-                      <a:prstDash val="solid"/>
-                      <a:round/>
-                      <a:headEnd len="med" w="med" type="none"/>
-                      <a:tailEnd len="med" w="med" type="none"/>
-                    </a:lnT>
-                    <a:lnB cap="flat" cmpd="sng" w="9525">
-                      <a:solidFill>
-                        <a:srgbClr val="FFFFFF"/>
-                      </a:solidFill>
-                      <a:prstDash val="solid"/>
-                      <a:round/>
-                      <a:headEnd len="med" w="med" type="none"/>
-                      <a:tailEnd len="med" w="med" type="none"/>
-                    </a:lnB>
-                  </a:tcPr>
-                </a:tc>
-                <a:tc>
-                  <a:txBody>
-                    <a:bodyPr>
-                      <a:noAutofit/>
-                    </a:bodyPr>
-                    <a:lstStyle/>
-                    <a:p>
-                      <a:pPr lvl="0" rtl="0">
-                        <a:spcBef>
-                          <a:spcPts val="0"/>
-                        </a:spcBef>
-                        <a:buNone/>
-                      </a:pPr>
-                      <a:r>
-                        <a:rPr lang="en">
-                          <a:solidFill>
-                            <a:srgbClr val="FFFFFF"/>
-                          </a:solidFill>
-                        </a:rPr>
-                        <a:t>In Progress</a:t>
-                      </a:r>
-                    </a:p>
-                    <a:p>
-                      <a:pPr lvl="0" rtl="0">
-                        <a:spcBef>
-                          <a:spcPts val="0"/>
-                        </a:spcBef>
-                        <a:buNone/>
-                      </a:pPr>
-                      <a:r>
-                        <a:t/>
-                      </a:r>
-                      <a:endParaRPr>
-                        <a:solidFill>
-                          <a:srgbClr val="FFFFFF"/>
-                        </a:solidFill>
-                      </a:endParaRPr>
-                    </a:p>
-                  </a:txBody>
-                  <a:tcPr marT="91425" marB="91425" marR="91425" marL="91425">
-                    <a:lnL cap="flat" cmpd="sng" w="9525">
-                      <a:solidFill>
-                        <a:srgbClr val="FFFFFF"/>
-                      </a:solidFill>
-                      <a:prstDash val="solid"/>
-                      <a:round/>
-                      <a:headEnd len="med" w="med" type="none"/>
-                      <a:tailEnd len="med" w="med" type="none"/>
-                    </a:lnL>
-                    <a:lnR cap="flat" cmpd="sng" w="9525">
-                      <a:solidFill>
-                        <a:srgbClr val="FFFFFF"/>
-                      </a:solidFill>
-                      <a:prstDash val="solid"/>
-                      <a:round/>
-                      <a:headEnd len="med" w="med" type="none"/>
-                      <a:tailEnd len="med" w="med" type="none"/>
-                    </a:lnR>
-                    <a:lnT cap="flat" cmpd="sng" w="9525">
-                      <a:solidFill>
-                        <a:srgbClr val="FFFFFF"/>
-                      </a:solidFill>
-                      <a:prstDash val="solid"/>
-                      <a:round/>
-                      <a:headEnd len="med" w="med" type="none"/>
-                      <a:tailEnd len="med" w="med" type="none"/>
-                    </a:lnT>
-                    <a:lnB cap="flat" cmpd="sng" w="9525">
-                      <a:solidFill>
-                        <a:srgbClr val="FFFFFF"/>
-                      </a:solidFill>
-                      <a:prstDash val="solid"/>
-                      <a:round/>
-                      <a:headEnd len="med" w="med" type="none"/>
-                      <a:tailEnd len="med" w="med" type="none"/>
-                    </a:lnB>
-                  </a:tcPr>
-                </a:tc>
-              </a:tr>
-              <a:tr h="655750">
-                <a:tc>
-                  <a:txBody>
-                    <a:bodyPr>
-                      <a:noAutofit/>
-                    </a:bodyPr>
-                    <a:lstStyle/>
-                    <a:p>
-                      <a:pPr lvl="0">
-                        <a:spcBef>
-                          <a:spcPts val="0"/>
-                        </a:spcBef>
-                        <a:buNone/>
-                      </a:pPr>
-                      <a:r>
-                        <a:rPr lang="en">
-                          <a:solidFill>
-                            <a:srgbClr val="FFFFFF"/>
-                          </a:solidFill>
-                        </a:rPr>
-                        <a:t>Front-End</a:t>
-                      </a:r>
-                    </a:p>
-                  </a:txBody>
-                  <a:tcPr marT="91425" marB="91425" marR="91425" marL="91425">
-                    <a:lnL cap="flat" cmpd="sng" w="9525">
-                      <a:solidFill>
-                        <a:srgbClr val="FFFFFF"/>
-                      </a:solidFill>
-                      <a:prstDash val="solid"/>
-                      <a:round/>
-                      <a:headEnd len="med" w="med" type="none"/>
-                      <a:tailEnd len="med" w="med" type="none"/>
-                    </a:lnL>
-                    <a:lnR cap="flat" cmpd="sng" w="9525">
-                      <a:solidFill>
-                        <a:srgbClr val="FFFFFF"/>
-                      </a:solidFill>
-                      <a:prstDash val="solid"/>
-                      <a:round/>
-                      <a:headEnd len="med" w="med" type="none"/>
-                      <a:tailEnd len="med" w="med" type="none"/>
-                    </a:lnR>
-                    <a:lnT cap="flat" cmpd="sng" w="9525">
-                      <a:solidFill>
-                        <a:srgbClr val="FFFFFF"/>
-                      </a:solidFill>
-                      <a:prstDash val="solid"/>
-                      <a:round/>
-                      <a:headEnd len="med" w="med" type="none"/>
-                      <a:tailEnd len="med" w="med" type="none"/>
-                    </a:lnT>
-                    <a:lnB cap="flat" cmpd="sng" w="9525">
-                      <a:solidFill>
-                        <a:srgbClr val="FFFFFF"/>
-                      </a:solidFill>
-                      <a:prstDash val="solid"/>
-                      <a:round/>
-                      <a:headEnd len="med" w="med" type="none"/>
-                      <a:tailEnd len="med" w="med" type="none"/>
-                    </a:lnB>
-                  </a:tcPr>
-                </a:tc>
-                <a:tc>
-                  <a:txBody>
-                    <a:bodyPr>
-                      <a:noAutofit/>
-                    </a:bodyPr>
-                    <a:lstStyle/>
-                    <a:p>
-                      <a:pPr lvl="0" rtl="0">
-                        <a:spcBef>
-                          <a:spcPts val="0"/>
-                        </a:spcBef>
-                        <a:buNone/>
-                      </a:pPr>
-                      <a:r>
-                        <a:rPr lang="en">
-                          <a:solidFill>
-                            <a:srgbClr val="FFFFFF"/>
-                          </a:solidFill>
-                        </a:rPr>
-                        <a:t>Jeremy</a:t>
-                      </a:r>
-                    </a:p>
-                  </a:txBody>
-                  <a:tcPr marT="91425" marB="91425" marR="91425" marL="91425">
-                    <a:lnL cap="flat" cmpd="sng" w="9525">
-                      <a:solidFill>
-                        <a:srgbClr val="FFFFFF"/>
-                      </a:solidFill>
-                      <a:prstDash val="solid"/>
-                      <a:round/>
-                      <a:headEnd len="med" w="med" type="none"/>
-                      <a:tailEnd len="med" w="med" type="none"/>
-                    </a:lnL>
-                    <a:lnR cap="flat" cmpd="sng" w="9525">
-                      <a:solidFill>
-                        <a:srgbClr val="FFFFFF"/>
-                      </a:solidFill>
-                      <a:prstDash val="solid"/>
-                      <a:round/>
-                      <a:headEnd len="med" w="med" type="none"/>
-                      <a:tailEnd len="med" w="med" type="none"/>
-                    </a:lnR>
-                    <a:lnT cap="flat" cmpd="sng" w="9525">
-                      <a:solidFill>
-                        <a:srgbClr val="FFFFFF"/>
-                      </a:solidFill>
-                      <a:prstDash val="solid"/>
-                      <a:round/>
-                      <a:headEnd len="med" w="med" type="none"/>
-                      <a:tailEnd len="med" w="med" type="none"/>
-                    </a:lnT>
-                    <a:lnB cap="flat" cmpd="sng" w="9525">
-                      <a:solidFill>
-                        <a:srgbClr val="FFFFFF"/>
-                      </a:solidFill>
-                      <a:prstDash val="solid"/>
-                      <a:round/>
-                      <a:headEnd len="med" w="med" type="none"/>
-                      <a:tailEnd len="med" w="med" type="none"/>
-                    </a:lnB>
-                  </a:tcPr>
-                </a:tc>
-                <a:tc>
-                  <a:txBody>
-                    <a:bodyPr>
-                      <a:noAutofit/>
-                    </a:bodyPr>
-                    <a:lstStyle/>
-                    <a:p>
-                      <a:pPr lvl="0">
-                        <a:spcBef>
-                          <a:spcPts val="0"/>
-                        </a:spcBef>
-                        <a:buNone/>
-                      </a:pPr>
-                      <a:r>
-                        <a:rPr lang="en">
-                          <a:solidFill>
-                            <a:schemeClr val="dk1"/>
-                          </a:solidFill>
-                        </a:rPr>
-                        <a:t>Finish charts for visualizations.</a:t>
-                      </a:r>
-                    </a:p>
-                  </a:txBody>
-                  <a:tcPr marT="91425" marB="91425" marR="91425" marL="91425">
-                    <a:lnL cap="flat" cmpd="sng" w="9525">
-                      <a:solidFill>
-                        <a:srgbClr val="FFFFFF"/>
-                      </a:solidFill>
-                      <a:prstDash val="solid"/>
-                      <a:round/>
-                      <a:headEnd len="med" w="med" type="none"/>
-                      <a:tailEnd len="med" w="med" type="none"/>
-                    </a:lnL>
-                    <a:lnR cap="flat" cmpd="sng" w="9525">
-                      <a:solidFill>
-                        <a:srgbClr val="FFFFFF"/>
-                      </a:solidFill>
-                      <a:prstDash val="solid"/>
-                      <a:round/>
-                      <a:headEnd len="med" w="med" type="none"/>
-                      <a:tailEnd len="med" w="med" type="none"/>
-                    </a:lnR>
-                    <a:lnT cap="flat" cmpd="sng" w="9525">
-                      <a:solidFill>
-                        <a:srgbClr val="FFFFFF"/>
-                      </a:solidFill>
-                      <a:prstDash val="solid"/>
-                      <a:round/>
-                      <a:headEnd len="med" w="med" type="none"/>
-                      <a:tailEnd len="med" w="med" type="none"/>
-                    </a:lnT>
-                    <a:lnB cap="flat" cmpd="sng" w="9525">
-                      <a:solidFill>
-                        <a:srgbClr val="FFFFFF"/>
-                      </a:solidFill>
-                      <a:prstDash val="solid"/>
-                      <a:round/>
-                      <a:headEnd len="med" w="med" type="none"/>
-                      <a:tailEnd len="med" w="med" type="none"/>
-                    </a:lnB>
-                  </a:tcPr>
-                </a:tc>
-                <a:tc>
-                  <a:txBody>
-                    <a:bodyPr>
-                      <a:noAutofit/>
-                    </a:bodyPr>
-                    <a:lstStyle/>
-                    <a:p>
-                      <a:pPr lvl="0" rtl="0">
-                        <a:spcBef>
-                          <a:spcPts val="0"/>
-                        </a:spcBef>
-                        <a:buNone/>
-                      </a:pPr>
-                      <a:r>
-                        <a:rPr lang="en">
-                          <a:solidFill>
-                            <a:srgbClr val="FFFFFF"/>
-                          </a:solidFill>
-                        </a:rPr>
-                        <a:t>In Progress</a:t>
-                      </a:r>
-                    </a:p>
-                    <a:p>
-                      <a:pPr lvl="0" rtl="0">
-                        <a:spcBef>
-                          <a:spcPts val="0"/>
-                        </a:spcBef>
-                        <a:buNone/>
-                      </a:pPr>
-                      <a:r>
-                        <a:t/>
-                      </a:r>
-                      <a:endParaRPr>
-                        <a:solidFill>
-                          <a:srgbClr val="FFFFFF"/>
-                        </a:solidFill>
-                      </a:endParaRPr>
-                    </a:p>
-                  </a:txBody>
-                  <a:tcPr marT="91425" marB="91425" marR="91425" marL="91425">
-                    <a:lnL cap="flat" cmpd="sng" w="9525">
-                      <a:solidFill>
-                        <a:srgbClr val="FFFFFF"/>
-                      </a:solidFill>
-                      <a:prstDash val="solid"/>
-                      <a:round/>
-                      <a:headEnd len="med" w="med" type="none"/>
-                      <a:tailEnd len="med" w="med" type="none"/>
-                    </a:lnL>
-                    <a:lnR cap="flat" cmpd="sng" w="9525">
-                      <a:solidFill>
-                        <a:srgbClr val="FFFFFF"/>
-                      </a:solidFill>
-                      <a:prstDash val="solid"/>
-                      <a:round/>
-                      <a:headEnd len="med" w="med" type="none"/>
-                      <a:tailEnd len="med" w="med" type="none"/>
-                    </a:lnR>
-                    <a:lnT cap="flat" cmpd="sng" w="9525">
-                      <a:solidFill>
-                        <a:srgbClr val="FFFFFF"/>
-                      </a:solidFill>
-                      <a:prstDash val="solid"/>
-                      <a:round/>
-                      <a:headEnd len="med" w="med" type="none"/>
-                      <a:tailEnd len="med" w="med" type="none"/>
-                    </a:lnT>
-                    <a:lnB cap="flat" cmpd="sng" w="9525">
-                      <a:solidFill>
-                        <a:srgbClr val="FFFFFF"/>
-                      </a:solidFill>
-                      <a:prstDash val="solid"/>
-                      <a:round/>
-                      <a:headEnd len="med" w="med" type="none"/>
-                      <a:tailEnd len="med" w="med" type="none"/>
-                    </a:lnB>
-                  </a:tcPr>
-                </a:tc>
-              </a:tr>
-            </a:tbl>
-          </a:graphicData>
-        </a:graphic>
-      </p:graphicFrame>
+      <p:sp>
+        <p:nvSpPr>
+          <p:cNvPr id="284" name="Shape 284"/>
+          <p:cNvSpPr txBox="1"/>
+          <p:nvPr>
+            <p:ph idx="1" type="body"/>
+          </p:nvPr>
+        </p:nvSpPr>
+        <p:spPr>
+          <a:xfrm>
+            <a:off x="630800" y="1152475"/>
+            <a:ext cx="7919100" cy="3416400"/>
+          </a:xfrm>
+          <a:prstGeom prst="rect">
+            <a:avLst/>
+          </a:prstGeom>
+        </p:spPr>
+        <p:txBody>
+          <a:bodyPr anchorCtr="0" anchor="t" bIns="91425" lIns="91425" rIns="91425" tIns="91425">
+            <a:noAutofit/>
+          </a:bodyPr>
+          <a:lstStyle/>
+          <a:p>
+            <a:pPr lvl="0">
+              <a:spcBef>
+                <a:spcPts val="0"/>
+              </a:spcBef>
+              <a:buNone/>
+            </a:pPr>
+            <a:r>
+              <a:rPr lang="en">
+                <a:solidFill>
+                  <a:srgbClr val="FFFFFF"/>
+                </a:solidFill>
+              </a:rPr>
+              <a:t>Navigation Bar: Uses Angular routing to create section within single page web application.</a:t>
+            </a:r>
+          </a:p>
+          <a:p>
+            <a:pPr indent="-228600" lvl="0" marL="457200" rtl="0">
+              <a:spcBef>
+                <a:spcPts val="0"/>
+              </a:spcBef>
+              <a:buClr>
+                <a:srgbClr val="FFFFFF"/>
+              </a:buClr>
+            </a:pPr>
+            <a:r>
+              <a:rPr lang="en">
+                <a:solidFill>
+                  <a:srgbClr val="FFFFFF"/>
+                </a:solidFill>
+              </a:rPr>
+              <a:t>About Section: Uses Bootstrap text panel to describe goal of application</a:t>
+            </a:r>
+          </a:p>
+          <a:p>
+            <a:pPr indent="-228600" lvl="0" marL="457200" rtl="0">
+              <a:spcBef>
+                <a:spcPts val="0"/>
+              </a:spcBef>
+              <a:buClr>
+                <a:srgbClr val="FFFFFF"/>
+              </a:buClr>
+            </a:pPr>
+            <a:r>
+              <a:rPr lang="en">
+                <a:solidFill>
+                  <a:srgbClr val="FFFFFF"/>
+                </a:solidFill>
+              </a:rPr>
+              <a:t>Blog Section: Will route to specific blog entry(text panel) from list of blog entries in the section</a:t>
+            </a:r>
+          </a:p>
+          <a:p>
+            <a:pPr indent="-228600" lvl="0" marL="457200">
+              <a:spcBef>
+                <a:spcPts val="0"/>
+              </a:spcBef>
+              <a:buClr>
+                <a:srgbClr val="FFFFFF"/>
+              </a:buClr>
+            </a:pPr>
+            <a:r>
+              <a:rPr lang="en">
+                <a:solidFill>
+                  <a:srgbClr val="FFFFFF"/>
+                </a:solidFill>
+              </a:rPr>
+              <a:t>Contact Us Section: Uses Bootstrap Form to create Email form</a:t>
+            </a:r>
+          </a:p>
+        </p:txBody>
+      </p:sp>
     </p:spTree>
   </p:cSld>
   <p:clrMapOvr>
@@ -17131,7 +15559,7 @@
   <p:cSld>
     <p:spTree>
       <p:nvGrpSpPr>
-        <p:cNvPr id="291" name="Shape 291"/>
+        <p:cNvPr id="288" name="Shape 288"/>
         <p:cNvGrpSpPr/>
         <p:nvPr/>
       </p:nvGrpSpPr>
@@ -17145,7 +15573,7 @@
       </p:grpSpPr>
       <p:sp>
         <p:nvSpPr>
-          <p:cNvPr id="292" name="Shape 292"/>
+          <p:cNvPr id="289" name="Shape 289"/>
           <p:cNvSpPr txBox="1"/>
           <p:nvPr>
             <p:ph type="title"/>
@@ -17153,8 +15581,8 @@
         </p:nvSpPr>
         <p:spPr>
           <a:xfrm>
-            <a:off x="824900" y="445025"/>
-            <a:ext cx="7569600" cy="572700"/>
+            <a:off x="311700" y="445025"/>
+            <a:ext cx="8520600" cy="572700"/>
           </a:xfrm>
           <a:prstGeom prst="rect">
             <a:avLst/>
@@ -17166,7 +15594,7 @@
           </a:bodyPr>
           <a:lstStyle/>
           <a:p>
-            <a:pPr lvl="0" rtl="0" algn="ctr">
+            <a:pPr lvl="0" algn="ctr">
               <a:spcBef>
                 <a:spcPts val="0"/>
               </a:spcBef>
@@ -17174,1334 +15602,105 @@
             </a:pPr>
             <a:r>
               <a:rPr lang="en"/>
-              <a:t>Completion status of code</a:t>
+              <a:t> Submodule-Front End(cont.)	</a:t>
             </a:r>
           </a:p>
         </p:txBody>
       </p:sp>
-      <p:graphicFrame>
-        <p:nvGraphicFramePr>
-          <p:cNvPr id="293" name="Shape 293"/>
-          <p:cNvGraphicFramePr/>
-          <p:nvPr/>
-        </p:nvGraphicFramePr>
-        <p:xfrm>
-          <a:off x="738362" y="1086350"/>
-          <a:ext cx="3000000" cy="3000000"/>
-        </p:xfrm>
-        <a:graphic>
-          <a:graphicData uri="http://schemas.openxmlformats.org/drawingml/2006/table">
-            <a:tbl>
-              <a:tblPr>
-                <a:noFill/>
-                <a:tableStyleId>{6227683F-6615-4F6C-A2C1-3B111FABE345}</a:tableStyleId>
-              </a:tblPr>
-              <a:tblGrid>
-                <a:gridCol w="1024175"/>
-                <a:gridCol w="1480325"/>
-                <a:gridCol w="4026900"/>
-                <a:gridCol w="1127300"/>
-              </a:tblGrid>
-              <a:tr h="654175">
-                <a:tc>
-                  <a:txBody>
-                    <a:bodyPr>
-                      <a:noAutofit/>
-                    </a:bodyPr>
-                    <a:lstStyle/>
-                    <a:p>
-                      <a:pPr lvl="0" rtl="0" algn="ctr">
-                        <a:spcBef>
-                          <a:spcPts val="0"/>
-                        </a:spcBef>
-                        <a:buNone/>
-                      </a:pPr>
-                      <a:r>
-                        <a:rPr b="1" lang="en" sz="1800" u="sng">
-                          <a:solidFill>
-                            <a:srgbClr val="FFFFFF"/>
-                          </a:solidFill>
-                          <a:highlight>
-                            <a:srgbClr val="000000"/>
-                          </a:highlight>
-                        </a:rPr>
-                        <a:t>Role</a:t>
-                      </a:r>
-                    </a:p>
-                  </a:txBody>
-                  <a:tcPr marT="91425" marB="91425" marR="91425" marL="91425">
-                    <a:lnL cap="flat" cmpd="sng" w="9525">
-                      <a:solidFill>
-                        <a:srgbClr val="FFFFFF"/>
-                      </a:solidFill>
-                      <a:prstDash val="solid"/>
-                      <a:round/>
-                      <a:headEnd len="med" w="med" type="none"/>
-                      <a:tailEnd len="med" w="med" type="none"/>
-                    </a:lnL>
-                    <a:lnR cap="flat" cmpd="sng" w="9525">
-                      <a:solidFill>
-                        <a:srgbClr val="FFFFFF"/>
-                      </a:solidFill>
-                      <a:prstDash val="solid"/>
-                      <a:round/>
-                      <a:headEnd len="med" w="med" type="none"/>
-                      <a:tailEnd len="med" w="med" type="none"/>
-                    </a:lnR>
-                    <a:lnT cap="flat" cmpd="sng" w="9525">
-                      <a:solidFill>
-                        <a:srgbClr val="FFFFFF"/>
-                      </a:solidFill>
-                      <a:prstDash val="solid"/>
-                      <a:round/>
-                      <a:headEnd len="med" w="med" type="none"/>
-                      <a:tailEnd len="med" w="med" type="none"/>
-                    </a:lnT>
-                    <a:lnB cap="flat" cmpd="sng" w="9525">
-                      <a:solidFill>
-                        <a:srgbClr val="FFFFFF"/>
-                      </a:solidFill>
-                      <a:prstDash val="solid"/>
-                      <a:round/>
-                      <a:headEnd len="med" w="med" type="none"/>
-                      <a:tailEnd len="med" w="med" type="none"/>
-                    </a:lnB>
-                  </a:tcPr>
-                </a:tc>
-                <a:tc>
-                  <a:txBody>
-                    <a:bodyPr>
-                      <a:noAutofit/>
-                    </a:bodyPr>
-                    <a:lstStyle/>
-                    <a:p>
-                      <a:pPr lvl="0" rtl="0" algn="ctr">
-                        <a:spcBef>
-                          <a:spcPts val="0"/>
-                        </a:spcBef>
-                        <a:buNone/>
-                      </a:pPr>
-                      <a:r>
-                        <a:rPr b="1" lang="en" sz="1800" u="sng">
-                          <a:solidFill>
-                            <a:srgbClr val="FFFFFF"/>
-                          </a:solidFill>
-                          <a:highlight>
-                            <a:srgbClr val="000000"/>
-                          </a:highlight>
-                        </a:rPr>
-                        <a:t>Members</a:t>
-                      </a:r>
-                    </a:p>
-                  </a:txBody>
-                  <a:tcPr marT="91425" marB="91425" marR="91425" marL="91425">
-                    <a:lnL cap="flat" cmpd="sng" w="9525">
-                      <a:solidFill>
-                        <a:srgbClr val="FFFFFF"/>
-                      </a:solidFill>
-                      <a:prstDash val="solid"/>
-                      <a:round/>
-                      <a:headEnd len="med" w="med" type="none"/>
-                      <a:tailEnd len="med" w="med" type="none"/>
-                    </a:lnL>
-                    <a:lnR cap="flat" cmpd="sng" w="9525">
-                      <a:solidFill>
-                        <a:srgbClr val="FFFFFF"/>
-                      </a:solidFill>
-                      <a:prstDash val="solid"/>
-                      <a:round/>
-                      <a:headEnd len="med" w="med" type="none"/>
-                      <a:tailEnd len="med" w="med" type="none"/>
-                    </a:lnR>
-                    <a:lnT cap="flat" cmpd="sng" w="9525">
-                      <a:solidFill>
-                        <a:srgbClr val="FFFFFF"/>
-                      </a:solidFill>
-                      <a:prstDash val="solid"/>
-                      <a:round/>
-                      <a:headEnd len="med" w="med" type="none"/>
-                      <a:tailEnd len="med" w="med" type="none"/>
-                    </a:lnT>
-                    <a:lnB cap="flat" cmpd="sng" w="9525">
-                      <a:solidFill>
-                        <a:srgbClr val="FFFFFF"/>
-                      </a:solidFill>
-                      <a:prstDash val="solid"/>
-                      <a:round/>
-                      <a:headEnd len="med" w="med" type="none"/>
-                      <a:tailEnd len="med" w="med" type="none"/>
-                    </a:lnB>
-                  </a:tcPr>
-                </a:tc>
-                <a:tc>
-                  <a:txBody>
-                    <a:bodyPr>
-                      <a:noAutofit/>
-                    </a:bodyPr>
-                    <a:lstStyle/>
-                    <a:p>
-                      <a:pPr lvl="0" rtl="0" algn="ctr">
-                        <a:spcBef>
-                          <a:spcPts val="0"/>
-                        </a:spcBef>
-                        <a:buNone/>
-                      </a:pPr>
-                      <a:r>
-                        <a:rPr b="1" lang="en" sz="1800" u="sng">
-                          <a:solidFill>
-                            <a:srgbClr val="FFFFFF"/>
-                          </a:solidFill>
-                        </a:rPr>
-                        <a:t>Task</a:t>
-                      </a:r>
-                    </a:p>
-                  </a:txBody>
-                  <a:tcPr marT="91425" marB="91425" marR="91425" marL="91425">
-                    <a:lnL cap="flat" cmpd="sng" w="9525">
-                      <a:solidFill>
-                        <a:srgbClr val="FFFFFF"/>
-                      </a:solidFill>
-                      <a:prstDash val="solid"/>
-                      <a:round/>
-                      <a:headEnd len="med" w="med" type="none"/>
-                      <a:tailEnd len="med" w="med" type="none"/>
-                    </a:lnL>
-                    <a:lnR cap="flat" cmpd="sng" w="9525">
-                      <a:solidFill>
-                        <a:srgbClr val="FFFFFF"/>
-                      </a:solidFill>
-                      <a:prstDash val="solid"/>
-                      <a:round/>
-                      <a:headEnd len="med" w="med" type="none"/>
-                      <a:tailEnd len="med" w="med" type="none"/>
-                    </a:lnR>
-                    <a:lnT cap="flat" cmpd="sng" w="9525">
-                      <a:solidFill>
-                        <a:srgbClr val="FFFFFF"/>
-                      </a:solidFill>
-                      <a:prstDash val="solid"/>
-                      <a:round/>
-                      <a:headEnd len="med" w="med" type="none"/>
-                      <a:tailEnd len="med" w="med" type="none"/>
-                    </a:lnT>
-                    <a:lnB cap="flat" cmpd="sng" w="9525">
-                      <a:solidFill>
-                        <a:srgbClr val="FFFFFF"/>
-                      </a:solidFill>
-                      <a:prstDash val="solid"/>
-                      <a:round/>
-                      <a:headEnd len="med" w="med" type="none"/>
-                      <a:tailEnd len="med" w="med" type="none"/>
-                    </a:lnB>
-                  </a:tcPr>
-                </a:tc>
-                <a:tc>
-                  <a:txBody>
-                    <a:bodyPr>
-                      <a:noAutofit/>
-                    </a:bodyPr>
-                    <a:lstStyle/>
-                    <a:p>
-                      <a:pPr lvl="0" rtl="0" algn="ctr">
-                        <a:spcBef>
-                          <a:spcPts val="0"/>
-                        </a:spcBef>
-                        <a:buNone/>
-                      </a:pPr>
-                      <a:r>
-                        <a:rPr b="1" lang="en" sz="1800" u="sng">
-                          <a:solidFill>
-                            <a:srgbClr val="FFFFFF"/>
-                          </a:solidFill>
-                        </a:rPr>
-                        <a:t>Status</a:t>
-                      </a:r>
-                    </a:p>
-                  </a:txBody>
-                  <a:tcPr marT="91425" marB="91425" marR="91425" marL="91425">
-                    <a:lnL cap="flat" cmpd="sng" w="9525">
-                      <a:solidFill>
-                        <a:srgbClr val="FFFFFF"/>
-                      </a:solidFill>
-                      <a:prstDash val="solid"/>
-                      <a:round/>
-                      <a:headEnd len="med" w="med" type="none"/>
-                      <a:tailEnd len="med" w="med" type="none"/>
-                    </a:lnL>
-                    <a:lnR cap="flat" cmpd="sng" w="9525">
-                      <a:solidFill>
-                        <a:srgbClr val="FFFFFF"/>
-                      </a:solidFill>
-                      <a:prstDash val="solid"/>
-                      <a:round/>
-                      <a:headEnd len="med" w="med" type="none"/>
-                      <a:tailEnd len="med" w="med" type="none"/>
-                    </a:lnR>
-                    <a:lnT cap="flat" cmpd="sng" w="9525">
-                      <a:solidFill>
-                        <a:srgbClr val="FFFFFF"/>
-                      </a:solidFill>
-                      <a:prstDash val="solid"/>
-                      <a:round/>
-                      <a:headEnd len="med" w="med" type="none"/>
-                      <a:tailEnd len="med" w="med" type="none"/>
-                    </a:lnT>
-                    <a:lnB cap="flat" cmpd="sng" w="9525">
-                      <a:solidFill>
-                        <a:srgbClr val="FFFFFF"/>
-                      </a:solidFill>
-                      <a:prstDash val="solid"/>
-                      <a:round/>
-                      <a:headEnd len="med" w="med" type="none"/>
-                      <a:tailEnd len="med" w="med" type="none"/>
-                    </a:lnB>
-                  </a:tcPr>
-                </a:tc>
-              </a:tr>
-              <a:tr h="568450">
-                <a:tc>
-                  <a:txBody>
-                    <a:bodyPr>
-                      <a:noAutofit/>
-                    </a:bodyPr>
-                    <a:lstStyle/>
-                    <a:p>
-                      <a:pPr lvl="0" rtl="0">
-                        <a:spcBef>
-                          <a:spcPts val="0"/>
-                        </a:spcBef>
-                        <a:buNone/>
-                      </a:pPr>
-                      <a:r>
-                        <a:rPr lang="en">
-                          <a:solidFill>
-                            <a:srgbClr val="FFFFFF"/>
-                          </a:solidFill>
-                        </a:rPr>
-                        <a:t>Front-End</a:t>
-                      </a:r>
-                    </a:p>
-                  </a:txBody>
-                  <a:tcPr marT="91425" marB="91425" marR="91425" marL="91425">
-                    <a:lnL cap="flat" cmpd="sng" w="9525">
-                      <a:solidFill>
-                        <a:srgbClr val="FFFFFF"/>
-                      </a:solidFill>
-                      <a:prstDash val="solid"/>
-                      <a:round/>
-                      <a:headEnd len="med" w="med" type="none"/>
-                      <a:tailEnd len="med" w="med" type="none"/>
-                    </a:lnL>
-                    <a:lnR cap="flat" cmpd="sng" w="9525">
-                      <a:solidFill>
-                        <a:srgbClr val="FFFFFF"/>
-                      </a:solidFill>
-                      <a:prstDash val="solid"/>
-                      <a:round/>
-                      <a:headEnd len="med" w="med" type="none"/>
-                      <a:tailEnd len="med" w="med" type="none"/>
-                    </a:lnR>
-                    <a:lnT cap="flat" cmpd="sng" w="9525">
-                      <a:solidFill>
-                        <a:srgbClr val="FFFFFF"/>
-                      </a:solidFill>
-                      <a:prstDash val="solid"/>
-                      <a:round/>
-                      <a:headEnd len="med" w="med" type="none"/>
-                      <a:tailEnd len="med" w="med" type="none"/>
-                    </a:lnT>
-                    <a:lnB cap="flat" cmpd="sng" w="9525">
-                      <a:solidFill>
-                        <a:srgbClr val="FFFFFF"/>
-                      </a:solidFill>
-                      <a:prstDash val="solid"/>
-                      <a:round/>
-                      <a:headEnd len="med" w="med" type="none"/>
-                      <a:tailEnd len="med" w="med" type="none"/>
-                    </a:lnB>
-                  </a:tcPr>
-                </a:tc>
-                <a:tc>
-                  <a:txBody>
-                    <a:bodyPr>
-                      <a:noAutofit/>
-                    </a:bodyPr>
-                    <a:lstStyle/>
-                    <a:p>
-                      <a:pPr lvl="0" rtl="0">
-                        <a:spcBef>
-                          <a:spcPts val="0"/>
-                        </a:spcBef>
-                        <a:buNone/>
-                      </a:pPr>
-                      <a:r>
-                        <a:rPr lang="en">
-                          <a:solidFill>
-                            <a:srgbClr val="FFFFFF"/>
-                          </a:solidFill>
-                        </a:rPr>
-                        <a:t>Jeremy</a:t>
-                      </a:r>
-                    </a:p>
-                  </a:txBody>
-                  <a:tcPr marT="91425" marB="91425" marR="91425" marL="91425">
-                    <a:lnL cap="flat" cmpd="sng" w="9525">
-                      <a:solidFill>
-                        <a:srgbClr val="FFFFFF"/>
-                      </a:solidFill>
-                      <a:prstDash val="solid"/>
-                      <a:round/>
-                      <a:headEnd len="med" w="med" type="none"/>
-                      <a:tailEnd len="med" w="med" type="none"/>
-                    </a:lnL>
-                    <a:lnR cap="flat" cmpd="sng" w="9525">
-                      <a:solidFill>
-                        <a:srgbClr val="FFFFFF"/>
-                      </a:solidFill>
-                      <a:prstDash val="solid"/>
-                      <a:round/>
-                      <a:headEnd len="med" w="med" type="none"/>
-                      <a:tailEnd len="med" w="med" type="none"/>
-                    </a:lnR>
-                    <a:lnT cap="flat" cmpd="sng" w="9525">
-                      <a:solidFill>
-                        <a:srgbClr val="FFFFFF"/>
-                      </a:solidFill>
-                      <a:prstDash val="solid"/>
-                      <a:round/>
-                      <a:headEnd len="med" w="med" type="none"/>
-                      <a:tailEnd len="med" w="med" type="none"/>
-                    </a:lnT>
-                    <a:lnB cap="flat" cmpd="sng" w="9525">
-                      <a:solidFill>
-                        <a:srgbClr val="FFFFFF"/>
-                      </a:solidFill>
-                      <a:prstDash val="solid"/>
-                      <a:round/>
-                      <a:headEnd len="med" w="med" type="none"/>
-                      <a:tailEnd len="med" w="med" type="none"/>
-                    </a:lnB>
-                  </a:tcPr>
-                </a:tc>
-                <a:tc>
-                  <a:txBody>
-                    <a:bodyPr>
-                      <a:noAutofit/>
-                    </a:bodyPr>
-                    <a:lstStyle/>
-                    <a:p>
-                      <a:pPr lvl="0" rtl="0">
-                        <a:spcBef>
-                          <a:spcPts val="0"/>
-                        </a:spcBef>
-                        <a:buNone/>
-                      </a:pPr>
-                      <a:r>
-                        <a:rPr lang="en">
-                          <a:solidFill>
-                            <a:schemeClr val="dk1"/>
-                          </a:solidFill>
-                        </a:rPr>
-                        <a:t>Get email on contact section working.</a:t>
-                      </a:r>
-                    </a:p>
-                    <a:p>
-                      <a:pPr indent="0" lvl="0" marL="0" rtl="0">
-                        <a:spcBef>
-                          <a:spcPts val="0"/>
-                        </a:spcBef>
-                        <a:buNone/>
-                      </a:pPr>
-                      <a:r>
-                        <a:t/>
-                      </a:r>
-                      <a:endParaRPr>
-                        <a:solidFill>
-                          <a:schemeClr val="dk1"/>
-                        </a:solidFill>
-                      </a:endParaRPr>
-                    </a:p>
-                  </a:txBody>
-                  <a:tcPr marT="91425" marB="91425" marR="91425" marL="91425">
-                    <a:lnL cap="flat" cmpd="sng" w="9525">
-                      <a:solidFill>
-                        <a:srgbClr val="FFFFFF"/>
-                      </a:solidFill>
-                      <a:prstDash val="solid"/>
-                      <a:round/>
-                      <a:headEnd len="med" w="med" type="none"/>
-                      <a:tailEnd len="med" w="med" type="none"/>
-                    </a:lnL>
-                    <a:lnR cap="flat" cmpd="sng" w="9525">
-                      <a:solidFill>
-                        <a:srgbClr val="FFFFFF"/>
-                      </a:solidFill>
-                      <a:prstDash val="solid"/>
-                      <a:round/>
-                      <a:headEnd len="med" w="med" type="none"/>
-                      <a:tailEnd len="med" w="med" type="none"/>
-                    </a:lnR>
-                    <a:lnT cap="flat" cmpd="sng" w="9525">
-                      <a:solidFill>
-                        <a:srgbClr val="FFFFFF"/>
-                      </a:solidFill>
-                      <a:prstDash val="solid"/>
-                      <a:round/>
-                      <a:headEnd len="med" w="med" type="none"/>
-                      <a:tailEnd len="med" w="med" type="none"/>
-                    </a:lnT>
-                    <a:lnB cap="flat" cmpd="sng" w="9525">
-                      <a:solidFill>
-                        <a:srgbClr val="FFFFFF"/>
-                      </a:solidFill>
-                      <a:prstDash val="solid"/>
-                      <a:round/>
-                      <a:headEnd len="med" w="med" type="none"/>
-                      <a:tailEnd len="med" w="med" type="none"/>
-                    </a:lnB>
-                  </a:tcPr>
-                </a:tc>
-                <a:tc>
-                  <a:txBody>
-                    <a:bodyPr>
-                      <a:noAutofit/>
-                    </a:bodyPr>
-                    <a:lstStyle/>
-                    <a:p>
-                      <a:pPr lvl="0" rtl="0">
-                        <a:spcBef>
-                          <a:spcPts val="0"/>
-                        </a:spcBef>
-                        <a:buNone/>
-                      </a:pPr>
-                      <a:r>
-                        <a:rPr lang="en">
-                          <a:solidFill>
-                            <a:srgbClr val="FFFFFF"/>
-                          </a:solidFill>
-                        </a:rPr>
-                        <a:t>In Progress</a:t>
-                      </a:r>
-                    </a:p>
-                  </a:txBody>
-                  <a:tcPr marT="91425" marB="91425" marR="91425" marL="91425">
-                    <a:lnL cap="flat" cmpd="sng" w="9525">
-                      <a:solidFill>
-                        <a:srgbClr val="FFFFFF"/>
-                      </a:solidFill>
-                      <a:prstDash val="solid"/>
-                      <a:round/>
-                      <a:headEnd len="med" w="med" type="none"/>
-                      <a:tailEnd len="med" w="med" type="none"/>
-                    </a:lnL>
-                    <a:lnR cap="flat" cmpd="sng" w="9525">
-                      <a:solidFill>
-                        <a:srgbClr val="FFFFFF"/>
-                      </a:solidFill>
-                      <a:prstDash val="solid"/>
-                      <a:round/>
-                      <a:headEnd len="med" w="med" type="none"/>
-                      <a:tailEnd len="med" w="med" type="none"/>
-                    </a:lnR>
-                    <a:lnT cap="flat" cmpd="sng" w="9525">
-                      <a:solidFill>
-                        <a:srgbClr val="FFFFFF"/>
-                      </a:solidFill>
-                      <a:prstDash val="solid"/>
-                      <a:round/>
-                      <a:headEnd len="med" w="med" type="none"/>
-                      <a:tailEnd len="med" w="med" type="none"/>
-                    </a:lnT>
-                    <a:lnB cap="flat" cmpd="sng" w="9525">
-                      <a:solidFill>
-                        <a:srgbClr val="FFFFFF"/>
-                      </a:solidFill>
-                      <a:prstDash val="solid"/>
-                      <a:round/>
-                      <a:headEnd len="med" w="med" type="none"/>
-                      <a:tailEnd len="med" w="med" type="none"/>
-                    </a:lnB>
-                  </a:tcPr>
-                </a:tc>
-              </a:tr>
-              <a:tr h="635150">
-                <a:tc>
-                  <a:txBody>
-                    <a:bodyPr>
-                      <a:noAutofit/>
-                    </a:bodyPr>
-                    <a:lstStyle/>
-                    <a:p>
-                      <a:pPr lvl="0" rtl="0">
-                        <a:spcBef>
-                          <a:spcPts val="0"/>
-                        </a:spcBef>
-                        <a:buNone/>
-                      </a:pPr>
-                      <a:r>
-                        <a:rPr lang="en">
-                          <a:solidFill>
-                            <a:srgbClr val="FFFFFF"/>
-                          </a:solidFill>
-                        </a:rPr>
-                        <a:t>Back-</a:t>
-                      </a:r>
-                      <a:r>
-                        <a:rPr lang="en">
-                          <a:solidFill>
-                            <a:srgbClr val="FFFFFF"/>
-                          </a:solidFill>
-                        </a:rPr>
-                        <a:t>End</a:t>
-                      </a:r>
-                    </a:p>
-                  </a:txBody>
-                  <a:tcPr marT="91425" marB="91425" marR="91425" marL="91425">
-                    <a:lnL cap="flat" cmpd="sng" w="9525">
-                      <a:solidFill>
-                        <a:srgbClr val="FFFFFF"/>
-                      </a:solidFill>
-                      <a:prstDash val="solid"/>
-                      <a:round/>
-                      <a:headEnd len="med" w="med" type="none"/>
-                      <a:tailEnd len="med" w="med" type="none"/>
-                    </a:lnL>
-                    <a:lnR cap="flat" cmpd="sng" w="9525">
-                      <a:solidFill>
-                        <a:srgbClr val="FFFFFF"/>
-                      </a:solidFill>
-                      <a:prstDash val="solid"/>
-                      <a:round/>
-                      <a:headEnd len="med" w="med" type="none"/>
-                      <a:tailEnd len="med" w="med" type="none"/>
-                    </a:lnR>
-                    <a:lnT cap="flat" cmpd="sng" w="9525">
-                      <a:solidFill>
-                        <a:srgbClr val="FFFFFF"/>
-                      </a:solidFill>
-                      <a:prstDash val="solid"/>
-                      <a:round/>
-                      <a:headEnd len="med" w="med" type="none"/>
-                      <a:tailEnd len="med" w="med" type="none"/>
-                    </a:lnT>
-                    <a:lnB cap="flat" cmpd="sng" w="9525">
-                      <a:solidFill>
-                        <a:srgbClr val="FFFFFF"/>
-                      </a:solidFill>
-                      <a:prstDash val="solid"/>
-                      <a:round/>
-                      <a:headEnd len="med" w="med" type="none"/>
-                      <a:tailEnd len="med" w="med" type="none"/>
-                    </a:lnB>
-                  </a:tcPr>
-                </a:tc>
-                <a:tc>
-                  <a:txBody>
-                    <a:bodyPr>
-                      <a:noAutofit/>
-                    </a:bodyPr>
-                    <a:lstStyle/>
-                    <a:p>
-                      <a:pPr lvl="0" rtl="0">
-                        <a:spcBef>
-                          <a:spcPts val="0"/>
-                        </a:spcBef>
-                        <a:buNone/>
-                      </a:pPr>
-                      <a:r>
-                        <a:rPr lang="en">
-                          <a:solidFill>
-                            <a:srgbClr val="FFFFFF"/>
-                          </a:solidFill>
-                        </a:rPr>
-                        <a:t>Richard, Christian</a:t>
-                      </a:r>
-                    </a:p>
-                  </a:txBody>
-                  <a:tcPr marT="91425" marB="91425" marR="91425" marL="91425">
-                    <a:lnL cap="flat" cmpd="sng" w="9525">
-                      <a:solidFill>
-                        <a:srgbClr val="FFFFFF"/>
-                      </a:solidFill>
-                      <a:prstDash val="solid"/>
-                      <a:round/>
-                      <a:headEnd len="med" w="med" type="none"/>
-                      <a:tailEnd len="med" w="med" type="none"/>
-                    </a:lnL>
-                    <a:lnR cap="flat" cmpd="sng" w="9525">
-                      <a:solidFill>
-                        <a:srgbClr val="FFFFFF"/>
-                      </a:solidFill>
-                      <a:prstDash val="solid"/>
-                      <a:round/>
-                      <a:headEnd len="med" w="med" type="none"/>
-                      <a:tailEnd len="med" w="med" type="none"/>
-                    </a:lnR>
-                    <a:lnT cap="flat" cmpd="sng" w="9525">
-                      <a:solidFill>
-                        <a:srgbClr val="FFFFFF"/>
-                      </a:solidFill>
-                      <a:prstDash val="solid"/>
-                      <a:round/>
-                      <a:headEnd len="med" w="med" type="none"/>
-                      <a:tailEnd len="med" w="med" type="none"/>
-                    </a:lnT>
-                    <a:lnB cap="flat" cmpd="sng" w="9525">
-                      <a:solidFill>
-                        <a:srgbClr val="FFFFFF"/>
-                      </a:solidFill>
-                      <a:prstDash val="solid"/>
-                      <a:round/>
-                      <a:headEnd len="med" w="med" type="none"/>
-                      <a:tailEnd len="med" w="med" type="none"/>
-                    </a:lnB>
-                  </a:tcPr>
-                </a:tc>
-                <a:tc>
-                  <a:txBody>
-                    <a:bodyPr>
-                      <a:noAutofit/>
-                    </a:bodyPr>
-                    <a:lstStyle/>
-                    <a:p>
-                      <a:pPr indent="0" lvl="0" marL="0" rtl="0">
-                        <a:spcBef>
-                          <a:spcPts val="0"/>
-                        </a:spcBef>
-                        <a:buNone/>
-                      </a:pPr>
-                      <a:r>
-                        <a:rPr lang="en">
-                          <a:solidFill>
-                            <a:schemeClr val="dk1"/>
-                          </a:solidFill>
-                        </a:rPr>
-                        <a:t>Establish server connection to the database.</a:t>
-                      </a:r>
-                    </a:p>
-                  </a:txBody>
-                  <a:tcPr marT="91425" marB="91425" marR="91425" marL="91425">
-                    <a:lnL cap="flat" cmpd="sng" w="9525">
-                      <a:solidFill>
-                        <a:srgbClr val="FFFFFF"/>
-                      </a:solidFill>
-                      <a:prstDash val="solid"/>
-                      <a:round/>
-                      <a:headEnd len="med" w="med" type="none"/>
-                      <a:tailEnd len="med" w="med" type="none"/>
-                    </a:lnL>
-                    <a:lnR cap="flat" cmpd="sng" w="9525">
-                      <a:solidFill>
-                        <a:srgbClr val="FFFFFF"/>
-                      </a:solidFill>
-                      <a:prstDash val="solid"/>
-                      <a:round/>
-                      <a:headEnd len="med" w="med" type="none"/>
-                      <a:tailEnd len="med" w="med" type="none"/>
-                    </a:lnR>
-                    <a:lnT cap="flat" cmpd="sng" w="9525">
-                      <a:solidFill>
-                        <a:srgbClr val="FFFFFF"/>
-                      </a:solidFill>
-                      <a:prstDash val="solid"/>
-                      <a:round/>
-                      <a:headEnd len="med" w="med" type="none"/>
-                      <a:tailEnd len="med" w="med" type="none"/>
-                    </a:lnT>
-                    <a:lnB cap="flat" cmpd="sng" w="9525">
-                      <a:solidFill>
-                        <a:srgbClr val="FFFFFF"/>
-                      </a:solidFill>
-                      <a:prstDash val="solid"/>
-                      <a:round/>
-                      <a:headEnd len="med" w="med" type="none"/>
-                      <a:tailEnd len="med" w="med" type="none"/>
-                    </a:lnB>
-                  </a:tcPr>
-                </a:tc>
-                <a:tc>
-                  <a:txBody>
-                    <a:bodyPr>
-                      <a:noAutofit/>
-                    </a:bodyPr>
-                    <a:lstStyle/>
-                    <a:p>
-                      <a:pPr lvl="0" rtl="0">
-                        <a:spcBef>
-                          <a:spcPts val="0"/>
-                        </a:spcBef>
-                        <a:buNone/>
-                      </a:pPr>
-                      <a:r>
-                        <a:rPr lang="en">
-                          <a:solidFill>
-                            <a:srgbClr val="FFFFFF"/>
-                          </a:solidFill>
-                        </a:rPr>
-                        <a:t>Completed</a:t>
-                      </a:r>
-                    </a:p>
-                  </a:txBody>
-                  <a:tcPr marT="91425" marB="91425" marR="91425" marL="91425">
-                    <a:lnL cap="flat" cmpd="sng" w="9525">
-                      <a:solidFill>
-                        <a:srgbClr val="FFFFFF"/>
-                      </a:solidFill>
-                      <a:prstDash val="solid"/>
-                      <a:round/>
-                      <a:headEnd len="med" w="med" type="none"/>
-                      <a:tailEnd len="med" w="med" type="none"/>
-                    </a:lnL>
-                    <a:lnR cap="flat" cmpd="sng" w="9525">
-                      <a:solidFill>
-                        <a:srgbClr val="FFFFFF"/>
-                      </a:solidFill>
-                      <a:prstDash val="solid"/>
-                      <a:round/>
-                      <a:headEnd len="med" w="med" type="none"/>
-                      <a:tailEnd len="med" w="med" type="none"/>
-                    </a:lnR>
-                    <a:lnT cap="flat" cmpd="sng" w="9525">
-                      <a:solidFill>
-                        <a:srgbClr val="FFFFFF"/>
-                      </a:solidFill>
-                      <a:prstDash val="solid"/>
-                      <a:round/>
-                      <a:headEnd len="med" w="med" type="none"/>
-                      <a:tailEnd len="med" w="med" type="none"/>
-                    </a:lnT>
-                    <a:lnB cap="flat" cmpd="sng" w="9525">
-                      <a:solidFill>
-                        <a:srgbClr val="FFFFFF"/>
-                      </a:solidFill>
-                      <a:prstDash val="solid"/>
-                      <a:round/>
-                      <a:headEnd len="med" w="med" type="none"/>
-                      <a:tailEnd len="med" w="med" type="none"/>
-                    </a:lnB>
-                  </a:tcPr>
-                </a:tc>
-              </a:tr>
-              <a:tr h="635150">
-                <a:tc>
-                  <a:txBody>
-                    <a:bodyPr>
-                      <a:noAutofit/>
-                    </a:bodyPr>
-                    <a:lstStyle/>
-                    <a:p>
-                      <a:pPr lvl="0" rtl="0">
-                        <a:spcBef>
-                          <a:spcPts val="0"/>
-                        </a:spcBef>
-                        <a:buNone/>
-                      </a:pPr>
-                      <a:r>
-                        <a:rPr lang="en">
-                          <a:solidFill>
-                            <a:srgbClr val="FFFFFF"/>
-                          </a:solidFill>
-                        </a:rPr>
-                        <a:t>Back-</a:t>
-                      </a:r>
-                      <a:r>
-                        <a:rPr lang="en">
-                          <a:solidFill>
-                            <a:srgbClr val="FFFFFF"/>
-                          </a:solidFill>
-                        </a:rPr>
-                        <a:t>End</a:t>
-                      </a:r>
-                    </a:p>
-                  </a:txBody>
-                  <a:tcPr marT="91425" marB="91425" marR="91425" marL="91425">
-                    <a:lnL cap="flat" cmpd="sng" w="9525">
-                      <a:solidFill>
-                        <a:srgbClr val="FFFFFF"/>
-                      </a:solidFill>
-                      <a:prstDash val="solid"/>
-                      <a:round/>
-                      <a:headEnd len="med" w="med" type="none"/>
-                      <a:tailEnd len="med" w="med" type="none"/>
-                    </a:lnL>
-                    <a:lnR cap="flat" cmpd="sng" w="9525">
-                      <a:solidFill>
-                        <a:srgbClr val="FFFFFF"/>
-                      </a:solidFill>
-                      <a:prstDash val="solid"/>
-                      <a:round/>
-                      <a:headEnd len="med" w="med" type="none"/>
-                      <a:tailEnd len="med" w="med" type="none"/>
-                    </a:lnR>
-                    <a:lnT cap="flat" cmpd="sng" w="9525">
-                      <a:solidFill>
-                        <a:srgbClr val="FFFFFF"/>
-                      </a:solidFill>
-                      <a:prstDash val="solid"/>
-                      <a:round/>
-                      <a:headEnd len="med" w="med" type="none"/>
-                      <a:tailEnd len="med" w="med" type="none"/>
-                    </a:lnT>
-                    <a:lnB cap="flat" cmpd="sng" w="9525">
-                      <a:solidFill>
-                        <a:srgbClr val="FFFFFF"/>
-                      </a:solidFill>
-                      <a:prstDash val="solid"/>
-                      <a:round/>
-                      <a:headEnd len="med" w="med" type="none"/>
-                      <a:tailEnd len="med" w="med" type="none"/>
-                    </a:lnB>
-                  </a:tcPr>
-                </a:tc>
-                <a:tc>
-                  <a:txBody>
-                    <a:bodyPr>
-                      <a:noAutofit/>
-                    </a:bodyPr>
-                    <a:lstStyle/>
-                    <a:p>
-                      <a:pPr lvl="0" rtl="0">
-                        <a:spcBef>
-                          <a:spcPts val="0"/>
-                        </a:spcBef>
-                        <a:buNone/>
-                      </a:pPr>
-                      <a:r>
-                        <a:rPr lang="en">
-                          <a:solidFill>
-                            <a:srgbClr val="FFFFFF"/>
-                          </a:solidFill>
-                        </a:rPr>
-                        <a:t>Richard, Christian, Jeremy</a:t>
-                      </a:r>
-                    </a:p>
-                  </a:txBody>
-                  <a:tcPr marT="91425" marB="91425" marR="91425" marL="91425">
-                    <a:lnL cap="flat" cmpd="sng" w="9525">
-                      <a:solidFill>
-                        <a:srgbClr val="FFFFFF"/>
-                      </a:solidFill>
-                      <a:prstDash val="solid"/>
-                      <a:round/>
-                      <a:headEnd len="med" w="med" type="none"/>
-                      <a:tailEnd len="med" w="med" type="none"/>
-                    </a:lnL>
-                    <a:lnR cap="flat" cmpd="sng" w="9525">
-                      <a:solidFill>
-                        <a:srgbClr val="FFFFFF"/>
-                      </a:solidFill>
-                      <a:prstDash val="solid"/>
-                      <a:round/>
-                      <a:headEnd len="med" w="med" type="none"/>
-                      <a:tailEnd len="med" w="med" type="none"/>
-                    </a:lnR>
-                    <a:lnT cap="flat" cmpd="sng" w="9525">
-                      <a:solidFill>
-                        <a:srgbClr val="FFFFFF"/>
-                      </a:solidFill>
-                      <a:prstDash val="solid"/>
-                      <a:round/>
-                      <a:headEnd len="med" w="med" type="none"/>
-                      <a:tailEnd len="med" w="med" type="none"/>
-                    </a:lnT>
-                    <a:lnB cap="flat" cmpd="sng" w="9525">
-                      <a:solidFill>
-                        <a:srgbClr val="FFFFFF"/>
-                      </a:solidFill>
-                      <a:prstDash val="solid"/>
-                      <a:round/>
-                      <a:headEnd len="med" w="med" type="none"/>
-                      <a:tailEnd len="med" w="med" type="none"/>
-                    </a:lnB>
-                  </a:tcPr>
-                </a:tc>
-                <a:tc>
-                  <a:txBody>
-                    <a:bodyPr>
-                      <a:noAutofit/>
-                    </a:bodyPr>
-                    <a:lstStyle/>
-                    <a:p>
-                      <a:pPr indent="0" lvl="0" marL="0" rtl="0">
-                        <a:spcBef>
-                          <a:spcPts val="0"/>
-                        </a:spcBef>
-                        <a:buNone/>
-                      </a:pPr>
-                      <a:r>
-                        <a:rPr lang="en">
-                          <a:solidFill>
-                            <a:schemeClr val="dk1"/>
-                          </a:solidFill>
-                        </a:rPr>
-                        <a:t>Display static files on the server for the front-end to access.</a:t>
-                      </a:r>
-                    </a:p>
-                  </a:txBody>
-                  <a:tcPr marT="91425" marB="91425" marR="91425" marL="91425">
-                    <a:lnL cap="flat" cmpd="sng" w="9525">
-                      <a:solidFill>
-                        <a:srgbClr val="FFFFFF"/>
-                      </a:solidFill>
-                      <a:prstDash val="solid"/>
-                      <a:round/>
-                      <a:headEnd len="med" w="med" type="none"/>
-                      <a:tailEnd len="med" w="med" type="none"/>
-                    </a:lnL>
-                    <a:lnR cap="flat" cmpd="sng" w="9525">
-                      <a:solidFill>
-                        <a:srgbClr val="FFFFFF"/>
-                      </a:solidFill>
-                      <a:prstDash val="solid"/>
-                      <a:round/>
-                      <a:headEnd len="med" w="med" type="none"/>
-                      <a:tailEnd len="med" w="med" type="none"/>
-                    </a:lnR>
-                    <a:lnT cap="flat" cmpd="sng" w="9525">
-                      <a:solidFill>
-                        <a:srgbClr val="FFFFFF"/>
-                      </a:solidFill>
-                      <a:prstDash val="solid"/>
-                      <a:round/>
-                      <a:headEnd len="med" w="med" type="none"/>
-                      <a:tailEnd len="med" w="med" type="none"/>
-                    </a:lnT>
-                    <a:lnB cap="flat" cmpd="sng" w="9525">
-                      <a:solidFill>
-                        <a:srgbClr val="FFFFFF"/>
-                      </a:solidFill>
-                      <a:prstDash val="solid"/>
-                      <a:round/>
-                      <a:headEnd len="med" w="med" type="none"/>
-                      <a:tailEnd len="med" w="med" type="none"/>
-                    </a:lnB>
-                  </a:tcPr>
-                </a:tc>
-                <a:tc>
-                  <a:txBody>
-                    <a:bodyPr>
-                      <a:noAutofit/>
-                    </a:bodyPr>
-                    <a:lstStyle/>
-                    <a:p>
-                      <a:pPr lvl="0" rtl="0">
-                        <a:spcBef>
-                          <a:spcPts val="0"/>
-                        </a:spcBef>
-                        <a:buNone/>
-                      </a:pPr>
-                      <a:r>
-                        <a:rPr lang="en">
-                          <a:solidFill>
-                            <a:srgbClr val="FFFFFF"/>
-                          </a:solidFill>
-                        </a:rPr>
-                        <a:t>Completed</a:t>
-                      </a:r>
-                    </a:p>
-                  </a:txBody>
-                  <a:tcPr marT="91425" marB="91425" marR="91425" marL="91425">
-                    <a:lnL cap="flat" cmpd="sng" w="9525">
-                      <a:solidFill>
-                        <a:srgbClr val="FFFFFF"/>
-                      </a:solidFill>
-                      <a:prstDash val="solid"/>
-                      <a:round/>
-                      <a:headEnd len="med" w="med" type="none"/>
-                      <a:tailEnd len="med" w="med" type="none"/>
-                    </a:lnL>
-                    <a:lnR cap="flat" cmpd="sng" w="9525">
-                      <a:solidFill>
-                        <a:srgbClr val="FFFFFF"/>
-                      </a:solidFill>
-                      <a:prstDash val="solid"/>
-                      <a:round/>
-                      <a:headEnd len="med" w="med" type="none"/>
-                      <a:tailEnd len="med" w="med" type="none"/>
-                    </a:lnR>
-                    <a:lnT cap="flat" cmpd="sng" w="9525">
-                      <a:solidFill>
-                        <a:srgbClr val="FFFFFF"/>
-                      </a:solidFill>
-                      <a:prstDash val="solid"/>
-                      <a:round/>
-                      <a:headEnd len="med" w="med" type="none"/>
-                      <a:tailEnd len="med" w="med" type="none"/>
-                    </a:lnT>
-                    <a:lnB cap="flat" cmpd="sng" w="9525">
-                      <a:solidFill>
-                        <a:srgbClr val="FFFFFF"/>
-                      </a:solidFill>
-                      <a:prstDash val="solid"/>
-                      <a:round/>
-                      <a:headEnd len="med" w="med" type="none"/>
-                      <a:tailEnd len="med" w="med" type="none"/>
-                    </a:lnB>
-                  </a:tcPr>
-                </a:tc>
-              </a:tr>
-              <a:tr h="655750">
-                <a:tc>
-                  <a:txBody>
-                    <a:bodyPr>
-                      <a:noAutofit/>
-                    </a:bodyPr>
-                    <a:lstStyle/>
-                    <a:p>
-                      <a:pPr lvl="0" rtl="0">
-                        <a:spcBef>
-                          <a:spcPts val="0"/>
-                        </a:spcBef>
-                        <a:buNone/>
-                      </a:pPr>
-                      <a:r>
-                        <a:rPr lang="en">
-                          <a:solidFill>
-                            <a:srgbClr val="FFFFFF"/>
-                          </a:solidFill>
-                        </a:rPr>
-                        <a:t>Back-</a:t>
-                      </a:r>
-                      <a:r>
-                        <a:rPr lang="en">
-                          <a:solidFill>
-                            <a:srgbClr val="FFFFFF"/>
-                          </a:solidFill>
-                        </a:rPr>
-                        <a:t>End</a:t>
-                      </a:r>
-                    </a:p>
-                  </a:txBody>
-                  <a:tcPr marT="91425" marB="91425" marR="91425" marL="91425">
-                    <a:lnL cap="flat" cmpd="sng" w="9525">
-                      <a:solidFill>
-                        <a:srgbClr val="FFFFFF"/>
-                      </a:solidFill>
-                      <a:prstDash val="solid"/>
-                      <a:round/>
-                      <a:headEnd len="med" w="med" type="none"/>
-                      <a:tailEnd len="med" w="med" type="none"/>
-                    </a:lnL>
-                    <a:lnR cap="flat" cmpd="sng" w="9525">
-                      <a:solidFill>
-                        <a:srgbClr val="FFFFFF"/>
-                      </a:solidFill>
-                      <a:prstDash val="solid"/>
-                      <a:round/>
-                      <a:headEnd len="med" w="med" type="none"/>
-                      <a:tailEnd len="med" w="med" type="none"/>
-                    </a:lnR>
-                    <a:lnT cap="flat" cmpd="sng" w="9525">
-                      <a:solidFill>
-                        <a:srgbClr val="FFFFFF"/>
-                      </a:solidFill>
-                      <a:prstDash val="solid"/>
-                      <a:round/>
-                      <a:headEnd len="med" w="med" type="none"/>
-                      <a:tailEnd len="med" w="med" type="none"/>
-                    </a:lnT>
-                    <a:lnB cap="flat" cmpd="sng" w="9525">
-                      <a:solidFill>
-                        <a:srgbClr val="FFFFFF"/>
-                      </a:solidFill>
-                      <a:prstDash val="solid"/>
-                      <a:round/>
-                      <a:headEnd len="med" w="med" type="none"/>
-                      <a:tailEnd len="med" w="med" type="none"/>
-                    </a:lnB>
-                  </a:tcPr>
-                </a:tc>
-                <a:tc>
-                  <a:txBody>
-                    <a:bodyPr>
-                      <a:noAutofit/>
-                    </a:bodyPr>
-                    <a:lstStyle/>
-                    <a:p>
-                      <a:pPr lvl="0" rtl="0">
-                        <a:spcBef>
-                          <a:spcPts val="0"/>
-                        </a:spcBef>
-                        <a:buNone/>
-                      </a:pPr>
-                      <a:r>
-                        <a:rPr lang="en">
-                          <a:solidFill>
-                            <a:srgbClr val="FFFFFF"/>
-                          </a:solidFill>
-                        </a:rPr>
-                        <a:t>Richard, Jeremy, Christian</a:t>
-                      </a:r>
-                    </a:p>
-                  </a:txBody>
-                  <a:tcPr marT="91425" marB="91425" marR="91425" marL="91425">
-                    <a:lnL cap="flat" cmpd="sng" w="9525">
-                      <a:solidFill>
-                        <a:srgbClr val="FFFFFF"/>
-                      </a:solidFill>
-                      <a:prstDash val="solid"/>
-                      <a:round/>
-                      <a:headEnd len="med" w="med" type="none"/>
-                      <a:tailEnd len="med" w="med" type="none"/>
-                    </a:lnL>
-                    <a:lnR cap="flat" cmpd="sng" w="9525">
-                      <a:solidFill>
-                        <a:srgbClr val="FFFFFF"/>
-                      </a:solidFill>
-                      <a:prstDash val="solid"/>
-                      <a:round/>
-                      <a:headEnd len="med" w="med" type="none"/>
-                      <a:tailEnd len="med" w="med" type="none"/>
-                    </a:lnR>
-                    <a:lnT cap="flat" cmpd="sng" w="9525">
-                      <a:solidFill>
-                        <a:srgbClr val="FFFFFF"/>
-                      </a:solidFill>
-                      <a:prstDash val="solid"/>
-                      <a:round/>
-                      <a:headEnd len="med" w="med" type="none"/>
-                      <a:tailEnd len="med" w="med" type="none"/>
-                    </a:lnT>
-                    <a:lnB cap="flat" cmpd="sng" w="9525">
-                      <a:solidFill>
-                        <a:srgbClr val="FFFFFF"/>
-                      </a:solidFill>
-                      <a:prstDash val="solid"/>
-                      <a:round/>
-                      <a:headEnd len="med" w="med" type="none"/>
-                      <a:tailEnd len="med" w="med" type="none"/>
-                    </a:lnB>
-                  </a:tcPr>
-                </a:tc>
-                <a:tc>
-                  <a:txBody>
-                    <a:bodyPr>
-                      <a:noAutofit/>
-                    </a:bodyPr>
-                    <a:lstStyle/>
-                    <a:p>
-                      <a:pPr lvl="0" rtl="0">
-                        <a:spcBef>
-                          <a:spcPts val="0"/>
-                        </a:spcBef>
-                        <a:buNone/>
-                      </a:pPr>
-                      <a:r>
-                        <a:rPr lang="en">
-                          <a:solidFill>
-                            <a:schemeClr val="dk1"/>
-                          </a:solidFill>
-                        </a:rPr>
-                        <a:t>Take forms from the front end, and process them with the machine learning.</a:t>
-                      </a:r>
-                    </a:p>
-                  </a:txBody>
-                  <a:tcPr marT="91425" marB="91425" marR="91425" marL="91425">
-                    <a:lnL cap="flat" cmpd="sng" w="9525">
-                      <a:solidFill>
-                        <a:srgbClr val="FFFFFF"/>
-                      </a:solidFill>
-                      <a:prstDash val="solid"/>
-                      <a:round/>
-                      <a:headEnd len="med" w="med" type="none"/>
-                      <a:tailEnd len="med" w="med" type="none"/>
-                    </a:lnL>
-                    <a:lnR cap="flat" cmpd="sng" w="9525">
-                      <a:solidFill>
-                        <a:srgbClr val="FFFFFF"/>
-                      </a:solidFill>
-                      <a:prstDash val="solid"/>
-                      <a:round/>
-                      <a:headEnd len="med" w="med" type="none"/>
-                      <a:tailEnd len="med" w="med" type="none"/>
-                    </a:lnR>
-                    <a:lnT cap="flat" cmpd="sng" w="9525">
-                      <a:solidFill>
-                        <a:srgbClr val="FFFFFF"/>
-                      </a:solidFill>
-                      <a:prstDash val="solid"/>
-                      <a:round/>
-                      <a:headEnd len="med" w="med" type="none"/>
-                      <a:tailEnd len="med" w="med" type="none"/>
-                    </a:lnT>
-                    <a:lnB cap="flat" cmpd="sng" w="9525">
-                      <a:solidFill>
-                        <a:srgbClr val="FFFFFF"/>
-                      </a:solidFill>
-                      <a:prstDash val="solid"/>
-                      <a:round/>
-                      <a:headEnd len="med" w="med" type="none"/>
-                      <a:tailEnd len="med" w="med" type="none"/>
-                    </a:lnB>
-                  </a:tcPr>
-                </a:tc>
-                <a:tc>
-                  <a:txBody>
-                    <a:bodyPr>
-                      <a:noAutofit/>
-                    </a:bodyPr>
-                    <a:lstStyle/>
-                    <a:p>
-                      <a:pPr lvl="0" rtl="0">
-                        <a:spcBef>
-                          <a:spcPts val="0"/>
-                        </a:spcBef>
-                        <a:buNone/>
-                      </a:pPr>
-                      <a:r>
-                        <a:rPr lang="en">
-                          <a:solidFill>
-                            <a:srgbClr val="FFFFFF"/>
-                          </a:solidFill>
-                        </a:rPr>
-                        <a:t>In Progress</a:t>
-                      </a:r>
-                    </a:p>
-                  </a:txBody>
-                  <a:tcPr marT="91425" marB="91425" marR="91425" marL="91425">
-                    <a:lnL cap="flat" cmpd="sng" w="9525">
-                      <a:solidFill>
-                        <a:srgbClr val="FFFFFF"/>
-                      </a:solidFill>
-                      <a:prstDash val="solid"/>
-                      <a:round/>
-                      <a:headEnd len="med" w="med" type="none"/>
-                      <a:tailEnd len="med" w="med" type="none"/>
-                    </a:lnL>
-                    <a:lnR cap="flat" cmpd="sng" w="9525">
-                      <a:solidFill>
-                        <a:srgbClr val="FFFFFF"/>
-                      </a:solidFill>
-                      <a:prstDash val="solid"/>
-                      <a:round/>
-                      <a:headEnd len="med" w="med" type="none"/>
-                      <a:tailEnd len="med" w="med" type="none"/>
-                    </a:lnR>
-                    <a:lnT cap="flat" cmpd="sng" w="9525">
-                      <a:solidFill>
-                        <a:srgbClr val="FFFFFF"/>
-                      </a:solidFill>
-                      <a:prstDash val="solid"/>
-                      <a:round/>
-                      <a:headEnd len="med" w="med" type="none"/>
-                      <a:tailEnd len="med" w="med" type="none"/>
-                    </a:lnT>
-                    <a:lnB cap="flat" cmpd="sng" w="9525">
-                      <a:solidFill>
-                        <a:srgbClr val="FFFFFF"/>
-                      </a:solidFill>
-                      <a:prstDash val="solid"/>
-                      <a:round/>
-                      <a:headEnd len="med" w="med" type="none"/>
-                      <a:tailEnd len="med" w="med" type="none"/>
-                    </a:lnB>
-                  </a:tcPr>
-                </a:tc>
-              </a:tr>
-            </a:tbl>
-          </a:graphicData>
-        </a:graphic>
-      </p:graphicFrame>
+      <p:sp>
+        <p:nvSpPr>
+          <p:cNvPr id="290" name="Shape 290"/>
+          <p:cNvSpPr txBox="1"/>
+          <p:nvPr>
+            <p:ph idx="1" type="body"/>
+          </p:nvPr>
+        </p:nvSpPr>
+        <p:spPr>
+          <a:xfrm>
+            <a:off x="507300" y="1224625"/>
+            <a:ext cx="8129400" cy="3332400"/>
+          </a:xfrm>
+          <a:prstGeom prst="rect">
+            <a:avLst/>
+          </a:prstGeom>
+        </p:spPr>
+        <p:txBody>
+          <a:bodyPr anchorCtr="0" anchor="t" bIns="91425" lIns="91425" rIns="91425" tIns="91425">
+            <a:noAutofit/>
+          </a:bodyPr>
+          <a:lstStyle/>
+          <a:p>
+            <a:pPr lvl="0" rtl="0">
+              <a:spcBef>
+                <a:spcPts val="0"/>
+              </a:spcBef>
+              <a:buNone/>
+            </a:pPr>
+            <a:r>
+              <a:rPr lang="en">
+                <a:solidFill>
+                  <a:srgbClr val="FFFFFF"/>
+                </a:solidFill>
+              </a:rPr>
+              <a:t>User Input: Section of the Web Application that takes in information from user necessary to perform major functions.</a:t>
+            </a:r>
+          </a:p>
+          <a:p>
+            <a:pPr indent="-228600" lvl="0" marL="457200" rtl="0">
+              <a:spcBef>
+                <a:spcPts val="0"/>
+              </a:spcBef>
+              <a:buClr>
+                <a:srgbClr val="FFFFFF"/>
+              </a:buClr>
+            </a:pPr>
+            <a:r>
+              <a:rPr lang="en">
+                <a:solidFill>
+                  <a:srgbClr val="FFFFFF"/>
+                </a:solidFill>
+              </a:rPr>
+              <a:t>Text input areas and drop down selection boxes that are created using Bootstrap. Capture of input variables made possible through Angular controllers.</a:t>
+            </a:r>
+          </a:p>
+          <a:p>
+            <a:pPr indent="-228600" lvl="0" marL="457200" rtl="0">
+              <a:spcBef>
+                <a:spcPts val="0"/>
+              </a:spcBef>
+              <a:buClr>
+                <a:srgbClr val="FFFFFF"/>
+              </a:buClr>
+            </a:pPr>
+            <a:r>
+              <a:rPr lang="en">
+                <a:solidFill>
+                  <a:srgbClr val="FFFFFF"/>
+                </a:solidFill>
+              </a:rPr>
+              <a:t>Bootstrap popover modules installed in order to provide user with information regarding the use of their information.</a:t>
+            </a:r>
+          </a:p>
+          <a:p>
+            <a:pPr indent="-228600" lvl="0" marL="457200">
+              <a:spcBef>
+                <a:spcPts val="0"/>
+              </a:spcBef>
+              <a:buClr>
+                <a:srgbClr val="FFFFFF"/>
+              </a:buClr>
+            </a:pPr>
+            <a:r>
+              <a:rPr lang="en">
+                <a:solidFill>
+                  <a:srgbClr val="FFFFFF"/>
+                </a:solidFill>
+              </a:rPr>
+              <a:t>HTML formatting employed to make Input Area aesthetically pleasing.</a:t>
+            </a:r>
+          </a:p>
+        </p:txBody>
+      </p:sp>
     </p:spTree>
   </p:cSld>
   <p:clrMapOvr>
@@ -18752,7 +15951,7 @@
   <p:cSld>
     <p:spTree>
       <p:nvGrpSpPr>
-        <p:cNvPr id="297" name="Shape 297"/>
+        <p:cNvPr id="294" name="Shape 294"/>
         <p:cNvGrpSpPr/>
         <p:nvPr/>
       </p:nvGrpSpPr>
@@ -18766,7 +15965,7 @@
       </p:grpSpPr>
       <p:sp>
         <p:nvSpPr>
-          <p:cNvPr id="298" name="Shape 298"/>
+          <p:cNvPr id="295" name="Shape 295"/>
           <p:cNvSpPr txBox="1"/>
           <p:nvPr>
             <p:ph type="title"/>
@@ -18774,8 +15973,8 @@
         </p:nvSpPr>
         <p:spPr>
           <a:xfrm>
-            <a:off x="824900" y="445025"/>
-            <a:ext cx="7569600" cy="572700"/>
+            <a:off x="311700" y="445025"/>
+            <a:ext cx="8520600" cy="572700"/>
           </a:xfrm>
           <a:prstGeom prst="rect">
             <a:avLst/>
@@ -18787,7 +15986,7 @@
           </a:bodyPr>
           <a:lstStyle/>
           <a:p>
-            <a:pPr lvl="0" rtl="0" algn="ctr">
+            <a:pPr lvl="0" algn="ctr">
               <a:spcBef>
                 <a:spcPts val="0"/>
               </a:spcBef>
@@ -18795,1294 +15994,123 @@
             </a:pPr>
             <a:r>
               <a:rPr lang="en"/>
-              <a:t>Completion status of code</a:t>
+              <a:t>Submodule-Front End(cont.)</a:t>
             </a:r>
           </a:p>
         </p:txBody>
       </p:sp>
-      <p:graphicFrame>
-        <p:nvGraphicFramePr>
-          <p:cNvPr id="299" name="Shape 299"/>
-          <p:cNvGraphicFramePr/>
-          <p:nvPr/>
-        </p:nvGraphicFramePr>
-        <p:xfrm>
-          <a:off x="738362" y="1086350"/>
-          <a:ext cx="3000000" cy="3000000"/>
-        </p:xfrm>
-        <a:graphic>
-          <a:graphicData uri="http://schemas.openxmlformats.org/drawingml/2006/table">
-            <a:tbl>
-              <a:tblPr>
-                <a:noFill/>
-                <a:tableStyleId>{6227683F-6615-4F6C-A2C1-3B111FABE345}</a:tableStyleId>
-              </a:tblPr>
-              <a:tblGrid>
-                <a:gridCol w="1024175"/>
-                <a:gridCol w="1480325"/>
-                <a:gridCol w="4036575"/>
-                <a:gridCol w="1117625"/>
-              </a:tblGrid>
-              <a:tr h="654175">
-                <a:tc>
-                  <a:txBody>
-                    <a:bodyPr>
-                      <a:noAutofit/>
-                    </a:bodyPr>
-                    <a:lstStyle/>
-                    <a:p>
-                      <a:pPr lvl="0" rtl="0" algn="ctr">
-                        <a:spcBef>
-                          <a:spcPts val="0"/>
-                        </a:spcBef>
-                        <a:buNone/>
-                      </a:pPr>
-                      <a:r>
-                        <a:rPr b="1" lang="en" sz="1800" u="sng">
-                          <a:solidFill>
-                            <a:srgbClr val="FFFFFF"/>
-                          </a:solidFill>
-                          <a:highlight>
-                            <a:srgbClr val="000000"/>
-                          </a:highlight>
-                        </a:rPr>
-                        <a:t>Role</a:t>
-                      </a:r>
-                    </a:p>
-                  </a:txBody>
-                  <a:tcPr marT="91425" marB="91425" marR="91425" marL="91425">
-                    <a:lnL cap="flat" cmpd="sng" w="9525">
-                      <a:solidFill>
-                        <a:srgbClr val="FFFFFF"/>
-                      </a:solidFill>
-                      <a:prstDash val="solid"/>
-                      <a:round/>
-                      <a:headEnd len="med" w="med" type="none"/>
-                      <a:tailEnd len="med" w="med" type="none"/>
-                    </a:lnL>
-                    <a:lnR cap="flat" cmpd="sng" w="9525">
-                      <a:solidFill>
-                        <a:srgbClr val="FFFFFF"/>
-                      </a:solidFill>
-                      <a:prstDash val="solid"/>
-                      <a:round/>
-                      <a:headEnd len="med" w="med" type="none"/>
-                      <a:tailEnd len="med" w="med" type="none"/>
-                    </a:lnR>
-                    <a:lnT cap="flat" cmpd="sng" w="9525">
-                      <a:solidFill>
-                        <a:srgbClr val="FFFFFF"/>
-                      </a:solidFill>
-                      <a:prstDash val="solid"/>
-                      <a:round/>
-                      <a:headEnd len="med" w="med" type="none"/>
-                      <a:tailEnd len="med" w="med" type="none"/>
-                    </a:lnT>
-                    <a:lnB cap="flat" cmpd="sng" w="9525">
-                      <a:solidFill>
-                        <a:srgbClr val="FFFFFF"/>
-                      </a:solidFill>
-                      <a:prstDash val="solid"/>
-                      <a:round/>
-                      <a:headEnd len="med" w="med" type="none"/>
-                      <a:tailEnd len="med" w="med" type="none"/>
-                    </a:lnB>
-                  </a:tcPr>
-                </a:tc>
-                <a:tc>
-                  <a:txBody>
-                    <a:bodyPr>
-                      <a:noAutofit/>
-                    </a:bodyPr>
-                    <a:lstStyle/>
-                    <a:p>
-                      <a:pPr lvl="0" rtl="0" algn="ctr">
-                        <a:spcBef>
-                          <a:spcPts val="0"/>
-                        </a:spcBef>
-                        <a:buNone/>
-                      </a:pPr>
-                      <a:r>
-                        <a:rPr b="1" lang="en" sz="1800" u="sng">
-                          <a:solidFill>
-                            <a:srgbClr val="FFFFFF"/>
-                          </a:solidFill>
-                          <a:highlight>
-                            <a:srgbClr val="000000"/>
-                          </a:highlight>
-                        </a:rPr>
-                        <a:t>Members</a:t>
-                      </a:r>
-                    </a:p>
-                  </a:txBody>
-                  <a:tcPr marT="91425" marB="91425" marR="91425" marL="91425">
-                    <a:lnL cap="flat" cmpd="sng" w="9525">
-                      <a:solidFill>
-                        <a:srgbClr val="FFFFFF"/>
-                      </a:solidFill>
-                      <a:prstDash val="solid"/>
-                      <a:round/>
-                      <a:headEnd len="med" w="med" type="none"/>
-                      <a:tailEnd len="med" w="med" type="none"/>
-                    </a:lnL>
-                    <a:lnR cap="flat" cmpd="sng" w="9525">
-                      <a:solidFill>
-                        <a:srgbClr val="FFFFFF"/>
-                      </a:solidFill>
-                      <a:prstDash val="solid"/>
-                      <a:round/>
-                      <a:headEnd len="med" w="med" type="none"/>
-                      <a:tailEnd len="med" w="med" type="none"/>
-                    </a:lnR>
-                    <a:lnT cap="flat" cmpd="sng" w="9525">
-                      <a:solidFill>
-                        <a:srgbClr val="FFFFFF"/>
-                      </a:solidFill>
-                      <a:prstDash val="solid"/>
-                      <a:round/>
-                      <a:headEnd len="med" w="med" type="none"/>
-                      <a:tailEnd len="med" w="med" type="none"/>
-                    </a:lnT>
-                    <a:lnB cap="flat" cmpd="sng" w="9525">
-                      <a:solidFill>
-                        <a:srgbClr val="FFFFFF"/>
-                      </a:solidFill>
-                      <a:prstDash val="solid"/>
-                      <a:round/>
-                      <a:headEnd len="med" w="med" type="none"/>
-                      <a:tailEnd len="med" w="med" type="none"/>
-                    </a:lnB>
-                  </a:tcPr>
-                </a:tc>
-                <a:tc>
-                  <a:txBody>
-                    <a:bodyPr>
-                      <a:noAutofit/>
-                    </a:bodyPr>
-                    <a:lstStyle/>
-                    <a:p>
-                      <a:pPr lvl="0" rtl="0" algn="ctr">
-                        <a:spcBef>
-                          <a:spcPts val="0"/>
-                        </a:spcBef>
-                        <a:buNone/>
-                      </a:pPr>
-                      <a:r>
-                        <a:rPr b="1" lang="en" sz="1800" u="sng">
-                          <a:solidFill>
-                            <a:srgbClr val="FFFFFF"/>
-                          </a:solidFill>
-                        </a:rPr>
-                        <a:t>Task</a:t>
-                      </a:r>
-                    </a:p>
-                  </a:txBody>
-                  <a:tcPr marT="91425" marB="91425" marR="91425" marL="91425">
-                    <a:lnL cap="flat" cmpd="sng" w="9525">
-                      <a:solidFill>
-                        <a:srgbClr val="FFFFFF"/>
-                      </a:solidFill>
-                      <a:prstDash val="solid"/>
-                      <a:round/>
-                      <a:headEnd len="med" w="med" type="none"/>
-                      <a:tailEnd len="med" w="med" type="none"/>
-                    </a:lnL>
-                    <a:lnR cap="flat" cmpd="sng" w="9525">
-                      <a:solidFill>
-                        <a:srgbClr val="FFFFFF"/>
-                      </a:solidFill>
-                      <a:prstDash val="solid"/>
-                      <a:round/>
-                      <a:headEnd len="med" w="med" type="none"/>
-                      <a:tailEnd len="med" w="med" type="none"/>
-                    </a:lnR>
-                    <a:lnT cap="flat" cmpd="sng" w="9525">
-                      <a:solidFill>
-                        <a:srgbClr val="FFFFFF"/>
-                      </a:solidFill>
-                      <a:prstDash val="solid"/>
-                      <a:round/>
-                      <a:headEnd len="med" w="med" type="none"/>
-                      <a:tailEnd len="med" w="med" type="none"/>
-                    </a:lnT>
-                    <a:lnB cap="flat" cmpd="sng" w="9525">
-                      <a:solidFill>
-                        <a:srgbClr val="FFFFFF"/>
-                      </a:solidFill>
-                      <a:prstDash val="solid"/>
-                      <a:round/>
-                      <a:headEnd len="med" w="med" type="none"/>
-                      <a:tailEnd len="med" w="med" type="none"/>
-                    </a:lnB>
-                  </a:tcPr>
-                </a:tc>
-                <a:tc>
-                  <a:txBody>
-                    <a:bodyPr>
-                      <a:noAutofit/>
-                    </a:bodyPr>
-                    <a:lstStyle/>
-                    <a:p>
-                      <a:pPr lvl="0" rtl="0" algn="ctr">
-                        <a:spcBef>
-                          <a:spcPts val="0"/>
-                        </a:spcBef>
-                        <a:buNone/>
-                      </a:pPr>
-                      <a:r>
-                        <a:rPr b="1" lang="en" sz="1800" u="sng">
-                          <a:solidFill>
-                            <a:srgbClr val="FFFFFF"/>
-                          </a:solidFill>
-                        </a:rPr>
-                        <a:t>Status</a:t>
-                      </a:r>
-                    </a:p>
-                  </a:txBody>
-                  <a:tcPr marT="91425" marB="91425" marR="91425" marL="91425">
-                    <a:lnL cap="flat" cmpd="sng" w="9525">
-                      <a:solidFill>
-                        <a:srgbClr val="FFFFFF"/>
-                      </a:solidFill>
-                      <a:prstDash val="solid"/>
-                      <a:round/>
-                      <a:headEnd len="med" w="med" type="none"/>
-                      <a:tailEnd len="med" w="med" type="none"/>
-                    </a:lnL>
-                    <a:lnR cap="flat" cmpd="sng" w="9525">
-                      <a:solidFill>
-                        <a:srgbClr val="FFFFFF"/>
-                      </a:solidFill>
-                      <a:prstDash val="solid"/>
-                      <a:round/>
-                      <a:headEnd len="med" w="med" type="none"/>
-                      <a:tailEnd len="med" w="med" type="none"/>
-                    </a:lnR>
-                    <a:lnT cap="flat" cmpd="sng" w="9525">
-                      <a:solidFill>
-                        <a:srgbClr val="FFFFFF"/>
-                      </a:solidFill>
-                      <a:prstDash val="solid"/>
-                      <a:round/>
-                      <a:headEnd len="med" w="med" type="none"/>
-                      <a:tailEnd len="med" w="med" type="none"/>
-                    </a:lnT>
-                    <a:lnB cap="flat" cmpd="sng" w="9525">
-                      <a:solidFill>
-                        <a:srgbClr val="FFFFFF"/>
-                      </a:solidFill>
-                      <a:prstDash val="solid"/>
-                      <a:round/>
-                      <a:headEnd len="med" w="med" type="none"/>
-                      <a:tailEnd len="med" w="med" type="none"/>
-                    </a:lnB>
-                  </a:tcPr>
-                </a:tc>
-              </a:tr>
-              <a:tr h="568450">
-                <a:tc>
-                  <a:txBody>
-                    <a:bodyPr>
-                      <a:noAutofit/>
-                    </a:bodyPr>
-                    <a:lstStyle/>
-                    <a:p>
-                      <a:pPr lvl="0" rtl="0">
-                        <a:spcBef>
-                          <a:spcPts val="0"/>
-                        </a:spcBef>
-                        <a:buNone/>
-                      </a:pPr>
-                      <a:r>
-                        <a:rPr lang="en">
-                          <a:solidFill>
-                            <a:srgbClr val="FFFFFF"/>
-                          </a:solidFill>
-                        </a:rPr>
-                        <a:t>Database</a:t>
-                      </a:r>
-                    </a:p>
-                  </a:txBody>
-                  <a:tcPr marT="91425" marB="91425" marR="91425" marL="91425">
-                    <a:lnL cap="flat" cmpd="sng" w="9525">
-                      <a:solidFill>
-                        <a:srgbClr val="FFFFFF"/>
-                      </a:solidFill>
-                      <a:prstDash val="solid"/>
-                      <a:round/>
-                      <a:headEnd len="med" w="med" type="none"/>
-                      <a:tailEnd len="med" w="med" type="none"/>
-                    </a:lnL>
-                    <a:lnR cap="flat" cmpd="sng" w="9525">
-                      <a:solidFill>
-                        <a:srgbClr val="FFFFFF"/>
-                      </a:solidFill>
-                      <a:prstDash val="solid"/>
-                      <a:round/>
-                      <a:headEnd len="med" w="med" type="none"/>
-                      <a:tailEnd len="med" w="med" type="none"/>
-                    </a:lnR>
-                    <a:lnT cap="flat" cmpd="sng" w="9525">
-                      <a:solidFill>
-                        <a:srgbClr val="FFFFFF"/>
-                      </a:solidFill>
-                      <a:prstDash val="solid"/>
-                      <a:round/>
-                      <a:headEnd len="med" w="med" type="none"/>
-                      <a:tailEnd len="med" w="med" type="none"/>
-                    </a:lnT>
-                    <a:lnB cap="flat" cmpd="sng" w="9525">
-                      <a:solidFill>
-                        <a:srgbClr val="FFFFFF"/>
-                      </a:solidFill>
-                      <a:prstDash val="solid"/>
-                      <a:round/>
-                      <a:headEnd len="med" w="med" type="none"/>
-                      <a:tailEnd len="med" w="med" type="none"/>
-                    </a:lnB>
-                  </a:tcPr>
-                </a:tc>
-                <a:tc>
-                  <a:txBody>
-                    <a:bodyPr>
-                      <a:noAutofit/>
-                    </a:bodyPr>
-                    <a:lstStyle/>
-                    <a:p>
-                      <a:pPr lvl="0" rtl="0">
-                        <a:spcBef>
-                          <a:spcPts val="0"/>
-                        </a:spcBef>
-                        <a:buNone/>
-                      </a:pPr>
-                      <a:r>
-                        <a:rPr lang="en">
-                          <a:solidFill>
-                            <a:srgbClr val="FFFFFF"/>
-                          </a:solidFill>
-                        </a:rPr>
-                        <a:t>Christian, Jeremy</a:t>
-                      </a:r>
-                    </a:p>
-                  </a:txBody>
-                  <a:tcPr marT="91425" marB="91425" marR="91425" marL="91425">
-                    <a:lnL cap="flat" cmpd="sng" w="9525">
-                      <a:solidFill>
-                        <a:srgbClr val="FFFFFF"/>
-                      </a:solidFill>
-                      <a:prstDash val="solid"/>
-                      <a:round/>
-                      <a:headEnd len="med" w="med" type="none"/>
-                      <a:tailEnd len="med" w="med" type="none"/>
-                    </a:lnL>
-                    <a:lnR cap="flat" cmpd="sng" w="9525">
-                      <a:solidFill>
-                        <a:srgbClr val="FFFFFF"/>
-                      </a:solidFill>
-                      <a:prstDash val="solid"/>
-                      <a:round/>
-                      <a:headEnd len="med" w="med" type="none"/>
-                      <a:tailEnd len="med" w="med" type="none"/>
-                    </a:lnR>
-                    <a:lnT cap="flat" cmpd="sng" w="9525">
-                      <a:solidFill>
-                        <a:srgbClr val="FFFFFF"/>
-                      </a:solidFill>
-                      <a:prstDash val="solid"/>
-                      <a:round/>
-                      <a:headEnd len="med" w="med" type="none"/>
-                      <a:tailEnd len="med" w="med" type="none"/>
-                    </a:lnT>
-                    <a:lnB cap="flat" cmpd="sng" w="9525">
-                      <a:solidFill>
-                        <a:srgbClr val="FFFFFF"/>
-                      </a:solidFill>
-                      <a:prstDash val="solid"/>
-                      <a:round/>
-                      <a:headEnd len="med" w="med" type="none"/>
-                      <a:tailEnd len="med" w="med" type="none"/>
-                    </a:lnB>
-                  </a:tcPr>
-                </a:tc>
-                <a:tc>
-                  <a:txBody>
-                    <a:bodyPr>
-                      <a:noAutofit/>
-                    </a:bodyPr>
-                    <a:lstStyle/>
-                    <a:p>
-                      <a:pPr indent="0" lvl="0" marL="0" rtl="0">
-                        <a:spcBef>
-                          <a:spcPts val="0"/>
-                        </a:spcBef>
-                        <a:buNone/>
-                      </a:pPr>
-                      <a:r>
-                        <a:rPr lang="en">
-                          <a:solidFill>
-                            <a:schemeClr val="dk1"/>
-                          </a:solidFill>
-                        </a:rPr>
-                        <a:t>Data acquisition.</a:t>
-                      </a:r>
-                    </a:p>
-                  </a:txBody>
-                  <a:tcPr marT="91425" marB="91425" marR="91425" marL="91425">
-                    <a:lnL cap="flat" cmpd="sng" w="9525">
-                      <a:solidFill>
-                        <a:srgbClr val="FFFFFF"/>
-                      </a:solidFill>
-                      <a:prstDash val="solid"/>
-                      <a:round/>
-                      <a:headEnd len="med" w="med" type="none"/>
-                      <a:tailEnd len="med" w="med" type="none"/>
-                    </a:lnL>
-                    <a:lnR cap="flat" cmpd="sng" w="9525">
-                      <a:solidFill>
-                        <a:srgbClr val="FFFFFF"/>
-                      </a:solidFill>
-                      <a:prstDash val="solid"/>
-                      <a:round/>
-                      <a:headEnd len="med" w="med" type="none"/>
-                      <a:tailEnd len="med" w="med" type="none"/>
-                    </a:lnR>
-                    <a:lnT cap="flat" cmpd="sng" w="9525">
-                      <a:solidFill>
-                        <a:srgbClr val="FFFFFF"/>
-                      </a:solidFill>
-                      <a:prstDash val="solid"/>
-                      <a:round/>
-                      <a:headEnd len="med" w="med" type="none"/>
-                      <a:tailEnd len="med" w="med" type="none"/>
-                    </a:lnT>
-                    <a:lnB cap="flat" cmpd="sng" w="9525">
-                      <a:solidFill>
-                        <a:srgbClr val="FFFFFF"/>
-                      </a:solidFill>
-                      <a:prstDash val="solid"/>
-                      <a:round/>
-                      <a:headEnd len="med" w="med" type="none"/>
-                      <a:tailEnd len="med" w="med" type="none"/>
-                    </a:lnB>
-                  </a:tcPr>
-                </a:tc>
-                <a:tc>
-                  <a:txBody>
-                    <a:bodyPr>
-                      <a:noAutofit/>
-                    </a:bodyPr>
-                    <a:lstStyle/>
-                    <a:p>
-                      <a:pPr lvl="0" rtl="0">
-                        <a:spcBef>
-                          <a:spcPts val="0"/>
-                        </a:spcBef>
-                        <a:buNone/>
-                      </a:pPr>
-                      <a:r>
-                        <a:rPr lang="en">
-                          <a:solidFill>
-                            <a:srgbClr val="FFFFFF"/>
-                          </a:solidFill>
-                        </a:rPr>
-                        <a:t>Completed</a:t>
-                      </a:r>
-                    </a:p>
-                  </a:txBody>
-                  <a:tcPr marT="91425" marB="91425" marR="91425" marL="91425">
-                    <a:lnL cap="flat" cmpd="sng" w="9525">
-                      <a:solidFill>
-                        <a:srgbClr val="FFFFFF"/>
-                      </a:solidFill>
-                      <a:prstDash val="solid"/>
-                      <a:round/>
-                      <a:headEnd len="med" w="med" type="none"/>
-                      <a:tailEnd len="med" w="med" type="none"/>
-                    </a:lnL>
-                    <a:lnR cap="flat" cmpd="sng" w="9525">
-                      <a:solidFill>
-                        <a:srgbClr val="FFFFFF"/>
-                      </a:solidFill>
-                      <a:prstDash val="solid"/>
-                      <a:round/>
-                      <a:headEnd len="med" w="med" type="none"/>
-                      <a:tailEnd len="med" w="med" type="none"/>
-                    </a:lnR>
-                    <a:lnT cap="flat" cmpd="sng" w="9525">
-                      <a:solidFill>
-                        <a:srgbClr val="FFFFFF"/>
-                      </a:solidFill>
-                      <a:prstDash val="solid"/>
-                      <a:round/>
-                      <a:headEnd len="med" w="med" type="none"/>
-                      <a:tailEnd len="med" w="med" type="none"/>
-                    </a:lnT>
-                    <a:lnB cap="flat" cmpd="sng" w="9525">
-                      <a:solidFill>
-                        <a:srgbClr val="FFFFFF"/>
-                      </a:solidFill>
-                      <a:prstDash val="solid"/>
-                      <a:round/>
-                      <a:headEnd len="med" w="med" type="none"/>
-                      <a:tailEnd len="med" w="med" type="none"/>
-                    </a:lnB>
-                  </a:tcPr>
-                </a:tc>
-              </a:tr>
-              <a:tr h="635150">
-                <a:tc>
-                  <a:txBody>
-                    <a:bodyPr>
-                      <a:noAutofit/>
-                    </a:bodyPr>
-                    <a:lstStyle/>
-                    <a:p>
-                      <a:pPr lvl="0" rtl="0">
-                        <a:spcBef>
-                          <a:spcPts val="0"/>
-                        </a:spcBef>
-                        <a:buNone/>
-                      </a:pPr>
-                      <a:r>
-                        <a:rPr lang="en">
-                          <a:solidFill>
-                            <a:srgbClr val="FFFFFF"/>
-                          </a:solidFill>
-                        </a:rPr>
-                        <a:t>Database</a:t>
-                      </a:r>
-                    </a:p>
-                  </a:txBody>
-                  <a:tcPr marT="91425" marB="91425" marR="91425" marL="91425">
-                    <a:lnL cap="flat" cmpd="sng" w="9525">
-                      <a:solidFill>
-                        <a:srgbClr val="FFFFFF"/>
-                      </a:solidFill>
-                      <a:prstDash val="solid"/>
-                      <a:round/>
-                      <a:headEnd len="med" w="med" type="none"/>
-                      <a:tailEnd len="med" w="med" type="none"/>
-                    </a:lnL>
-                    <a:lnR cap="flat" cmpd="sng" w="9525">
-                      <a:solidFill>
-                        <a:srgbClr val="FFFFFF"/>
-                      </a:solidFill>
-                      <a:prstDash val="solid"/>
-                      <a:round/>
-                      <a:headEnd len="med" w="med" type="none"/>
-                      <a:tailEnd len="med" w="med" type="none"/>
-                    </a:lnR>
-                    <a:lnT cap="flat" cmpd="sng" w="9525">
-                      <a:solidFill>
-                        <a:srgbClr val="FFFFFF"/>
-                      </a:solidFill>
-                      <a:prstDash val="solid"/>
-                      <a:round/>
-                      <a:headEnd len="med" w="med" type="none"/>
-                      <a:tailEnd len="med" w="med" type="none"/>
-                    </a:lnT>
-                    <a:lnB cap="flat" cmpd="sng" w="9525">
-                      <a:solidFill>
-                        <a:srgbClr val="FFFFFF"/>
-                      </a:solidFill>
-                      <a:prstDash val="solid"/>
-                      <a:round/>
-                      <a:headEnd len="med" w="med" type="none"/>
-                      <a:tailEnd len="med" w="med" type="none"/>
-                    </a:lnB>
-                  </a:tcPr>
-                </a:tc>
-                <a:tc>
-                  <a:txBody>
-                    <a:bodyPr>
-                      <a:noAutofit/>
-                    </a:bodyPr>
-                    <a:lstStyle/>
-                    <a:p>
-                      <a:pPr lvl="0" rtl="0">
-                        <a:spcBef>
-                          <a:spcPts val="0"/>
-                        </a:spcBef>
-                        <a:buNone/>
-                      </a:pPr>
-                      <a:r>
-                        <a:rPr lang="en">
-                          <a:solidFill>
-                            <a:srgbClr val="FFFFFF"/>
-                          </a:solidFill>
-                        </a:rPr>
-                        <a:t>Jeremy</a:t>
-                      </a:r>
-                    </a:p>
-                  </a:txBody>
-                  <a:tcPr marT="91425" marB="91425" marR="91425" marL="91425">
-                    <a:lnL cap="flat" cmpd="sng" w="9525">
-                      <a:solidFill>
-                        <a:srgbClr val="FFFFFF"/>
-                      </a:solidFill>
-                      <a:prstDash val="solid"/>
-                      <a:round/>
-                      <a:headEnd len="med" w="med" type="none"/>
-                      <a:tailEnd len="med" w="med" type="none"/>
-                    </a:lnL>
-                    <a:lnR cap="flat" cmpd="sng" w="9525">
-                      <a:solidFill>
-                        <a:srgbClr val="FFFFFF"/>
-                      </a:solidFill>
-                      <a:prstDash val="solid"/>
-                      <a:round/>
-                      <a:headEnd len="med" w="med" type="none"/>
-                      <a:tailEnd len="med" w="med" type="none"/>
-                    </a:lnR>
-                    <a:lnT cap="flat" cmpd="sng" w="9525">
-                      <a:solidFill>
-                        <a:srgbClr val="FFFFFF"/>
-                      </a:solidFill>
-                      <a:prstDash val="solid"/>
-                      <a:round/>
-                      <a:headEnd len="med" w="med" type="none"/>
-                      <a:tailEnd len="med" w="med" type="none"/>
-                    </a:lnT>
-                    <a:lnB cap="flat" cmpd="sng" w="9525">
-                      <a:solidFill>
-                        <a:srgbClr val="FFFFFF"/>
-                      </a:solidFill>
-                      <a:prstDash val="solid"/>
-                      <a:round/>
-                      <a:headEnd len="med" w="med" type="none"/>
-                      <a:tailEnd len="med" w="med" type="none"/>
-                    </a:lnB>
-                  </a:tcPr>
-                </a:tc>
-                <a:tc>
-                  <a:txBody>
-                    <a:bodyPr>
-                      <a:noAutofit/>
-                    </a:bodyPr>
-                    <a:lstStyle/>
-                    <a:p>
-                      <a:pPr indent="0" lvl="0" marL="0" rtl="0">
-                        <a:spcBef>
-                          <a:spcPts val="0"/>
-                        </a:spcBef>
-                        <a:buNone/>
-                      </a:pPr>
-                      <a:r>
-                        <a:rPr lang="en">
-                          <a:solidFill>
-                            <a:schemeClr val="dk1"/>
-                          </a:solidFill>
-                        </a:rPr>
-                        <a:t>Create unit tests.</a:t>
-                      </a:r>
-                    </a:p>
-                  </a:txBody>
-                  <a:tcPr marT="91425" marB="91425" marR="91425" marL="91425">
-                    <a:lnL cap="flat" cmpd="sng" w="9525">
-                      <a:solidFill>
-                        <a:srgbClr val="FFFFFF"/>
-                      </a:solidFill>
-                      <a:prstDash val="solid"/>
-                      <a:round/>
-                      <a:headEnd len="med" w="med" type="none"/>
-                      <a:tailEnd len="med" w="med" type="none"/>
-                    </a:lnL>
-                    <a:lnR cap="flat" cmpd="sng" w="9525">
-                      <a:solidFill>
-                        <a:srgbClr val="FFFFFF"/>
-                      </a:solidFill>
-                      <a:prstDash val="solid"/>
-                      <a:round/>
-                      <a:headEnd len="med" w="med" type="none"/>
-                      <a:tailEnd len="med" w="med" type="none"/>
-                    </a:lnR>
-                    <a:lnT cap="flat" cmpd="sng" w="9525">
-                      <a:solidFill>
-                        <a:srgbClr val="FFFFFF"/>
-                      </a:solidFill>
-                      <a:prstDash val="solid"/>
-                      <a:round/>
-                      <a:headEnd len="med" w="med" type="none"/>
-                      <a:tailEnd len="med" w="med" type="none"/>
-                    </a:lnT>
-                    <a:lnB cap="flat" cmpd="sng" w="9525">
-                      <a:solidFill>
-                        <a:srgbClr val="FFFFFF"/>
-                      </a:solidFill>
-                      <a:prstDash val="solid"/>
-                      <a:round/>
-                      <a:headEnd len="med" w="med" type="none"/>
-                      <a:tailEnd len="med" w="med" type="none"/>
-                    </a:lnB>
-                  </a:tcPr>
-                </a:tc>
-                <a:tc>
-                  <a:txBody>
-                    <a:bodyPr>
-                      <a:noAutofit/>
-                    </a:bodyPr>
-                    <a:lstStyle/>
-                    <a:p>
-                      <a:pPr lvl="0" rtl="0">
-                        <a:spcBef>
-                          <a:spcPts val="0"/>
-                        </a:spcBef>
-                        <a:buNone/>
-                      </a:pPr>
-                      <a:r>
-                        <a:rPr lang="en">
-                          <a:solidFill>
-                            <a:srgbClr val="FFFFFF"/>
-                          </a:solidFill>
-                        </a:rPr>
-                        <a:t>In Progress</a:t>
-                      </a:r>
-                    </a:p>
-                  </a:txBody>
-                  <a:tcPr marT="91425" marB="91425" marR="91425" marL="91425">
-                    <a:lnL cap="flat" cmpd="sng" w="9525">
-                      <a:solidFill>
-                        <a:srgbClr val="FFFFFF"/>
-                      </a:solidFill>
-                      <a:prstDash val="solid"/>
-                      <a:round/>
-                      <a:headEnd len="med" w="med" type="none"/>
-                      <a:tailEnd len="med" w="med" type="none"/>
-                    </a:lnL>
-                    <a:lnR cap="flat" cmpd="sng" w="9525">
-                      <a:solidFill>
-                        <a:srgbClr val="FFFFFF"/>
-                      </a:solidFill>
-                      <a:prstDash val="solid"/>
-                      <a:round/>
-                      <a:headEnd len="med" w="med" type="none"/>
-                      <a:tailEnd len="med" w="med" type="none"/>
-                    </a:lnR>
-                    <a:lnT cap="flat" cmpd="sng" w="9525">
-                      <a:solidFill>
-                        <a:srgbClr val="FFFFFF"/>
-                      </a:solidFill>
-                      <a:prstDash val="solid"/>
-                      <a:round/>
-                      <a:headEnd len="med" w="med" type="none"/>
-                      <a:tailEnd len="med" w="med" type="none"/>
-                    </a:lnT>
-                    <a:lnB cap="flat" cmpd="sng" w="9525">
-                      <a:solidFill>
-                        <a:srgbClr val="FFFFFF"/>
-                      </a:solidFill>
-                      <a:prstDash val="solid"/>
-                      <a:round/>
-                      <a:headEnd len="med" w="med" type="none"/>
-                      <a:tailEnd len="med" w="med" type="none"/>
-                    </a:lnB>
-                  </a:tcPr>
-                </a:tc>
-              </a:tr>
-              <a:tr h="635150">
-                <a:tc>
-                  <a:txBody>
-                    <a:bodyPr>
-                      <a:noAutofit/>
-                    </a:bodyPr>
-                    <a:lstStyle/>
-                    <a:p>
-                      <a:pPr lvl="0" rtl="0">
-                        <a:spcBef>
-                          <a:spcPts val="0"/>
-                        </a:spcBef>
-                        <a:buNone/>
-                      </a:pPr>
-                      <a:r>
-                        <a:rPr lang="en">
-                          <a:solidFill>
-                            <a:srgbClr val="FFFFFF"/>
-                          </a:solidFill>
-                        </a:rPr>
-                        <a:t>Machine Learning</a:t>
-                      </a:r>
-                    </a:p>
-                  </a:txBody>
-                  <a:tcPr marT="91425" marB="91425" marR="91425" marL="91425">
-                    <a:lnL cap="flat" cmpd="sng" w="9525">
-                      <a:solidFill>
-                        <a:srgbClr val="FFFFFF"/>
-                      </a:solidFill>
-                      <a:prstDash val="solid"/>
-                      <a:round/>
-                      <a:headEnd len="med" w="med" type="none"/>
-                      <a:tailEnd len="med" w="med" type="none"/>
-                    </a:lnL>
-                    <a:lnR cap="flat" cmpd="sng" w="9525">
-                      <a:solidFill>
-                        <a:srgbClr val="FFFFFF"/>
-                      </a:solidFill>
-                      <a:prstDash val="solid"/>
-                      <a:round/>
-                      <a:headEnd len="med" w="med" type="none"/>
-                      <a:tailEnd len="med" w="med" type="none"/>
-                    </a:lnR>
-                    <a:lnT cap="flat" cmpd="sng" w="9525">
-                      <a:solidFill>
-                        <a:srgbClr val="FFFFFF"/>
-                      </a:solidFill>
-                      <a:prstDash val="solid"/>
-                      <a:round/>
-                      <a:headEnd len="med" w="med" type="none"/>
-                      <a:tailEnd len="med" w="med" type="none"/>
-                    </a:lnT>
-                    <a:lnB cap="flat" cmpd="sng" w="9525">
-                      <a:solidFill>
-                        <a:srgbClr val="FFFFFF"/>
-                      </a:solidFill>
-                      <a:prstDash val="solid"/>
-                      <a:round/>
-                      <a:headEnd len="med" w="med" type="none"/>
-                      <a:tailEnd len="med" w="med" type="none"/>
-                    </a:lnB>
-                  </a:tcPr>
-                </a:tc>
-                <a:tc>
-                  <a:txBody>
-                    <a:bodyPr>
-                      <a:noAutofit/>
-                    </a:bodyPr>
-                    <a:lstStyle/>
-                    <a:p>
-                      <a:pPr lvl="0" rtl="0">
-                        <a:spcBef>
-                          <a:spcPts val="0"/>
-                        </a:spcBef>
-                        <a:buNone/>
-                      </a:pPr>
-                      <a:r>
-                        <a:rPr lang="en">
-                          <a:solidFill>
-                            <a:srgbClr val="FFFFFF"/>
-                          </a:solidFill>
-                        </a:rPr>
-                        <a:t>Ochaun</a:t>
-                      </a:r>
-                    </a:p>
-                  </a:txBody>
-                  <a:tcPr marT="91425" marB="91425" marR="91425" marL="91425">
-                    <a:lnL cap="flat" cmpd="sng" w="9525">
-                      <a:solidFill>
-                        <a:srgbClr val="FFFFFF"/>
-                      </a:solidFill>
-                      <a:prstDash val="solid"/>
-                      <a:round/>
-                      <a:headEnd len="med" w="med" type="none"/>
-                      <a:tailEnd len="med" w="med" type="none"/>
-                    </a:lnL>
-                    <a:lnR cap="flat" cmpd="sng" w="9525">
-                      <a:solidFill>
-                        <a:srgbClr val="FFFFFF"/>
-                      </a:solidFill>
-                      <a:prstDash val="solid"/>
-                      <a:round/>
-                      <a:headEnd len="med" w="med" type="none"/>
-                      <a:tailEnd len="med" w="med" type="none"/>
-                    </a:lnR>
-                    <a:lnT cap="flat" cmpd="sng" w="9525">
-                      <a:solidFill>
-                        <a:srgbClr val="FFFFFF"/>
-                      </a:solidFill>
-                      <a:prstDash val="solid"/>
-                      <a:round/>
-                      <a:headEnd len="med" w="med" type="none"/>
-                      <a:tailEnd len="med" w="med" type="none"/>
-                    </a:lnT>
-                    <a:lnB cap="flat" cmpd="sng" w="9525">
-                      <a:solidFill>
-                        <a:srgbClr val="FFFFFF"/>
-                      </a:solidFill>
-                      <a:prstDash val="solid"/>
-                      <a:round/>
-                      <a:headEnd len="med" w="med" type="none"/>
-                      <a:tailEnd len="med" w="med" type="none"/>
-                    </a:lnB>
-                  </a:tcPr>
-                </a:tc>
-                <a:tc>
-                  <a:txBody>
-                    <a:bodyPr>
-                      <a:noAutofit/>
-                    </a:bodyPr>
-                    <a:lstStyle/>
-                    <a:p>
-                      <a:pPr indent="0" lvl="0" marL="0" rtl="0">
-                        <a:spcBef>
-                          <a:spcPts val="0"/>
-                        </a:spcBef>
-                        <a:buNone/>
-                      </a:pPr>
-                      <a:r>
-                        <a:rPr lang="en">
-                          <a:solidFill>
-                            <a:srgbClr val="FFFFFF"/>
-                          </a:solidFill>
-                        </a:rPr>
-                        <a:t>Algorithm setup.</a:t>
-                      </a:r>
-                    </a:p>
-                  </a:txBody>
-                  <a:tcPr marT="91425" marB="91425" marR="91425" marL="91425">
-                    <a:lnL cap="flat" cmpd="sng" w="9525">
-                      <a:solidFill>
-                        <a:srgbClr val="FFFFFF"/>
-                      </a:solidFill>
-                      <a:prstDash val="solid"/>
-                      <a:round/>
-                      <a:headEnd len="med" w="med" type="none"/>
-                      <a:tailEnd len="med" w="med" type="none"/>
-                    </a:lnL>
-                    <a:lnR cap="flat" cmpd="sng" w="9525">
-                      <a:solidFill>
-                        <a:srgbClr val="FFFFFF"/>
-                      </a:solidFill>
-                      <a:prstDash val="solid"/>
-                      <a:round/>
-                      <a:headEnd len="med" w="med" type="none"/>
-                      <a:tailEnd len="med" w="med" type="none"/>
-                    </a:lnR>
-                    <a:lnT cap="flat" cmpd="sng" w="9525">
-                      <a:solidFill>
-                        <a:srgbClr val="FFFFFF"/>
-                      </a:solidFill>
-                      <a:prstDash val="solid"/>
-                      <a:round/>
-                      <a:headEnd len="med" w="med" type="none"/>
-                      <a:tailEnd len="med" w="med" type="none"/>
-                    </a:lnT>
-                    <a:lnB cap="flat" cmpd="sng" w="9525">
-                      <a:solidFill>
-                        <a:srgbClr val="FFFFFF"/>
-                      </a:solidFill>
-                      <a:prstDash val="solid"/>
-                      <a:round/>
-                      <a:headEnd len="med" w="med" type="none"/>
-                      <a:tailEnd len="med" w="med" type="none"/>
-                    </a:lnB>
-                  </a:tcPr>
-                </a:tc>
-                <a:tc>
-                  <a:txBody>
-                    <a:bodyPr>
-                      <a:noAutofit/>
-                    </a:bodyPr>
-                    <a:lstStyle/>
-                    <a:p>
-                      <a:pPr lvl="0" rtl="0">
-                        <a:spcBef>
-                          <a:spcPts val="0"/>
-                        </a:spcBef>
-                        <a:buNone/>
-                      </a:pPr>
-                      <a:r>
-                        <a:rPr lang="en">
-                          <a:solidFill>
-                            <a:srgbClr val="FFFFFF"/>
-                          </a:solidFill>
-                        </a:rPr>
-                        <a:t>In Progress</a:t>
-                      </a:r>
-                    </a:p>
-                  </a:txBody>
-                  <a:tcPr marT="91425" marB="91425" marR="91425" marL="91425">
-                    <a:lnL cap="flat" cmpd="sng" w="9525">
-                      <a:solidFill>
-                        <a:srgbClr val="FFFFFF"/>
-                      </a:solidFill>
-                      <a:prstDash val="solid"/>
-                      <a:round/>
-                      <a:headEnd len="med" w="med" type="none"/>
-                      <a:tailEnd len="med" w="med" type="none"/>
-                    </a:lnL>
-                    <a:lnR cap="flat" cmpd="sng" w="9525">
-                      <a:solidFill>
-                        <a:srgbClr val="FFFFFF"/>
-                      </a:solidFill>
-                      <a:prstDash val="solid"/>
-                      <a:round/>
-                      <a:headEnd len="med" w="med" type="none"/>
-                      <a:tailEnd len="med" w="med" type="none"/>
-                    </a:lnR>
-                    <a:lnT cap="flat" cmpd="sng" w="9525">
-                      <a:solidFill>
-                        <a:srgbClr val="FFFFFF"/>
-                      </a:solidFill>
-                      <a:prstDash val="solid"/>
-                      <a:round/>
-                      <a:headEnd len="med" w="med" type="none"/>
-                      <a:tailEnd len="med" w="med" type="none"/>
-                    </a:lnT>
-                    <a:lnB cap="flat" cmpd="sng" w="9525">
-                      <a:solidFill>
-                        <a:srgbClr val="FFFFFF"/>
-                      </a:solidFill>
-                      <a:prstDash val="solid"/>
-                      <a:round/>
-                      <a:headEnd len="med" w="med" type="none"/>
-                      <a:tailEnd len="med" w="med" type="none"/>
-                    </a:lnB>
-                  </a:tcPr>
-                </a:tc>
-              </a:tr>
-              <a:tr h="635150">
-                <a:tc>
-                  <a:txBody>
-                    <a:bodyPr>
-                      <a:noAutofit/>
-                    </a:bodyPr>
-                    <a:lstStyle/>
-                    <a:p>
-                      <a:pPr lvl="0" rtl="0">
-                        <a:spcBef>
-                          <a:spcPts val="0"/>
-                        </a:spcBef>
-                        <a:buNone/>
-                      </a:pPr>
-                      <a:r>
-                        <a:rPr lang="en">
-                          <a:solidFill>
-                            <a:srgbClr val="FFFFFF"/>
-                          </a:solidFill>
-                        </a:rPr>
-                        <a:t>Machine Learning</a:t>
-                      </a:r>
-                    </a:p>
-                  </a:txBody>
-                  <a:tcPr marT="91425" marB="91425" marR="91425" marL="91425">
-                    <a:lnL cap="flat" cmpd="sng" w="9525">
-                      <a:solidFill>
-                        <a:srgbClr val="FFFFFF"/>
-                      </a:solidFill>
-                      <a:prstDash val="solid"/>
-                      <a:round/>
-                      <a:headEnd len="med" w="med" type="none"/>
-                      <a:tailEnd len="med" w="med" type="none"/>
-                    </a:lnL>
-                    <a:lnR cap="flat" cmpd="sng" w="9525">
-                      <a:solidFill>
-                        <a:srgbClr val="FFFFFF"/>
-                      </a:solidFill>
-                      <a:prstDash val="solid"/>
-                      <a:round/>
-                      <a:headEnd len="med" w="med" type="none"/>
-                      <a:tailEnd len="med" w="med" type="none"/>
-                    </a:lnR>
-                    <a:lnT cap="flat" cmpd="sng" w="9525">
-                      <a:solidFill>
-                        <a:srgbClr val="FFFFFF"/>
-                      </a:solidFill>
-                      <a:prstDash val="solid"/>
-                      <a:round/>
-                      <a:headEnd len="med" w="med" type="none"/>
-                      <a:tailEnd len="med" w="med" type="none"/>
-                    </a:lnT>
-                    <a:lnB cap="flat" cmpd="sng" w="9525">
-                      <a:solidFill>
-                        <a:srgbClr val="FFFFFF"/>
-                      </a:solidFill>
-                      <a:prstDash val="solid"/>
-                      <a:round/>
-                      <a:headEnd len="med" w="med" type="none"/>
-                      <a:tailEnd len="med" w="med" type="none"/>
-                    </a:lnB>
-                  </a:tcPr>
-                </a:tc>
-                <a:tc>
-                  <a:txBody>
-                    <a:bodyPr>
-                      <a:noAutofit/>
-                    </a:bodyPr>
-                    <a:lstStyle/>
-                    <a:p>
-                      <a:pPr lvl="0" rtl="0">
-                        <a:spcBef>
-                          <a:spcPts val="0"/>
-                        </a:spcBef>
-                        <a:buNone/>
-                      </a:pPr>
-                      <a:r>
-                        <a:rPr lang="en">
-                          <a:solidFill>
-                            <a:srgbClr val="FFFFFF"/>
-                          </a:solidFill>
-                        </a:rPr>
-                        <a:t>Ochaun, Richard</a:t>
-                      </a:r>
-                    </a:p>
-                  </a:txBody>
-                  <a:tcPr marT="91425" marB="91425" marR="91425" marL="91425">
-                    <a:lnL cap="flat" cmpd="sng" w="9525">
-                      <a:solidFill>
-                        <a:srgbClr val="FFFFFF"/>
-                      </a:solidFill>
-                      <a:prstDash val="solid"/>
-                      <a:round/>
-                      <a:headEnd len="med" w="med" type="none"/>
-                      <a:tailEnd len="med" w="med" type="none"/>
-                    </a:lnL>
-                    <a:lnR cap="flat" cmpd="sng" w="9525">
-                      <a:solidFill>
-                        <a:srgbClr val="FFFFFF"/>
-                      </a:solidFill>
-                      <a:prstDash val="solid"/>
-                      <a:round/>
-                      <a:headEnd len="med" w="med" type="none"/>
-                      <a:tailEnd len="med" w="med" type="none"/>
-                    </a:lnR>
-                    <a:lnT cap="flat" cmpd="sng" w="9525">
-                      <a:solidFill>
-                        <a:srgbClr val="FFFFFF"/>
-                      </a:solidFill>
-                      <a:prstDash val="solid"/>
-                      <a:round/>
-                      <a:headEnd len="med" w="med" type="none"/>
-                      <a:tailEnd len="med" w="med" type="none"/>
-                    </a:lnT>
-                    <a:lnB cap="flat" cmpd="sng" w="9525">
-                      <a:solidFill>
-                        <a:srgbClr val="FFFFFF"/>
-                      </a:solidFill>
-                      <a:prstDash val="solid"/>
-                      <a:round/>
-                      <a:headEnd len="med" w="med" type="none"/>
-                      <a:tailEnd len="med" w="med" type="none"/>
-                    </a:lnB>
-                  </a:tcPr>
-                </a:tc>
-                <a:tc>
-                  <a:txBody>
-                    <a:bodyPr>
-                      <a:noAutofit/>
-                    </a:bodyPr>
-                    <a:lstStyle/>
-                    <a:p>
-                      <a:pPr indent="0" lvl="0" marL="0" rtl="0">
-                        <a:spcBef>
-                          <a:spcPts val="0"/>
-                        </a:spcBef>
-                        <a:buNone/>
-                      </a:pPr>
-                      <a:r>
-                        <a:rPr lang="en">
-                          <a:solidFill>
-                            <a:srgbClr val="FFFFFF"/>
-                          </a:solidFill>
-                        </a:rPr>
-                        <a:t>Help install machine learning setup on server.</a:t>
-                      </a:r>
-                    </a:p>
-                  </a:txBody>
-                  <a:tcPr marT="91425" marB="91425" marR="91425" marL="91425">
-                    <a:lnL cap="flat" cmpd="sng" w="9525">
-                      <a:solidFill>
-                        <a:srgbClr val="FFFFFF"/>
-                      </a:solidFill>
-                      <a:prstDash val="solid"/>
-                      <a:round/>
-                      <a:headEnd len="med" w="med" type="none"/>
-                      <a:tailEnd len="med" w="med" type="none"/>
-                    </a:lnL>
-                    <a:lnR cap="flat" cmpd="sng" w="9525">
-                      <a:solidFill>
-                        <a:srgbClr val="FFFFFF"/>
-                      </a:solidFill>
-                      <a:prstDash val="solid"/>
-                      <a:round/>
-                      <a:headEnd len="med" w="med" type="none"/>
-                      <a:tailEnd len="med" w="med" type="none"/>
-                    </a:lnR>
-                    <a:lnT cap="flat" cmpd="sng" w="9525">
-                      <a:solidFill>
-                        <a:srgbClr val="FFFFFF"/>
-                      </a:solidFill>
-                      <a:prstDash val="solid"/>
-                      <a:round/>
-                      <a:headEnd len="med" w="med" type="none"/>
-                      <a:tailEnd len="med" w="med" type="none"/>
-                    </a:lnT>
-                    <a:lnB cap="flat" cmpd="sng" w="9525">
-                      <a:solidFill>
-                        <a:srgbClr val="FFFFFF"/>
-                      </a:solidFill>
-                      <a:prstDash val="solid"/>
-                      <a:round/>
-                      <a:headEnd len="med" w="med" type="none"/>
-                      <a:tailEnd len="med" w="med" type="none"/>
-                    </a:lnB>
-                  </a:tcPr>
-                </a:tc>
-                <a:tc>
-                  <a:txBody>
-                    <a:bodyPr>
-                      <a:noAutofit/>
-                    </a:bodyPr>
-                    <a:lstStyle/>
-                    <a:p>
-                      <a:pPr lvl="0" rtl="0">
-                        <a:spcBef>
-                          <a:spcPts val="0"/>
-                        </a:spcBef>
-                        <a:buNone/>
-                      </a:pPr>
-                      <a:r>
-                        <a:rPr lang="en">
-                          <a:solidFill>
-                            <a:srgbClr val="FFFFFF"/>
-                          </a:solidFill>
-                        </a:rPr>
-                        <a:t>In Progress</a:t>
-                      </a:r>
-                    </a:p>
-                  </a:txBody>
-                  <a:tcPr marT="91425" marB="91425" marR="91425" marL="91425">
-                    <a:lnL cap="flat" cmpd="sng" w="9525">
-                      <a:solidFill>
-                        <a:srgbClr val="FFFFFF"/>
-                      </a:solidFill>
-                      <a:prstDash val="solid"/>
-                      <a:round/>
-                      <a:headEnd len="med" w="med" type="none"/>
-                      <a:tailEnd len="med" w="med" type="none"/>
-                    </a:lnL>
-                    <a:lnR cap="flat" cmpd="sng" w="9525">
-                      <a:solidFill>
-                        <a:srgbClr val="FFFFFF"/>
-                      </a:solidFill>
-                      <a:prstDash val="solid"/>
-                      <a:round/>
-                      <a:headEnd len="med" w="med" type="none"/>
-                      <a:tailEnd len="med" w="med" type="none"/>
-                    </a:lnR>
-                    <a:lnT cap="flat" cmpd="sng" w="9525">
-                      <a:solidFill>
-                        <a:srgbClr val="FFFFFF"/>
-                      </a:solidFill>
-                      <a:prstDash val="solid"/>
-                      <a:round/>
-                      <a:headEnd len="med" w="med" type="none"/>
-                      <a:tailEnd len="med" w="med" type="none"/>
-                    </a:lnT>
-                    <a:lnB cap="flat" cmpd="sng" w="9525">
-                      <a:solidFill>
-                        <a:srgbClr val="FFFFFF"/>
-                      </a:solidFill>
-                      <a:prstDash val="solid"/>
-                      <a:round/>
-                      <a:headEnd len="med" w="med" type="none"/>
-                      <a:tailEnd len="med" w="med" type="none"/>
-                    </a:lnB>
-                  </a:tcPr>
-                </a:tc>
-              </a:tr>
-            </a:tbl>
-          </a:graphicData>
-        </a:graphic>
-      </p:graphicFrame>
+      <p:sp>
+        <p:nvSpPr>
+          <p:cNvPr id="296" name="Shape 296"/>
+          <p:cNvSpPr txBox="1"/>
+          <p:nvPr>
+            <p:ph idx="1" type="body"/>
+          </p:nvPr>
+        </p:nvSpPr>
+        <p:spPr>
+          <a:xfrm>
+            <a:off x="513150" y="1096325"/>
+            <a:ext cx="8117700" cy="3355800"/>
+          </a:xfrm>
+          <a:prstGeom prst="rect">
+            <a:avLst/>
+          </a:prstGeom>
+        </p:spPr>
+        <p:txBody>
+          <a:bodyPr anchorCtr="0" anchor="t" bIns="91425" lIns="91425" rIns="91425" tIns="91425">
+            <a:noAutofit/>
+          </a:bodyPr>
+          <a:lstStyle/>
+          <a:p>
+            <a:pPr lvl="0">
+              <a:spcBef>
+                <a:spcPts val="0"/>
+              </a:spcBef>
+              <a:buNone/>
+            </a:pPr>
+            <a:r>
+              <a:rPr lang="en">
+                <a:solidFill>
+                  <a:srgbClr val="FFFFFF"/>
+                </a:solidFill>
+              </a:rPr>
+              <a:t>Web Application Main Functions: Through the use of Bootstrap cards, main functions are separated clearly.</a:t>
+            </a:r>
+          </a:p>
+          <a:p>
+            <a:pPr indent="-228600" lvl="0" marL="457200" rtl="0">
+              <a:spcBef>
+                <a:spcPts val="0"/>
+              </a:spcBef>
+              <a:buClr>
+                <a:srgbClr val="FFFFFF"/>
+              </a:buClr>
+            </a:pPr>
+            <a:r>
+              <a:rPr lang="en">
+                <a:solidFill>
+                  <a:srgbClr val="FFFFFF"/>
+                </a:solidFill>
+              </a:rPr>
+              <a:t>Bootstrap modals are used to display the results of selecting one of the web application’s functions. </a:t>
+            </a:r>
+          </a:p>
+          <a:p>
+            <a:pPr indent="-228600" lvl="0" marL="457200" rtl="0">
+              <a:spcBef>
+                <a:spcPts val="0"/>
+              </a:spcBef>
+              <a:buClr>
+                <a:srgbClr val="FFFFFF"/>
+              </a:buClr>
+            </a:pPr>
+            <a:r>
+              <a:rPr lang="en">
+                <a:solidFill>
+                  <a:srgbClr val="FFFFFF"/>
+                </a:solidFill>
+              </a:rPr>
+              <a:t>A binary will sell/won’t sell will be displayed in the modal for “Will My House Sell?” through a call to the Random Forest algorithm.</a:t>
+            </a:r>
+          </a:p>
+          <a:p>
+            <a:pPr indent="-228600" lvl="0" marL="457200" rtl="0">
+              <a:spcBef>
+                <a:spcPts val="0"/>
+              </a:spcBef>
+              <a:buClr>
+                <a:srgbClr val="FFFFFF"/>
+              </a:buClr>
+            </a:pPr>
+            <a:r>
+              <a:rPr lang="en">
+                <a:solidFill>
+                  <a:srgbClr val="FFFFFF"/>
+                </a:solidFill>
+              </a:rPr>
+              <a:t>A list of factors will be displayed in the modal for “Most Important Attributes through a call to the Random Forest algorithm.</a:t>
+            </a:r>
+          </a:p>
+          <a:p>
+            <a:pPr indent="-228600" lvl="0" marL="457200">
+              <a:spcBef>
+                <a:spcPts val="0"/>
+              </a:spcBef>
+              <a:buClr>
+                <a:srgbClr val="FFFFFF"/>
+              </a:buClr>
+            </a:pPr>
+            <a:r>
+              <a:rPr lang="en">
+                <a:solidFill>
+                  <a:srgbClr val="FFFFFF"/>
+                </a:solidFill>
+              </a:rPr>
+              <a:t>Charts displayed using either Plotly, Echarts or ChartsJS to display “Data Visualizations” through a call to the  database.</a:t>
+            </a:r>
+          </a:p>
+        </p:txBody>
+      </p:sp>
     </p:spTree>
   </p:cSld>
   <p:clrMapOvr>
@@ -20096,7 +16124,7 @@
   <p:cSld>
     <p:spTree>
       <p:nvGrpSpPr>
-        <p:cNvPr id="303" name="Shape 303"/>
+        <p:cNvPr id="300" name="Shape 300"/>
         <p:cNvGrpSpPr/>
         <p:nvPr/>
       </p:nvGrpSpPr>
@@ -20110,7 +16138,7 @@
       </p:grpSpPr>
       <p:sp>
         <p:nvSpPr>
-          <p:cNvPr id="304" name="Shape 304"/>
+          <p:cNvPr id="301" name="Shape 301"/>
           <p:cNvSpPr txBox="1"/>
           <p:nvPr>
             <p:ph type="title"/>
@@ -20118,8 +16146,8 @@
         </p:nvSpPr>
         <p:spPr>
           <a:xfrm>
-            <a:off x="311700" y="445025"/>
-            <a:ext cx="8520600" cy="572700"/>
+            <a:off x="669625" y="445025"/>
+            <a:ext cx="8162700" cy="572700"/>
           </a:xfrm>
           <a:prstGeom prst="rect">
             <a:avLst/>
@@ -20131,7 +16159,7 @@
           </a:bodyPr>
           <a:lstStyle/>
           <a:p>
-            <a:pPr lvl="0" rtl="0" algn="ctr">
+            <a:pPr lvl="0" algn="ctr">
               <a:spcBef>
                 <a:spcPts val="0"/>
               </a:spcBef>
@@ -20139,43 +16167,175 @@
             </a:pPr>
             <a:r>
               <a:rPr lang="en"/>
-              <a:t>Old </a:t>
-            </a:r>
-            <a:r>
-              <a:rPr lang="en"/>
-              <a:t>Timeline</a:t>
+              <a:t>Submodule Testing - Front End</a:t>
             </a:r>
           </a:p>
         </p:txBody>
       </p:sp>
-      <p:pic>
-        <p:nvPicPr>
-          <p:cNvPr id="305" name="Shape 305"/>
-          <p:cNvPicPr preferRelativeResize="0"/>
-          <p:nvPr/>
-        </p:nvPicPr>
-        <p:blipFill>
-          <a:blip r:embed="rId3">
-            <a:alphaModFix/>
-          </a:blip>
-          <a:stretch>
-            <a:fillRect/>
-          </a:stretch>
-        </p:blipFill>
-        <p:spPr>
-          <a:xfrm>
-            <a:off x="980200" y="1084300"/>
-            <a:ext cx="7103825" cy="3575900"/>
+      <p:sp>
+        <p:nvSpPr>
+          <p:cNvPr id="302" name="Shape 302"/>
+          <p:cNvSpPr txBox="1"/>
+          <p:nvPr>
+            <p:ph idx="1" type="body"/>
+          </p:nvPr>
+        </p:nvSpPr>
+        <p:spPr>
+          <a:xfrm>
+            <a:off x="747275" y="1152475"/>
+            <a:ext cx="7647300" cy="3416400"/>
           </a:xfrm>
           <a:prstGeom prst="rect">
             <a:avLst/>
           </a:prstGeom>
-          <a:noFill/>
-          <a:ln>
-            <a:noFill/>
-          </a:ln>
-        </p:spPr>
-      </p:pic>
+        </p:spPr>
+        <p:txBody>
+          <a:bodyPr anchorCtr="0" anchor="t" bIns="91425" lIns="91425" rIns="91425" tIns="91425">
+            <a:noAutofit/>
+          </a:bodyPr>
+          <a:lstStyle/>
+          <a:p>
+            <a:pPr lvl="0" rtl="0">
+              <a:spcBef>
+                <a:spcPts val="0"/>
+              </a:spcBef>
+              <a:buNone/>
+            </a:pPr>
+            <a:r>
+              <a:rPr lang="en">
+                <a:solidFill>
+                  <a:srgbClr val="FFFFFF"/>
+                </a:solidFill>
+              </a:rPr>
+              <a:t>Unit tests for:</a:t>
+            </a:r>
+          </a:p>
+          <a:p>
+            <a:pPr indent="-228600" lvl="0" marL="457200" rtl="0">
+              <a:spcBef>
+                <a:spcPts val="0"/>
+              </a:spcBef>
+              <a:buClr>
+                <a:srgbClr val="FFFFFF"/>
+              </a:buClr>
+            </a:pPr>
+            <a:r>
+              <a:rPr lang="en">
+                <a:solidFill>
+                  <a:srgbClr val="FFFFFF"/>
+                </a:solidFill>
+              </a:rPr>
+              <a:t>Each path is valid.</a:t>
+            </a:r>
+          </a:p>
+          <a:p>
+            <a:pPr indent="-228600" lvl="0" marL="457200" rtl="0">
+              <a:spcBef>
+                <a:spcPts val="0"/>
+              </a:spcBef>
+              <a:buClr>
+                <a:srgbClr val="FFFFFF"/>
+              </a:buClr>
+            </a:pPr>
+            <a:r>
+              <a:rPr lang="en">
+                <a:solidFill>
+                  <a:srgbClr val="FFFFFF"/>
+                </a:solidFill>
+              </a:rPr>
+              <a:t>Input text areas take correct input with valid length.</a:t>
+            </a:r>
+          </a:p>
+          <a:p>
+            <a:pPr indent="-228600" lvl="0" marL="457200" rtl="0">
+              <a:spcBef>
+                <a:spcPts val="0"/>
+              </a:spcBef>
+              <a:buClr>
+                <a:srgbClr val="FFFFFF"/>
+              </a:buClr>
+            </a:pPr>
+            <a:r>
+              <a:rPr lang="en">
+                <a:solidFill>
+                  <a:srgbClr val="FFFFFF"/>
+                </a:solidFill>
+              </a:rPr>
+              <a:t>Dropdown boxes display correct choices and can be clicked.</a:t>
+            </a:r>
+          </a:p>
+          <a:p>
+            <a:pPr indent="-228600" lvl="0" marL="457200" rtl="0">
+              <a:spcBef>
+                <a:spcPts val="0"/>
+              </a:spcBef>
+              <a:buClr>
+                <a:srgbClr val="FFFFFF"/>
+              </a:buClr>
+            </a:pPr>
+            <a:r>
+              <a:rPr lang="en">
+                <a:solidFill>
+                  <a:srgbClr val="FFFFFF"/>
+                </a:solidFill>
+              </a:rPr>
+              <a:t>Submission buttons work as expected.</a:t>
+            </a:r>
+          </a:p>
+          <a:p>
+            <a:pPr indent="-228600" lvl="0" marL="457200" rtl="0">
+              <a:spcBef>
+                <a:spcPts val="0"/>
+              </a:spcBef>
+              <a:buClr>
+                <a:srgbClr val="FFFFFF"/>
+              </a:buClr>
+            </a:pPr>
+            <a:r>
+              <a:rPr lang="en">
+                <a:solidFill>
+                  <a:srgbClr val="FFFFFF"/>
+                </a:solidFill>
+              </a:rPr>
+              <a:t>Sales prediction model displays correct message.</a:t>
+            </a:r>
+          </a:p>
+          <a:p>
+            <a:pPr indent="-228600" lvl="0" marL="457200" rtl="0">
+              <a:spcBef>
+                <a:spcPts val="0"/>
+              </a:spcBef>
+              <a:buClr>
+                <a:srgbClr val="FFFFFF"/>
+              </a:buClr>
+            </a:pPr>
+            <a:r>
+              <a:rPr lang="en">
+                <a:solidFill>
+                  <a:srgbClr val="FFFFFF"/>
+                </a:solidFill>
+              </a:rPr>
+              <a:t>Most important factors </a:t>
+            </a:r>
+            <a:r>
+              <a:rPr lang="en">
+                <a:solidFill>
+                  <a:srgbClr val="FFFFFF"/>
+                </a:solidFill>
+              </a:rPr>
+              <a:t>display</a:t>
+            </a:r>
+            <a:r>
+              <a:rPr lang="en">
+                <a:solidFill>
+                  <a:srgbClr val="FFFFFF"/>
+                </a:solidFill>
+              </a:rPr>
+              <a:t> correctly.</a:t>
+            </a:r>
+          </a:p>
+        </p:txBody>
+      </p:sp>
     </p:spTree>
   </p:cSld>
   <p:clrMapOvr>
@@ -20189,7 +16349,7 @@
   <p:cSld>
     <p:spTree>
       <p:nvGrpSpPr>
-        <p:cNvPr id="309" name="Shape 309"/>
+        <p:cNvPr id="306" name="Shape 306"/>
         <p:cNvGrpSpPr/>
         <p:nvPr/>
       </p:nvGrpSpPr>
@@ -20203,7 +16363,7 @@
       </p:grpSpPr>
       <p:sp>
         <p:nvSpPr>
-          <p:cNvPr id="310" name="Shape 310"/>
+          <p:cNvPr id="307" name="Shape 307"/>
           <p:cNvSpPr txBox="1"/>
           <p:nvPr>
             <p:ph type="title"/>
@@ -20232,43 +16392,155 @@
             </a:pPr>
             <a:r>
               <a:rPr lang="en"/>
-              <a:t>New </a:t>
-            </a:r>
-            <a:r>
-              <a:rPr lang="en"/>
-              <a:t>Timeline</a:t>
-            </a:r>
+              <a:t>Submodule Testing - Front End (cont.)</a:t>
+            </a:r>
+          </a:p>
+          <a:p>
+            <a:pPr lvl="0">
+              <a:spcBef>
+                <a:spcPts val="0"/>
+              </a:spcBef>
+              <a:buNone/>
+            </a:pPr>
+            <a:r>
+              <a:t/>
+            </a:r>
+            <a:endParaRPr/>
           </a:p>
         </p:txBody>
       </p:sp>
-      <p:pic>
-        <p:nvPicPr>
-          <p:cNvPr descr="Blank ERD - Page 1.png" id="311" name="Shape 311"/>
-          <p:cNvPicPr preferRelativeResize="0"/>
-          <p:nvPr/>
-        </p:nvPicPr>
-        <p:blipFill>
-          <a:blip r:embed="rId3">
-            <a:alphaModFix/>
-          </a:blip>
-          <a:stretch>
-            <a:fillRect/>
-          </a:stretch>
-        </p:blipFill>
-        <p:spPr>
-          <a:xfrm>
-            <a:off x="485474" y="0"/>
-            <a:ext cx="8410674" cy="5143500"/>
+      <p:sp>
+        <p:nvSpPr>
+          <p:cNvPr id="308" name="Shape 308"/>
+          <p:cNvSpPr txBox="1"/>
+          <p:nvPr>
+            <p:ph idx="1" type="body"/>
+          </p:nvPr>
+        </p:nvSpPr>
+        <p:spPr>
+          <a:xfrm>
+            <a:off x="708450" y="1152475"/>
+            <a:ext cx="7725000" cy="3416400"/>
           </a:xfrm>
           <a:prstGeom prst="rect">
             <a:avLst/>
           </a:prstGeom>
-          <a:noFill/>
-          <a:ln>
-            <a:noFill/>
-          </a:ln>
-        </p:spPr>
-      </p:pic>
+        </p:spPr>
+        <p:txBody>
+          <a:bodyPr anchorCtr="0" anchor="t" bIns="91425" lIns="91425" rIns="91425" tIns="91425">
+            <a:noAutofit/>
+          </a:bodyPr>
+          <a:lstStyle/>
+          <a:p>
+            <a:pPr indent="-228600" lvl="0" marL="457200" rtl="0">
+              <a:spcBef>
+                <a:spcPts val="0"/>
+              </a:spcBef>
+              <a:buClr>
+                <a:srgbClr val="FFFFFF"/>
+              </a:buClr>
+            </a:pPr>
+            <a:r>
+              <a:rPr lang="en">
+                <a:solidFill>
+                  <a:srgbClr val="FFFFFF"/>
+                </a:solidFill>
+              </a:rPr>
+              <a:t>Data visualizations displayed correctly with appropriate responsiveness.</a:t>
+            </a:r>
+          </a:p>
+          <a:p>
+            <a:pPr indent="-228600" lvl="0" marL="457200" rtl="0">
+              <a:spcBef>
+                <a:spcPts val="0"/>
+              </a:spcBef>
+              <a:buClr>
+                <a:srgbClr val="FFFFFF"/>
+              </a:buClr>
+            </a:pPr>
+            <a:r>
+              <a:rPr lang="en">
+                <a:solidFill>
+                  <a:srgbClr val="FFFFFF"/>
+                </a:solidFill>
+              </a:rPr>
+              <a:t>About page displays correct information.</a:t>
+            </a:r>
+          </a:p>
+          <a:p>
+            <a:pPr indent="-228600" lvl="0" marL="457200" rtl="0">
+              <a:spcBef>
+                <a:spcPts val="0"/>
+              </a:spcBef>
+              <a:buClr>
+                <a:srgbClr val="FFFFFF"/>
+              </a:buClr>
+            </a:pPr>
+            <a:r>
+              <a:rPr lang="en">
+                <a:solidFill>
+                  <a:srgbClr val="FFFFFF"/>
+                </a:solidFill>
+              </a:rPr>
+              <a:t>Contact page displays correctly and can send emails.</a:t>
+            </a:r>
+          </a:p>
+          <a:p>
+            <a:pPr indent="-228600" lvl="0" marL="457200" rtl="0">
+              <a:spcBef>
+                <a:spcPts val="0"/>
+              </a:spcBef>
+              <a:buClr>
+                <a:srgbClr val="FFFFFF"/>
+              </a:buClr>
+            </a:pPr>
+            <a:r>
+              <a:rPr lang="en">
+                <a:solidFill>
+                  <a:srgbClr val="FFFFFF"/>
+                </a:solidFill>
+              </a:rPr>
+              <a:t>Expert blog page displays correctly.</a:t>
+            </a:r>
+          </a:p>
+          <a:p>
+            <a:pPr indent="-228600" lvl="0" marL="457200" rtl="0">
+              <a:spcBef>
+                <a:spcPts val="0"/>
+              </a:spcBef>
+              <a:buClr>
+                <a:srgbClr val="FFFFFF"/>
+              </a:buClr>
+            </a:pPr>
+            <a:r>
+              <a:rPr lang="en">
+                <a:solidFill>
+                  <a:srgbClr val="FFFFFF"/>
+                </a:solidFill>
+              </a:rPr>
+              <a:t>Web application displays in similar fashion on all browsers.</a:t>
+            </a:r>
+          </a:p>
+          <a:p>
+            <a:pPr indent="-228600" lvl="0" marL="457200">
+              <a:spcBef>
+                <a:spcPts val="0"/>
+              </a:spcBef>
+              <a:buClr>
+                <a:srgbClr val="FFFFFF"/>
+              </a:buClr>
+            </a:pPr>
+            <a:r>
+              <a:rPr lang="en">
+                <a:solidFill>
+                  <a:srgbClr val="FFFFFF"/>
+                </a:solidFill>
+              </a:rPr>
+              <a:t>Web application responsiveness works on web and mobile platforms.</a:t>
+            </a:r>
+          </a:p>
+        </p:txBody>
+      </p:sp>
     </p:spTree>
   </p:cSld>
   <p:clrMapOvr>
@@ -20282,7 +16554,7 @@
   <p:cSld>
     <p:spTree>
       <p:nvGrpSpPr>
-        <p:cNvPr id="315" name="Shape 315"/>
+        <p:cNvPr id="312" name="Shape 312"/>
         <p:cNvGrpSpPr/>
         <p:nvPr/>
       </p:nvGrpSpPr>
@@ -20296,7 +16568,7 @@
       </p:grpSpPr>
       <p:sp>
         <p:nvSpPr>
-          <p:cNvPr id="316" name="Shape 316"/>
+          <p:cNvPr id="313" name="Shape 313"/>
           <p:cNvSpPr txBox="1"/>
           <p:nvPr>
             <p:ph type="title"/>
@@ -20305,7 +16577,7 @@
         <p:spPr>
           <a:xfrm>
             <a:off x="630800" y="445025"/>
-            <a:ext cx="7812300" cy="572700"/>
+            <a:ext cx="7919100" cy="572700"/>
           </a:xfrm>
           <a:prstGeom prst="rect">
             <a:avLst/>
@@ -20317,7 +16589,7 @@
           </a:bodyPr>
           <a:lstStyle/>
           <a:p>
-            <a:pPr lvl="0" algn="ctr">
+            <a:pPr lvl="0" rtl="0" algn="ctr">
               <a:spcBef>
                 <a:spcPts val="0"/>
               </a:spcBef>
@@ -20325,14 +16597,14 @@
             </a:pPr>
             <a:r>
               <a:rPr lang="en"/>
-              <a:t>Sub-modules and their coding methods</a:t>
+              <a:t>Submodule - Back End</a:t>
             </a:r>
           </a:p>
         </p:txBody>
       </p:sp>
       <p:sp>
         <p:nvSpPr>
-          <p:cNvPr id="317" name="Shape 317"/>
+          <p:cNvPr id="314" name="Shape 314"/>
           <p:cNvSpPr txBox="1"/>
           <p:nvPr>
             <p:ph idx="1" type="body"/>
@@ -20341,7 +16613,7 @@
         <p:spPr>
           <a:xfrm>
             <a:off x="630800" y="1152475"/>
-            <a:ext cx="7763700" cy="3416400"/>
+            <a:ext cx="7919100" cy="3416400"/>
           </a:xfrm>
           <a:prstGeom prst="rect">
             <a:avLst/>
@@ -20353,7 +16625,7 @@
           </a:bodyPr>
           <a:lstStyle/>
           <a:p>
-            <a:pPr lvl="0">
+            <a:pPr lvl="0" rtl="0">
               <a:spcBef>
                 <a:spcPts val="0"/>
               </a:spcBef>
@@ -20365,8 +16637,114 @@
                   <a:srgbClr val="FFFFFF"/>
                 </a:solidFill>
               </a:rPr>
-              <a:t>The next several slides will describe the coding methods used in each subsystem’s submodules. Each subsystem will also describe any unit tests that will be used.</a:t>
-            </a:r>
+              <a:t>Coding methods:</a:t>
+            </a:r>
+          </a:p>
+          <a:p>
+            <a:pPr indent="-228600" lvl="0" marL="457200" rtl="0">
+              <a:spcBef>
+                <a:spcPts val="0"/>
+              </a:spcBef>
+              <a:buClr>
+                <a:srgbClr val="FFFFFF"/>
+              </a:buClr>
+            </a:pPr>
+            <a:r>
+              <a:rPr lang="en">
+                <a:solidFill>
+                  <a:srgbClr val="FFFFFF"/>
+                </a:solidFill>
+              </a:rPr>
+              <a:t>MVC model for layout</a:t>
+            </a:r>
+          </a:p>
+          <a:p>
+            <a:pPr indent="-228600" lvl="0" marL="457200" rtl="0">
+              <a:spcBef>
+                <a:spcPts val="0"/>
+              </a:spcBef>
+              <a:buClr>
+                <a:srgbClr val="FFFFFF"/>
+              </a:buClr>
+            </a:pPr>
+            <a:r>
+              <a:rPr lang="en">
+                <a:solidFill>
+                  <a:srgbClr val="FFFFFF"/>
+                </a:solidFill>
+              </a:rPr>
+              <a:t>Templates for views</a:t>
+            </a:r>
+          </a:p>
+          <a:p>
+            <a:pPr indent="-228600" lvl="0" marL="457200" rtl="0">
+              <a:spcBef>
+                <a:spcPts val="0"/>
+              </a:spcBef>
+              <a:buClr>
+                <a:srgbClr val="FFFFFF"/>
+              </a:buClr>
+            </a:pPr>
+            <a:r>
+              <a:rPr lang="en">
+                <a:solidFill>
+                  <a:srgbClr val="FFFFFF"/>
+                </a:solidFill>
+              </a:rPr>
+              <a:t>Limited public access (only what’s required to display for front end)</a:t>
+            </a:r>
+          </a:p>
+          <a:p>
+            <a:pPr indent="-228600" lvl="0" marL="457200" rtl="0">
+              <a:spcBef>
+                <a:spcPts val="0"/>
+              </a:spcBef>
+              <a:buClr>
+                <a:srgbClr val="FFFFFF"/>
+              </a:buClr>
+            </a:pPr>
+            <a:r>
+              <a:rPr lang="en">
+                <a:solidFill>
+                  <a:srgbClr val="FFFFFF"/>
+                </a:solidFill>
+              </a:rPr>
+              <a:t>Models for database accessing and security/backup</a:t>
+            </a:r>
+          </a:p>
+          <a:p>
+            <a:pPr indent="-228600" lvl="0" marL="457200" rtl="0">
+              <a:spcBef>
+                <a:spcPts val="0"/>
+              </a:spcBef>
+              <a:buClr>
+                <a:srgbClr val="FFFFFF"/>
+              </a:buClr>
+            </a:pPr>
+            <a:r>
+              <a:rPr lang="en">
+                <a:solidFill>
+                  <a:srgbClr val="FFFFFF"/>
+                </a:solidFill>
+              </a:rPr>
+              <a:t>Error logging</a:t>
+            </a:r>
+          </a:p>
+          <a:p>
+            <a:pPr lvl="0" rtl="0">
+              <a:spcBef>
+                <a:spcPts val="0"/>
+              </a:spcBef>
+              <a:buNone/>
+            </a:pPr>
+            <a:r>
+              <a:t/>
+            </a:r>
+            <a:endParaRPr>
+              <a:solidFill>
+                <a:srgbClr val="FFFFFF"/>
+              </a:solidFill>
+            </a:endParaRPr>
           </a:p>
         </p:txBody>
       </p:sp>
@@ -20383,7 +16761,7 @@
   <p:cSld>
     <p:spTree>
       <p:nvGrpSpPr>
-        <p:cNvPr id="321" name="Shape 321"/>
+        <p:cNvPr id="318" name="Shape 318"/>
         <p:cNvGrpSpPr/>
         <p:nvPr/>
       </p:nvGrpSpPr>
@@ -20397,7 +16775,7 @@
       </p:grpSpPr>
       <p:sp>
         <p:nvSpPr>
-          <p:cNvPr id="322" name="Shape 322"/>
+          <p:cNvPr id="319" name="Shape 319"/>
           <p:cNvSpPr txBox="1"/>
           <p:nvPr>
             <p:ph type="title"/>
@@ -20405,8 +16783,8 @@
         </p:nvSpPr>
         <p:spPr>
           <a:xfrm>
-            <a:off x="630800" y="445025"/>
-            <a:ext cx="7919100" cy="572700"/>
+            <a:off x="611400" y="445025"/>
+            <a:ext cx="7821900" cy="572700"/>
           </a:xfrm>
           <a:prstGeom prst="rect">
             <a:avLst/>
@@ -20426,14 +16804,14 @@
             </a:pPr>
             <a:r>
               <a:rPr lang="en"/>
-              <a:t>Submodule - Front End</a:t>
+              <a:t>Submodule Testing - Back End</a:t>
             </a:r>
           </a:p>
         </p:txBody>
       </p:sp>
       <p:sp>
         <p:nvSpPr>
-          <p:cNvPr id="323" name="Shape 323"/>
+          <p:cNvPr id="320" name="Shape 320"/>
           <p:cNvSpPr txBox="1"/>
           <p:nvPr>
             <p:ph idx="1" type="body"/>
@@ -20441,8 +16819,8 @@
         </p:nvSpPr>
         <p:spPr>
           <a:xfrm>
-            <a:off x="630775" y="1129625"/>
-            <a:ext cx="7919100" cy="3439500"/>
+            <a:off x="611400" y="1142750"/>
+            <a:ext cx="7821900" cy="3416400"/>
           </a:xfrm>
           <a:prstGeom prst="rect">
             <a:avLst/>
@@ -20454,22 +16832,6 @@
           </a:bodyPr>
           <a:lstStyle/>
           <a:p>
-            <a:pPr lvl="0">
-              <a:spcBef>
-                <a:spcPts val="0"/>
-              </a:spcBef>
-              <a:buNone/>
-            </a:pPr>
-            <a:r>
-              <a:rPr lang="en">
-                <a:solidFill>
-                  <a:srgbClr val="FFFFFF"/>
-                </a:solidFill>
-              </a:rPr>
-              <a:t>Navigation Bar: Uses Angular routing to create section within single page web application.</a:t>
-            </a:r>
-          </a:p>
-          <a:p>
             <a:pPr indent="-228600" lvl="0" marL="457200" rtl="0">
               <a:spcBef>
                 <a:spcPts val="0"/>
@@ -20484,7 +16846,43 @@
                   <a:srgbClr val="FFFFFF"/>
                 </a:solidFill>
               </a:rPr>
-              <a:t>About Section: Uses Bootstrap text panel to describe goal of application</a:t>
+              <a:t>Static files are being displayed:</a:t>
+            </a:r>
+          </a:p>
+          <a:p>
+            <a:pPr indent="-228600" lvl="1" marL="914400" rtl="0">
+              <a:spcBef>
+                <a:spcPts val="0"/>
+              </a:spcBef>
+              <a:buClr>
+                <a:srgbClr val="FFFFFF"/>
+              </a:buClr>
+            </a:pPr>
+            <a:r>
+              <a:rPr lang="en">
+                <a:solidFill>
+                  <a:srgbClr val="FFFFFF"/>
+                </a:solidFill>
+              </a:rPr>
+              <a:t>Can access the static files through URLs.</a:t>
+            </a:r>
+          </a:p>
+          <a:p>
+            <a:pPr indent="-228600" lvl="1" marL="914400" rtl="0">
+              <a:spcBef>
+                <a:spcPts val="0"/>
+              </a:spcBef>
+              <a:buClr>
+                <a:srgbClr val="FFFFFF"/>
+              </a:buClr>
+            </a:pPr>
+            <a:r>
+              <a:rPr lang="en">
+                <a:solidFill>
+                  <a:srgbClr val="FFFFFF"/>
+                </a:solidFill>
+              </a:rPr>
+              <a:t>Can access the static files through AngularJS.</a:t>
             </a:r>
           </a:p>
           <a:p>
@@ -20502,25 +16900,61 @@
                   <a:srgbClr val="FFFFFF"/>
                 </a:solidFill>
               </a:rPr>
-              <a:t>Blog Section: Will route to specific blog entry(text panel) from list of blog entries in the section</a:t>
-            </a:r>
-          </a:p>
-          <a:p>
-            <a:pPr indent="-228600" lvl="0" marL="457200">
-              <a:spcBef>
-                <a:spcPts val="0"/>
-              </a:spcBef>
-              <a:buClr>
-                <a:srgbClr val="FFFFFF"/>
-              </a:buClr>
-            </a:pPr>
-            <a:r>
-              <a:rPr lang="en">
-                <a:solidFill>
-                  <a:srgbClr val="FFFFFF"/>
-                </a:solidFill>
-              </a:rPr>
-              <a:t>Contact Us Section: Uses Bootstrap Form to create Email form</a:t>
+              <a:t>Server can connect to the database:</a:t>
+            </a:r>
+          </a:p>
+          <a:p>
+            <a:pPr indent="-228600" lvl="1" marL="914400" rtl="0">
+              <a:spcBef>
+                <a:spcPts val="0"/>
+              </a:spcBef>
+              <a:buClr>
+                <a:srgbClr val="FFFFFF"/>
+              </a:buClr>
+            </a:pPr>
+            <a:r>
+              <a:rPr lang="en">
+                <a:solidFill>
+                  <a:srgbClr val="FFFFFF"/>
+                </a:solidFill>
+              </a:rPr>
+              <a:t>Can make a connection to the database.</a:t>
+            </a:r>
+          </a:p>
+          <a:p>
+            <a:pPr indent="-228600" lvl="1" marL="914400" rtl="0">
+              <a:spcBef>
+                <a:spcPts val="0"/>
+              </a:spcBef>
+              <a:buClr>
+                <a:srgbClr val="FFFFFF"/>
+              </a:buClr>
+            </a:pPr>
+            <a:r>
+              <a:rPr lang="en">
+                <a:solidFill>
+                  <a:srgbClr val="FFFFFF"/>
+                </a:solidFill>
+              </a:rPr>
+              <a:t>Can query the database and get correct results.</a:t>
+            </a:r>
+          </a:p>
+          <a:p>
+            <a:pPr indent="-228600" lvl="0" marL="457200" rtl="0">
+              <a:spcBef>
+                <a:spcPts val="0"/>
+              </a:spcBef>
+              <a:buClr>
+                <a:srgbClr val="FFFFFF"/>
+              </a:buClr>
+            </a:pPr>
+            <a:r>
+              <a:rPr lang="en">
+                <a:solidFill>
+                  <a:srgbClr val="FFFFFF"/>
+                </a:solidFill>
+              </a:rPr>
+              <a:t>Server is sanitizing user input before querying the database.</a:t>
             </a:r>
           </a:p>
         </p:txBody>
@@ -20538,7 +16972,7 @@
   <p:cSld>
     <p:spTree>
       <p:nvGrpSpPr>
-        <p:cNvPr id="327" name="Shape 327"/>
+        <p:cNvPr id="324" name="Shape 324"/>
         <p:cNvGrpSpPr/>
         <p:nvPr/>
       </p:nvGrpSpPr>
@@ -20552,7 +16986,7 @@
       </p:grpSpPr>
       <p:sp>
         <p:nvSpPr>
-          <p:cNvPr id="328" name="Shape 328"/>
+          <p:cNvPr id="325" name="Shape 325"/>
           <p:cNvSpPr txBox="1"/>
           <p:nvPr>
             <p:ph type="title"/>
@@ -20560,8 +16994,8 @@
         </p:nvSpPr>
         <p:spPr>
           <a:xfrm>
-            <a:off x="311700" y="445025"/>
-            <a:ext cx="8520600" cy="572700"/>
+            <a:off x="630800" y="445025"/>
+            <a:ext cx="7919100" cy="572700"/>
           </a:xfrm>
           <a:prstGeom prst="rect">
             <a:avLst/>
@@ -20573,7 +17007,7 @@
           </a:bodyPr>
           <a:lstStyle/>
           <a:p>
-            <a:pPr lvl="0" algn="ctr">
+            <a:pPr lvl="0" rtl="0" algn="ctr">
               <a:spcBef>
                 <a:spcPts val="0"/>
               </a:spcBef>
@@ -20581,14 +17015,14 @@
             </a:pPr>
             <a:r>
               <a:rPr lang="en"/>
-              <a:t> Submodule-Front End (cont.)	</a:t>
+              <a:t>Submodule - Database</a:t>
             </a:r>
           </a:p>
         </p:txBody>
       </p:sp>
       <p:sp>
         <p:nvSpPr>
-          <p:cNvPr id="329" name="Shape 329"/>
+          <p:cNvPr id="326" name="Shape 326"/>
           <p:cNvSpPr txBox="1"/>
           <p:nvPr>
             <p:ph idx="1" type="body"/>
@@ -20596,8 +17030,8 @@
         </p:nvSpPr>
         <p:spPr>
           <a:xfrm>
-            <a:off x="592000" y="1110225"/>
-            <a:ext cx="8044800" cy="3446700"/>
+            <a:off x="630800" y="1152475"/>
+            <a:ext cx="7919100" cy="3416400"/>
           </a:xfrm>
           <a:prstGeom prst="rect">
             <a:avLst/>
@@ -20621,7 +17055,7 @@
                   <a:srgbClr val="FFFFFF"/>
                 </a:solidFill>
               </a:rPr>
-              <a:t>User Input: Section of the Web Application that takes in information from user necessary to perform major functions.</a:t>
+              <a:t>Coding methods:</a:t>
             </a:r>
           </a:p>
           <a:p>
@@ -20639,7 +17073,7 @@
                   <a:srgbClr val="FFFFFF"/>
                 </a:solidFill>
               </a:rPr>
-              <a:t>Text input areas and drop down selection boxes that are created using Bootstrap. Capture of input variables made possible through Angular controllers.</a:t>
+              <a:t>Normalization</a:t>
             </a:r>
           </a:p>
           <a:p>
@@ -20657,25 +17091,7 @@
                   <a:srgbClr val="FFFFFF"/>
                 </a:solidFill>
               </a:rPr>
-              <a:t>Bootstrap popover modules installed in order to provide user with information regarding the use of their information.</a:t>
-            </a:r>
-          </a:p>
-          <a:p>
-            <a:pPr indent="-228600" lvl="0" marL="457200">
-              <a:spcBef>
-                <a:spcPts val="0"/>
-              </a:spcBef>
-              <a:buClr>
-                <a:srgbClr val="FFFFFF"/>
-              </a:buClr>
-            </a:pPr>
-            <a:r>
-              <a:rPr lang="en">
-                <a:solidFill>
-                  <a:srgbClr val="FFFFFF"/>
-                </a:solidFill>
-              </a:rPr>
-              <a:t>HTML formatting employed to make Input Area aesthetically pleasing.</a:t>
+              <a:t>Indexing</a:t>
             </a:r>
           </a:p>
         </p:txBody>
@@ -20693,7 +17109,7 @@
   <p:cSld>
     <p:spTree>
       <p:nvGrpSpPr>
-        <p:cNvPr id="333" name="Shape 333"/>
+        <p:cNvPr id="330" name="Shape 330"/>
         <p:cNvGrpSpPr/>
         <p:nvPr/>
       </p:nvGrpSpPr>
@@ -20707,7 +17123,7 @@
       </p:grpSpPr>
       <p:sp>
         <p:nvSpPr>
-          <p:cNvPr id="334" name="Shape 334"/>
+          <p:cNvPr id="331" name="Shape 331"/>
           <p:cNvSpPr txBox="1"/>
           <p:nvPr>
             <p:ph type="title"/>
@@ -20715,8 +17131,8 @@
         </p:nvSpPr>
         <p:spPr>
           <a:xfrm>
-            <a:off x="311700" y="445025"/>
-            <a:ext cx="8520600" cy="572700"/>
+            <a:off x="596575" y="445025"/>
+            <a:ext cx="7997400" cy="572700"/>
           </a:xfrm>
           <a:prstGeom prst="rect">
             <a:avLst/>
@@ -20736,14 +17152,14 @@
             </a:pPr>
             <a:r>
               <a:rPr lang="en"/>
-              <a:t>Submodule-Front End (cont.)</a:t>
+              <a:t>Submodule Testing - Database</a:t>
             </a:r>
           </a:p>
         </p:txBody>
       </p:sp>
       <p:sp>
         <p:nvSpPr>
-          <p:cNvPr id="335" name="Shape 335"/>
+          <p:cNvPr id="332" name="Shape 332"/>
           <p:cNvSpPr txBox="1"/>
           <p:nvPr>
             <p:ph idx="1" type="body"/>
@@ -20751,8 +17167,8 @@
         </p:nvSpPr>
         <p:spPr>
           <a:xfrm>
-            <a:off x="601700" y="1096325"/>
-            <a:ext cx="8029200" cy="3355800"/>
+            <a:off x="596700" y="1152475"/>
+            <a:ext cx="7997400" cy="3416400"/>
           </a:xfrm>
           <a:prstGeom prst="rect">
             <a:avLst/>
@@ -20764,22 +17180,6 @@
           </a:bodyPr>
           <a:lstStyle/>
           <a:p>
-            <a:pPr lvl="0">
-              <a:spcBef>
-                <a:spcPts val="0"/>
-              </a:spcBef>
-              <a:buNone/>
-            </a:pPr>
-            <a:r>
-              <a:rPr lang="en">
-                <a:solidFill>
-                  <a:srgbClr val="FFFFFF"/>
-                </a:solidFill>
-              </a:rPr>
-              <a:t>Web Application Main Functions: Through the use of Bootstrap cards, main functions are separated clearly.</a:t>
-            </a:r>
-          </a:p>
-          <a:p>
             <a:pPr indent="-228600" lvl="0" marL="457200" rtl="0">
               <a:spcBef>
                 <a:spcPts val="0"/>
@@ -20787,14 +17187,69 @@
               <a:buClr>
                 <a:srgbClr val="FFFFFF"/>
               </a:buClr>
-            </a:pPr>
-            <a:r>
-              <a:rPr lang="en">
-                <a:solidFill>
-                  <a:srgbClr val="FFFFFF"/>
-                </a:solidFill>
-              </a:rPr>
-              <a:t>Bootstrap modals are used to display the results of selecting one of the web application’s functions. </a:t>
+              <a:buChar char="●"/>
+            </a:pPr>
+            <a:r>
+              <a:rPr lang="en">
+                <a:solidFill>
+                  <a:srgbClr val="FFFFFF"/>
+                </a:solidFill>
+              </a:rPr>
+              <a:t>Insertions - Database is verifying requirements for new records:</a:t>
+            </a:r>
+          </a:p>
+          <a:p>
+            <a:pPr indent="-228600" lvl="1" marL="914400" rtl="0">
+              <a:spcBef>
+                <a:spcPts val="0"/>
+              </a:spcBef>
+              <a:buClr>
+                <a:srgbClr val="FFFFFF"/>
+              </a:buClr>
+              <a:buChar char="○"/>
+            </a:pPr>
+            <a:r>
+              <a:rPr lang="en">
+                <a:solidFill>
+                  <a:srgbClr val="FFFFFF"/>
+                </a:solidFill>
+              </a:rPr>
+              <a:t>Non-null attributes are not null - Test by submitting records with null </a:t>
+            </a:r>
+            <a:r>
+              <a:rPr lang="en">
+                <a:solidFill>
+                  <a:srgbClr val="FFFFFF"/>
+                </a:solidFill>
+              </a:rPr>
+              <a:t>values </a:t>
+            </a:r>
+            <a:r>
+              <a:rPr lang="en">
+                <a:solidFill>
+                  <a:srgbClr val="FFFFFF"/>
+                </a:solidFill>
+              </a:rPr>
+              <a:t>for non-null attributes.</a:t>
+            </a:r>
+          </a:p>
+          <a:p>
+            <a:pPr indent="-228600" lvl="1" marL="914400" rtl="0">
+              <a:spcBef>
+                <a:spcPts val="0"/>
+              </a:spcBef>
+              <a:buClr>
+                <a:srgbClr val="FFFFFF"/>
+              </a:buClr>
+              <a:buChar char="○"/>
+            </a:pPr>
+            <a:r>
+              <a:rPr lang="en">
+                <a:solidFill>
+                  <a:srgbClr val="FFFFFF"/>
+                </a:solidFill>
+              </a:rPr>
+              <a:t>Attributes within accepted range of values - Test by submitting records with values outside of range of accepted values.</a:t>
             </a:r>
           </a:p>
           <a:p>
@@ -20805,50 +17260,53 @@
               <a:buClr>
                 <a:srgbClr val="FFFFFF"/>
               </a:buClr>
-            </a:pPr>
-            <a:r>
-              <a:rPr lang="en">
-                <a:solidFill>
-                  <a:srgbClr val="FFFFFF"/>
-                </a:solidFill>
-              </a:rPr>
-              <a:t>A binary will sell/won’t sell will be displayed in the modal for “Will My House Sell?” through a call to the Random Forest algorithm.</a:t>
-            </a:r>
-          </a:p>
-          <a:p>
-            <a:pPr indent="-228600" lvl="0" marL="457200" rtl="0">
-              <a:spcBef>
-                <a:spcPts val="0"/>
-              </a:spcBef>
-              <a:buClr>
-                <a:srgbClr val="FFFFFF"/>
-              </a:buClr>
-            </a:pPr>
-            <a:r>
-              <a:rPr lang="en">
-                <a:solidFill>
-                  <a:srgbClr val="FFFFFF"/>
-                </a:solidFill>
-              </a:rPr>
-              <a:t>A list of factors will be displayed in the modal for “Most Important Attributes through a call to the Random Forest algorithm.</a:t>
-            </a:r>
-          </a:p>
-          <a:p>
-            <a:pPr indent="-228600" lvl="0" marL="457200">
-              <a:spcBef>
-                <a:spcPts val="0"/>
-              </a:spcBef>
-              <a:buClr>
-                <a:srgbClr val="FFFFFF"/>
-              </a:buClr>
-            </a:pPr>
-            <a:r>
-              <a:rPr lang="en">
-                <a:solidFill>
-                  <a:srgbClr val="FFFFFF"/>
-                </a:solidFill>
-              </a:rPr>
-              <a:t>Charts displayed using either Plotly, Echarts or ChartsJS to display “Data Visualizations” through a call to the  database.</a:t>
+              <a:buChar char="●"/>
+            </a:pPr>
+            <a:r>
+              <a:rPr lang="en">
+                <a:solidFill>
+                  <a:srgbClr val="FFFFFF"/>
+                </a:solidFill>
+              </a:rPr>
+              <a:t>Query Results - Attributes are configured to return correct query results.</a:t>
+            </a:r>
+          </a:p>
+          <a:p>
+            <a:pPr indent="-228600" lvl="1" marL="914400" rtl="0">
+              <a:spcBef>
+                <a:spcPts val="0"/>
+              </a:spcBef>
+              <a:buClr>
+                <a:srgbClr val="FFFFFF"/>
+              </a:buClr>
+              <a:buChar char="○"/>
+            </a:pPr>
+            <a:r>
+              <a:rPr lang="en">
+                <a:solidFill>
+                  <a:srgbClr val="FFFFFF"/>
+                </a:solidFill>
+              </a:rPr>
+              <a:t>Records have attribute specified by query - Test by submitting queries with ranges of values for different attributes and check results to see if results match queries.</a:t>
+            </a:r>
+          </a:p>
+          <a:p>
+            <a:pPr indent="-228600" lvl="1" marL="914400" rtl="0">
+              <a:spcBef>
+                <a:spcPts val="0"/>
+              </a:spcBef>
+              <a:buClr>
+                <a:srgbClr val="FFFFFF"/>
+              </a:buClr>
+              <a:buChar char="○"/>
+            </a:pPr>
+            <a:r>
+              <a:rPr lang="en">
+                <a:solidFill>
+                  <a:srgbClr val="FFFFFF"/>
+                </a:solidFill>
+              </a:rPr>
+              <a:t>Verify that queries generated by frontend calls return appropriate results - Test by submitting various input to front end and see if results match query requests.</a:t>
             </a:r>
           </a:p>
         </p:txBody>
@@ -20866,7 +17324,7 @@
   <p:cSld>
     <p:spTree>
       <p:nvGrpSpPr>
-        <p:cNvPr id="339" name="Shape 339"/>
+        <p:cNvPr id="336" name="Shape 336"/>
         <p:cNvGrpSpPr/>
         <p:nvPr/>
       </p:nvGrpSpPr>
@@ -20880,7 +17338,7 @@
       </p:grpSpPr>
       <p:sp>
         <p:nvSpPr>
-          <p:cNvPr id="340" name="Shape 340"/>
+          <p:cNvPr id="337" name="Shape 337"/>
           <p:cNvSpPr txBox="1"/>
           <p:nvPr>
             <p:ph type="title"/>
@@ -20889,7 +17347,7 @@
         <p:spPr>
           <a:xfrm>
             <a:off x="630800" y="445025"/>
-            <a:ext cx="8201400" cy="572700"/>
+            <a:ext cx="7919100" cy="572700"/>
           </a:xfrm>
           <a:prstGeom prst="rect">
             <a:avLst/>
@@ -20901,7 +17359,7 @@
           </a:bodyPr>
           <a:lstStyle/>
           <a:p>
-            <a:pPr lvl="0" algn="ctr">
+            <a:pPr lvl="0" rtl="0" algn="ctr">
               <a:spcBef>
                 <a:spcPts val="0"/>
               </a:spcBef>
@@ -20909,14 +17367,14 @@
             </a:pPr>
             <a:r>
               <a:rPr lang="en"/>
-              <a:t>Submodule Testing - Front End</a:t>
+              <a:t>Submodule - Machine Learning</a:t>
             </a:r>
           </a:p>
         </p:txBody>
       </p:sp>
       <p:sp>
         <p:nvSpPr>
-          <p:cNvPr id="341" name="Shape 341"/>
+          <p:cNvPr id="338" name="Shape 338"/>
           <p:cNvSpPr txBox="1"/>
           <p:nvPr>
             <p:ph idx="1" type="body"/>
@@ -20925,7 +17383,7 @@
         <p:spPr>
           <a:xfrm>
             <a:off x="630800" y="1152475"/>
-            <a:ext cx="7763700" cy="3416400"/>
+            <a:ext cx="7919100" cy="3416400"/>
           </a:xfrm>
           <a:prstGeom prst="rect">
             <a:avLst/>
@@ -20937,7 +17395,7 @@
           </a:bodyPr>
           <a:lstStyle/>
           <a:p>
-            <a:pPr lvl="0" rtl="0">
+            <a:pPr lvl="0">
               <a:spcBef>
                 <a:spcPts val="0"/>
               </a:spcBef>
@@ -20949,7 +17407,7 @@
                   <a:srgbClr val="FFFFFF"/>
                 </a:solidFill>
               </a:rPr>
-              <a:t>Unit tests for:</a:t>
+              <a:t>Coding methods:</a:t>
             </a:r>
           </a:p>
           <a:p>
@@ -20967,7 +17425,7 @@
                   <a:srgbClr val="FFFFFF"/>
                 </a:solidFill>
               </a:rPr>
-              <a:t>Each path is valid.</a:t>
+              <a:t>Using OneHotEncoder to preprocess the data of categorical variables </a:t>
             </a:r>
           </a:p>
           <a:p>
@@ -20985,95 +17443,7 @@
                   <a:srgbClr val="FFFFFF"/>
                 </a:solidFill>
               </a:rPr>
-              <a:t>Input text areas take correct input with valid length.</a:t>
-            </a:r>
-          </a:p>
-          <a:p>
-            <a:pPr indent="-228600" lvl="0" marL="457200" rtl="0">
-              <a:spcBef>
-                <a:spcPts val="0"/>
-              </a:spcBef>
-              <a:buClr>
-                <a:srgbClr val="FFFFFF"/>
-              </a:buClr>
-            </a:pPr>
-            <a:r>
-              <a:rPr lang="en">
-                <a:solidFill>
-                  <a:srgbClr val="FFFFFF"/>
-                </a:solidFill>
-              </a:rPr>
-              <a:t>Dropdown boxes display correct choices and can be clicked.</a:t>
-            </a:r>
-          </a:p>
-          <a:p>
-            <a:pPr indent="-228600" lvl="0" marL="457200" rtl="0">
-              <a:spcBef>
-                <a:spcPts val="0"/>
-              </a:spcBef>
-              <a:buClr>
-                <a:srgbClr val="FFFFFF"/>
-              </a:buClr>
-            </a:pPr>
-            <a:r>
-              <a:rPr lang="en">
-                <a:solidFill>
-                  <a:srgbClr val="FFFFFF"/>
-                </a:solidFill>
-              </a:rPr>
-              <a:t>Submission buttons work as expected.</a:t>
-            </a:r>
-          </a:p>
-          <a:p>
-            <a:pPr indent="-228600" lvl="0" marL="457200" rtl="0">
-              <a:spcBef>
-                <a:spcPts val="0"/>
-              </a:spcBef>
-              <a:buClr>
-                <a:srgbClr val="FFFFFF"/>
-              </a:buClr>
-            </a:pPr>
-            <a:r>
-              <a:rPr lang="en">
-                <a:solidFill>
-                  <a:srgbClr val="FFFFFF"/>
-                </a:solidFill>
-              </a:rPr>
-              <a:t>Sales prediction model displays correct message.</a:t>
-            </a:r>
-          </a:p>
-          <a:p>
-            <a:pPr indent="-228600" lvl="0" marL="457200" rtl="0">
-              <a:spcBef>
-                <a:spcPts val="0"/>
-              </a:spcBef>
-              <a:buClr>
-                <a:srgbClr val="FFFFFF"/>
-              </a:buClr>
-            </a:pPr>
-            <a:r>
-              <a:rPr lang="en">
-                <a:solidFill>
-                  <a:srgbClr val="FFFFFF"/>
-                </a:solidFill>
-              </a:rPr>
-              <a:t>Most important factors </a:t>
-            </a:r>
-            <a:r>
-              <a:rPr lang="en">
-                <a:solidFill>
-                  <a:srgbClr val="FFFFFF"/>
-                </a:solidFill>
-              </a:rPr>
-              <a:t>display</a:t>
-            </a:r>
-            <a:r>
-              <a:rPr lang="en">
-                <a:solidFill>
-                  <a:srgbClr val="FFFFFF"/>
-                </a:solidFill>
-              </a:rPr>
-              <a:t> correctly.</a:t>
+              <a:t>Sending that preprocessed data into a scikit-learn </a:t>
             </a:r>
           </a:p>
         </p:txBody>
@@ -21091,7 +17461,7 @@
   <p:cSld>
     <p:spTree>
       <p:nvGrpSpPr>
-        <p:cNvPr id="345" name="Shape 345"/>
+        <p:cNvPr id="342" name="Shape 342"/>
         <p:cNvGrpSpPr/>
         <p:nvPr/>
       </p:nvGrpSpPr>
@@ -21105,7 +17475,7 @@
       </p:grpSpPr>
       <p:sp>
         <p:nvSpPr>
-          <p:cNvPr id="346" name="Shape 346"/>
+          <p:cNvPr id="343" name="Shape 343"/>
           <p:cNvSpPr txBox="1"/>
           <p:nvPr>
             <p:ph type="title"/>
@@ -21113,8 +17483,8 @@
         </p:nvSpPr>
         <p:spPr>
           <a:xfrm>
-            <a:off x="311700" y="445025"/>
-            <a:ext cx="8520600" cy="572700"/>
+            <a:off x="824900" y="445025"/>
+            <a:ext cx="8007300" cy="572700"/>
           </a:xfrm>
           <a:prstGeom prst="rect">
             <a:avLst/>
@@ -21126,7 +17496,7 @@
           </a:bodyPr>
           <a:lstStyle/>
           <a:p>
-            <a:pPr lvl="0" rtl="0" algn="ctr">
+            <a:pPr lvl="0" algn="ctr">
               <a:spcBef>
                 <a:spcPts val="0"/>
               </a:spcBef>
@@ -21134,26 +17504,14 @@
             </a:pPr>
             <a:r>
               <a:rPr lang="en"/>
-              <a:t>Submodule Testing - Front End (cont.)</a:t>
-            </a:r>
-          </a:p>
-          <a:p>
-            <a:pPr lvl="0">
-              <a:spcBef>
-                <a:spcPts val="0"/>
-              </a:spcBef>
-              <a:buNone/>
-            </a:pPr>
-            <a:r>
-              <a:t/>
-            </a:r>
-            <a:endParaRPr/>
+              <a:t>Submodule Testing - Machine Learning</a:t>
+            </a:r>
           </a:p>
         </p:txBody>
       </p:sp>
       <p:sp>
         <p:nvSpPr>
-          <p:cNvPr id="347" name="Shape 347"/>
+          <p:cNvPr id="344" name="Shape 344"/>
           <p:cNvSpPr txBox="1"/>
           <p:nvPr>
             <p:ph idx="1" type="body"/>
@@ -21161,8 +17519,8 @@
         </p:nvSpPr>
         <p:spPr>
           <a:xfrm>
-            <a:off x="630800" y="1152475"/>
-            <a:ext cx="7802700" cy="3416400"/>
+            <a:off x="738725" y="1113650"/>
+            <a:ext cx="7656000" cy="3416400"/>
           </a:xfrm>
           <a:prstGeom prst="rect">
             <a:avLst/>
@@ -21178,107 +17536,11 @@
               <a:spcBef>
                 <a:spcPts val="0"/>
               </a:spcBef>
-              <a:buClr>
-                <a:srgbClr val="FFFFFF"/>
-              </a:buClr>
-            </a:pPr>
-            <a:r>
-              <a:rPr lang="en">
-                <a:solidFill>
-                  <a:srgbClr val="FFFFFF"/>
-                </a:solidFill>
-              </a:rPr>
-              <a:t>Data visualizations displayed correctly with appropriate responsiveness.</a:t>
-            </a:r>
-          </a:p>
-          <a:p>
-            <a:pPr indent="-228600" lvl="0" marL="457200" rtl="0">
-              <a:spcBef>
-                <a:spcPts val="0"/>
-              </a:spcBef>
-              <a:buClr>
-                <a:srgbClr val="FFFFFF"/>
-              </a:buClr>
-            </a:pPr>
-            <a:r>
-              <a:rPr lang="en">
-                <a:solidFill>
-                  <a:srgbClr val="FFFFFF"/>
-                </a:solidFill>
-              </a:rPr>
-              <a:t>About page displays correct information.</a:t>
-            </a:r>
-          </a:p>
-          <a:p>
-            <a:pPr indent="-228600" lvl="0" marL="457200" rtl="0">
-              <a:spcBef>
-                <a:spcPts val="0"/>
-              </a:spcBef>
-              <a:buClr>
-                <a:srgbClr val="FFFFFF"/>
-              </a:buClr>
-            </a:pPr>
-            <a:r>
-              <a:rPr lang="en">
-                <a:solidFill>
-                  <a:srgbClr val="FFFFFF"/>
-                </a:solidFill>
-              </a:rPr>
-              <a:t>Contact page displays correctly and can send emails.</a:t>
-            </a:r>
-          </a:p>
-          <a:p>
-            <a:pPr indent="-228600" lvl="0" marL="457200" rtl="0">
-              <a:spcBef>
-                <a:spcPts val="0"/>
-              </a:spcBef>
-              <a:buClr>
-                <a:srgbClr val="FFFFFF"/>
-              </a:buClr>
-            </a:pPr>
-            <a:r>
-              <a:rPr lang="en">
-                <a:solidFill>
-                  <a:srgbClr val="FFFFFF"/>
-                </a:solidFill>
-              </a:rPr>
-              <a:t>Expert blog page displays correctly.</a:t>
-            </a:r>
-          </a:p>
-          <a:p>
-            <a:pPr indent="-228600" lvl="0" marL="457200" rtl="0">
-              <a:spcBef>
-                <a:spcPts val="0"/>
-              </a:spcBef>
-              <a:buClr>
-                <a:srgbClr val="FFFFFF"/>
-              </a:buClr>
-            </a:pPr>
-            <a:r>
-              <a:rPr lang="en">
-                <a:solidFill>
-                  <a:srgbClr val="FFFFFF"/>
-                </a:solidFill>
-              </a:rPr>
-              <a:t>Web application displays in similar fashion on all browsers.</a:t>
-            </a:r>
-          </a:p>
-          <a:p>
-            <a:pPr indent="-228600" lvl="0" marL="457200">
-              <a:spcBef>
-                <a:spcPts val="0"/>
-              </a:spcBef>
-              <a:buClr>
-                <a:srgbClr val="FFFFFF"/>
-              </a:buClr>
-            </a:pPr>
-            <a:r>
-              <a:rPr lang="en">
-                <a:solidFill>
-                  <a:srgbClr val="FFFFFF"/>
-                </a:solidFill>
-              </a:rPr>
-              <a:t>Web application responsiveness works on web and mobile platforms.</a:t>
+              <a:buChar char="●"/>
+            </a:pPr>
+            <a:r>
+              <a:rPr lang="en"/>
+              <a:t>Downloaded csv files from the zwillow.com</a:t>
             </a:r>
           </a:p>
         </p:txBody>
@@ -21296,7 +17558,7 @@
   <p:cSld>
     <p:spTree>
       <p:nvGrpSpPr>
-        <p:cNvPr id="351" name="Shape 351"/>
+        <p:cNvPr id="348" name="Shape 348"/>
         <p:cNvGrpSpPr/>
         <p:nvPr/>
       </p:nvGrpSpPr>
@@ -21310,7 +17572,7 @@
       </p:grpSpPr>
       <p:sp>
         <p:nvSpPr>
-          <p:cNvPr id="352" name="Shape 352"/>
+          <p:cNvPr id="349" name="Shape 349"/>
           <p:cNvSpPr txBox="1"/>
           <p:nvPr>
             <p:ph type="title"/>
@@ -21318,8 +17580,8 @@
         </p:nvSpPr>
         <p:spPr>
           <a:xfrm>
-            <a:off x="630800" y="445025"/>
-            <a:ext cx="7919100" cy="572700"/>
+            <a:off x="311700" y="445025"/>
+            <a:ext cx="8520600" cy="572700"/>
           </a:xfrm>
           <a:prstGeom prst="rect">
             <a:avLst/>
@@ -21339,157 +17601,43 @@
             </a:pPr>
             <a:r>
               <a:rPr lang="en"/>
-              <a:t>Submodule - Back End</a:t>
+              <a:t>Old </a:t>
+            </a:r>
+            <a:r>
+              <a:rPr lang="en"/>
+              <a:t>Timeline</a:t>
             </a:r>
           </a:p>
         </p:txBody>
       </p:sp>
-      <p:sp>
-        <p:nvSpPr>
-          <p:cNvPr id="353" name="Shape 353"/>
-          <p:cNvSpPr txBox="1"/>
-          <p:nvPr>
-            <p:ph idx="1" type="body"/>
-          </p:nvPr>
-        </p:nvSpPr>
-        <p:spPr>
-          <a:xfrm>
-            <a:off x="630800" y="1152475"/>
-            <a:ext cx="7919100" cy="3416400"/>
+      <p:pic>
+        <p:nvPicPr>
+          <p:cNvPr id="350" name="Shape 350"/>
+          <p:cNvPicPr preferRelativeResize="0"/>
+          <p:nvPr/>
+        </p:nvPicPr>
+        <p:blipFill>
+          <a:blip r:embed="rId3">
+            <a:alphaModFix/>
+          </a:blip>
+          <a:stretch>
+            <a:fillRect/>
+          </a:stretch>
+        </p:blipFill>
+        <p:spPr>
+          <a:xfrm>
+            <a:off x="980200" y="1084300"/>
+            <a:ext cx="7103825" cy="3575900"/>
           </a:xfrm>
           <a:prstGeom prst="rect">
             <a:avLst/>
           </a:prstGeom>
-        </p:spPr>
-        <p:txBody>
-          <a:bodyPr anchorCtr="0" anchor="t" bIns="91425" lIns="91425" rIns="91425" tIns="91425">
-            <a:noAutofit/>
-          </a:bodyPr>
-          <a:lstStyle/>
-          <a:p>
-            <a:pPr lvl="0" rtl="0">
-              <a:spcBef>
-                <a:spcPts val="0"/>
-              </a:spcBef>
-              <a:buNone/>
-            </a:pPr>
-            <a:r>
-              <a:rPr lang="en">
-                <a:solidFill>
-                  <a:srgbClr val="FFFFFF"/>
-                </a:solidFill>
-              </a:rPr>
-              <a:t>Coding methods:</a:t>
-            </a:r>
-          </a:p>
-          <a:p>
-            <a:pPr indent="-228600" lvl="0" marL="457200" rtl="0">
-              <a:spcBef>
-                <a:spcPts val="0"/>
-              </a:spcBef>
-              <a:buClr>
-                <a:srgbClr val="FFFFFF"/>
-              </a:buClr>
-            </a:pPr>
-            <a:r>
-              <a:rPr lang="en">
-                <a:solidFill>
-                  <a:srgbClr val="FFFFFF"/>
-                </a:solidFill>
-              </a:rPr>
-              <a:t>MVC model for layout</a:t>
-            </a:r>
-          </a:p>
-          <a:p>
-            <a:pPr indent="-228600" lvl="0" marL="457200" rtl="0">
-              <a:spcBef>
-                <a:spcPts val="0"/>
-              </a:spcBef>
-              <a:buClr>
-                <a:srgbClr val="FFFFFF"/>
-              </a:buClr>
-            </a:pPr>
-            <a:r>
-              <a:rPr lang="en">
-                <a:solidFill>
-                  <a:srgbClr val="FFFFFF"/>
-                </a:solidFill>
-              </a:rPr>
-              <a:t>Templates for views</a:t>
-            </a:r>
-          </a:p>
-          <a:p>
-            <a:pPr indent="-228600" lvl="0" marL="457200" rtl="0">
-              <a:spcBef>
-                <a:spcPts val="0"/>
-              </a:spcBef>
-              <a:buClr>
-                <a:srgbClr val="FFFFFF"/>
-              </a:buClr>
-            </a:pPr>
-            <a:r>
-              <a:rPr lang="en">
-                <a:solidFill>
-                  <a:srgbClr val="FFFFFF"/>
-                </a:solidFill>
-              </a:rPr>
-              <a:t>Limited public access (only what’s required to display for front end)</a:t>
-            </a:r>
-          </a:p>
-          <a:p>
-            <a:pPr indent="-228600" lvl="0" marL="457200" rtl="0">
-              <a:spcBef>
-                <a:spcPts val="0"/>
-              </a:spcBef>
-              <a:buClr>
-                <a:srgbClr val="FFFFFF"/>
-              </a:buClr>
-            </a:pPr>
-            <a:r>
-              <a:rPr lang="en">
-                <a:solidFill>
-                  <a:srgbClr val="FFFFFF"/>
-                </a:solidFill>
-              </a:rPr>
-              <a:t>Models for database accessing and security/backup</a:t>
-            </a:r>
-          </a:p>
-          <a:p>
-            <a:pPr indent="-228600" lvl="0" marL="457200" rtl="0">
-              <a:spcBef>
-                <a:spcPts val="0"/>
-              </a:spcBef>
-              <a:buClr>
-                <a:srgbClr val="FFFFFF"/>
-              </a:buClr>
-            </a:pPr>
-            <a:r>
-              <a:rPr lang="en">
-                <a:solidFill>
-                  <a:srgbClr val="FFFFFF"/>
-                </a:solidFill>
-              </a:rPr>
-              <a:t>Error logging</a:t>
-            </a:r>
-          </a:p>
-          <a:p>
-            <a:pPr lvl="0" rtl="0">
-              <a:spcBef>
-                <a:spcPts val="0"/>
-              </a:spcBef>
-              <a:buNone/>
-            </a:pPr>
-            <a:r>
-              <a:t/>
-            </a:r>
-            <a:endParaRPr>
-              <a:solidFill>
-                <a:srgbClr val="FFFFFF"/>
-              </a:solidFill>
-            </a:endParaRPr>
-          </a:p>
-        </p:txBody>
-      </p:sp>
+          <a:noFill/>
+          <a:ln>
+            <a:noFill/>
+          </a:ln>
+        </p:spPr>
+      </p:pic>
     </p:spTree>
   </p:cSld>
   <p:clrMapOvr>
@@ -21853,7 +18001,7 @@
   <p:cSld>
     <p:spTree>
       <p:nvGrpSpPr>
-        <p:cNvPr id="357" name="Shape 357"/>
+        <p:cNvPr id="354" name="Shape 354"/>
         <p:cNvGrpSpPr/>
         <p:nvPr/>
       </p:nvGrpSpPr>
@@ -21867,7 +18015,7 @@
       </p:grpSpPr>
       <p:sp>
         <p:nvSpPr>
-          <p:cNvPr id="358" name="Shape 358"/>
+          <p:cNvPr id="355" name="Shape 355"/>
           <p:cNvSpPr txBox="1"/>
           <p:nvPr>
             <p:ph type="title"/>
@@ -21875,8 +18023,8 @@
         </p:nvSpPr>
         <p:spPr>
           <a:xfrm>
-            <a:off x="611400" y="445025"/>
-            <a:ext cx="7821900" cy="572700"/>
+            <a:off x="311700" y="445025"/>
+            <a:ext cx="8520600" cy="572700"/>
           </a:xfrm>
           <a:prstGeom prst="rect">
             <a:avLst/>
@@ -21888,7 +18036,7 @@
           </a:bodyPr>
           <a:lstStyle/>
           <a:p>
-            <a:pPr lvl="0" algn="ctr">
+            <a:pPr lvl="0" rtl="0" algn="ctr">
               <a:spcBef>
                 <a:spcPts val="0"/>
               </a:spcBef>
@@ -21896,161 +18044,43 @@
             </a:pPr>
             <a:r>
               <a:rPr lang="en"/>
-              <a:t>Submodule Testing - Back End</a:t>
+              <a:t>New </a:t>
+            </a:r>
+            <a:r>
+              <a:rPr lang="en"/>
+              <a:t>Timeline</a:t>
             </a:r>
           </a:p>
         </p:txBody>
       </p:sp>
-      <p:sp>
-        <p:nvSpPr>
-          <p:cNvPr id="359" name="Shape 359"/>
-          <p:cNvSpPr txBox="1"/>
-          <p:nvPr>
-            <p:ph idx="1" type="body"/>
-          </p:nvPr>
-        </p:nvSpPr>
-        <p:spPr>
-          <a:xfrm>
-            <a:off x="611400" y="1142750"/>
-            <a:ext cx="7821900" cy="3416400"/>
+      <p:pic>
+        <p:nvPicPr>
+          <p:cNvPr descr="Capture.PNG" id="356" name="Shape 356"/>
+          <p:cNvPicPr preferRelativeResize="0"/>
+          <p:nvPr/>
+        </p:nvPicPr>
+        <p:blipFill>
+          <a:blip r:embed="rId3">
+            <a:alphaModFix/>
+          </a:blip>
+          <a:stretch>
+            <a:fillRect/>
+          </a:stretch>
+        </p:blipFill>
+        <p:spPr>
+          <a:xfrm>
+            <a:off x="652225" y="972425"/>
+            <a:ext cx="7839575" cy="3866275"/>
           </a:xfrm>
           <a:prstGeom prst="rect">
             <a:avLst/>
           </a:prstGeom>
-        </p:spPr>
-        <p:txBody>
-          <a:bodyPr anchorCtr="0" anchor="t" bIns="91425" lIns="91425" rIns="91425" tIns="91425">
-            <a:noAutofit/>
-          </a:bodyPr>
-          <a:lstStyle/>
-          <a:p>
-            <a:pPr indent="-228600" lvl="0" marL="457200" rtl="0">
-              <a:spcBef>
-                <a:spcPts val="0"/>
-              </a:spcBef>
-              <a:buClr>
-                <a:srgbClr val="FFFFFF"/>
-              </a:buClr>
-            </a:pPr>
-            <a:r>
-              <a:rPr lang="en">
-                <a:solidFill>
-                  <a:srgbClr val="FFFFFF"/>
-                </a:solidFill>
-              </a:rPr>
-              <a:t>Static files are being displayed:</a:t>
-            </a:r>
-          </a:p>
-          <a:p>
-            <a:pPr indent="-228600" lvl="1" marL="914400" rtl="0">
-              <a:spcBef>
-                <a:spcPts val="0"/>
-              </a:spcBef>
-              <a:buClr>
-                <a:srgbClr val="FFFFFF"/>
-              </a:buClr>
-            </a:pPr>
-            <a:r>
-              <a:rPr lang="en">
-                <a:solidFill>
-                  <a:srgbClr val="FFFFFF"/>
-                </a:solidFill>
-              </a:rPr>
-              <a:t>Can access the static files through URLs.</a:t>
-            </a:r>
-          </a:p>
-          <a:p>
-            <a:pPr indent="-228600" lvl="1" marL="914400" rtl="0">
-              <a:spcBef>
-                <a:spcPts val="0"/>
-              </a:spcBef>
-              <a:buClr>
-                <a:srgbClr val="FFFFFF"/>
-              </a:buClr>
-            </a:pPr>
-            <a:r>
-              <a:rPr lang="en">
-                <a:solidFill>
-                  <a:srgbClr val="FFFFFF"/>
-                </a:solidFill>
-              </a:rPr>
-              <a:t>Can access the static files through AngularJS.</a:t>
-            </a:r>
-          </a:p>
-          <a:p>
-            <a:pPr indent="-228600" lvl="0" marL="457200" rtl="0">
-              <a:spcBef>
-                <a:spcPts val="0"/>
-              </a:spcBef>
-              <a:buClr>
-                <a:srgbClr val="FFFFFF"/>
-              </a:buClr>
-            </a:pPr>
-            <a:r>
-              <a:rPr lang="en">
-                <a:solidFill>
-                  <a:srgbClr val="FFFFFF"/>
-                </a:solidFill>
-              </a:rPr>
-              <a:t>Server can connect to the database:</a:t>
-            </a:r>
-          </a:p>
-          <a:p>
-            <a:pPr indent="-228600" lvl="1" marL="914400" rtl="0">
-              <a:spcBef>
-                <a:spcPts val="0"/>
-              </a:spcBef>
-              <a:buClr>
-                <a:srgbClr val="FFFFFF"/>
-              </a:buClr>
-            </a:pPr>
-            <a:r>
-              <a:rPr lang="en">
-                <a:solidFill>
-                  <a:srgbClr val="FFFFFF"/>
-                </a:solidFill>
-              </a:rPr>
-              <a:t>Can make a connection to the database.</a:t>
-            </a:r>
-          </a:p>
-          <a:p>
-            <a:pPr indent="-228600" lvl="1" marL="914400" rtl="0">
-              <a:spcBef>
-                <a:spcPts val="0"/>
-              </a:spcBef>
-              <a:buClr>
-                <a:srgbClr val="FFFFFF"/>
-              </a:buClr>
-            </a:pPr>
-            <a:r>
-              <a:rPr lang="en">
-                <a:solidFill>
-                  <a:srgbClr val="FFFFFF"/>
-                </a:solidFill>
-              </a:rPr>
-              <a:t>Can query the database and get correct results.</a:t>
-            </a:r>
-          </a:p>
-          <a:p>
-            <a:pPr indent="-228600" lvl="0" marL="457200" rtl="0">
-              <a:spcBef>
-                <a:spcPts val="0"/>
-              </a:spcBef>
-              <a:buClr>
-                <a:srgbClr val="FFFFFF"/>
-              </a:buClr>
-            </a:pPr>
-            <a:r>
-              <a:rPr lang="en">
-                <a:solidFill>
-                  <a:srgbClr val="FFFFFF"/>
-                </a:solidFill>
-              </a:rPr>
-              <a:t>Server is sanitizing user input before querying the database.</a:t>
-            </a:r>
-          </a:p>
-        </p:txBody>
-      </p:sp>
+          <a:noFill/>
+          <a:ln>
+            <a:noFill/>
+          </a:ln>
+        </p:spPr>
+      </p:pic>
     </p:spTree>
   </p:cSld>
   <p:clrMapOvr>
@@ -22064,7 +18094,7 @@
   <p:cSld>
     <p:spTree>
       <p:nvGrpSpPr>
-        <p:cNvPr id="363" name="Shape 363"/>
+        <p:cNvPr id="360" name="Shape 360"/>
         <p:cNvGrpSpPr/>
         <p:nvPr/>
       </p:nvGrpSpPr>
@@ -22078,7 +18108,7 @@
       </p:grpSpPr>
       <p:sp>
         <p:nvSpPr>
-          <p:cNvPr id="364" name="Shape 364"/>
+          <p:cNvPr id="361" name="Shape 361"/>
           <p:cNvSpPr txBox="1"/>
           <p:nvPr>
             <p:ph type="title"/>
@@ -22086,8 +18116,8 @@
         </p:nvSpPr>
         <p:spPr>
           <a:xfrm>
-            <a:off x="630800" y="445025"/>
-            <a:ext cx="7919100" cy="572700"/>
+            <a:off x="708450" y="445025"/>
+            <a:ext cx="8123700" cy="572700"/>
           </a:xfrm>
           <a:prstGeom prst="rect">
             <a:avLst/>
@@ -22099,7 +18129,7 @@
           </a:bodyPr>
           <a:lstStyle/>
           <a:p>
-            <a:pPr lvl="0" rtl="0" algn="ctr">
+            <a:pPr lvl="0" algn="ctr">
               <a:spcBef>
                 <a:spcPts val="0"/>
               </a:spcBef>
@@ -22107,27 +18137,29 @@
             </a:pPr>
             <a:r>
               <a:rPr lang="en"/>
-              <a:t>Submodule - Database</a:t>
+              <a:t>Completion status of code</a:t>
             </a:r>
           </a:p>
         </p:txBody>
       </p:sp>
       <p:sp>
         <p:nvSpPr>
-          <p:cNvPr id="365" name="Shape 365"/>
+          <p:cNvPr id="362" name="Shape 362"/>
           <p:cNvSpPr txBox="1"/>
-          <p:nvPr>
-            <p:ph idx="1" type="body"/>
-          </p:nvPr>
-        </p:nvSpPr>
-        <p:spPr>
-          <a:xfrm>
-            <a:off x="630800" y="1152475"/>
-            <a:ext cx="7919100" cy="3416400"/>
+          <p:nvPr/>
+        </p:nvSpPr>
+        <p:spPr>
+          <a:xfrm>
+            <a:off x="753150" y="1341200"/>
+            <a:ext cx="7637700" cy="3105600"/>
           </a:xfrm>
           <a:prstGeom prst="rect">
             <a:avLst/>
           </a:prstGeom>
+          <a:noFill/>
+          <a:ln>
+            <a:noFill/>
+          </a:ln>
         </p:spPr>
         <p:txBody>
           <a:bodyPr anchorCtr="0" anchor="t" bIns="91425" lIns="91425" rIns="91425" tIns="91425">
@@ -22142,49 +18174,141 @@
               <a:buNone/>
             </a:pPr>
             <a:r>
-              <a:rPr lang="en">
-                <a:solidFill>
-                  <a:srgbClr val="FFFFFF"/>
-                </a:solidFill>
-              </a:rPr>
-              <a:t>Coding methods:</a:t>
-            </a:r>
-          </a:p>
-          <a:p>
-            <a:pPr indent="-228600" lvl="0" marL="457200" rtl="0">
-              <a:spcBef>
-                <a:spcPts val="0"/>
-              </a:spcBef>
-              <a:buClr>
-                <a:srgbClr val="FFFFFF"/>
-              </a:buClr>
-            </a:pPr>
-            <a:r>
-              <a:rPr lang="en">
-                <a:solidFill>
-                  <a:srgbClr val="FFFFFF"/>
-                </a:solidFill>
-              </a:rPr>
-              <a:t>Normalization</a:t>
-            </a:r>
-          </a:p>
-          <a:p>
-            <a:pPr indent="-228600" lvl="0" marL="457200" rtl="0">
-              <a:spcBef>
-                <a:spcPts val="0"/>
-              </a:spcBef>
-              <a:buClr>
-                <a:srgbClr val="FFFFFF"/>
-              </a:buClr>
-            </a:pPr>
-            <a:r>
-              <a:rPr lang="en">
-                <a:solidFill>
-                  <a:srgbClr val="FFFFFF"/>
-                </a:solidFill>
-              </a:rPr>
-              <a:t>Indexing</a:t>
-            </a:r>
+              <a:rPr lang="en" sz="1800">
+                <a:solidFill>
+                  <a:srgbClr val="FFFFFF"/>
+                </a:solidFill>
+              </a:rPr>
+              <a:t>We are obviously behind on our timeline. Our current status in the project is as follows</a:t>
+            </a:r>
+          </a:p>
+          <a:p>
+            <a:pPr indent="-342900" lvl="0" marL="457200" rtl="0">
+              <a:spcBef>
+                <a:spcPts val="0"/>
+              </a:spcBef>
+              <a:buClr>
+                <a:srgbClr val="FFFFFF"/>
+              </a:buClr>
+              <a:buSzPct val="100000"/>
+              <a:buChar char="●"/>
+            </a:pPr>
+            <a:r>
+              <a:rPr lang="en" sz="1800">
+                <a:solidFill>
+                  <a:srgbClr val="FFFFFF"/>
+                </a:solidFill>
+              </a:rPr>
+              <a:t>Front End</a:t>
+            </a:r>
+          </a:p>
+          <a:p>
+            <a:pPr indent="-342900" lvl="1" marL="914400" rtl="0">
+              <a:spcBef>
+                <a:spcPts val="0"/>
+              </a:spcBef>
+              <a:buClr>
+                <a:srgbClr val="FFFFFF"/>
+              </a:buClr>
+              <a:buSzPct val="100000"/>
+              <a:buChar char="○"/>
+            </a:pPr>
+            <a:r>
+              <a:rPr lang="en" sz="1800" u="sng">
+                <a:solidFill>
+                  <a:srgbClr val="FFFFFF"/>
+                </a:solidFill>
+              </a:rPr>
+              <a:t>Finished</a:t>
+            </a:r>
+            <a:r>
+              <a:rPr lang="en" sz="1800">
+                <a:solidFill>
+                  <a:srgbClr val="FFFFFF"/>
+                </a:solidFill>
+              </a:rPr>
+              <a:t>: Displaying static files and basic ui on the server.</a:t>
+            </a:r>
+          </a:p>
+          <a:p>
+            <a:pPr indent="-342900" lvl="1" marL="914400" rtl="0">
+              <a:spcBef>
+                <a:spcPts val="0"/>
+              </a:spcBef>
+              <a:buClr>
+                <a:srgbClr val="FFFFFF"/>
+              </a:buClr>
+              <a:buSzPct val="100000"/>
+              <a:buChar char="○"/>
+            </a:pPr>
+            <a:r>
+              <a:rPr lang="en" sz="1800" u="sng">
+                <a:solidFill>
+                  <a:srgbClr val="FFFFFF"/>
+                </a:solidFill>
+              </a:rPr>
+              <a:t>Next</a:t>
+            </a:r>
+            <a:r>
+              <a:rPr lang="en" sz="1800">
+                <a:solidFill>
+                  <a:srgbClr val="FFFFFF"/>
+                </a:solidFill>
+              </a:rPr>
+              <a:t>: Submit form data to the back end for machine learning analyzing.</a:t>
+            </a:r>
+          </a:p>
+          <a:p>
+            <a:pPr indent="-342900" lvl="1" marL="914400" rtl="0">
+              <a:spcBef>
+                <a:spcPts val="0"/>
+              </a:spcBef>
+              <a:buClr>
+                <a:srgbClr val="FFFFFF"/>
+              </a:buClr>
+              <a:buSzPct val="100000"/>
+              <a:buChar char="○"/>
+            </a:pPr>
+            <a:r>
+              <a:rPr lang="en" sz="1800">
+                <a:solidFill>
+                  <a:srgbClr val="FFFFFF"/>
+                </a:solidFill>
+              </a:rPr>
+              <a:t>Next: Finish content for about section, blog section. Charts for visualizations, and get email on contact section working.</a:t>
+            </a:r>
+          </a:p>
+          <a:p>
+            <a:pPr indent="0" lvl="0" marL="457200" rtl="0">
+              <a:spcBef>
+                <a:spcPts val="0"/>
+              </a:spcBef>
+              <a:buNone/>
+            </a:pPr>
+            <a:r>
+              <a:t/>
+            </a:r>
+            <a:endParaRPr sz="1800">
+              <a:solidFill>
+                <a:srgbClr val="FFFFFF"/>
+              </a:solidFill>
+            </a:endParaRPr>
+          </a:p>
+          <a:p>
+            <a:pPr indent="0" lvl="0" marL="457200" rtl="0">
+              <a:spcBef>
+                <a:spcPts val="0"/>
+              </a:spcBef>
+              <a:buNone/>
+            </a:pPr>
+            <a:r>
+              <a:t/>
+            </a:r>
+            <a:endParaRPr sz="1800">
+              <a:solidFill>
+                <a:srgbClr val="FFFFFF"/>
+              </a:solidFill>
+            </a:endParaRPr>
           </a:p>
         </p:txBody>
       </p:sp>
@@ -22201,7 +18325,7 @@
   <p:cSld>
     <p:spTree>
       <p:nvGrpSpPr>
-        <p:cNvPr id="369" name="Shape 369"/>
+        <p:cNvPr id="366" name="Shape 366"/>
         <p:cNvGrpSpPr/>
         <p:nvPr/>
       </p:nvGrpSpPr>
@@ -22215,7 +18339,7 @@
       </p:grpSpPr>
       <p:sp>
         <p:nvSpPr>
-          <p:cNvPr id="370" name="Shape 370"/>
+          <p:cNvPr id="367" name="Shape 367"/>
           <p:cNvSpPr txBox="1"/>
           <p:nvPr>
             <p:ph type="title"/>
@@ -22223,8 +18347,8 @@
         </p:nvSpPr>
         <p:spPr>
           <a:xfrm>
-            <a:off x="596575" y="445025"/>
-            <a:ext cx="7997400" cy="572700"/>
+            <a:off x="640500" y="445025"/>
+            <a:ext cx="7831800" cy="572700"/>
           </a:xfrm>
           <a:prstGeom prst="rect">
             <a:avLst/>
@@ -22236,7 +18360,7 @@
           </a:bodyPr>
           <a:lstStyle/>
           <a:p>
-            <a:pPr lvl="0" algn="ctr">
+            <a:pPr lvl="0" rtl="0" algn="ctr">
               <a:spcBef>
                 <a:spcPts val="0"/>
               </a:spcBef>
@@ -22244,14 +18368,26 @@
             </a:pPr>
             <a:r>
               <a:rPr lang="en"/>
-              <a:t>Submodule Testing - Database</a:t>
-            </a:r>
+              <a:t>Completion status of code (cont.)</a:t>
+            </a:r>
+          </a:p>
+          <a:p>
+            <a:pPr lvl="0">
+              <a:spcBef>
+                <a:spcPts val="0"/>
+              </a:spcBef>
+              <a:buNone/>
+            </a:pPr>
+            <a:r>
+              <a:t/>
+            </a:r>
+            <a:endParaRPr/>
           </a:p>
         </p:txBody>
       </p:sp>
       <p:sp>
         <p:nvSpPr>
-          <p:cNvPr id="371" name="Shape 371"/>
+          <p:cNvPr id="368" name="Shape 368"/>
           <p:cNvSpPr txBox="1"/>
           <p:nvPr>
             <p:ph idx="1" type="body"/>
@@ -22259,8 +18395,8 @@
         </p:nvSpPr>
         <p:spPr>
           <a:xfrm>
-            <a:off x="596700" y="1152475"/>
-            <a:ext cx="7997400" cy="3416400"/>
+            <a:off x="640500" y="1152475"/>
+            <a:ext cx="7831800" cy="3416400"/>
           </a:xfrm>
           <a:prstGeom prst="rect">
             <a:avLst/>
@@ -22272,13 +18408,20 @@
           </a:bodyPr>
           <a:lstStyle/>
           <a:p>
-            <a:pPr indent="-228600" lvl="0" marL="457200" rtl="0">
-              <a:spcBef>
-                <a:spcPts val="0"/>
-              </a:spcBef>
-              <a:buClr>
-                <a:srgbClr val="FFFFFF"/>
-              </a:buClr>
+            <a:pPr indent="-342900" lvl="0" marL="457200" rtl="0">
+              <a:lnSpc>
+                <a:spcPct val="100000"/>
+              </a:lnSpc>
+              <a:spcBef>
+                <a:spcPts val="0"/>
+              </a:spcBef>
+              <a:spcAft>
+                <a:spcPts val="0"/>
+              </a:spcAft>
+              <a:buClr>
+                <a:srgbClr val="FFFFFF"/>
+              </a:buClr>
+              <a:buSzPct val="100000"/>
               <a:buChar char="●"/>
             </a:pPr>
             <a:r>
@@ -22287,71 +18430,160 @@
                   <a:srgbClr val="FFFFFF"/>
                 </a:solidFill>
               </a:rPr>
-              <a:t>Insertions - Database is verifying requirements for new records:</a:t>
-            </a:r>
-          </a:p>
-          <a:p>
-            <a:pPr indent="-228600" lvl="1" marL="914400" rtl="0">
-              <a:spcBef>
-                <a:spcPts val="0"/>
-              </a:spcBef>
-              <a:buClr>
-                <a:srgbClr val="FFFFFF"/>
-              </a:buClr>
+              <a:t>Back End </a:t>
+            </a:r>
+          </a:p>
+          <a:p>
+            <a:pPr indent="-342900" lvl="1" marL="914400" rtl="0">
+              <a:lnSpc>
+                <a:spcPct val="100000"/>
+              </a:lnSpc>
+              <a:spcBef>
+                <a:spcPts val="0"/>
+              </a:spcBef>
+              <a:spcAft>
+                <a:spcPts val="0"/>
+              </a:spcAft>
+              <a:buClr>
+                <a:srgbClr val="FFFFFF"/>
+              </a:buClr>
+              <a:buSzPct val="100000"/>
               <a:buChar char="○"/>
             </a:pPr>
             <a:r>
-              <a:rPr lang="en">
-                <a:solidFill>
-                  <a:srgbClr val="FFFFFF"/>
-                </a:solidFill>
-              </a:rPr>
-              <a:t>Non-null attributes are not null - Test by submitting records with null </a:t>
-            </a:r>
-            <a:r>
-              <a:rPr lang="en">
-                <a:solidFill>
-                  <a:srgbClr val="FFFFFF"/>
-                </a:solidFill>
-              </a:rPr>
-              <a:t>values </a:t>
-            </a:r>
-            <a:r>
-              <a:rPr lang="en">
-                <a:solidFill>
-                  <a:srgbClr val="FFFFFF"/>
-                </a:solidFill>
-              </a:rPr>
-              <a:t>for non-null attributes.</a:t>
-            </a:r>
-          </a:p>
-          <a:p>
-            <a:pPr indent="-228600" lvl="1" marL="914400" rtl="0">
-              <a:spcBef>
-                <a:spcPts val="0"/>
-              </a:spcBef>
-              <a:buClr>
-                <a:srgbClr val="FFFFFF"/>
-              </a:buClr>
+              <a:rPr lang="en" sz="1800" u="sng">
+                <a:solidFill>
+                  <a:srgbClr val="FFFFFF"/>
+                </a:solidFill>
+              </a:rPr>
+              <a:t>Finished</a:t>
+            </a:r>
+            <a:r>
+              <a:rPr lang="en" sz="1800">
+                <a:solidFill>
+                  <a:srgbClr val="FFFFFF"/>
+                </a:solidFill>
+              </a:rPr>
+              <a:t>: The server can now connect and query the database.</a:t>
+            </a:r>
+          </a:p>
+          <a:p>
+            <a:pPr indent="-342900" lvl="1" marL="914400" rtl="0">
+              <a:lnSpc>
+                <a:spcPct val="100000"/>
+              </a:lnSpc>
+              <a:spcBef>
+                <a:spcPts val="0"/>
+              </a:spcBef>
+              <a:spcAft>
+                <a:spcPts val="0"/>
+              </a:spcAft>
+              <a:buClr>
+                <a:srgbClr val="FFFFFF"/>
+              </a:buClr>
+              <a:buSzPct val="100000"/>
               <a:buChar char="○"/>
             </a:pPr>
             <a:r>
-              <a:rPr lang="en">
-                <a:solidFill>
-                  <a:srgbClr val="FFFFFF"/>
-                </a:solidFill>
-              </a:rPr>
-              <a:t>Attributes within accepted range of values - Test by submitting records with values outside of range of accepted values.</a:t>
-            </a:r>
-          </a:p>
-          <a:p>
-            <a:pPr indent="-228600" lvl="0" marL="457200" rtl="0">
-              <a:spcBef>
-                <a:spcPts val="0"/>
-              </a:spcBef>
-              <a:buClr>
-                <a:srgbClr val="FFFFFF"/>
-              </a:buClr>
+              <a:rPr lang="en" sz="1800" u="sng">
+                <a:solidFill>
+                  <a:srgbClr val="FFFFFF"/>
+                </a:solidFill>
+              </a:rPr>
+              <a:t>Finished</a:t>
+            </a:r>
+            <a:r>
+              <a:rPr lang="en" sz="1800">
+                <a:solidFill>
+                  <a:srgbClr val="FFFFFF"/>
+                </a:solidFill>
+              </a:rPr>
+              <a:t>: The server can also serve static files for the front end. </a:t>
+            </a:r>
+          </a:p>
+          <a:p>
+            <a:pPr indent="-342900" lvl="1" marL="914400" rtl="0">
+              <a:lnSpc>
+                <a:spcPct val="100000"/>
+              </a:lnSpc>
+              <a:spcBef>
+                <a:spcPts val="0"/>
+              </a:spcBef>
+              <a:spcAft>
+                <a:spcPts val="0"/>
+              </a:spcAft>
+              <a:buClr>
+                <a:srgbClr val="FFFFFF"/>
+              </a:buClr>
+              <a:buSzPct val="100000"/>
+              <a:buChar char="○"/>
+            </a:pPr>
+            <a:r>
+              <a:rPr lang="en" sz="1800" u="sng">
+                <a:solidFill>
+                  <a:srgbClr val="FFFFFF"/>
+                </a:solidFill>
+              </a:rPr>
+              <a:t>Next</a:t>
+            </a:r>
+            <a:r>
+              <a:rPr lang="en" sz="1800">
+                <a:solidFill>
+                  <a:srgbClr val="FFFFFF"/>
+                </a:solidFill>
+              </a:rPr>
+              <a:t>: Submitting forms from the front end.</a:t>
+            </a:r>
+          </a:p>
+          <a:p>
+            <a:pPr indent="-342900" lvl="1" marL="914400" rtl="0">
+              <a:lnSpc>
+                <a:spcPct val="100000"/>
+              </a:lnSpc>
+              <a:spcBef>
+                <a:spcPts val="0"/>
+              </a:spcBef>
+              <a:spcAft>
+                <a:spcPts val="0"/>
+              </a:spcAft>
+              <a:buClr>
+                <a:srgbClr val="FFFFFF"/>
+              </a:buClr>
+              <a:buSzPct val="100000"/>
+              <a:buChar char="○"/>
+            </a:pPr>
+            <a:r>
+              <a:rPr lang="en" sz="1800" u="sng">
+                <a:solidFill>
+                  <a:srgbClr val="FFFFFF"/>
+                </a:solidFill>
+              </a:rPr>
+              <a:t>Next</a:t>
+            </a:r>
+            <a:r>
+              <a:rPr lang="en" sz="1800">
+                <a:solidFill>
+                  <a:srgbClr val="FFFFFF"/>
+                </a:solidFill>
+              </a:rPr>
+              <a:t>: Sending it to the machine learning.</a:t>
+            </a:r>
+          </a:p>
+          <a:p>
+            <a:pPr indent="-342900" lvl="0" marL="457200" rtl="0">
+              <a:lnSpc>
+                <a:spcPct val="100000"/>
+              </a:lnSpc>
+              <a:spcBef>
+                <a:spcPts val="0"/>
+              </a:spcBef>
+              <a:spcAft>
+                <a:spcPts val="0"/>
+              </a:spcAft>
+              <a:buClr>
+                <a:srgbClr val="FFFFFF"/>
+              </a:buClr>
+              <a:buSzPct val="100000"/>
               <a:buChar char="●"/>
             </a:pPr>
             <a:r>
@@ -22360,208 +18592,92 @@
                   <a:srgbClr val="FFFFFF"/>
                 </a:solidFill>
               </a:rPr>
-              <a:t>Query Results - Attributes are configured to return correct query results.</a:t>
-            </a:r>
-          </a:p>
-          <a:p>
-            <a:pPr indent="-228600" lvl="1" marL="914400" rtl="0">
-              <a:spcBef>
-                <a:spcPts val="0"/>
-              </a:spcBef>
-              <a:buClr>
-                <a:srgbClr val="FFFFFF"/>
-              </a:buClr>
+              <a:t>Database</a:t>
+            </a:r>
+          </a:p>
+          <a:p>
+            <a:pPr indent="-342900" lvl="1" marL="914400" rtl="0">
+              <a:lnSpc>
+                <a:spcPct val="100000"/>
+              </a:lnSpc>
+              <a:spcBef>
+                <a:spcPts val="0"/>
+              </a:spcBef>
+              <a:spcAft>
+                <a:spcPts val="0"/>
+              </a:spcAft>
+              <a:buClr>
+                <a:srgbClr val="FFFFFF"/>
+              </a:buClr>
+              <a:buSzPct val="100000"/>
               <a:buChar char="○"/>
             </a:pPr>
             <a:r>
-              <a:rPr lang="en">
-                <a:solidFill>
-                  <a:srgbClr val="FFFFFF"/>
-                </a:solidFill>
-              </a:rPr>
-              <a:t>Records have attribute specified by query - Test by submitting queries with ranges of values for different attributes and check results to see if results match queries.</a:t>
-            </a:r>
-          </a:p>
-          <a:p>
-            <a:pPr indent="-228600" lvl="1" marL="914400" rtl="0">
-              <a:spcBef>
-                <a:spcPts val="0"/>
-              </a:spcBef>
-              <a:buClr>
-                <a:srgbClr val="FFFFFF"/>
-              </a:buClr>
+              <a:rPr lang="en" sz="1800" u="sng">
+                <a:solidFill>
+                  <a:srgbClr val="FFFFFF"/>
+                </a:solidFill>
+              </a:rPr>
+              <a:t>Finished</a:t>
+            </a:r>
+            <a:r>
+              <a:rPr lang="en" sz="1800">
+                <a:solidFill>
+                  <a:srgbClr val="FFFFFF"/>
+                </a:solidFill>
+              </a:rPr>
+              <a:t>: Data acquisition.</a:t>
+            </a:r>
+          </a:p>
+          <a:p>
+            <a:pPr indent="-342900" lvl="1" marL="914400" rtl="0">
+              <a:lnSpc>
+                <a:spcPct val="100000"/>
+              </a:lnSpc>
+              <a:spcBef>
+                <a:spcPts val="0"/>
+              </a:spcBef>
+              <a:spcAft>
+                <a:spcPts val="0"/>
+              </a:spcAft>
+              <a:buClr>
+                <a:srgbClr val="FFFFFF"/>
+              </a:buClr>
+              <a:buSzPct val="100000"/>
               <a:buChar char="○"/>
             </a:pPr>
             <a:r>
-              <a:rPr lang="en">
-                <a:solidFill>
-                  <a:srgbClr val="FFFFFF"/>
-                </a:solidFill>
-              </a:rPr>
-              <a:t>Verify that queries generated by frontend calls return appropriate results - Test by submitting various input to front end and see if results match query requests.</a:t>
-            </a:r>
-          </a:p>
-        </p:txBody>
-      </p:sp>
-    </p:spTree>
-  </p:cSld>
-  <p:clrMapOvr>
-    <a:masterClrMapping/>
-  </p:clrMapOvr>
-</p:sld>
-</file>
-
-<file path=ppt/slides/slide53.xml><?xml version="1.0" encoding="utf-8"?>
-<p:sld xmlns:a="http://schemas.openxmlformats.org/drawingml/2006/main" xmlns:r="http://schemas.openxmlformats.org/officeDocument/2006/relationships" xmlns:mc="http://schemas.openxmlformats.org/markup-compatibility/2006" xmlns:mv="urn:schemas-microsoft-com:mac:vml" xmlns:p="http://schemas.openxmlformats.org/presentationml/2006/main" xmlns:c="http://schemas.openxmlformats.org/drawingml/2006/chart" xmlns:dgm="http://schemas.openxmlformats.org/drawingml/2006/diagram" xmlns:o="urn:schemas-microsoft-com:office:office" xmlns:v="urn:schemas-microsoft-com:vml" xmlns:pvml="urn:schemas-microsoft-com:office:powerpoint" xmlns:com="http://schemas.openxmlformats.org/drawingml/2006/compatibility" xmlns:p14="http://schemas.microsoft.com/office/powerpoint/2010/main">
-  <p:cSld>
-    <p:spTree>
-      <p:nvGrpSpPr>
-        <p:cNvPr id="375" name="Shape 375"/>
-        <p:cNvGrpSpPr/>
-        <p:nvPr/>
-      </p:nvGrpSpPr>
-      <p:grpSpPr>
-        <a:xfrm>
-          <a:off x="0" y="0"/>
-          <a:ext cx="0" cy="0"/>
-          <a:chOff x="0" y="0"/>
-          <a:chExt cx="0" cy="0"/>
-        </a:xfrm>
-      </p:grpSpPr>
-      <p:sp>
-        <p:nvSpPr>
-          <p:cNvPr id="376" name="Shape 376"/>
-          <p:cNvSpPr txBox="1"/>
-          <p:nvPr>
-            <p:ph type="title"/>
-          </p:nvPr>
-        </p:nvSpPr>
-        <p:spPr>
-          <a:xfrm>
-            <a:off x="630800" y="445025"/>
-            <a:ext cx="7919100" cy="572700"/>
-          </a:xfrm>
-          <a:prstGeom prst="rect">
-            <a:avLst/>
-          </a:prstGeom>
-        </p:spPr>
-        <p:txBody>
-          <a:bodyPr anchorCtr="0" anchor="t" bIns="91425" lIns="91425" rIns="91425" tIns="91425">
-            <a:noAutofit/>
-          </a:bodyPr>
-          <a:lstStyle/>
-          <a:p>
-            <a:pPr lvl="0" rtl="0" algn="ctr">
-              <a:spcBef>
-                <a:spcPts val="0"/>
-              </a:spcBef>
-              <a:buNone/>
-            </a:pPr>
-            <a:r>
-              <a:rPr lang="en"/>
-              <a:t>Submodule - Machine Learning</a:t>
-            </a:r>
-          </a:p>
-        </p:txBody>
-      </p:sp>
-      <p:sp>
-        <p:nvSpPr>
-          <p:cNvPr id="377" name="Shape 377"/>
-          <p:cNvSpPr txBox="1"/>
-          <p:nvPr>
-            <p:ph idx="1" type="body"/>
-          </p:nvPr>
-        </p:nvSpPr>
-        <p:spPr>
-          <a:xfrm>
-            <a:off x="630800" y="1152475"/>
-            <a:ext cx="7919100" cy="3416400"/>
-          </a:xfrm>
-          <a:prstGeom prst="rect">
-            <a:avLst/>
-          </a:prstGeom>
-        </p:spPr>
-        <p:txBody>
-          <a:bodyPr anchorCtr="0" anchor="t" bIns="91425" lIns="91425" rIns="91425" tIns="91425">
-            <a:noAutofit/>
-          </a:bodyPr>
-          <a:lstStyle/>
-          <a:p>
-            <a:pPr lvl="0">
-              <a:spcBef>
-                <a:spcPts val="0"/>
-              </a:spcBef>
-              <a:buNone/>
-            </a:pPr>
-            <a:r>
-              <a:rPr lang="en">
-                <a:solidFill>
-                  <a:srgbClr val="FFFFFF"/>
-                </a:solidFill>
-              </a:rPr>
-              <a:t>Coding methods:</a:t>
-            </a:r>
-          </a:p>
-          <a:p>
-            <a:pPr indent="-228600" lvl="0" marL="457200" rtl="0">
-              <a:spcBef>
-                <a:spcPts val="0"/>
-              </a:spcBef>
-              <a:buClr>
-                <a:srgbClr val="FFFFFF"/>
-              </a:buClr>
-            </a:pPr>
-            <a:r>
-              <a:rPr lang="en">
-                <a:solidFill>
-                  <a:srgbClr val="FFFFFF"/>
-                </a:solidFill>
-              </a:rPr>
-              <a:t>Use LabelEncoder to preprocess the data of categorical variables </a:t>
-            </a:r>
-          </a:p>
-          <a:p>
-            <a:pPr indent="-228600" lvl="0" marL="457200" rtl="0">
-              <a:spcBef>
-                <a:spcPts val="0"/>
-              </a:spcBef>
-              <a:buClr>
-                <a:srgbClr val="FFFFFF"/>
-              </a:buClr>
-            </a:pPr>
-            <a:r>
-              <a:rPr lang="en">
-                <a:solidFill>
-                  <a:srgbClr val="FFFFFF"/>
-                </a:solidFill>
-              </a:rPr>
-              <a:t>Send that preprocessed data into the RandomForestClassifier</a:t>
-            </a:r>
-          </a:p>
-          <a:p>
-            <a:pPr lvl="0" rtl="0">
-              <a:spcBef>
-                <a:spcPts val="0"/>
-              </a:spcBef>
-              <a:buNone/>
-            </a:pPr>
-            <a:r>
-              <a:rPr lang="en">
-                <a:solidFill>
-                  <a:srgbClr val="FFFFFF"/>
-                </a:solidFill>
-              </a:rPr>
-              <a:t>Unit Testing: </a:t>
-            </a:r>
-          </a:p>
-          <a:p>
-            <a:pPr indent="-228600" lvl="0" marL="457200" rtl="0">
-              <a:spcBef>
-                <a:spcPts val="0"/>
-              </a:spcBef>
-              <a:buClr>
-                <a:srgbClr val="FFFFFF"/>
-              </a:buClr>
+              <a:rPr lang="en" sz="1800" u="sng">
+                <a:solidFill>
+                  <a:srgbClr val="FFFFFF"/>
+                </a:solidFill>
+              </a:rPr>
+              <a:t>Next</a:t>
+            </a:r>
+            <a:r>
+              <a:rPr lang="en" sz="1800">
+                <a:solidFill>
+                  <a:srgbClr val="FFFFFF"/>
+                </a:solidFill>
+              </a:rPr>
+              <a:t>: Create unit tests.</a:t>
+            </a:r>
+          </a:p>
+          <a:p>
+            <a:pPr indent="-342900" lvl="0" marL="457200" rtl="0">
+              <a:lnSpc>
+                <a:spcPct val="100000"/>
+              </a:lnSpc>
+              <a:spcBef>
+                <a:spcPts val="0"/>
+              </a:spcBef>
+              <a:spcAft>
+                <a:spcPts val="0"/>
+              </a:spcAft>
+              <a:buClr>
+                <a:srgbClr val="FFFFFF"/>
+              </a:buClr>
+              <a:buSzPct val="100000"/>
               <a:buChar char="●"/>
             </a:pPr>
             <a:r>
@@ -22570,27 +18686,76 @@
                   <a:srgbClr val="FFFFFF"/>
                 </a:solidFill>
               </a:rPr>
-              <a:t>Volume  </a:t>
-            </a:r>
-          </a:p>
-          <a:p>
-            <a:pPr indent="-228600" lvl="0" marL="457200" rtl="0">
-              <a:spcBef>
-                <a:spcPts val="0"/>
-              </a:spcBef>
-              <a:buClr>
-                <a:srgbClr val="FFFFFF"/>
-              </a:buClr>
-              <a:buChar char="●"/>
-            </a:pPr>
-            <a:r>
-              <a:t/>
-            </a:r>
-            <a:endParaRPr>
-              <a:solidFill>
-                <a:srgbClr val="FFFFFF"/>
-              </a:solidFill>
-            </a:endParaRPr>
+              <a:t>Machine Learning</a:t>
+            </a:r>
+          </a:p>
+          <a:p>
+            <a:pPr indent="-342900" lvl="1" marL="914400" rtl="0">
+              <a:lnSpc>
+                <a:spcPct val="100000"/>
+              </a:lnSpc>
+              <a:spcBef>
+                <a:spcPts val="0"/>
+              </a:spcBef>
+              <a:spcAft>
+                <a:spcPts val="0"/>
+              </a:spcAft>
+              <a:buClr>
+                <a:srgbClr val="FFFFFF"/>
+              </a:buClr>
+              <a:buSzPct val="100000"/>
+              <a:buChar char="○"/>
+            </a:pPr>
+            <a:r>
+              <a:rPr lang="en" sz="1800" u="sng">
+                <a:solidFill>
+                  <a:srgbClr val="FFFFFF"/>
+                </a:solidFill>
+              </a:rPr>
+              <a:t>Finished</a:t>
+            </a:r>
+            <a:r>
+              <a:rPr lang="en" sz="1800">
+                <a:solidFill>
+                  <a:srgbClr val="FFFFFF"/>
+                </a:solidFill>
+              </a:rPr>
+              <a:t>:</a:t>
+            </a:r>
+          </a:p>
+          <a:p>
+            <a:pPr indent="-342900" lvl="1" marL="914400" rtl="0">
+              <a:lnSpc>
+                <a:spcPct val="100000"/>
+              </a:lnSpc>
+              <a:spcBef>
+                <a:spcPts val="0"/>
+              </a:spcBef>
+              <a:spcAft>
+                <a:spcPts val="0"/>
+              </a:spcAft>
+              <a:buClr>
+                <a:srgbClr val="FFFFFF"/>
+              </a:buClr>
+              <a:buSzPct val="100000"/>
+              <a:buChar char="○"/>
+            </a:pPr>
+            <a:r>
+              <a:rPr lang="en" sz="1800" u="sng">
+                <a:solidFill>
+                  <a:srgbClr val="FFFFFF"/>
+                </a:solidFill>
+              </a:rPr>
+              <a:t>Next</a:t>
+            </a:r>
+            <a:r>
+              <a:rPr lang="en" sz="1800">
+                <a:solidFill>
+                  <a:srgbClr val="FFFFFF"/>
+                </a:solidFill>
+              </a:rPr>
+              <a:t>:</a:t>
+            </a:r>
           </a:p>
         </p:txBody>
       </p:sp>
@@ -23462,6 +19627,285 @@
 </file>
 
 <file path=ppt/theme/theme1.xml><?xml version="1.0" encoding="utf-8"?>
+<a:theme xmlns:a="http://schemas.openxmlformats.org/drawingml/2006/main" xmlns:r="http://schemas.openxmlformats.org/officeDocument/2006/relationships" name="Custom Theme">
+  <a:themeElements>
+    <a:clrScheme name="Default">
+      <a:dk1>
+        <a:srgbClr val="000000"/>
+      </a:dk1>
+      <a:lt1>
+        <a:srgbClr val="FFFFFF"/>
+      </a:lt1>
+      <a:dk2>
+        <a:srgbClr val="158158"/>
+      </a:dk2>
+      <a:lt2>
+        <a:srgbClr val="F3F3F3"/>
+      </a:lt2>
+      <a:accent1>
+        <a:srgbClr val="058DC7"/>
+      </a:accent1>
+      <a:accent2>
+        <a:srgbClr val="50B432"/>
+      </a:accent2>
+      <a:accent3>
+        <a:srgbClr val="ED561B"/>
+      </a:accent3>
+      <a:accent4>
+        <a:srgbClr val="EDEF00"/>
+      </a:accent4>
+      <a:accent5>
+        <a:srgbClr val="24CBE5"/>
+      </a:accent5>
+      <a:accent6>
+        <a:srgbClr val="64E572"/>
+      </a:accent6>
+      <a:hlink>
+        <a:srgbClr val="2200CC"/>
+      </a:hlink>
+      <a:folHlink>
+        <a:srgbClr val="551A8B"/>
+      </a:folHlink>
+    </a:clrScheme>
+    <a:fontScheme name="Office">
+      <a:majorFont>
+        <a:latin typeface="Arial"/>
+        <a:ea typeface=""/>
+        <a:cs typeface=""/>
+        <a:font script="Jpan" typeface="ＭＳ Ｐゴシック"/>
+        <a:font script="Hang" typeface="맑은 고딕"/>
+        <a:font script="Hans" typeface="宋体"/>
+        <a:font script="Hant" typeface="新細明體"/>
+        <a:font script="Arab" typeface="Times New Roman"/>
+        <a:font script="Hebr" typeface="Times New Roman"/>
+        <a:font script="Thai" typeface="Angsana New"/>
+        <a:font script="Ethi" typeface="Nyala"/>
+        <a:font script="Beng" typeface="Vrinda"/>
+        <a:font script="Gujr" typeface="Shruti"/>
+        <a:font script="Khmr" typeface="MoolBoran"/>
+        <a:font script="Knda" typeface="Tunga"/>
+        <a:font script="Guru" typeface="Raavi"/>
+        <a:font script="Cans" typeface="Euphemia"/>
+        <a:font script="Cher" typeface="Plantagenet Cherokee"/>
+        <a:font script="Yiii" typeface="Microsoft Yi Baiti"/>
+        <a:font script="Tibt" typeface="Microsoft Himalaya"/>
+        <a:font script="Thaa" typeface="MV Boli"/>
+        <a:font script="Deva" typeface="Mangal"/>
+        <a:font script="Telu" typeface="Gautami"/>
+        <a:font script="Taml" typeface="Latha"/>
+        <a:font script="Syrc" typeface="Estrangelo Edessa"/>
+        <a:font script="Orya" typeface="Kalinga"/>
+        <a:font script="Mlym" typeface="Kartika"/>
+        <a:font script="Laoo" typeface="DokChampa"/>
+        <a:font script="Sinh" typeface="Iskoola Pota"/>
+        <a:font script="Mong" typeface="Mongolian Baiti"/>
+        <a:font script="Viet" typeface="Times New Roman"/>
+        <a:font script="Uigh" typeface="Microsoft Uighur"/>
+        <a:font script="Geor" typeface="Sylfaen"/>
+      </a:majorFont>
+      <a:minorFont>
+        <a:latin typeface="Arial"/>
+        <a:ea typeface=""/>
+        <a:cs typeface=""/>
+        <a:font script="Jpan" typeface="ＭＳ Ｐゴシック"/>
+        <a:font script="Hang" typeface="맑은 고딕"/>
+        <a:font script="Hans" typeface="宋体"/>
+        <a:font script="Hant" typeface="新細明體"/>
+        <a:font script="Arab" typeface="Arial"/>
+        <a:font script="Hebr" typeface="Arial"/>
+        <a:font script="Thai" typeface="Cordia New"/>
+        <a:font script="Ethi" typeface="Nyala"/>
+        <a:font script="Beng" typeface="Vrinda"/>
+        <a:font script="Gujr" typeface="Shruti"/>
+        <a:font script="Khmr" typeface="DaunPenh"/>
+        <a:font script="Knda" typeface="Tunga"/>
+        <a:font script="Guru" typeface="Raavi"/>
+        <a:font script="Cans" typeface="Euphemia"/>
+        <a:font script="Cher" typeface="Plantagenet Cherokee"/>
+        <a:font script="Yiii" typeface="Microsoft Yi Baiti"/>
+        <a:font script="Tibt" typeface="Microsoft Himalaya"/>
+        <a:font script="Thaa" typeface="MV Boli"/>
+        <a:font script="Deva" typeface="Mangal"/>
+        <a:font script="Telu" typeface="Gautami"/>
+        <a:font script="Taml" typeface="Latha"/>
+        <a:font script="Syrc" typeface="Estrangelo Edessa"/>
+        <a:font script="Orya" typeface="Kalinga"/>
+        <a:font script="Mlym" typeface="Kartika"/>
+        <a:font script="Laoo" typeface="DokChampa"/>
+        <a:font script="Sinh" typeface="Iskoola Pota"/>
+        <a:font script="Mong" typeface="Mongolian Baiti"/>
+        <a:font script="Viet" typeface="Arial"/>
+        <a:font script="Uigh" typeface="Microsoft Uighur"/>
+        <a:font script="Geor" typeface="Sylfaen"/>
+      </a:minorFont>
+    </a:fontScheme>
+    <a:fmtScheme name="Office">
+      <a:fillStyleLst>
+        <a:solidFill>
+          <a:schemeClr val="phClr"/>
+        </a:solidFill>
+        <a:gradFill rotWithShape="1">
+          <a:gsLst>
+            <a:gs pos="0">
+              <a:schemeClr val="phClr">
+                <a:tint val="50000"/>
+                <a:satMod val="300000"/>
+              </a:schemeClr>
+            </a:gs>
+            <a:gs pos="35000">
+              <a:schemeClr val="phClr">
+                <a:tint val="37000"/>
+                <a:satMod val="300000"/>
+              </a:schemeClr>
+            </a:gs>
+            <a:gs pos="100000">
+              <a:schemeClr val="phClr">
+                <a:tint val="15000"/>
+                <a:satMod val="350000"/>
+              </a:schemeClr>
+            </a:gs>
+          </a:gsLst>
+          <a:lin ang="16200000" scaled="1"/>
+        </a:gradFill>
+        <a:gradFill rotWithShape="1">
+          <a:gsLst>
+            <a:gs pos="0">
+              <a:schemeClr val="phClr">
+                <a:tint val="100000"/>
+                <a:shade val="100000"/>
+                <a:satMod val="130000"/>
+              </a:schemeClr>
+            </a:gs>
+            <a:gs pos="100000">
+              <a:schemeClr val="phClr">
+                <a:tint val="50000"/>
+                <a:shade val="100000"/>
+                <a:satMod val="350000"/>
+              </a:schemeClr>
+            </a:gs>
+          </a:gsLst>
+          <a:lin ang="16200000" scaled="0"/>
+        </a:gradFill>
+      </a:fillStyleLst>
+      <a:lnStyleLst>
+        <a:ln w="9525" cap="flat" cmpd="sng" algn="ctr">
+          <a:solidFill>
+            <a:schemeClr val="phClr">
+              <a:shade val="95000"/>
+              <a:satMod val="105000"/>
+            </a:schemeClr>
+          </a:solidFill>
+          <a:prstDash val="solid"/>
+        </a:ln>
+        <a:ln w="25400" cap="flat" cmpd="sng" algn="ctr">
+          <a:solidFill>
+            <a:schemeClr val="phClr"/>
+          </a:solidFill>
+          <a:prstDash val="solid"/>
+        </a:ln>
+        <a:ln w="38100" cap="flat" cmpd="sng" algn="ctr">
+          <a:solidFill>
+            <a:schemeClr val="phClr"/>
+          </a:solidFill>
+          <a:prstDash val="solid"/>
+        </a:ln>
+      </a:lnStyleLst>
+      <a:effectStyleLst>
+        <a:effectStyle>
+          <a:effectLst>
+            <a:outerShdw blurRad="40000" dist="20000" dir="5400000" rotWithShape="0">
+              <a:srgbClr val="000000">
+                <a:alpha val="38000"/>
+              </a:srgbClr>
+            </a:outerShdw>
+          </a:effectLst>
+        </a:effectStyle>
+        <a:effectStyle>
+          <a:effectLst>
+            <a:outerShdw blurRad="40000" dist="23000" dir="5400000" rotWithShape="0">
+              <a:srgbClr val="000000">
+                <a:alpha val="35000"/>
+              </a:srgbClr>
+            </a:outerShdw>
+          </a:effectLst>
+        </a:effectStyle>
+        <a:effectStyle>
+          <a:effectLst>
+            <a:outerShdw blurRad="40000" dist="23000" dir="5400000" rotWithShape="0">
+              <a:srgbClr val="000000">
+                <a:alpha val="35000"/>
+              </a:srgbClr>
+            </a:outerShdw>
+          </a:effectLst>
+          <a:scene3d>
+            <a:camera prst="orthographicFront">
+              <a:rot lat="0" lon="0" rev="0"/>
+            </a:camera>
+            <a:lightRig rig="threePt" dir="t">
+              <a:rot lat="0" lon="0" rev="1200000"/>
+            </a:lightRig>
+          </a:scene3d>
+          <a:sp3d>
+            <a:bevelT w="63500" h="25400"/>
+          </a:sp3d>
+        </a:effectStyle>
+      </a:effectStyleLst>
+      <a:bgFillStyleLst>
+        <a:solidFill>
+          <a:schemeClr val="phClr"/>
+        </a:solidFill>
+        <a:gradFill rotWithShape="1">
+          <a:gsLst>
+            <a:gs pos="0">
+              <a:schemeClr val="phClr">
+                <a:tint val="40000"/>
+                <a:satMod val="350000"/>
+              </a:schemeClr>
+            </a:gs>
+            <a:gs pos="40000">
+              <a:schemeClr val="phClr">
+                <a:tint val="45000"/>
+                <a:shade val="99000"/>
+                <a:satMod val="350000"/>
+              </a:schemeClr>
+            </a:gs>
+            <a:gs pos="100000">
+              <a:schemeClr val="phClr">
+                <a:shade val="20000"/>
+                <a:satMod val="255000"/>
+              </a:schemeClr>
+            </a:gs>
+          </a:gsLst>
+          <a:path path="circle">
+            <a:fillToRect l="50000" t="-80000" r="50000" b="180000"/>
+          </a:path>
+        </a:gradFill>
+        <a:gradFill rotWithShape="1">
+          <a:gsLst>
+            <a:gs pos="0">
+              <a:schemeClr val="phClr">
+                <a:tint val="80000"/>
+                <a:satMod val="300000"/>
+              </a:schemeClr>
+            </a:gs>
+            <a:gs pos="100000">
+              <a:schemeClr val="phClr">
+                <a:shade val="30000"/>
+                <a:satMod val="200000"/>
+              </a:schemeClr>
+            </a:gs>
+          </a:gsLst>
+          <a:path path="circle">
+            <a:fillToRect l="50000" t="50000" r="50000" b="50000"/>
+          </a:path>
+        </a:gradFill>
+      </a:bgFillStyleLst>
+    </a:fmtScheme>
+  </a:themeElements>
+</a:theme>
+</file>
+
+<file path=ppt/theme/theme2.xml><?xml version="1.0" encoding="utf-8"?>
 <a:theme xmlns:a="http://schemas.openxmlformats.org/drawingml/2006/main" xmlns:r="http://schemas.openxmlformats.org/officeDocument/2006/relationships" name="simple-dark-2">
   <a:themeElements>
     <a:clrScheme name="Simple Dark">
@@ -23738,283 +20182,4 @@
     </a:fmtScheme>
   </a:themeElements>
 </a:theme>
-</file>
-
-<file path=ppt/theme/theme2.xml><?xml version="1.0" encoding="utf-8"?>
-<a:theme xmlns:a="http://schemas.openxmlformats.org/drawingml/2006/main" xmlns:r="http://schemas.openxmlformats.org/officeDocument/2006/relationships" name="Custom Theme">
-  <a:themeElements>
-    <a:clrScheme name="Default">
-      <a:dk1>
-        <a:srgbClr val="000000"/>
-      </a:dk1>
-      <a:lt1>
-        <a:srgbClr val="FFFFFF"/>
-      </a:lt1>
-      <a:dk2>
-        <a:srgbClr val="158158"/>
-      </a:dk2>
-      <a:lt2>
-        <a:srgbClr val="F3F3F3"/>
-      </a:lt2>
-      <a:accent1>
-        <a:srgbClr val="058DC7"/>
-      </a:accent1>
-      <a:accent2>
-        <a:srgbClr val="50B432"/>
-      </a:accent2>
-      <a:accent3>
-        <a:srgbClr val="ED561B"/>
-      </a:accent3>
-      <a:accent4>
-        <a:srgbClr val="EDEF00"/>
-      </a:accent4>
-      <a:accent5>
-        <a:srgbClr val="24CBE5"/>
-      </a:accent5>
-      <a:accent6>
-        <a:srgbClr val="64E572"/>
-      </a:accent6>
-      <a:hlink>
-        <a:srgbClr val="2200CC"/>
-      </a:hlink>
-      <a:folHlink>
-        <a:srgbClr val="551A8B"/>
-      </a:folHlink>
-    </a:clrScheme>
-    <a:fontScheme name="Office">
-      <a:majorFont>
-        <a:latin typeface="Arial"/>
-        <a:ea typeface=""/>
-        <a:cs typeface=""/>
-        <a:font script="Jpan" typeface="ＭＳ Ｐゴシック"/>
-        <a:font script="Hang" typeface="맑은 고딕"/>
-        <a:font script="Hans" typeface="宋体"/>
-        <a:font script="Hant" typeface="新細明體"/>
-        <a:font script="Arab" typeface="Times New Roman"/>
-        <a:font script="Hebr" typeface="Times New Roman"/>
-        <a:font script="Thai" typeface="Angsana New"/>
-        <a:font script="Ethi" typeface="Nyala"/>
-        <a:font script="Beng" typeface="Vrinda"/>
-        <a:font script="Gujr" typeface="Shruti"/>
-        <a:font script="Khmr" typeface="MoolBoran"/>
-        <a:font script="Knda" typeface="Tunga"/>
-        <a:font script="Guru" typeface="Raavi"/>
-        <a:font script="Cans" typeface="Euphemia"/>
-        <a:font script="Cher" typeface="Plantagenet Cherokee"/>
-        <a:font script="Yiii" typeface="Microsoft Yi Baiti"/>
-        <a:font script="Tibt" typeface="Microsoft Himalaya"/>
-        <a:font script="Thaa" typeface="MV Boli"/>
-        <a:font script="Deva" typeface="Mangal"/>
-        <a:font script="Telu" typeface="Gautami"/>
-        <a:font script="Taml" typeface="Latha"/>
-        <a:font script="Syrc" typeface="Estrangelo Edessa"/>
-        <a:font script="Orya" typeface="Kalinga"/>
-        <a:font script="Mlym" typeface="Kartika"/>
-        <a:font script="Laoo" typeface="DokChampa"/>
-        <a:font script="Sinh" typeface="Iskoola Pota"/>
-        <a:font script="Mong" typeface="Mongolian Baiti"/>
-        <a:font script="Viet" typeface="Times New Roman"/>
-        <a:font script="Uigh" typeface="Microsoft Uighur"/>
-        <a:font script="Geor" typeface="Sylfaen"/>
-      </a:majorFont>
-      <a:minorFont>
-        <a:latin typeface="Arial"/>
-        <a:ea typeface=""/>
-        <a:cs typeface=""/>
-        <a:font script="Jpan" typeface="ＭＳ Ｐゴシック"/>
-        <a:font script="Hang" typeface="맑은 고딕"/>
-        <a:font script="Hans" typeface="宋体"/>
-        <a:font script="Hant" typeface="新細明體"/>
-        <a:font script="Arab" typeface="Arial"/>
-        <a:font script="Hebr" typeface="Arial"/>
-        <a:font script="Thai" typeface="Cordia New"/>
-        <a:font script="Ethi" typeface="Nyala"/>
-        <a:font script="Beng" typeface="Vrinda"/>
-        <a:font script="Gujr" typeface="Shruti"/>
-        <a:font script="Khmr" typeface="DaunPenh"/>
-        <a:font script="Knda" typeface="Tunga"/>
-        <a:font script="Guru" typeface="Raavi"/>
-        <a:font script="Cans" typeface="Euphemia"/>
-        <a:font script="Cher" typeface="Plantagenet Cherokee"/>
-        <a:font script="Yiii" typeface="Microsoft Yi Baiti"/>
-        <a:font script="Tibt" typeface="Microsoft Himalaya"/>
-        <a:font script="Thaa" typeface="MV Boli"/>
-        <a:font script="Deva" typeface="Mangal"/>
-        <a:font script="Telu" typeface="Gautami"/>
-        <a:font script="Taml" typeface="Latha"/>
-        <a:font script="Syrc" typeface="Estrangelo Edessa"/>
-        <a:font script="Orya" typeface="Kalinga"/>
-        <a:font script="Mlym" typeface="Kartika"/>
-        <a:font script="Laoo" typeface="DokChampa"/>
-        <a:font script="Sinh" typeface="Iskoola Pota"/>
-        <a:font script="Mong" typeface="Mongolian Baiti"/>
-        <a:font script="Viet" typeface="Arial"/>
-        <a:font script="Uigh" typeface="Microsoft Uighur"/>
-        <a:font script="Geor" typeface="Sylfaen"/>
-      </a:minorFont>
-    </a:fontScheme>
-    <a:fmtScheme name="Office">
-      <a:fillStyleLst>
-        <a:solidFill>
-          <a:schemeClr val="phClr"/>
-        </a:solidFill>
-        <a:gradFill rotWithShape="1">
-          <a:gsLst>
-            <a:gs pos="0">
-              <a:schemeClr val="phClr">
-                <a:tint val="50000"/>
-                <a:satMod val="300000"/>
-              </a:schemeClr>
-            </a:gs>
-            <a:gs pos="35000">
-              <a:schemeClr val="phClr">
-                <a:tint val="37000"/>
-                <a:satMod val="300000"/>
-              </a:schemeClr>
-            </a:gs>
-            <a:gs pos="100000">
-              <a:schemeClr val="phClr">
-                <a:tint val="15000"/>
-                <a:satMod val="350000"/>
-              </a:schemeClr>
-            </a:gs>
-          </a:gsLst>
-          <a:lin ang="16200000" scaled="1"/>
-        </a:gradFill>
-        <a:gradFill rotWithShape="1">
-          <a:gsLst>
-            <a:gs pos="0">
-              <a:schemeClr val="phClr">
-                <a:tint val="100000"/>
-                <a:shade val="100000"/>
-                <a:satMod val="130000"/>
-              </a:schemeClr>
-            </a:gs>
-            <a:gs pos="100000">
-              <a:schemeClr val="phClr">
-                <a:tint val="50000"/>
-                <a:shade val="100000"/>
-                <a:satMod val="350000"/>
-              </a:schemeClr>
-            </a:gs>
-          </a:gsLst>
-          <a:lin ang="16200000" scaled="0"/>
-        </a:gradFill>
-      </a:fillStyleLst>
-      <a:lnStyleLst>
-        <a:ln w="9525" cap="flat" cmpd="sng" algn="ctr">
-          <a:solidFill>
-            <a:schemeClr val="phClr">
-              <a:shade val="95000"/>
-              <a:satMod val="105000"/>
-            </a:schemeClr>
-          </a:solidFill>
-          <a:prstDash val="solid"/>
-        </a:ln>
-        <a:ln w="25400" cap="flat" cmpd="sng" algn="ctr">
-          <a:solidFill>
-            <a:schemeClr val="phClr"/>
-          </a:solidFill>
-          <a:prstDash val="solid"/>
-        </a:ln>
-        <a:ln w="38100" cap="flat" cmpd="sng" algn="ctr">
-          <a:solidFill>
-            <a:schemeClr val="phClr"/>
-          </a:solidFill>
-          <a:prstDash val="solid"/>
-        </a:ln>
-      </a:lnStyleLst>
-      <a:effectStyleLst>
-        <a:effectStyle>
-          <a:effectLst>
-            <a:outerShdw blurRad="40000" dist="20000" dir="5400000" rotWithShape="0">
-              <a:srgbClr val="000000">
-                <a:alpha val="38000"/>
-              </a:srgbClr>
-            </a:outerShdw>
-          </a:effectLst>
-        </a:effectStyle>
-        <a:effectStyle>
-          <a:effectLst>
-            <a:outerShdw blurRad="40000" dist="23000" dir="5400000" rotWithShape="0">
-              <a:srgbClr val="000000">
-                <a:alpha val="35000"/>
-              </a:srgbClr>
-            </a:outerShdw>
-          </a:effectLst>
-        </a:effectStyle>
-        <a:effectStyle>
-          <a:effectLst>
-            <a:outerShdw blurRad="40000" dist="23000" dir="5400000" rotWithShape="0">
-              <a:srgbClr val="000000">
-                <a:alpha val="35000"/>
-              </a:srgbClr>
-            </a:outerShdw>
-          </a:effectLst>
-          <a:scene3d>
-            <a:camera prst="orthographicFront">
-              <a:rot lat="0" lon="0" rev="0"/>
-            </a:camera>
-            <a:lightRig rig="threePt" dir="t">
-              <a:rot lat="0" lon="0" rev="1200000"/>
-            </a:lightRig>
-          </a:scene3d>
-          <a:sp3d>
-            <a:bevelT w="63500" h="25400"/>
-          </a:sp3d>
-        </a:effectStyle>
-      </a:effectStyleLst>
-      <a:bgFillStyleLst>
-        <a:solidFill>
-          <a:schemeClr val="phClr"/>
-        </a:solidFill>
-        <a:gradFill rotWithShape="1">
-          <a:gsLst>
-            <a:gs pos="0">
-              <a:schemeClr val="phClr">
-                <a:tint val="40000"/>
-                <a:satMod val="350000"/>
-              </a:schemeClr>
-            </a:gs>
-            <a:gs pos="40000">
-              <a:schemeClr val="phClr">
-                <a:tint val="45000"/>
-                <a:shade val="99000"/>
-                <a:satMod val="350000"/>
-              </a:schemeClr>
-            </a:gs>
-            <a:gs pos="100000">
-              <a:schemeClr val="phClr">
-                <a:shade val="20000"/>
-                <a:satMod val="255000"/>
-              </a:schemeClr>
-            </a:gs>
-          </a:gsLst>
-          <a:path path="circle">
-            <a:fillToRect l="50000" t="-80000" r="50000" b="180000"/>
-          </a:path>
-        </a:gradFill>
-        <a:gradFill rotWithShape="1">
-          <a:gsLst>
-            <a:gs pos="0">
-              <a:schemeClr val="phClr">
-                <a:tint val="80000"/>
-                <a:satMod val="300000"/>
-              </a:schemeClr>
-            </a:gs>
-            <a:gs pos="100000">
-              <a:schemeClr val="phClr">
-                <a:shade val="30000"/>
-                <a:satMod val="200000"/>
-              </a:schemeClr>
-            </a:gs>
-          </a:gsLst>
-          <a:path path="circle">
-            <a:fillToRect l="50000" t="50000" r="50000" b="50000"/>
-          </a:path>
-        </a:gradFill>
-      </a:bgFillStyleLst>
-    </a:fmtScheme>
-  </a:themeElements>
-</a:theme>
 </file>